--- a/documents/Prezentare/cc-2016-spring-data.pptx
+++ b/documents/Prezentare/cc-2016-spring-data.pptx
@@ -5,7 +5,7 @@
     <p:sldMasterId id="2147483660" r:id="rId1"/>
   </p:sldMasterIdLst>
   <p:notesMasterIdLst>
-    <p:notesMasterId r:id="rId24"/>
+    <p:notesMasterId r:id="rId26"/>
   </p:notesMasterIdLst>
   <p:sldIdLst>
     <p:sldId id="256" r:id="rId2"/>
@@ -26,10 +26,12 @@
     <p:sldId id="271" r:id="rId17"/>
     <p:sldId id="272" r:id="rId18"/>
     <p:sldId id="273" r:id="rId19"/>
-    <p:sldId id="276" r:id="rId20"/>
-    <p:sldId id="277" r:id="rId21"/>
-    <p:sldId id="274" r:id="rId22"/>
-    <p:sldId id="275" r:id="rId23"/>
+    <p:sldId id="279" r:id="rId20"/>
+    <p:sldId id="278" r:id="rId21"/>
+    <p:sldId id="276" r:id="rId22"/>
+    <p:sldId id="277" r:id="rId23"/>
+    <p:sldId id="274" r:id="rId24"/>
+    <p:sldId id="275" r:id="rId25"/>
   </p:sldIdLst>
   <p:sldSz cx="12192000" cy="6858000"/>
   <p:notesSz cx="6858000" cy="9144000"/>
@@ -151,6 +153,8 @@
             <p14:sldId id="271"/>
             <p14:sldId id="272"/>
             <p14:sldId id="273"/>
+            <p14:sldId id="279"/>
+            <p14:sldId id="278"/>
             <p14:sldId id="276"/>
             <p14:sldId id="277"/>
             <p14:sldId id="274"/>
@@ -1066,8 +1070,8 @@
     <dgm:cxn modelId="{0C5C3F63-05DB-4765-8FE9-A110C6310895}" type="presOf" srcId="{4FE8A236-F8DA-4B60-9F3F-12BE279A83A4}" destId="{F40E7619-B182-49EB-9C81-683B39B874A8}" srcOrd="0" destOrd="0" presId="urn:microsoft.com/office/officeart/2005/8/layout/hProcess9"/>
     <dgm:cxn modelId="{72A189CF-6105-4DCF-91DE-0088CE925DD7}" type="presOf" srcId="{D7BEEEFA-3F44-46B1-AE59-01F5A96A51C0}" destId="{768E4A4A-A5AB-47FE-B994-C942B925C2A4}" srcOrd="0" destOrd="0" presId="urn:microsoft.com/office/officeart/2005/8/layout/hProcess9"/>
     <dgm:cxn modelId="{EBAF1306-8AF4-4096-A8EA-065F56B6F883}" srcId="{D7BEEEFA-3F44-46B1-AE59-01F5A96A51C0}" destId="{B69B5E6C-0DDC-4F8A-BCCB-E480FC266E57}" srcOrd="0" destOrd="0" parTransId="{177ACB11-663B-4048-BAE8-761F3D98A54F}" sibTransId="{422C2E5F-0223-4FB0-8578-F26F79BF4F99}"/>
+    <dgm:cxn modelId="{42D6B223-78D5-4AF5-BDE2-0FAAFF994D68}" type="presOf" srcId="{B69B5E6C-0DDC-4F8A-BCCB-E480FC266E57}" destId="{B07EF7D4-7229-4A23-AFBA-A36BAA52019D}" srcOrd="0" destOrd="0" presId="urn:microsoft.com/office/officeart/2005/8/layout/hProcess9"/>
     <dgm:cxn modelId="{64D16D93-F27D-4FA2-B341-92D9F2BD9CB7}" srcId="{D7BEEEFA-3F44-46B1-AE59-01F5A96A51C0}" destId="{4FE8A236-F8DA-4B60-9F3F-12BE279A83A4}" srcOrd="1" destOrd="0" parTransId="{219DEFF1-972F-4086-8870-0637BF894306}" sibTransId="{DF2A2D41-6B1C-4726-AC5B-AD6939A056EC}"/>
-    <dgm:cxn modelId="{42D6B223-78D5-4AF5-BDE2-0FAAFF994D68}" type="presOf" srcId="{B69B5E6C-0DDC-4F8A-BCCB-E480FC266E57}" destId="{B07EF7D4-7229-4A23-AFBA-A36BAA52019D}" srcOrd="0" destOrd="0" presId="urn:microsoft.com/office/officeart/2005/8/layout/hProcess9"/>
     <dgm:cxn modelId="{B57F05A3-DA88-4920-A279-565F50CB7F36}" type="presParOf" srcId="{768E4A4A-A5AB-47FE-B994-C942B925C2A4}" destId="{5B6F7D7A-FB6E-4E0F-9CF3-FD3070635E20}" srcOrd="0" destOrd="0" presId="urn:microsoft.com/office/officeart/2005/8/layout/hProcess9"/>
     <dgm:cxn modelId="{A84A0267-7C1F-4440-9886-87CEE7035C18}" type="presParOf" srcId="{768E4A4A-A5AB-47FE-B994-C942B925C2A4}" destId="{815669DA-26CB-4472-B022-7DA76760935A}" srcOrd="1" destOrd="0" presId="urn:microsoft.com/office/officeart/2005/8/layout/hProcess9"/>
     <dgm:cxn modelId="{8D3D982B-547D-4F50-BA91-2DB70F163C6B}" type="presParOf" srcId="{815669DA-26CB-4472-B022-7DA76760935A}" destId="{B07EF7D4-7229-4A23-AFBA-A36BAA52019D}" srcOrd="0" destOrd="0" presId="urn:microsoft.com/office/officeart/2005/8/layout/hProcess9"/>
@@ -2560,7 +2564,7 @@
           <a:p>
             <a:fld id="{F97D5301-4AE1-475E-B50A-DBFF93DBE1B2}" type="datetimeFigureOut">
               <a:rPr lang="ro-RO" smtClean="0"/>
-              <a:t>13.04.2016</a:t>
+              <a:t>17.04.2016</a:t>
             </a:fld>
             <a:endParaRPr lang="ro-RO"/>
           </a:p>
@@ -3164,13 +3168,45 @@
           <a:bodyPr/>
           <a:lstStyle/>
           <a:p>
+            <a:pPr marL="171450" indent="-171450">
+              <a:buFontTx/>
+              <a:buChar char="-"/>
+            </a:pPr>
             <a:r>
               <a:rPr lang="ro-RO" dirty="0" smtClean="0"/>
-              <a:t>- Creare de query-uri dupa</a:t>
+              <a:t>Creare </a:t>
+            </a:r>
+            <a:r>
+              <a:rPr lang="ro-RO" dirty="0" smtClean="0"/>
+              <a:t>de query-uri dupa</a:t>
             </a:r>
             <a:r>
               <a:rPr lang="ro-RO" baseline="0" dirty="0" smtClean="0"/>
-              <a:t> numele metodelor are avantajele ei dar si slabiciuni</a:t>
+              <a:t> numele metodelor are avantajele ei dar si </a:t>
+            </a:r>
+            <a:r>
+              <a:rPr lang="ro-RO" baseline="0" dirty="0" smtClean="0"/>
+              <a:t>slabiciuni</a:t>
+            </a:r>
+          </a:p>
+          <a:p>
+            <a:pPr marL="171450" indent="-171450">
+              <a:buFontTx/>
+              <a:buChar char="-"/>
+            </a:pPr>
+            <a:r>
+              <a:rPr lang="ro-RO" baseline="0" dirty="0" smtClean="0"/>
+              <a:t>Avem adnotarea query la dispozitie</a:t>
+            </a:r>
+          </a:p>
+          <a:p>
+            <a:pPr marL="171450" indent="-171450">
+              <a:buFontTx/>
+              <a:buChar char="-"/>
+            </a:pPr>
+            <a:r>
+              <a:rPr lang="ro-RO" baseline="0" dirty="0" smtClean="0"/>
+              <a:t>Se preteaza in situatii cand avem join-uri</a:t>
             </a:r>
             <a:endParaRPr lang="ro-RO" dirty="0"/>
           </a:p>
@@ -3651,11 +3687,64 @@
           <a:bodyPr/>
           <a:lstStyle/>
           <a:p>
-            <a:pPr marL="0" indent="0">
+            <a:pPr marL="171450" indent="-171450">
               <a:buFontTx/>
-              <a:buNone/>
+              <a:buChar char="-"/>
             </a:pPr>
-            <a:endParaRPr lang="ro-RO" baseline="0" dirty="0" smtClean="0"/>
+            <a:r>
+              <a:rPr lang="ro-RO" dirty="0" smtClean="0"/>
+              <a:t>Care e principalul</a:t>
+            </a:r>
+            <a:r>
+              <a:rPr lang="ro-RO" baseline="0" dirty="0" smtClean="0"/>
+              <a:t> dezavantaj pana acum ? – Nu suport dynamic queries (nu au un nr constant de conditii)</a:t>
+            </a:r>
+            <a:endParaRPr lang="ro-RO" dirty="0" smtClean="0"/>
+          </a:p>
+          <a:p>
+            <a:pPr marL="171450" indent="-171450">
+              <a:buFontTx/>
+              <a:buChar char="-"/>
+            </a:pPr>
+            <a:r>
+              <a:rPr lang="ro-RO" dirty="0" smtClean="0"/>
+              <a:t>In repository</a:t>
+            </a:r>
+            <a:r>
+              <a:rPr lang="ro-RO" baseline="0" dirty="0" smtClean="0"/>
+              <a:t> custom putem folosi Criteria API</a:t>
+            </a:r>
+          </a:p>
+          <a:p>
+            <a:pPr marL="171450" indent="-171450">
+              <a:buFontTx/>
+              <a:buChar char="-"/>
+            </a:pPr>
+            <a:r>
+              <a:rPr lang="ro-RO" baseline="0" dirty="0" smtClean="0"/>
+              <a:t>O aplic existenta (cu Criteria) poate fi mai usor migrata</a:t>
+            </a:r>
+          </a:p>
+          <a:p>
+            <a:pPr marL="171450" indent="-171450">
+              <a:buFontTx/>
+              <a:buChar char="-"/>
+            </a:pPr>
+            <a:r>
+              <a:rPr lang="ro-RO" baseline="0" dirty="0" smtClean="0"/>
+              <a:t>Criteria – standard way de creare dynamic queris in JPA</a:t>
+            </a:r>
+          </a:p>
+          <a:p>
+            <a:pPr marL="171450" indent="-171450">
+              <a:buFontTx/>
+              <a:buChar char="-"/>
+            </a:pPr>
+            <a:r>
+              <a:rPr lang="ro-RO" baseline="0" dirty="0" smtClean="0"/>
+              <a:t>Are o problema mare – e foarte greu sa implementezi queriuri complexe – si mai greu sa le citesti</a:t>
+            </a:r>
+            <a:endParaRPr lang="ro-RO" dirty="0"/>
           </a:p>
         </p:txBody>
       </p:sp>
@@ -3685,7 +3774,7 @@
     </p:spTree>
     <p:extLst>
       <p:ext uri="{BB962C8B-B14F-4D97-AF65-F5344CB8AC3E}">
-        <p14:creationId xmlns:p14="http://schemas.microsoft.com/office/powerpoint/2010/main" val="2873680972"/>
+        <p14:creationId xmlns:p14="http://schemas.microsoft.com/office/powerpoint/2010/main" val="2556161185"/>
       </p:ext>
     </p:extLst>
   </p:cSld>
@@ -3745,11 +3834,11 @@
             </a:pPr>
             <a:r>
               <a:rPr lang="ro-RO" dirty="0" smtClean="0"/>
-              <a:t>Foarte multe query-uri care fac join-uri si trebuie sa scrii mai mult</a:t>
+              <a:t>Furnizeaza support pentru auditare (cine a create sau</a:t>
             </a:r>
             <a:r>
               <a:rPr lang="ro-RO" baseline="0" dirty="0" smtClean="0"/>
-              <a:t> HQL sau SQL decat sa beneficiezi de avantajele sale</a:t>
+              <a:t> modificat o entitate si timpul cand a avut loc) – sunt necesare ceva config</a:t>
             </a:r>
           </a:p>
           <a:p>
@@ -3759,49 +3848,8 @@
             </a:pPr>
             <a:r>
               <a:rPr lang="ro-RO" baseline="0" dirty="0" smtClean="0"/>
-              <a:t>De exemplu entry-urile din tabele sunt versionate si nu poti folosi FK</a:t>
-            </a:r>
-          </a:p>
-          <a:p>
-            <a:pPr marL="171450" indent="-171450">
-              <a:buFontTx/>
-              <a:buChar char="-"/>
-            </a:pPr>
-            <a:r>
-              <a:rPr lang="ro-RO" baseline="0" dirty="0" smtClean="0"/>
-              <a:t>Si legaturile sunt versionate in alte tabele separate</a:t>
-            </a:r>
-            <a:endParaRPr lang="ro-RO" dirty="0" smtClean="0"/>
-          </a:p>
-          <a:p>
-            <a:pPr marL="171450" indent="-171450">
-              <a:buFontTx/>
-              <a:buChar char="-"/>
-            </a:pPr>
-            <a:r>
-              <a:rPr lang="ro-RO" dirty="0" smtClean="0"/>
-              <a:t>Cand nici create-ul</a:t>
-            </a:r>
-            <a:r>
-              <a:rPr lang="ro-RO" baseline="0" dirty="0" smtClean="0"/>
-              <a:t> nu mai e ce-a fost ... De exemplu trebuie sa indexezi intr`un elastic search la save sau update</a:t>
-            </a:r>
-          </a:p>
-          <a:p>
-            <a:pPr marL="171450" indent="-171450">
-              <a:buFontTx/>
-              <a:buChar char="-"/>
-            </a:pPr>
-            <a:r>
-              <a:rPr lang="ro-RO" baseline="0" dirty="0" smtClean="0"/>
-              <a:t>Sau sa faci remove din elastic search la delete</a:t>
-            </a:r>
-          </a:p>
-          <a:p>
-            <a:pPr marL="0" indent="0">
-              <a:buFontTx/>
-              <a:buNone/>
-            </a:pPr>
+              <a:t>Daca aveti deja spring security in place, se face integrare foarte rapid</a:t>
+            </a:r>
             <a:endParaRPr lang="ro-RO" dirty="0"/>
           </a:p>
         </p:txBody>
@@ -3832,7 +3880,7 @@
     </p:spTree>
     <p:extLst>
       <p:ext uri="{BB962C8B-B14F-4D97-AF65-F5344CB8AC3E}">
-        <p14:creationId xmlns:p14="http://schemas.microsoft.com/office/powerpoint/2010/main" val="3386550388"/>
+        <p14:creationId xmlns:p14="http://schemas.microsoft.com/office/powerpoint/2010/main" val="1941202478"/>
       </p:ext>
     </p:extLst>
   </p:cSld>
@@ -3886,15 +3934,11 @@
           <a:bodyPr/>
           <a:lstStyle/>
           <a:p>
-            <a:r>
-              <a:rPr lang="ro-RO" dirty="0" smtClean="0"/>
-              <a:t>Cei dinainte + eu =</a:t>
-            </a:r>
-            <a:r>
-              <a:rPr lang="ro-RO" baseline="0" dirty="0" smtClean="0"/>
-              <a:t> n+1</a:t>
-            </a:r>
-            <a:endParaRPr lang="ro-RO" dirty="0"/>
+            <a:pPr marL="0" indent="0">
+              <a:buFontTx/>
+              <a:buNone/>
+            </a:pPr>
+            <a:endParaRPr lang="ro-RO" baseline="0" dirty="0" smtClean="0"/>
           </a:p>
         </p:txBody>
       </p:sp>
@@ -3924,7 +3968,7 @@
     </p:spTree>
     <p:extLst>
       <p:ext uri="{BB962C8B-B14F-4D97-AF65-F5344CB8AC3E}">
-        <p14:creationId xmlns:p14="http://schemas.microsoft.com/office/powerpoint/2010/main" val="2768783380"/>
+        <p14:creationId xmlns:p14="http://schemas.microsoft.com/office/powerpoint/2010/main" val="2873680972"/>
       </p:ext>
     </p:extLst>
   </p:cSld>
@@ -3978,6 +4022,69 @@
           <a:bodyPr/>
           <a:lstStyle/>
           <a:p>
+            <a:pPr marL="171450" indent="-171450">
+              <a:buFontTx/>
+              <a:buChar char="-"/>
+            </a:pPr>
+            <a:r>
+              <a:rPr lang="ro-RO" dirty="0" smtClean="0"/>
+              <a:t>Foarte multe query-uri care fac join-uri si trebuie sa scrii mai mult</a:t>
+            </a:r>
+            <a:r>
+              <a:rPr lang="ro-RO" baseline="0" dirty="0" smtClean="0"/>
+              <a:t> HQL sau SQL decat sa beneficiezi de avantajele sale</a:t>
+            </a:r>
+          </a:p>
+          <a:p>
+            <a:pPr marL="171450" indent="-171450">
+              <a:buFontTx/>
+              <a:buChar char="-"/>
+            </a:pPr>
+            <a:r>
+              <a:rPr lang="ro-RO" baseline="0" dirty="0" smtClean="0"/>
+              <a:t>De exemplu entry-urile din tabele sunt versionate si nu poti folosi FK</a:t>
+            </a:r>
+          </a:p>
+          <a:p>
+            <a:pPr marL="171450" indent="-171450">
+              <a:buFontTx/>
+              <a:buChar char="-"/>
+            </a:pPr>
+            <a:r>
+              <a:rPr lang="ro-RO" baseline="0" dirty="0" smtClean="0"/>
+              <a:t>Si legaturile sunt versionate in alte tabele separate</a:t>
+            </a:r>
+            <a:endParaRPr lang="ro-RO" dirty="0" smtClean="0"/>
+          </a:p>
+          <a:p>
+            <a:pPr marL="171450" indent="-171450">
+              <a:buFontTx/>
+              <a:buChar char="-"/>
+            </a:pPr>
+            <a:r>
+              <a:rPr lang="ro-RO" dirty="0" smtClean="0"/>
+              <a:t>Cand nici create-ul</a:t>
+            </a:r>
+            <a:r>
+              <a:rPr lang="ro-RO" baseline="0" dirty="0" smtClean="0"/>
+              <a:t> nu mai e ce-a fost ... De exemplu trebuie sa indexezi intr`un elastic search la save sau update</a:t>
+            </a:r>
+          </a:p>
+          <a:p>
+            <a:pPr marL="171450" indent="-171450">
+              <a:buFontTx/>
+              <a:buChar char="-"/>
+            </a:pPr>
+            <a:r>
+              <a:rPr lang="ro-RO" baseline="0" dirty="0" smtClean="0"/>
+              <a:t>Sau sa faci remove din elastic search la delete</a:t>
+            </a:r>
+          </a:p>
+          <a:p>
+            <a:pPr marL="0" indent="0">
+              <a:buFontTx/>
+              <a:buNone/>
+            </a:pPr>
             <a:endParaRPr lang="ro-RO" dirty="0"/>
           </a:p>
         </p:txBody>
@@ -4008,7 +4115,7 @@
     </p:spTree>
     <p:extLst>
       <p:ext uri="{BB962C8B-B14F-4D97-AF65-F5344CB8AC3E}">
-        <p14:creationId xmlns:p14="http://schemas.microsoft.com/office/powerpoint/2010/main" val="140138931"/>
+        <p14:creationId xmlns:p14="http://schemas.microsoft.com/office/powerpoint/2010/main" val="3386550388"/>
       </p:ext>
     </p:extLst>
   </p:cSld>
@@ -4098,13 +4205,12 @@
             </a:pPr>
             <a:r>
               <a:rPr lang="ro-RO" baseline="0" dirty="0" smtClean="0"/>
-              <a:t>Cred ca e imposibil ca in viata vostra de programatori sa nu fi avut treaba cu Hibernate code, urat lung complicat.</a:t>
-            </a:r>
-          </a:p>
-          <a:p>
-            <a:pPr marL="228600" indent="-228600">
-              <a:buAutoNum type="alphaLcPeriod"/>
-            </a:pPr>
+              <a:t>Cred ca e imposibil ca in viata vostra de programatori sa nu fi avut treaba cu Hibernate code, urat lung complicat</a:t>
+            </a:r>
+            <a:r>
+              <a:rPr lang="ro-RO" baseline="0" dirty="0" smtClean="0"/>
+              <a:t>.</a:t>
+            </a:r>
             <a:endParaRPr lang="ro-RO" baseline="0" dirty="0" smtClean="0"/>
           </a:p>
           <a:p>
@@ -4173,6 +4279,182 @@
     <p:extLst>
       <p:ext uri="{BB962C8B-B14F-4D97-AF65-F5344CB8AC3E}">
         <p14:creationId xmlns:p14="http://schemas.microsoft.com/office/powerpoint/2010/main" val="925713811"/>
+      </p:ext>
+    </p:extLst>
+  </p:cSld>
+  <p:clrMapOvr>
+    <a:masterClrMapping/>
+  </p:clrMapOvr>
+</p:notes>
+</file>
+
+<file path=ppt/notesSlides/notesSlide20.xml><?xml version="1.0" encoding="utf-8"?>
+<p:notes xmlns:a="http://schemas.openxmlformats.org/drawingml/2006/main" xmlns:r="http://schemas.openxmlformats.org/officeDocument/2006/relationships" xmlns:p="http://schemas.openxmlformats.org/presentationml/2006/main">
+  <p:cSld>
+    <p:spTree>
+      <p:nvGrpSpPr>
+        <p:cNvPr id="1" name=""/>
+        <p:cNvGrpSpPr/>
+        <p:nvPr/>
+      </p:nvGrpSpPr>
+      <p:grpSpPr>
+        <a:xfrm>
+          <a:off x="0" y="0"/>
+          <a:ext cx="0" cy="0"/>
+          <a:chOff x="0" y="0"/>
+          <a:chExt cx="0" cy="0"/>
+        </a:xfrm>
+      </p:grpSpPr>
+      <p:sp>
+        <p:nvSpPr>
+          <p:cNvPr id="2" name="Slide Image Placeholder 1"/>
+          <p:cNvSpPr>
+            <a:spLocks noGrp="1" noRot="1" noChangeAspect="1"/>
+          </p:cNvSpPr>
+          <p:nvPr>
+            <p:ph type="sldImg"/>
+          </p:nvPr>
+        </p:nvSpPr>
+        <p:spPr/>
+      </p:sp>
+      <p:sp>
+        <p:nvSpPr>
+          <p:cNvPr id="3" name="Notes Placeholder 2"/>
+          <p:cNvSpPr>
+            <a:spLocks noGrp="1"/>
+          </p:cNvSpPr>
+          <p:nvPr>
+            <p:ph type="body" idx="1"/>
+          </p:nvPr>
+        </p:nvSpPr>
+        <p:spPr/>
+        <p:txBody>
+          <a:bodyPr/>
+          <a:lstStyle/>
+          <a:p>
+            <a:r>
+              <a:rPr lang="ro-RO" dirty="0" smtClean="0"/>
+              <a:t>Cei dinainte + eu =</a:t>
+            </a:r>
+            <a:r>
+              <a:rPr lang="ro-RO" baseline="0" dirty="0" smtClean="0"/>
+              <a:t> n+1</a:t>
+            </a:r>
+            <a:endParaRPr lang="ro-RO" dirty="0"/>
+          </a:p>
+        </p:txBody>
+      </p:sp>
+      <p:sp>
+        <p:nvSpPr>
+          <p:cNvPr id="4" name="Slide Number Placeholder 3"/>
+          <p:cNvSpPr>
+            <a:spLocks noGrp="1"/>
+          </p:cNvSpPr>
+          <p:nvPr>
+            <p:ph type="sldNum" sz="quarter" idx="10"/>
+          </p:nvPr>
+        </p:nvSpPr>
+        <p:spPr/>
+        <p:txBody>
+          <a:bodyPr/>
+          <a:lstStyle/>
+          <a:p>
+            <a:fld id="{20ED9C14-DAC0-4AC6-AA52-941D1F046680}" type="slidenum">
+              <a:rPr lang="ro-RO" smtClean="0"/>
+              <a:t>23</a:t>
+            </a:fld>
+            <a:endParaRPr lang="ro-RO"/>
+          </a:p>
+        </p:txBody>
+      </p:sp>
+    </p:spTree>
+    <p:extLst>
+      <p:ext uri="{BB962C8B-B14F-4D97-AF65-F5344CB8AC3E}">
+        <p14:creationId xmlns:p14="http://schemas.microsoft.com/office/powerpoint/2010/main" val="2768783380"/>
+      </p:ext>
+    </p:extLst>
+  </p:cSld>
+  <p:clrMapOvr>
+    <a:masterClrMapping/>
+  </p:clrMapOvr>
+</p:notes>
+</file>
+
+<file path=ppt/notesSlides/notesSlide21.xml><?xml version="1.0" encoding="utf-8"?>
+<p:notes xmlns:a="http://schemas.openxmlformats.org/drawingml/2006/main" xmlns:r="http://schemas.openxmlformats.org/officeDocument/2006/relationships" xmlns:p="http://schemas.openxmlformats.org/presentationml/2006/main">
+  <p:cSld>
+    <p:spTree>
+      <p:nvGrpSpPr>
+        <p:cNvPr id="1" name=""/>
+        <p:cNvGrpSpPr/>
+        <p:nvPr/>
+      </p:nvGrpSpPr>
+      <p:grpSpPr>
+        <a:xfrm>
+          <a:off x="0" y="0"/>
+          <a:ext cx="0" cy="0"/>
+          <a:chOff x="0" y="0"/>
+          <a:chExt cx="0" cy="0"/>
+        </a:xfrm>
+      </p:grpSpPr>
+      <p:sp>
+        <p:nvSpPr>
+          <p:cNvPr id="2" name="Slide Image Placeholder 1"/>
+          <p:cNvSpPr>
+            <a:spLocks noGrp="1" noRot="1" noChangeAspect="1"/>
+          </p:cNvSpPr>
+          <p:nvPr>
+            <p:ph type="sldImg"/>
+          </p:nvPr>
+        </p:nvSpPr>
+        <p:spPr/>
+      </p:sp>
+      <p:sp>
+        <p:nvSpPr>
+          <p:cNvPr id="3" name="Notes Placeholder 2"/>
+          <p:cNvSpPr>
+            <a:spLocks noGrp="1"/>
+          </p:cNvSpPr>
+          <p:nvPr>
+            <p:ph type="body" idx="1"/>
+          </p:nvPr>
+        </p:nvSpPr>
+        <p:spPr/>
+        <p:txBody>
+          <a:bodyPr/>
+          <a:lstStyle/>
+          <a:p>
+            <a:endParaRPr lang="ro-RO" dirty="0"/>
+          </a:p>
+        </p:txBody>
+      </p:sp>
+      <p:sp>
+        <p:nvSpPr>
+          <p:cNvPr id="4" name="Slide Number Placeholder 3"/>
+          <p:cNvSpPr>
+            <a:spLocks noGrp="1"/>
+          </p:cNvSpPr>
+          <p:nvPr>
+            <p:ph type="sldNum" sz="quarter" idx="10"/>
+          </p:nvPr>
+        </p:nvSpPr>
+        <p:spPr/>
+        <p:txBody>
+          <a:bodyPr/>
+          <a:lstStyle/>
+          <a:p>
+            <a:fld id="{20ED9C14-DAC0-4AC6-AA52-941D1F046680}" type="slidenum">
+              <a:rPr lang="ro-RO" smtClean="0"/>
+              <a:t>24</a:t>
+            </a:fld>
+            <a:endParaRPr lang="ro-RO"/>
+          </a:p>
+        </p:txBody>
+      </p:sp>
+    </p:spTree>
+    <p:extLst>
+      <p:ext uri="{BB962C8B-B14F-4D97-AF65-F5344CB8AC3E}">
+        <p14:creationId xmlns:p14="http://schemas.microsoft.com/office/powerpoint/2010/main" val="140138931"/>
       </p:ext>
     </p:extLst>
   </p:cSld>
@@ -4369,21 +4651,12 @@
             </a:pPr>
             <a:r>
               <a:rPr lang="ro-RO" dirty="0" smtClean="0"/>
-              <a:t>EJB </a:t>
-            </a:r>
-            <a:r>
-              <a:rPr lang="ro-RO" dirty="0" smtClean="0"/>
-              <a:t>– heavyweight, configurari</a:t>
+              <a:t>EJB – heavyweight, configurari</a:t>
             </a:r>
             <a:r>
               <a:rPr lang="ro-RO" baseline="0" dirty="0" smtClean="0"/>
-              <a:t> XML complicate, foarte multe </a:t>
-            </a:r>
-            <a:r>
-              <a:rPr lang="ro-RO" baseline="0" dirty="0" smtClean="0"/>
-              <a:t>boilerplate</a:t>
-            </a:r>
-            <a:endParaRPr lang="ro-RO" baseline="0" dirty="0" smtClean="0"/>
+              <a:t> XML complicate, foarte multe boilerplate</a:t>
+            </a:r>
           </a:p>
           <a:p>
             <a:pPr marL="171450" indent="-171450">
@@ -4392,13 +4665,8 @@
             </a:pPr>
             <a:r>
               <a:rPr lang="ro-RO" baseline="0" dirty="0" smtClean="0"/>
-              <a:t>JDBC API – deployable in orice servlet container – dar foarte mult boilerplate – tranfer domain model in query si rezultatele din nou in domain model (prepared statements etc</a:t>
-            </a:r>
-            <a:r>
-              <a:rPr lang="ro-RO" baseline="0" dirty="0" smtClean="0"/>
-              <a:t>)</a:t>
-            </a:r>
-            <a:endParaRPr lang="ro-RO" baseline="0" dirty="0" smtClean="0"/>
+              <a:t>JDBC API – deployable in orice servlet container – dar foarte mult boilerplate – tranfer domain model in query si rezultatele din nou in domain model (prepared statements etc)</a:t>
+            </a:r>
           </a:p>
           <a:p>
             <a:pPr marL="171450" indent="-171450">
@@ -4407,13 +4675,8 @@
             </a:pPr>
             <a:r>
               <a:rPr lang="ro-RO" baseline="0" dirty="0" smtClean="0"/>
-              <a:t>ORM – Hibernate – o alegere buna pt ca ne scapa de scris cod JDBC, dar f mult boilerplate (JPQL, HQL, Criteria API</a:t>
-            </a:r>
-            <a:r>
-              <a:rPr lang="ro-RO" baseline="0" dirty="0" smtClean="0"/>
-              <a:t>)</a:t>
-            </a:r>
-            <a:endParaRPr lang="ro-RO" baseline="0" dirty="0" smtClean="0"/>
+              <a:t>ORM – Hibernate – o alegere buna pt ca ne scapa de scris cod JDBC, dar f mult boilerplate (JPQL, HQL, Criteria API)</a:t>
+            </a:r>
           </a:p>
           <a:p>
             <a:pPr marL="171450" indent="-171450">
@@ -4422,11 +4685,7 @@
             </a:pPr>
             <a:r>
               <a:rPr lang="ro-RO" baseline="0" dirty="0" smtClean="0"/>
-              <a:t>JPA - Mecanism </a:t>
-            </a:r>
-            <a:r>
-              <a:rPr lang="ro-RO" baseline="0" dirty="0" smtClean="0"/>
-              <a:t>standard pt layerul de persistenta in BD relationale</a:t>
+              <a:t>JPA - Mecanism standard pt layerul de persistenta in BD relationale</a:t>
             </a:r>
           </a:p>
         </p:txBody>
@@ -4511,20 +4770,6 @@
           <a:bodyPr/>
           <a:lstStyle/>
           <a:p>
-            <a:pPr marL="171450" indent="-171450">
-              <a:buFontTx/>
-              <a:buChar char="-"/>
-            </a:pPr>
-            <a:r>
-              <a:rPr lang="ro-RO" sz="100" dirty="0" smtClean="0"/>
-              <a:t>proiect</a:t>
-            </a:r>
-            <a:r>
-              <a:rPr lang="ro-RO" sz="100" baseline="0" dirty="0" smtClean="0"/>
-              <a:t> din portofoliul Spring</a:t>
-            </a:r>
-          </a:p>
-          <a:p>
             <a:pPr marL="171450" marR="0" indent="-171450" algn="l" defTabSz="914400" rtl="0" eaLnBrk="1" fontAlgn="auto" latinLnBrk="0" hangingPunct="1">
               <a:lnSpc>
                 <a:spcPct val="100000"/>
@@ -4544,17 +4789,42 @@
             </a:pPr>
             <a:r>
               <a:rPr lang="ro-RO" sz="100" baseline="0" dirty="0" smtClean="0"/>
-              <a:t>Primul release a fost in 2010 la SpringOne. A avut originea intr-o sesiune de hacking a lui Rod Johnson (SpringSource) si Emil Eifrem (Neo Technologies) ce avusese loc un pic mai devreme in acel an.Au vrut sa integreze Neo4j graph database cu Spring Framework.</a:t>
-            </a:r>
-          </a:p>
-          <a:p>
-            <a:pPr marL="171450" indent="-171450">
+              <a:t>Primul </a:t>
+            </a:r>
+            <a:r>
+              <a:rPr lang="ro-RO" sz="100" baseline="0" dirty="0" smtClean="0"/>
+              <a:t>release a fost in 2010 la </a:t>
+            </a:r>
+            <a:r>
+              <a:rPr lang="ro-RO" sz="100" baseline="0" dirty="0" smtClean="0"/>
+              <a:t>SpringOne</a:t>
+            </a:r>
+          </a:p>
+          <a:p>
+            <a:pPr marL="171450" marR="0" indent="-171450" algn="l" defTabSz="914400" rtl="0" eaLnBrk="1" fontAlgn="auto" latinLnBrk="0" hangingPunct="1">
+              <a:lnSpc>
+                <a:spcPct val="100000"/>
+              </a:lnSpc>
+              <a:spcBef>
+                <a:spcPts val="0"/>
+              </a:spcBef>
+              <a:spcAft>
+                <a:spcPts val="0"/>
+              </a:spcAft>
+              <a:buClrTx/>
+              <a:buSzTx/>
               <a:buFontTx/>
               <a:buChar char="-"/>
+              <a:tabLst/>
+              <a:defRPr/>
             </a:pPr>
             <a:r>
               <a:rPr lang="ro-RO" sz="100" baseline="0" dirty="0" smtClean="0"/>
-              <a:t>Ne construim aplicatii si apoi avem nevoie sa ne stocam informatiile. O facem in mod normal in DB relationale sau NoSQL. Apoi aplicatia trebuie sa acceseze acele date</a:t>
+              <a:t>Ne </a:t>
+            </a:r>
+            <a:r>
+              <a:rPr lang="ro-RO" sz="100" baseline="0" dirty="0" smtClean="0"/>
+              <a:t>construim aplicatii si apoi avem nevoie sa ne stocam informatiile. O facem in mod normal in DB relationale sau NoSQL. Apoi aplicatia trebuie sa acceseze acele date</a:t>
             </a:r>
           </a:p>
           <a:p>
@@ -4738,7 +5008,25 @@
               <a:rPr lang="ro-RO" baseline="0" dirty="0" smtClean="0">
                 <a:sym typeface="Wingdings" panose="05000000000000000000" pitchFamily="2" charset="2"/>
               </a:rPr>
-              <a:t>Actioneaza mai mult ca un marker interface care este extinsa pentru a putea face „discover” interfetelor care o extind</a:t>
+              <a:t>Actioneaza mai mult ca un marker interface care este extinsa pentru a putea face „discover” interfetelor care o </a:t>
+            </a:r>
+            <a:r>
+              <a:rPr lang="ro-RO" baseline="0" dirty="0" smtClean="0">
+                <a:sym typeface="Wingdings" panose="05000000000000000000" pitchFamily="2" charset="2"/>
+              </a:rPr>
+              <a:t>extind</a:t>
+            </a:r>
+          </a:p>
+          <a:p>
+            <a:pPr marL="171450" indent="-171450">
+              <a:buFontTx/>
+              <a:buChar char="-"/>
+            </a:pPr>
+            <a:r>
+              <a:rPr lang="ro-RO" baseline="0" dirty="0" smtClean="0">
+                <a:sym typeface="Wingdings" panose="05000000000000000000" pitchFamily="2" charset="2"/>
+              </a:rPr>
+              <a:t>D from SOLID – DI principle – depend upon abstractions and not upon concretions</a:t>
             </a:r>
             <a:endParaRPr lang="ro-RO" dirty="0"/>
           </a:p>
@@ -5908,7 +6196,7 @@
           <a:p>
             <a:fld id="{E0F395AF-8FCF-4B60-A93E-699C7152ADDC}" type="datetimeFigureOut">
               <a:rPr lang="ro-RO" smtClean="0"/>
-              <a:t>13.04.2016</a:t>
+              <a:t>17.04.2016</a:t>
             </a:fld>
             <a:endParaRPr lang="ro-RO"/>
           </a:p>
@@ -6159,7 +6447,7 @@
           <a:p>
             <a:fld id="{E0F395AF-8FCF-4B60-A93E-699C7152ADDC}" type="datetimeFigureOut">
               <a:rPr lang="ro-RO" smtClean="0"/>
-              <a:t>13.04.2016</a:t>
+              <a:t>17.04.2016</a:t>
             </a:fld>
             <a:endParaRPr lang="ro-RO"/>
           </a:p>
@@ -6473,7 +6761,7 @@
           <a:p>
             <a:fld id="{E0F395AF-8FCF-4B60-A93E-699C7152ADDC}" type="datetimeFigureOut">
               <a:rPr lang="ro-RO" smtClean="0"/>
-              <a:t>13.04.2016</a:t>
+              <a:t>17.04.2016</a:t>
             </a:fld>
             <a:endParaRPr lang="ro-RO"/>
           </a:p>
@@ -6814,7 +7102,7 @@
           <a:p>
             <a:fld id="{E0F395AF-8FCF-4B60-A93E-699C7152ADDC}" type="datetimeFigureOut">
               <a:rPr lang="ro-RO" smtClean="0"/>
-              <a:t>13.04.2016</a:t>
+              <a:t>17.04.2016</a:t>
             </a:fld>
             <a:endParaRPr lang="ro-RO"/>
           </a:p>
@@ -7128,7 +7416,7 @@
           <a:p>
             <a:fld id="{E0F395AF-8FCF-4B60-A93E-699C7152ADDC}" type="datetimeFigureOut">
               <a:rPr lang="ro-RO" smtClean="0"/>
-              <a:t>13.04.2016</a:t>
+              <a:t>17.04.2016</a:t>
             </a:fld>
             <a:endParaRPr lang="ro-RO"/>
           </a:p>
@@ -7521,7 +7809,7 @@
           <a:p>
             <a:fld id="{E0F395AF-8FCF-4B60-A93E-699C7152ADDC}" type="datetimeFigureOut">
               <a:rPr lang="ro-RO" smtClean="0"/>
-              <a:t>13.04.2016</a:t>
+              <a:t>17.04.2016</a:t>
             </a:fld>
             <a:endParaRPr lang="ro-RO"/>
           </a:p>
@@ -7691,7 +7979,7 @@
           <a:p>
             <a:fld id="{E0F395AF-8FCF-4B60-A93E-699C7152ADDC}" type="datetimeFigureOut">
               <a:rPr lang="ro-RO" smtClean="0"/>
-              <a:t>13.04.2016</a:t>
+              <a:t>17.04.2016</a:t>
             </a:fld>
             <a:endParaRPr lang="ro-RO"/>
           </a:p>
@@ -7871,7 +8159,7 @@
           <a:p>
             <a:fld id="{E0F395AF-8FCF-4B60-A93E-699C7152ADDC}" type="datetimeFigureOut">
               <a:rPr lang="ro-RO" smtClean="0"/>
-              <a:t>13.04.2016</a:t>
+              <a:t>17.04.2016</a:t>
             </a:fld>
             <a:endParaRPr lang="ro-RO"/>
           </a:p>
@@ -8047,7 +8335,7 @@
           <a:p>
             <a:fld id="{E0F395AF-8FCF-4B60-A93E-699C7152ADDC}" type="datetimeFigureOut">
               <a:rPr lang="ro-RO" smtClean="0"/>
-              <a:t>13.04.2016</a:t>
+              <a:t>17.04.2016</a:t>
             </a:fld>
             <a:endParaRPr lang="ro-RO"/>
           </a:p>
@@ -8294,7 +8582,7 @@
           <a:p>
             <a:fld id="{E0F395AF-8FCF-4B60-A93E-699C7152ADDC}" type="datetimeFigureOut">
               <a:rPr lang="ro-RO" smtClean="0"/>
-              <a:t>13.04.2016</a:t>
+              <a:t>17.04.2016</a:t>
             </a:fld>
             <a:endParaRPr lang="ro-RO"/>
           </a:p>
@@ -8526,7 +8814,7 @@
           <a:p>
             <a:fld id="{E0F395AF-8FCF-4B60-A93E-699C7152ADDC}" type="datetimeFigureOut">
               <a:rPr lang="ro-RO" smtClean="0"/>
-              <a:t>13.04.2016</a:t>
+              <a:t>17.04.2016</a:t>
             </a:fld>
             <a:endParaRPr lang="ro-RO"/>
           </a:p>
@@ -8900,7 +9188,7 @@
           <a:p>
             <a:fld id="{E0F395AF-8FCF-4B60-A93E-699C7152ADDC}" type="datetimeFigureOut">
               <a:rPr lang="ro-RO" smtClean="0"/>
-              <a:t>13.04.2016</a:t>
+              <a:t>17.04.2016</a:t>
             </a:fld>
             <a:endParaRPr lang="ro-RO"/>
           </a:p>
@@ -9023,7 +9311,7 @@
           <a:p>
             <a:fld id="{E0F395AF-8FCF-4B60-A93E-699C7152ADDC}" type="datetimeFigureOut">
               <a:rPr lang="ro-RO" smtClean="0"/>
-              <a:t>13.04.2016</a:t>
+              <a:t>17.04.2016</a:t>
             </a:fld>
             <a:endParaRPr lang="ro-RO"/>
           </a:p>
@@ -9118,7 +9406,7 @@
           <a:p>
             <a:fld id="{E0F395AF-8FCF-4B60-A93E-699C7152ADDC}" type="datetimeFigureOut">
               <a:rPr lang="ro-RO" smtClean="0"/>
-              <a:t>13.04.2016</a:t>
+              <a:t>17.04.2016</a:t>
             </a:fld>
             <a:endParaRPr lang="ro-RO"/>
           </a:p>
@@ -9373,7 +9661,7 @@
           <a:p>
             <a:fld id="{E0F395AF-8FCF-4B60-A93E-699C7152ADDC}" type="datetimeFigureOut">
               <a:rPr lang="ro-RO" smtClean="0"/>
-              <a:t>13.04.2016</a:t>
+              <a:t>17.04.2016</a:t>
             </a:fld>
             <a:endParaRPr lang="ro-RO"/>
           </a:p>
@@ -9636,7 +9924,7 @@
           <a:p>
             <a:fld id="{E0F395AF-8FCF-4B60-A93E-699C7152ADDC}" type="datetimeFigureOut">
               <a:rPr lang="ro-RO" smtClean="0"/>
-              <a:t>13.04.2016</a:t>
+              <a:t>17.04.2016</a:t>
             </a:fld>
             <a:endParaRPr lang="ro-RO"/>
           </a:p>
@@ -10379,7 +10667,7 @@
           <a:p>
             <a:fld id="{E0F395AF-8FCF-4B60-A93E-699C7152ADDC}" type="datetimeFigureOut">
               <a:rPr lang="ro-RO" smtClean="0"/>
-              <a:t>13.04.2016</a:t>
+              <a:t>17.04.2016</a:t>
             </a:fld>
             <a:endParaRPr lang="ro-RO"/>
           </a:p>
@@ -11340,6 +11628,13 @@
   <p:clrMapOvr>
     <a:masterClrMapping/>
   </p:clrMapOvr>
+  <p:timing>
+    <p:tnLst>
+      <p:par>
+        <p:cTn id="1" dur="indefinite" restart="never" nodeType="tmRoot"/>
+      </p:par>
+    </p:tnLst>
+  </p:timing>
 </p:sld>
 </file>
 
@@ -11451,6 +11746,13 @@
   <p:clrMapOvr>
     <a:masterClrMapping/>
   </p:clrMapOvr>
+  <p:timing>
+    <p:tnLst>
+      <p:par>
+        <p:cTn id="1" dur="indefinite" restart="never" nodeType="tmRoot"/>
+      </p:par>
+    </p:tnLst>
+  </p:timing>
 </p:sld>
 </file>
 
@@ -11514,7 +11816,7 @@
         <p:spPr/>
         <p:txBody>
           <a:bodyPr>
-            <a:normAutofit/>
+            <a:normAutofit lnSpcReduction="10000"/>
           </a:bodyPr>
           <a:lstStyle/>
           <a:p>
@@ -11546,7 +11848,11 @@
             <a:pPr lvl="1"/>
             <a:r>
               <a:rPr lang="ro-RO" sz="2000" dirty="0" smtClean="0"/>
-              <a:t>Void, Primitives, Wrapper types, T, Iterator&lt;T&gt;, Collection&gt;T&gt;</a:t>
+              <a:t>Void, Primitives, Wrapper types, T, Iterator&lt;T&gt;, Collection&gt;T</a:t>
+            </a:r>
+            <a:r>
+              <a:rPr lang="ro-RO" sz="2000" dirty="0" smtClean="0"/>
+              <a:t>&gt;, Stream&lt;T&gt;</a:t>
             </a:r>
             <a:endParaRPr lang="ro-RO" sz="2000" dirty="0"/>
           </a:p>
@@ -11562,6 +11868,13 @@
   <p:clrMapOvr>
     <a:masterClrMapping/>
   </p:clrMapOvr>
+  <p:timing>
+    <p:tnLst>
+      <p:par>
+        <p:cTn id="1" dur="indefinite" restart="never" nodeType="tmRoot"/>
+      </p:par>
+    </p:tnLst>
+  </p:timing>
 </p:sld>
 </file>
 
@@ -11684,6 +11997,13 @@
   <p:clrMapOvr>
     <a:masterClrMapping/>
   </p:clrMapOvr>
+  <p:timing>
+    <p:tnLst>
+      <p:par>
+        <p:cTn id="1" dur="indefinite" restart="never" nodeType="tmRoot"/>
+      </p:par>
+    </p:tnLst>
+  </p:timing>
 </p:sld>
 </file>
 
@@ -11817,6 +12137,13 @@
   <p:clrMapOvr>
     <a:masterClrMapping/>
   </p:clrMapOvr>
+  <p:timing>
+    <p:tnLst>
+      <p:par>
+        <p:cTn id="1" dur="indefinite" restart="never" nodeType="tmRoot"/>
+      </p:par>
+    </p:tnLst>
+  </p:timing>
 </p:sld>
 </file>
 
@@ -12086,7 +12413,7 @@
         <p:spPr>
           <a:xfrm>
             <a:off x="677334" y="609600"/>
-            <a:ext cx="8596668" cy="993913"/>
+            <a:ext cx="8596668" cy="858253"/>
           </a:xfrm>
         </p:spPr>
         <p:txBody>
@@ -12097,7 +12424,7 @@
           <a:p>
             <a:r>
               <a:rPr lang="ro-RO" sz="4800" dirty="0" smtClean="0"/>
-              <a:t>demo();</a:t>
+              <a:t>advanced();</a:t>
             </a:r>
             <a:endParaRPr lang="ro-RO" sz="4800" dirty="0"/>
           </a:p>
@@ -12120,74 +12447,62 @@
           </a:bodyPr>
           <a:lstStyle/>
           <a:p>
-            <a:pPr marL="0" indent="0">
-              <a:buNone/>
-            </a:pPr>
-            <a:r>
-              <a:rPr lang="ro-RO" sz="2800" dirty="0" smtClean="0">
-                <a:hlinkClick r:id="rId3"/>
+            <a:r>
+              <a:rPr lang="ro-RO" sz="2800" dirty="0" smtClean="0"/>
+              <a:t>Supports also Criteria API in Custom repos</a:t>
+            </a:r>
+          </a:p>
+          <a:p>
+            <a:endParaRPr lang="ro-RO" sz="2800" dirty="0" smtClean="0"/>
+          </a:p>
+          <a:p>
+            <a:r>
+              <a:rPr lang="ro-RO" sz="2800" dirty="0" smtClean="0"/>
+              <a:t>Dynamic queries (Criteria API - the standard way in JPA)</a:t>
+            </a:r>
+          </a:p>
+          <a:p>
+            <a:endParaRPr lang="ro-RO" sz="2800" dirty="0"/>
+          </a:p>
+          <a:p>
+            <a:r>
+              <a:rPr lang="ro-RO" sz="2800" dirty="0" smtClean="0"/>
+              <a:t>Supports advanced quering with QueryDSL </a:t>
+            </a:r>
+          </a:p>
+          <a:p>
+            <a:pPr lvl="1"/>
+            <a:r>
+              <a:rPr lang="ro-RO" sz="2000" dirty="0"/>
+              <a:t>o</a:t>
+            </a:r>
+            <a:r>
+              <a:rPr lang="ro-RO" sz="2000" dirty="0" smtClean="0"/>
+              <a:t>fc instead of Criteria API </a:t>
+            </a:r>
+            <a:r>
+              <a:rPr lang="ro-RO" sz="2000" dirty="0" smtClean="0">
+                <a:sym typeface="Wingdings" panose="05000000000000000000" pitchFamily="2" charset="2"/>
               </a:rPr>
-              <a:t>https</a:t>
-            </a:r>
-            <a:r>
-              <a:rPr lang="ro-RO" sz="2800" dirty="0">
-                <a:hlinkClick r:id="rId3"/>
-              </a:rPr>
-              <a:t>://github.com/cosminspn/cc-apr-2016</a:t>
-            </a:r>
-            <a:r>
-              <a:rPr lang="ro-RO" sz="2800" dirty="0" smtClean="0">
-                <a:hlinkClick r:id="rId3"/>
-              </a:rPr>
-              <a:t>/</a:t>
-            </a:r>
+              <a:t></a:t>
+            </a:r>
+            <a:endParaRPr lang="ro-RO" sz="2000" dirty="0" smtClean="0"/>
+          </a:p>
+          <a:p>
+            <a:endParaRPr lang="ro-RO" sz="2800" dirty="0"/>
+          </a:p>
+          <a:p>
             <a:endParaRPr lang="ro-RO" sz="2800" dirty="0" smtClean="0"/>
           </a:p>
           <a:p>
-            <a:pPr marL="0" indent="0">
-              <a:buNone/>
-            </a:pPr>
-            <a:endParaRPr lang="ro-RO" sz="2800" dirty="0">
-              <a:hlinkClick r:id="rId4"/>
-            </a:endParaRPr>
-          </a:p>
-          <a:p>
-            <a:pPr marL="0" indent="0">
-              <a:buNone/>
-            </a:pPr>
-            <a:r>
-              <a:rPr lang="ro-RO" sz="2800" dirty="0" smtClean="0">
-                <a:hlinkClick r:id="rId4"/>
-              </a:rPr>
-              <a:t>https</a:t>
-            </a:r>
-            <a:r>
-              <a:rPr lang="ro-RO" sz="2800" dirty="0">
-                <a:hlinkClick r:id="rId4"/>
-              </a:rPr>
-              <a:t>://</a:t>
-            </a:r>
-            <a:r>
-              <a:rPr lang="ro-RO" sz="2800" dirty="0" smtClean="0">
-                <a:hlinkClick r:id="rId4"/>
-              </a:rPr>
-              <a:t>github.com/cosminspn/cc-apr-2016/tree/master/source/spring-data-example</a:t>
-            </a:r>
-            <a:r>
-              <a:rPr lang="ro-RO" sz="2800" dirty="0" smtClean="0"/>
-              <a:t> </a:t>
-            </a:r>
             <a:endParaRPr lang="ro-RO" sz="2800" dirty="0"/>
-          </a:p>
-          <a:p>
-            <a:endParaRPr lang="ro-RO" sz="2800" dirty="0" smtClean="0"/>
           </a:p>
         </p:txBody>
       </p:sp>
     </p:spTree>
     <p:extLst>
       <p:ext uri="{BB962C8B-B14F-4D97-AF65-F5344CB8AC3E}">
-        <p14:creationId xmlns:p14="http://schemas.microsoft.com/office/powerpoint/2010/main" val="3946167324"/>
+        <p14:creationId xmlns:p14="http://schemas.microsoft.com/office/powerpoint/2010/main" val="2048389799"/>
       </p:ext>
     </p:extLst>
   </p:cSld>
@@ -12357,7 +12672,7 @@
       </p:grpSpPr>
       <p:sp>
         <p:nvSpPr>
-          <p:cNvPr id="4" name="Title 3"/>
+          <p:cNvPr id="2" name="Title 1"/>
           <p:cNvSpPr>
             <a:spLocks noGrp="1"/>
           </p:cNvSpPr>
@@ -12365,7 +12680,12 @@
             <p:ph type="title"/>
           </p:nvPr>
         </p:nvSpPr>
-        <p:spPr/>
+        <p:spPr>
+          <a:xfrm>
+            <a:off x="677334" y="609600"/>
+            <a:ext cx="8596668" cy="858253"/>
+          </a:xfrm>
+        </p:spPr>
         <p:txBody>
           <a:bodyPr>
             <a:normAutofit/>
@@ -12373,12 +12693,12 @@
           <a:lstStyle/>
           <a:p>
             <a:r>
+              <a:rPr lang="ro-RO" sz="4800" dirty="0"/>
+              <a:t>a</a:t>
+            </a:r>
+            <a:r>
               <a:rPr lang="ro-RO" sz="4800" dirty="0" smtClean="0"/>
-              <a:t>removeFromTheProject()</a:t>
-            </a:r>
-            <a:r>
-              <a:rPr lang="ro-RO" sz="4800" dirty="0" smtClean="0"/>
-              <a:t>;</a:t>
+              <a:t>udit();</a:t>
             </a:r>
             <a:endParaRPr lang="ro-RO" sz="4800" dirty="0"/>
           </a:p>
@@ -12386,7 +12706,7 @@
       </p:sp>
       <p:sp>
         <p:nvSpPr>
-          <p:cNvPr id="8" name="Content Placeholder 7"/>
+          <p:cNvPr id="3" name="Content Placeholder 2"/>
           <p:cNvSpPr>
             <a:spLocks noGrp="1"/>
           </p:cNvSpPr>
@@ -12397,77 +12717,40 @@
         <p:spPr/>
         <p:txBody>
           <a:bodyPr>
-            <a:normAutofit lnSpcReduction="10000"/>
+            <a:normAutofit/>
           </a:bodyPr>
           <a:lstStyle/>
           <a:p>
             <a:r>
               <a:rPr lang="ro-RO" sz="2800" dirty="0" smtClean="0"/>
-              <a:t>When Spring Data does not bring value ?</a:t>
+              <a:t>@CreatedBy , @LastModifiedBy – who ?</a:t>
             </a:r>
           </a:p>
           <a:p>
             <a:endParaRPr lang="ro-RO" sz="2800" dirty="0" smtClean="0"/>
           </a:p>
           <a:p>
-            <a:pPr lvl="1"/>
-            <a:r>
-              <a:rPr lang="ro-RO" sz="2000" dirty="0" smtClean="0"/>
-              <a:t>A lot of JOIN queries</a:t>
-            </a:r>
-          </a:p>
-          <a:p>
-            <a:pPr lvl="1"/>
-            <a:endParaRPr lang="ro-RO" sz="2000" dirty="0"/>
-          </a:p>
-          <a:p>
-            <a:pPr lvl="1"/>
-            <a:r>
-              <a:rPr lang="ro-RO" sz="2000" dirty="0" smtClean="0"/>
-              <a:t>DB which do not use FKs</a:t>
-            </a:r>
-          </a:p>
-          <a:p>
-            <a:pPr lvl="1"/>
-            <a:endParaRPr lang="ro-RO" sz="2000" dirty="0" smtClean="0"/>
-          </a:p>
-          <a:p>
-            <a:pPr lvl="1"/>
-            <a:r>
-              <a:rPr lang="ro-RO" sz="2000" dirty="0" smtClean="0"/>
-              <a:t>When even the CRUD methods should be overriden</a:t>
-            </a:r>
-          </a:p>
-          <a:p>
-            <a:pPr lvl="1"/>
-            <a:endParaRPr lang="ro-RO" sz="2000" dirty="0"/>
-          </a:p>
-          <a:p>
-            <a:pPr lvl="1"/>
-            <a:r>
-              <a:rPr lang="ro-RO" sz="2000" dirty="0" smtClean="0"/>
-              <a:t>May be other situations ...</a:t>
-            </a:r>
-            <a:endParaRPr lang="ro-RO" sz="2000" dirty="0" smtClean="0"/>
-          </a:p>
-          <a:p>
-            <a:pPr lvl="1"/>
-            <a:endParaRPr lang="ro-RO" sz="2000" dirty="0" smtClean="0"/>
-          </a:p>
-          <a:p>
-            <a:pPr lvl="1"/>
-            <a:endParaRPr lang="ro-RO" dirty="0" smtClean="0"/>
-          </a:p>
-          <a:p>
-            <a:pPr lvl="1"/>
-            <a:endParaRPr lang="ro-RO" dirty="0" smtClean="0"/>
+            <a:r>
+              <a:rPr lang="ro-RO" sz="2800" dirty="0" smtClean="0"/>
+              <a:t>@CreatedDate, @LastModifiedDate – when ?</a:t>
+            </a:r>
+          </a:p>
+          <a:p>
+            <a:endParaRPr lang="ro-RO" sz="2800" dirty="0"/>
+          </a:p>
+          <a:p>
+            <a:r>
+              <a:rPr lang="ro-RO" sz="2800" dirty="0" smtClean="0"/>
+              <a:t>Spring Security integration</a:t>
+            </a:r>
+            <a:endParaRPr lang="ro-RO" sz="2800" dirty="0"/>
           </a:p>
         </p:txBody>
       </p:sp>
     </p:spTree>
     <p:extLst>
       <p:ext uri="{BB962C8B-B14F-4D97-AF65-F5344CB8AC3E}">
-        <p14:creationId xmlns:p14="http://schemas.microsoft.com/office/powerpoint/2010/main" val="1657448931"/>
+        <p14:creationId xmlns:p14="http://schemas.microsoft.com/office/powerpoint/2010/main" val="1435931862"/>
       </p:ext>
     </p:extLst>
   </p:cSld>
@@ -12503,7 +12786,7 @@
       </p:grpSpPr>
       <p:sp>
         <p:nvSpPr>
-          <p:cNvPr id="4" name="Title 3"/>
+          <p:cNvPr id="2" name="Title 1"/>
           <p:cNvSpPr>
             <a:spLocks noGrp="1"/>
           </p:cNvSpPr>
@@ -12511,7 +12794,12 @@
             <p:ph type="title"/>
           </p:nvPr>
         </p:nvSpPr>
-        <p:spPr/>
+        <p:spPr>
+          <a:xfrm>
+            <a:off x="677334" y="609600"/>
+            <a:ext cx="8596668" cy="993913"/>
+          </a:xfrm>
+        </p:spPr>
         <p:txBody>
           <a:bodyPr>
             <a:normAutofit/>
@@ -12520,11 +12808,7 @@
           <a:p>
             <a:r>
               <a:rPr lang="ro-RO" sz="4800" dirty="0" smtClean="0"/>
-              <a:t>hopeForTheBest()</a:t>
-            </a:r>
-            <a:r>
-              <a:rPr lang="ro-RO" sz="4800" dirty="0" smtClean="0"/>
-              <a:t>;</a:t>
+              <a:t>demo();</a:t>
             </a:r>
             <a:endParaRPr lang="ro-RO" sz="4800" dirty="0"/>
           </a:p>
@@ -12532,7 +12816,7 @@
       </p:sp>
       <p:sp>
         <p:nvSpPr>
-          <p:cNvPr id="8" name="Content Placeholder 7"/>
+          <p:cNvPr id="3" name="Content Placeholder 2"/>
           <p:cNvSpPr>
             <a:spLocks noGrp="1"/>
           </p:cNvSpPr>
@@ -12542,65 +12826,79 @@
         </p:nvSpPr>
         <p:spPr/>
         <p:txBody>
-          <a:bodyPr/>
-          <a:lstStyle/>
-          <a:p>
+          <a:bodyPr>
+            <a:normAutofit/>
+          </a:bodyPr>
+          <a:lstStyle/>
+          <a:p>
+            <a:pPr marL="0" indent="0">
+              <a:buNone/>
+            </a:pPr>
+            <a:r>
+              <a:rPr lang="ro-RO" sz="2800" dirty="0" smtClean="0">
+                <a:hlinkClick r:id="rId3"/>
+              </a:rPr>
+              <a:t>https</a:t>
+            </a:r>
+            <a:r>
+              <a:rPr lang="ro-RO" sz="2800" dirty="0">
+                <a:hlinkClick r:id="rId3"/>
+              </a:rPr>
+              <a:t>://github.com/cosminspn/cc-apr-2016</a:t>
+            </a:r>
+            <a:r>
+              <a:rPr lang="ro-RO" sz="2800" dirty="0" smtClean="0">
+                <a:hlinkClick r:id="rId3"/>
+              </a:rPr>
+              <a:t>/</a:t>
+            </a:r>
+            <a:endParaRPr lang="ro-RO" sz="2800" dirty="0" smtClean="0"/>
+          </a:p>
+          <a:p>
+            <a:pPr marL="0" indent="0">
+              <a:buNone/>
+            </a:pPr>
+            <a:endParaRPr lang="ro-RO" sz="2800" dirty="0">
+              <a:hlinkClick r:id="rId4"/>
+            </a:endParaRPr>
+          </a:p>
+          <a:p>
+            <a:pPr marL="0" indent="0">
+              <a:buNone/>
+            </a:pPr>
+            <a:r>
+              <a:rPr lang="ro-RO" sz="2800" dirty="0" smtClean="0">
+                <a:hlinkClick r:id="rId4"/>
+              </a:rPr>
+              <a:t>https</a:t>
+            </a:r>
+            <a:r>
+              <a:rPr lang="ro-RO" sz="2800" dirty="0">
+                <a:hlinkClick r:id="rId4"/>
+              </a:rPr>
+              <a:t>://</a:t>
+            </a:r>
+            <a:r>
+              <a:rPr lang="ro-RO" sz="2800" dirty="0" smtClean="0">
+                <a:hlinkClick r:id="rId4"/>
+              </a:rPr>
+              <a:t>github.com/cosminspn/cc-apr-2016/tree/master/source/spring-data-example</a:t>
+            </a:r>
             <a:r>
               <a:rPr lang="ro-RO" sz="2800" dirty="0" smtClean="0"/>
-              <a:t>Who </a:t>
-            </a:r>
-            <a:r>
-              <a:rPr lang="ro-RO" sz="2800" dirty="0" smtClean="0"/>
-              <a:t>heard about Spring Data ?</a:t>
-            </a:r>
-          </a:p>
-          <a:p>
-            <a:pPr lvl="1"/>
-            <a:r>
-              <a:rPr lang="ro-RO" sz="2000" dirty="0"/>
-              <a:t>x</a:t>
-            </a:r>
-            <a:r>
-              <a:rPr lang="ro-RO" sz="2000" dirty="0" smtClean="0"/>
-              <a:t> code campers</a:t>
-            </a:r>
-          </a:p>
-          <a:p>
-            <a:pPr lvl="1"/>
-            <a:endParaRPr lang="ro-RO" sz="2000" dirty="0" smtClean="0"/>
-          </a:p>
-          <a:p>
-            <a:r>
-              <a:rPr lang="ro-RO" sz="2800" dirty="0" smtClean="0"/>
-              <a:t>Who worked with Spring Data ?</a:t>
-            </a:r>
-          </a:p>
-          <a:p>
-            <a:pPr lvl="1"/>
-            <a:r>
-              <a:rPr lang="ro-RO" sz="2000" dirty="0"/>
-              <a:t>x</a:t>
-            </a:r>
-            <a:r>
-              <a:rPr lang="ro-RO" sz="2000" dirty="0" smtClean="0"/>
-              <a:t> code campers</a:t>
-            </a:r>
-            <a:endParaRPr lang="ro-RO" sz="2000" dirty="0"/>
-          </a:p>
-          <a:p>
-            <a:pPr lvl="1"/>
-            <a:endParaRPr lang="ro-RO" dirty="0" smtClean="0"/>
-          </a:p>
-          <a:p>
-            <a:pPr lvl="1"/>
-            <a:endParaRPr lang="ro-RO" dirty="0" smtClean="0"/>
+              <a:t> </a:t>
+            </a:r>
+            <a:endParaRPr lang="ro-RO" sz="2800" dirty="0"/>
+          </a:p>
+          <a:p>
+            <a:endParaRPr lang="ro-RO" sz="2800" dirty="0" smtClean="0"/>
           </a:p>
         </p:txBody>
       </p:sp>
     </p:spTree>
     <p:extLst>
       <p:ext uri="{BB962C8B-B14F-4D97-AF65-F5344CB8AC3E}">
-        <p14:creationId xmlns:p14="http://schemas.microsoft.com/office/powerpoint/2010/main" val="618556063"/>
+        <p14:creationId xmlns:p14="http://schemas.microsoft.com/office/powerpoint/2010/main" val="3946167324"/>
       </p:ext>
     </p:extLst>
   </p:cSld>
@@ -12653,11 +12951,273 @@
           <a:p>
             <a:r>
               <a:rPr lang="ro-RO" sz="4800" dirty="0" smtClean="0"/>
-              <a:t>thankYou()</a:t>
-            </a:r>
+              <a:t>removeFromTheProject();</a:t>
+            </a:r>
+            <a:endParaRPr lang="ro-RO" sz="4800" dirty="0"/>
+          </a:p>
+        </p:txBody>
+      </p:sp>
+      <p:sp>
+        <p:nvSpPr>
+          <p:cNvPr id="8" name="Content Placeholder 7"/>
+          <p:cNvSpPr>
+            <a:spLocks noGrp="1"/>
+          </p:cNvSpPr>
+          <p:nvPr>
+            <p:ph idx="1"/>
+          </p:nvPr>
+        </p:nvSpPr>
+        <p:spPr/>
+        <p:txBody>
+          <a:bodyPr>
+            <a:normAutofit lnSpcReduction="10000"/>
+          </a:bodyPr>
+          <a:lstStyle/>
+          <a:p>
+            <a:r>
+              <a:rPr lang="ro-RO" sz="2800" dirty="0" smtClean="0"/>
+              <a:t>When Spring Data does not bring value ?</a:t>
+            </a:r>
+          </a:p>
+          <a:p>
+            <a:endParaRPr lang="ro-RO" sz="2800" dirty="0" smtClean="0"/>
+          </a:p>
+          <a:p>
+            <a:pPr lvl="1"/>
+            <a:r>
+              <a:rPr lang="ro-RO" sz="2000" dirty="0" smtClean="0"/>
+              <a:t>A lot of JOIN queries</a:t>
+            </a:r>
+          </a:p>
+          <a:p>
+            <a:pPr lvl="1"/>
+            <a:endParaRPr lang="ro-RO" sz="2000" dirty="0"/>
+          </a:p>
+          <a:p>
+            <a:pPr lvl="1"/>
+            <a:r>
+              <a:rPr lang="ro-RO" sz="2000" dirty="0" smtClean="0"/>
+              <a:t>DB which do not use FKs</a:t>
+            </a:r>
+          </a:p>
+          <a:p>
+            <a:pPr lvl="1"/>
+            <a:endParaRPr lang="ro-RO" sz="2000" dirty="0" smtClean="0"/>
+          </a:p>
+          <a:p>
+            <a:pPr lvl="1"/>
+            <a:r>
+              <a:rPr lang="ro-RO" sz="2000" dirty="0" smtClean="0"/>
+              <a:t>When even the CRUD methods should be overriden</a:t>
+            </a:r>
+          </a:p>
+          <a:p>
+            <a:pPr lvl="1"/>
+            <a:endParaRPr lang="ro-RO" sz="2000" dirty="0"/>
+          </a:p>
+          <a:p>
+            <a:pPr lvl="1"/>
+            <a:r>
+              <a:rPr lang="ro-RO" sz="2000" dirty="0" smtClean="0"/>
+              <a:t>May be other situations ...</a:t>
+            </a:r>
+          </a:p>
+          <a:p>
+            <a:pPr lvl="1"/>
+            <a:endParaRPr lang="ro-RO" sz="2000" dirty="0" smtClean="0"/>
+          </a:p>
+          <a:p>
+            <a:pPr lvl="1"/>
+            <a:endParaRPr lang="ro-RO" dirty="0" smtClean="0"/>
+          </a:p>
+          <a:p>
+            <a:pPr lvl="1"/>
+            <a:endParaRPr lang="ro-RO" dirty="0" smtClean="0"/>
+          </a:p>
+        </p:txBody>
+      </p:sp>
+    </p:spTree>
+    <p:extLst>
+      <p:ext uri="{BB962C8B-B14F-4D97-AF65-F5344CB8AC3E}">
+        <p14:creationId xmlns:p14="http://schemas.microsoft.com/office/powerpoint/2010/main" val="1657448931"/>
+      </p:ext>
+    </p:extLst>
+  </p:cSld>
+  <p:clrMapOvr>
+    <a:masterClrMapping/>
+  </p:clrMapOvr>
+  <p:timing>
+    <p:tnLst>
+      <p:par>
+        <p:cTn id="1" dur="indefinite" restart="never" nodeType="tmRoot"/>
+      </p:par>
+    </p:tnLst>
+  </p:timing>
+</p:sld>
+</file>
+
+<file path=ppt/slides/slide23.xml><?xml version="1.0" encoding="utf-8"?>
+<p:sld xmlns:a="http://schemas.openxmlformats.org/drawingml/2006/main" xmlns:r="http://schemas.openxmlformats.org/officeDocument/2006/relationships" xmlns:p="http://schemas.openxmlformats.org/presentationml/2006/main">
+  <p:cSld>
+    <p:spTree>
+      <p:nvGrpSpPr>
+        <p:cNvPr id="1" name=""/>
+        <p:cNvGrpSpPr/>
+        <p:nvPr/>
+      </p:nvGrpSpPr>
+      <p:grpSpPr>
+        <a:xfrm>
+          <a:off x="0" y="0"/>
+          <a:ext cx="0" cy="0"/>
+          <a:chOff x="0" y="0"/>
+          <a:chExt cx="0" cy="0"/>
+        </a:xfrm>
+      </p:grpSpPr>
+      <p:sp>
+        <p:nvSpPr>
+          <p:cNvPr id="4" name="Title 3"/>
+          <p:cNvSpPr>
+            <a:spLocks noGrp="1"/>
+          </p:cNvSpPr>
+          <p:nvPr>
+            <p:ph type="title"/>
+          </p:nvPr>
+        </p:nvSpPr>
+        <p:spPr/>
+        <p:txBody>
+          <a:bodyPr>
+            <a:normAutofit/>
+          </a:bodyPr>
+          <a:lstStyle/>
+          <a:p>
             <a:r>
               <a:rPr lang="ro-RO" sz="4800" dirty="0" smtClean="0"/>
-              <a:t>;</a:t>
+              <a:t>hopeForTheBest();</a:t>
+            </a:r>
+            <a:endParaRPr lang="ro-RO" sz="4800" dirty="0"/>
+          </a:p>
+        </p:txBody>
+      </p:sp>
+      <p:sp>
+        <p:nvSpPr>
+          <p:cNvPr id="8" name="Content Placeholder 7"/>
+          <p:cNvSpPr>
+            <a:spLocks noGrp="1"/>
+          </p:cNvSpPr>
+          <p:nvPr>
+            <p:ph idx="1"/>
+          </p:nvPr>
+        </p:nvSpPr>
+        <p:spPr/>
+        <p:txBody>
+          <a:bodyPr/>
+          <a:lstStyle/>
+          <a:p>
+            <a:r>
+              <a:rPr lang="ro-RO" sz="2800" dirty="0" smtClean="0"/>
+              <a:t>Who heard about Spring Data ?</a:t>
+            </a:r>
+          </a:p>
+          <a:p>
+            <a:pPr lvl="1"/>
+            <a:r>
+              <a:rPr lang="ro-RO" sz="2000" dirty="0"/>
+              <a:t>x</a:t>
+            </a:r>
+            <a:r>
+              <a:rPr lang="ro-RO" sz="2000" dirty="0" smtClean="0"/>
+              <a:t> code campers</a:t>
+            </a:r>
+          </a:p>
+          <a:p>
+            <a:pPr lvl="1"/>
+            <a:endParaRPr lang="ro-RO" sz="2000" dirty="0" smtClean="0"/>
+          </a:p>
+          <a:p>
+            <a:r>
+              <a:rPr lang="ro-RO" sz="2800" dirty="0" smtClean="0"/>
+              <a:t>Who worked with Spring Data ?</a:t>
+            </a:r>
+          </a:p>
+          <a:p>
+            <a:pPr lvl="1"/>
+            <a:r>
+              <a:rPr lang="ro-RO" sz="2000" dirty="0"/>
+              <a:t>x</a:t>
+            </a:r>
+            <a:r>
+              <a:rPr lang="ro-RO" sz="2000" dirty="0" smtClean="0"/>
+              <a:t> code campers</a:t>
+            </a:r>
+            <a:endParaRPr lang="ro-RO" sz="2000" dirty="0"/>
+          </a:p>
+          <a:p>
+            <a:pPr lvl="1"/>
+            <a:endParaRPr lang="ro-RO" dirty="0" smtClean="0"/>
+          </a:p>
+          <a:p>
+            <a:pPr lvl="1"/>
+            <a:endParaRPr lang="ro-RO" dirty="0" smtClean="0"/>
+          </a:p>
+        </p:txBody>
+      </p:sp>
+    </p:spTree>
+    <p:extLst>
+      <p:ext uri="{BB962C8B-B14F-4D97-AF65-F5344CB8AC3E}">
+        <p14:creationId xmlns:p14="http://schemas.microsoft.com/office/powerpoint/2010/main" val="618556063"/>
+      </p:ext>
+    </p:extLst>
+  </p:cSld>
+  <p:clrMapOvr>
+    <a:masterClrMapping/>
+  </p:clrMapOvr>
+  <p:timing>
+    <p:tnLst>
+      <p:par>
+        <p:cTn id="1" dur="indefinite" restart="never" nodeType="tmRoot"/>
+      </p:par>
+    </p:tnLst>
+  </p:timing>
+</p:sld>
+</file>
+
+<file path=ppt/slides/slide24.xml><?xml version="1.0" encoding="utf-8"?>
+<p:sld xmlns:a="http://schemas.openxmlformats.org/drawingml/2006/main" xmlns:r="http://schemas.openxmlformats.org/officeDocument/2006/relationships" xmlns:p="http://schemas.openxmlformats.org/presentationml/2006/main">
+  <p:cSld>
+    <p:spTree>
+      <p:nvGrpSpPr>
+        <p:cNvPr id="1" name=""/>
+        <p:cNvGrpSpPr/>
+        <p:nvPr/>
+      </p:nvGrpSpPr>
+      <p:grpSpPr>
+        <a:xfrm>
+          <a:off x="0" y="0"/>
+          <a:ext cx="0" cy="0"/>
+          <a:chOff x="0" y="0"/>
+          <a:chExt cx="0" cy="0"/>
+        </a:xfrm>
+      </p:grpSpPr>
+      <p:sp>
+        <p:nvSpPr>
+          <p:cNvPr id="4" name="Title 3"/>
+          <p:cNvSpPr>
+            <a:spLocks noGrp="1"/>
+          </p:cNvSpPr>
+          <p:nvPr>
+            <p:ph type="title"/>
+          </p:nvPr>
+        </p:nvSpPr>
+        <p:spPr/>
+        <p:txBody>
+          <a:bodyPr>
+            <a:normAutofit/>
+          </a:bodyPr>
+          <a:lstStyle/>
+          <a:p>
+            <a:r>
+              <a:rPr lang="ro-RO" sz="4800" dirty="0" smtClean="0"/>
+              <a:t>thankYou();</a:t>
             </a:r>
             <a:endParaRPr lang="ro-RO" sz="4800" dirty="0"/>
           </a:p>
@@ -13159,7 +13719,6 @@
               <a:rPr lang="ro-RO" sz="2000" dirty="0" smtClean="0"/>
               <a:t>Reduces the necessary effort for having the persistence layer in place</a:t>
             </a:r>
-            <a:endParaRPr lang="ro-RO" sz="2000" dirty="0" smtClean="0"/>
           </a:p>
           <a:p>
             <a:pPr lvl="1"/>
@@ -13586,6 +14145,13 @@
   <p:clrMapOvr>
     <a:masterClrMapping/>
   </p:clrMapOvr>
+  <p:timing>
+    <p:tnLst>
+      <p:par>
+        <p:cTn id="1" dur="indefinite" restart="never" nodeType="tmRoot"/>
+      </p:par>
+    </p:tnLst>
+  </p:timing>
 </p:sld>
 </file>
 

--- a/documents/Prezentare/cc-2016-spring-data.pptx
+++ b/documents/Prezentare/cc-2016-spring-data.pptx
@@ -1070,8 +1070,8 @@
     <dgm:cxn modelId="{0C5C3F63-05DB-4765-8FE9-A110C6310895}" type="presOf" srcId="{4FE8A236-F8DA-4B60-9F3F-12BE279A83A4}" destId="{F40E7619-B182-49EB-9C81-683B39B874A8}" srcOrd="0" destOrd="0" presId="urn:microsoft.com/office/officeart/2005/8/layout/hProcess9"/>
     <dgm:cxn modelId="{72A189CF-6105-4DCF-91DE-0088CE925DD7}" type="presOf" srcId="{D7BEEEFA-3F44-46B1-AE59-01F5A96A51C0}" destId="{768E4A4A-A5AB-47FE-B994-C942B925C2A4}" srcOrd="0" destOrd="0" presId="urn:microsoft.com/office/officeart/2005/8/layout/hProcess9"/>
     <dgm:cxn modelId="{EBAF1306-8AF4-4096-A8EA-065F56B6F883}" srcId="{D7BEEEFA-3F44-46B1-AE59-01F5A96A51C0}" destId="{B69B5E6C-0DDC-4F8A-BCCB-E480FC266E57}" srcOrd="0" destOrd="0" parTransId="{177ACB11-663B-4048-BAE8-761F3D98A54F}" sibTransId="{422C2E5F-0223-4FB0-8578-F26F79BF4F99}"/>
+    <dgm:cxn modelId="{64D16D93-F27D-4FA2-B341-92D9F2BD9CB7}" srcId="{D7BEEEFA-3F44-46B1-AE59-01F5A96A51C0}" destId="{4FE8A236-F8DA-4B60-9F3F-12BE279A83A4}" srcOrd="1" destOrd="0" parTransId="{219DEFF1-972F-4086-8870-0637BF894306}" sibTransId="{DF2A2D41-6B1C-4726-AC5B-AD6939A056EC}"/>
     <dgm:cxn modelId="{42D6B223-78D5-4AF5-BDE2-0FAAFF994D68}" type="presOf" srcId="{B69B5E6C-0DDC-4F8A-BCCB-E480FC266E57}" destId="{B07EF7D4-7229-4A23-AFBA-A36BAA52019D}" srcOrd="0" destOrd="0" presId="urn:microsoft.com/office/officeart/2005/8/layout/hProcess9"/>
-    <dgm:cxn modelId="{64D16D93-F27D-4FA2-B341-92D9F2BD9CB7}" srcId="{D7BEEEFA-3F44-46B1-AE59-01F5A96A51C0}" destId="{4FE8A236-F8DA-4B60-9F3F-12BE279A83A4}" srcOrd="1" destOrd="0" parTransId="{219DEFF1-972F-4086-8870-0637BF894306}" sibTransId="{DF2A2D41-6B1C-4726-AC5B-AD6939A056EC}"/>
     <dgm:cxn modelId="{B57F05A3-DA88-4920-A279-565F50CB7F36}" type="presParOf" srcId="{768E4A4A-A5AB-47FE-B994-C942B925C2A4}" destId="{5B6F7D7A-FB6E-4E0F-9CF3-FD3070635E20}" srcOrd="0" destOrd="0" presId="urn:microsoft.com/office/officeart/2005/8/layout/hProcess9"/>
     <dgm:cxn modelId="{A84A0267-7C1F-4440-9886-87CEE7035C18}" type="presParOf" srcId="{768E4A4A-A5AB-47FE-B994-C942B925C2A4}" destId="{815669DA-26CB-4472-B022-7DA76760935A}" srcOrd="1" destOrd="0" presId="urn:microsoft.com/office/officeart/2005/8/layout/hProcess9"/>
     <dgm:cxn modelId="{8D3D982B-547D-4F50-BA91-2DB70F163C6B}" type="presParOf" srcId="{815669DA-26CB-4472-B022-7DA76760935A}" destId="{B07EF7D4-7229-4A23-AFBA-A36BAA52019D}" srcOrd="0" destOrd="0" presId="urn:microsoft.com/office/officeart/2005/8/layout/hProcess9"/>
@@ -1096,200 +1096,6 @@
       <dsp:cNvGrpSpPr/>
     </dsp:nvGrpSpPr>
     <dsp:grpSpPr/>
-    <dsp:sp modelId="{5B6F7D7A-FB6E-4E0F-9CF3-FD3070635E20}">
-      <dsp:nvSpPr>
-        <dsp:cNvPr id="0" name=""/>
-        <dsp:cNvSpPr/>
-      </dsp:nvSpPr>
-      <dsp:spPr>
-        <a:xfrm>
-          <a:off x="0" y="0"/>
-          <a:ext cx="6533318" cy="3880773"/>
-        </a:xfrm>
-        <a:prstGeom prst="rightArrow">
-          <a:avLst/>
-        </a:prstGeom>
-        <a:solidFill>
-          <a:schemeClr val="accent1">
-            <a:tint val="40000"/>
-            <a:hueOff val="0"/>
-            <a:satOff val="0"/>
-            <a:lumOff val="0"/>
-            <a:alphaOff val="0"/>
-          </a:schemeClr>
-        </a:solidFill>
-        <a:ln>
-          <a:noFill/>
-        </a:ln>
-        <a:effectLst/>
-      </dsp:spPr>
-      <dsp:style>
-        <a:lnRef idx="0">
-          <a:scrgbClr r="0" g="0" b="0"/>
-        </a:lnRef>
-        <a:fillRef idx="1">
-          <a:scrgbClr r="0" g="0" b="0"/>
-        </a:fillRef>
-        <a:effectRef idx="0">
-          <a:scrgbClr r="0" g="0" b="0"/>
-        </a:effectRef>
-        <a:fontRef idx="minor"/>
-      </dsp:style>
-    </dsp:sp>
-    <dsp:sp modelId="{B07EF7D4-7229-4A23-AFBA-A36BAA52019D}">
-      <dsp:nvSpPr>
-        <dsp:cNvPr id="0" name=""/>
-        <dsp:cNvSpPr/>
-      </dsp:nvSpPr>
-      <dsp:spPr>
-        <a:xfrm>
-          <a:off x="110807" y="1164231"/>
-          <a:ext cx="2656714" cy="1552309"/>
-        </a:xfrm>
-        <a:prstGeom prst="roundRect">
-          <a:avLst/>
-        </a:prstGeom>
-        <a:solidFill>
-          <a:schemeClr val="accent1">
-            <a:hueOff val="0"/>
-            <a:satOff val="0"/>
-            <a:lumOff val="0"/>
-            <a:alphaOff val="0"/>
-          </a:schemeClr>
-        </a:solidFill>
-        <a:ln w="12700" cap="flat" cmpd="sng" algn="ctr">
-          <a:solidFill>
-            <a:schemeClr val="lt1">
-              <a:hueOff val="0"/>
-              <a:satOff val="0"/>
-              <a:lumOff val="0"/>
-              <a:alphaOff val="0"/>
-            </a:schemeClr>
-          </a:solidFill>
-          <a:prstDash val="solid"/>
-        </a:ln>
-        <a:effectLst/>
-      </dsp:spPr>
-      <dsp:style>
-        <a:lnRef idx="2">
-          <a:scrgbClr r="0" g="0" b="0"/>
-        </a:lnRef>
-        <a:fillRef idx="1">
-          <a:scrgbClr r="0" g="0" b="0"/>
-        </a:fillRef>
-        <a:effectRef idx="0">
-          <a:scrgbClr r="0" g="0" b="0"/>
-        </a:effectRef>
-        <a:fontRef idx="minor">
-          <a:schemeClr val="lt1"/>
-        </a:fontRef>
-      </dsp:style>
-      <dsp:txBody>
-        <a:bodyPr spcFirstLastPara="0" vert="horz" wrap="square" lIns="68580" tIns="68580" rIns="68580" bIns="68580" numCol="1" spcCol="1270" anchor="ctr" anchorCtr="0">
-          <a:noAutofit/>
-        </a:bodyPr>
-        <a:lstStyle/>
-        <a:p>
-          <a:pPr lvl="0" algn="ctr" defTabSz="800100" rtl="0">
-            <a:lnSpc>
-              <a:spcPct val="90000"/>
-            </a:lnSpc>
-            <a:spcBef>
-              <a:spcPct val="0"/>
-            </a:spcBef>
-            <a:spcAft>
-              <a:spcPct val="35000"/>
-            </a:spcAft>
-          </a:pPr>
-          <a:r>
-            <a:rPr lang="ro-RO" sz="1800" kern="1200" dirty="0" smtClean="0"/>
-            <a:t>Access Layer implementation with specific APIs</a:t>
-          </a:r>
-          <a:endParaRPr lang="ro-RO" sz="1800" kern="1200" dirty="0"/>
-        </a:p>
-      </dsp:txBody>
-      <dsp:txXfrm>
-        <a:off x="186584" y="1240008"/>
-        <a:ext cx="2505160" cy="1400755"/>
-      </dsp:txXfrm>
-    </dsp:sp>
-    <dsp:sp modelId="{F40E7619-B182-49EB-9C81-683B39B874A8}">
-      <dsp:nvSpPr>
-        <dsp:cNvPr id="0" name=""/>
-        <dsp:cNvSpPr/>
-      </dsp:nvSpPr>
-      <dsp:spPr>
-        <a:xfrm>
-          <a:off x="3733457" y="1150990"/>
-          <a:ext cx="1775482" cy="1552309"/>
-        </a:xfrm>
-        <a:prstGeom prst="roundRect">
-          <a:avLst/>
-        </a:prstGeom>
-        <a:solidFill>
-          <a:schemeClr val="accent1">
-            <a:hueOff val="0"/>
-            <a:satOff val="0"/>
-            <a:lumOff val="0"/>
-            <a:alphaOff val="0"/>
-          </a:schemeClr>
-        </a:solidFill>
-        <a:ln w="12700" cap="flat" cmpd="sng" algn="ctr">
-          <a:solidFill>
-            <a:schemeClr val="lt1">
-              <a:hueOff val="0"/>
-              <a:satOff val="0"/>
-              <a:lumOff val="0"/>
-              <a:alphaOff val="0"/>
-            </a:schemeClr>
-          </a:solidFill>
-          <a:prstDash val="solid"/>
-        </a:ln>
-        <a:effectLst/>
-      </dsp:spPr>
-      <dsp:style>
-        <a:lnRef idx="2">
-          <a:scrgbClr r="0" g="0" b="0"/>
-        </a:lnRef>
-        <a:fillRef idx="1">
-          <a:scrgbClr r="0" g="0" b="0"/>
-        </a:fillRef>
-        <a:effectRef idx="0">
-          <a:scrgbClr r="0" g="0" b="0"/>
-        </a:effectRef>
-        <a:fontRef idx="minor">
-          <a:schemeClr val="lt1"/>
-        </a:fontRef>
-      </dsp:style>
-      <dsp:txBody>
-        <a:bodyPr spcFirstLastPara="0" vert="horz" wrap="square" lIns="68580" tIns="68580" rIns="68580" bIns="68580" numCol="1" spcCol="1270" anchor="ctr" anchorCtr="0">
-          <a:noAutofit/>
-        </a:bodyPr>
-        <a:lstStyle/>
-        <a:p>
-          <a:pPr lvl="0" algn="ctr" defTabSz="800100" rtl="0">
-            <a:lnSpc>
-              <a:spcPct val="90000"/>
-            </a:lnSpc>
-            <a:spcBef>
-              <a:spcPct val="0"/>
-            </a:spcBef>
-            <a:spcAft>
-              <a:spcPct val="35000"/>
-            </a:spcAft>
-          </a:pPr>
-          <a:r>
-            <a:rPr lang="ro-RO" sz="1800" kern="1200" dirty="0" smtClean="0"/>
-            <a:t>A lot of ways for implementing DAOs</a:t>
-          </a:r>
-          <a:endParaRPr lang="ro-RO" sz="1800" kern="1200" dirty="0"/>
-        </a:p>
-      </dsp:txBody>
-      <dsp:txXfrm>
-        <a:off x="3809234" y="1226767"/>
-        <a:ext cx="1623928" cy="1400755"/>
-      </dsp:txXfrm>
-    </dsp:sp>
   </dsp:spTree>
 </dsp:drawing>
 </file>
@@ -3174,19 +2980,11 @@
             </a:pPr>
             <a:r>
               <a:rPr lang="ro-RO" dirty="0" smtClean="0"/>
-              <a:t>Creare </a:t>
-            </a:r>
-            <a:r>
-              <a:rPr lang="ro-RO" dirty="0" smtClean="0"/>
-              <a:t>de query-uri dupa</a:t>
+              <a:t>Creare de query-uri dupa</a:t>
             </a:r>
             <a:r>
               <a:rPr lang="ro-RO" baseline="0" dirty="0" smtClean="0"/>
-              <a:t> numele metodelor are avantajele ei dar si </a:t>
-            </a:r>
-            <a:r>
-              <a:rPr lang="ro-RO" baseline="0" dirty="0" smtClean="0"/>
-              <a:t>slabiciuni</a:t>
+              <a:t> numele metodelor are avantajele ei dar si slabiciuni</a:t>
             </a:r>
           </a:p>
           <a:p>
@@ -4205,13 +4003,8 @@
             </a:pPr>
             <a:r>
               <a:rPr lang="ro-RO" baseline="0" dirty="0" smtClean="0"/>
-              <a:t>Cred ca e imposibil ca in viata vostra de programatori sa nu fi avut treaba cu Hibernate code, urat lung complicat</a:t>
-            </a:r>
-            <a:r>
-              <a:rPr lang="ro-RO" baseline="0" dirty="0" smtClean="0"/>
-              <a:t>.</a:t>
-            </a:r>
-            <a:endParaRPr lang="ro-RO" baseline="0" dirty="0" smtClean="0"/>
+              <a:t>Cred ca e imposibil ca in viata vostra de programatori sa nu fi avut treaba cu Hibernate code, urat lung complicat.</a:t>
+            </a:r>
           </a:p>
           <a:p>
             <a:pPr marL="228600" indent="-228600">
@@ -4789,15 +4582,7 @@
             </a:pPr>
             <a:r>
               <a:rPr lang="ro-RO" sz="100" baseline="0" dirty="0" smtClean="0"/>
-              <a:t>Primul </a:t>
-            </a:r>
-            <a:r>
-              <a:rPr lang="ro-RO" sz="100" baseline="0" dirty="0" smtClean="0"/>
-              <a:t>release a fost in 2010 la </a:t>
-            </a:r>
-            <a:r>
-              <a:rPr lang="ro-RO" sz="100" baseline="0" dirty="0" smtClean="0"/>
-              <a:t>SpringOne</a:t>
+              <a:t>Primul release a fost in 2010 la SpringOne</a:t>
             </a:r>
           </a:p>
           <a:p>
@@ -4820,11 +4605,7 @@
             </a:pPr>
             <a:r>
               <a:rPr lang="ro-RO" sz="100" baseline="0" dirty="0" smtClean="0"/>
-              <a:t>Ne </a:t>
-            </a:r>
-            <a:r>
-              <a:rPr lang="ro-RO" sz="100" baseline="0" dirty="0" smtClean="0"/>
-              <a:t>construim aplicatii si apoi avem nevoie sa ne stocam informatiile. O facem in mod normal in DB relationale sau NoSQL. Apoi aplicatia trebuie sa acceseze acele date</a:t>
+              <a:t>Ne construim aplicatii si apoi avem nevoie sa ne stocam informatiile. O facem in mod normal in DB relationale sau NoSQL. Apoi aplicatia trebuie sa acceseze acele date</a:t>
             </a:r>
           </a:p>
           <a:p>
@@ -5008,13 +4789,7 @@
               <a:rPr lang="ro-RO" baseline="0" dirty="0" smtClean="0">
                 <a:sym typeface="Wingdings" panose="05000000000000000000" pitchFamily="2" charset="2"/>
               </a:rPr>
-              <a:t>Actioneaza mai mult ca un marker interface care este extinsa pentru a putea face „discover” interfetelor care o </a:t>
-            </a:r>
-            <a:r>
-              <a:rPr lang="ro-RO" baseline="0" dirty="0" smtClean="0">
-                <a:sym typeface="Wingdings" panose="05000000000000000000" pitchFamily="2" charset="2"/>
-              </a:rPr>
-              <a:t>extind</a:t>
+              <a:t>Actioneaza mai mult ca un marker interface care este extinsa pentru a putea face „discover” interfetelor care o extind</a:t>
             </a:r>
           </a:p>
           <a:p>
@@ -11848,11 +11623,7 @@
             <a:pPr lvl="1"/>
             <a:r>
               <a:rPr lang="ro-RO" sz="2000" dirty="0" smtClean="0"/>
-              <a:t>Void, Primitives, Wrapper types, T, Iterator&lt;T&gt;, Collection&gt;T</a:t>
-            </a:r>
-            <a:r>
-              <a:rPr lang="ro-RO" sz="2000" dirty="0" smtClean="0"/>
-              <a:t>&gt;, Stream&lt;T&gt;</a:t>
+              <a:t>Void, Primitives, Wrapper types, T, Iterator&lt;T&gt;, Collection&gt;T&gt;, Stream&lt;T&gt;</a:t>
             </a:r>
             <a:endParaRPr lang="ro-RO" sz="2000" dirty="0"/>
           </a:p>
@@ -12440,10 +12211,15 @@
             <p:ph idx="1"/>
           </p:nvPr>
         </p:nvSpPr>
-        <p:spPr/>
+        <p:spPr>
+          <a:xfrm>
+            <a:off x="677334" y="1625600"/>
+            <a:ext cx="8596668" cy="4933243"/>
+          </a:xfrm>
+        </p:spPr>
         <p:txBody>
           <a:bodyPr>
-            <a:normAutofit/>
+            <a:normAutofit lnSpcReduction="10000"/>
           </a:bodyPr>
           <a:lstStyle/>
           <a:p>
@@ -12486,7 +12262,34 @@
               </a:rPr>
               <a:t></a:t>
             </a:r>
-            <a:endParaRPr lang="ro-RO" sz="2000" dirty="0" smtClean="0"/>
+          </a:p>
+          <a:p>
+            <a:endParaRPr lang="ro-RO" sz="2200" dirty="0">
+              <a:sym typeface="Wingdings" panose="05000000000000000000" pitchFamily="2" charset="2"/>
+            </a:endParaRPr>
+          </a:p>
+          <a:p>
+            <a:r>
+              <a:rPr lang="ro-RO" sz="2800" dirty="0" smtClean="0"/>
+              <a:t>Caching is </a:t>
+            </a:r>
+            <a:r>
+              <a:rPr lang="ro-RO" sz="2800" smtClean="0"/>
+              <a:t>configurable as </a:t>
+            </a:r>
+            <a:r>
+              <a:rPr lang="ro-RO" sz="2800" dirty="0" smtClean="0"/>
+              <a:t>in </a:t>
+            </a:r>
+            <a:r>
+              <a:rPr lang="ro-RO" sz="2800" smtClean="0"/>
+              <a:t>any other Spring/Hibernate </a:t>
+            </a:r>
+            <a:r>
+              <a:rPr lang="ro-RO" sz="2800" dirty="0" smtClean="0"/>
+              <a:t>project</a:t>
+            </a:r>
+            <a:endParaRPr lang="ro-RO" sz="2800" dirty="0" smtClean="0"/>
           </a:p>
           <a:p>
             <a:endParaRPr lang="ro-RO" sz="2800" dirty="0"/>

--- a/documents/Prezentare/cc-2016-spring-data.pptx
+++ b/documents/Prezentare/cc-2016-spring-data.pptx
@@ -5,7 +5,7 @@
     <p:sldMasterId id="2147483660" r:id="rId1"/>
   </p:sldMasterIdLst>
   <p:notesMasterIdLst>
-    <p:notesMasterId r:id="rId26"/>
+    <p:notesMasterId r:id="rId27"/>
   </p:notesMasterIdLst>
   <p:sldIdLst>
     <p:sldId id="256" r:id="rId2"/>
@@ -13,25 +13,26 @@
     <p:sldId id="258" r:id="rId4"/>
     <p:sldId id="259" r:id="rId5"/>
     <p:sldId id="260" r:id="rId6"/>
-    <p:sldId id="261" r:id="rId7"/>
-    <p:sldId id="262" r:id="rId8"/>
-    <p:sldId id="263" r:id="rId9"/>
-    <p:sldId id="266" r:id="rId10"/>
-    <p:sldId id="264" r:id="rId11"/>
-    <p:sldId id="265" r:id="rId12"/>
-    <p:sldId id="267" r:id="rId13"/>
-    <p:sldId id="269" r:id="rId14"/>
-    <p:sldId id="270" r:id="rId15"/>
-    <p:sldId id="268" r:id="rId16"/>
-    <p:sldId id="271" r:id="rId17"/>
-    <p:sldId id="272" r:id="rId18"/>
-    <p:sldId id="273" r:id="rId19"/>
-    <p:sldId id="279" r:id="rId20"/>
-    <p:sldId id="278" r:id="rId21"/>
-    <p:sldId id="276" r:id="rId22"/>
-    <p:sldId id="277" r:id="rId23"/>
-    <p:sldId id="274" r:id="rId24"/>
-    <p:sldId id="275" r:id="rId25"/>
+    <p:sldId id="280" r:id="rId7"/>
+    <p:sldId id="261" r:id="rId8"/>
+    <p:sldId id="262" r:id="rId9"/>
+    <p:sldId id="263" r:id="rId10"/>
+    <p:sldId id="266" r:id="rId11"/>
+    <p:sldId id="264" r:id="rId12"/>
+    <p:sldId id="265" r:id="rId13"/>
+    <p:sldId id="267" r:id="rId14"/>
+    <p:sldId id="269" r:id="rId15"/>
+    <p:sldId id="270" r:id="rId16"/>
+    <p:sldId id="268" r:id="rId17"/>
+    <p:sldId id="271" r:id="rId18"/>
+    <p:sldId id="272" r:id="rId19"/>
+    <p:sldId id="273" r:id="rId20"/>
+    <p:sldId id="279" r:id="rId21"/>
+    <p:sldId id="278" r:id="rId22"/>
+    <p:sldId id="276" r:id="rId23"/>
+    <p:sldId id="277" r:id="rId24"/>
+    <p:sldId id="274" r:id="rId25"/>
+    <p:sldId id="275" r:id="rId26"/>
   </p:sldIdLst>
   <p:sldSz cx="12192000" cy="6858000"/>
   <p:notesSz cx="6858000" cy="9144000"/>
@@ -140,6 +141,7 @@
             <p14:sldId id="258"/>
             <p14:sldId id="259"/>
             <p14:sldId id="260"/>
+            <p14:sldId id="280"/>
             <p14:sldId id="261"/>
             <p14:sldId id="262"/>
             <p14:sldId id="263"/>
@@ -1070,8 +1072,8 @@
     <dgm:cxn modelId="{0C5C3F63-05DB-4765-8FE9-A110C6310895}" type="presOf" srcId="{4FE8A236-F8DA-4B60-9F3F-12BE279A83A4}" destId="{F40E7619-B182-49EB-9C81-683B39B874A8}" srcOrd="0" destOrd="0" presId="urn:microsoft.com/office/officeart/2005/8/layout/hProcess9"/>
     <dgm:cxn modelId="{72A189CF-6105-4DCF-91DE-0088CE925DD7}" type="presOf" srcId="{D7BEEEFA-3F44-46B1-AE59-01F5A96A51C0}" destId="{768E4A4A-A5AB-47FE-B994-C942B925C2A4}" srcOrd="0" destOrd="0" presId="urn:microsoft.com/office/officeart/2005/8/layout/hProcess9"/>
     <dgm:cxn modelId="{EBAF1306-8AF4-4096-A8EA-065F56B6F883}" srcId="{D7BEEEFA-3F44-46B1-AE59-01F5A96A51C0}" destId="{B69B5E6C-0DDC-4F8A-BCCB-E480FC266E57}" srcOrd="0" destOrd="0" parTransId="{177ACB11-663B-4048-BAE8-761F3D98A54F}" sibTransId="{422C2E5F-0223-4FB0-8578-F26F79BF4F99}"/>
+    <dgm:cxn modelId="{42D6B223-78D5-4AF5-BDE2-0FAAFF994D68}" type="presOf" srcId="{B69B5E6C-0DDC-4F8A-BCCB-E480FC266E57}" destId="{B07EF7D4-7229-4A23-AFBA-A36BAA52019D}" srcOrd="0" destOrd="0" presId="urn:microsoft.com/office/officeart/2005/8/layout/hProcess9"/>
     <dgm:cxn modelId="{64D16D93-F27D-4FA2-B341-92D9F2BD9CB7}" srcId="{D7BEEEFA-3F44-46B1-AE59-01F5A96A51C0}" destId="{4FE8A236-F8DA-4B60-9F3F-12BE279A83A4}" srcOrd="1" destOrd="0" parTransId="{219DEFF1-972F-4086-8870-0637BF894306}" sibTransId="{DF2A2D41-6B1C-4726-AC5B-AD6939A056EC}"/>
-    <dgm:cxn modelId="{42D6B223-78D5-4AF5-BDE2-0FAAFF994D68}" type="presOf" srcId="{B69B5E6C-0DDC-4F8A-BCCB-E480FC266E57}" destId="{B07EF7D4-7229-4A23-AFBA-A36BAA52019D}" srcOrd="0" destOrd="0" presId="urn:microsoft.com/office/officeart/2005/8/layout/hProcess9"/>
     <dgm:cxn modelId="{B57F05A3-DA88-4920-A279-565F50CB7F36}" type="presParOf" srcId="{768E4A4A-A5AB-47FE-B994-C942B925C2A4}" destId="{5B6F7D7A-FB6E-4E0F-9CF3-FD3070635E20}" srcOrd="0" destOrd="0" presId="urn:microsoft.com/office/officeart/2005/8/layout/hProcess9"/>
     <dgm:cxn modelId="{A84A0267-7C1F-4440-9886-87CEE7035C18}" type="presParOf" srcId="{768E4A4A-A5AB-47FE-B994-C942B925C2A4}" destId="{815669DA-26CB-4472-B022-7DA76760935A}" srcOrd="1" destOrd="0" presId="urn:microsoft.com/office/officeart/2005/8/layout/hProcess9"/>
     <dgm:cxn modelId="{8D3D982B-547D-4F50-BA91-2DB70F163C6B}" type="presParOf" srcId="{815669DA-26CB-4472-B022-7DA76760935A}" destId="{B07EF7D4-7229-4A23-AFBA-A36BAA52019D}" srcOrd="0" destOrd="0" presId="urn:microsoft.com/office/officeart/2005/8/layout/hProcess9"/>
@@ -1096,6 +1098,200 @@
       <dsp:cNvGrpSpPr/>
     </dsp:nvGrpSpPr>
     <dsp:grpSpPr/>
+    <dsp:sp modelId="{5B6F7D7A-FB6E-4E0F-9CF3-FD3070635E20}">
+      <dsp:nvSpPr>
+        <dsp:cNvPr id="0" name=""/>
+        <dsp:cNvSpPr/>
+      </dsp:nvSpPr>
+      <dsp:spPr>
+        <a:xfrm>
+          <a:off x="0" y="0"/>
+          <a:ext cx="6533318" cy="3880773"/>
+        </a:xfrm>
+        <a:prstGeom prst="rightArrow">
+          <a:avLst/>
+        </a:prstGeom>
+        <a:solidFill>
+          <a:schemeClr val="accent1">
+            <a:tint val="40000"/>
+            <a:hueOff val="0"/>
+            <a:satOff val="0"/>
+            <a:lumOff val="0"/>
+            <a:alphaOff val="0"/>
+          </a:schemeClr>
+        </a:solidFill>
+        <a:ln>
+          <a:noFill/>
+        </a:ln>
+        <a:effectLst/>
+      </dsp:spPr>
+      <dsp:style>
+        <a:lnRef idx="0">
+          <a:scrgbClr r="0" g="0" b="0"/>
+        </a:lnRef>
+        <a:fillRef idx="1">
+          <a:scrgbClr r="0" g="0" b="0"/>
+        </a:fillRef>
+        <a:effectRef idx="0">
+          <a:scrgbClr r="0" g="0" b="0"/>
+        </a:effectRef>
+        <a:fontRef idx="minor"/>
+      </dsp:style>
+    </dsp:sp>
+    <dsp:sp modelId="{B07EF7D4-7229-4A23-AFBA-A36BAA52019D}">
+      <dsp:nvSpPr>
+        <dsp:cNvPr id="0" name=""/>
+        <dsp:cNvSpPr/>
+      </dsp:nvSpPr>
+      <dsp:spPr>
+        <a:xfrm>
+          <a:off x="110807" y="1164231"/>
+          <a:ext cx="2656714" cy="1552309"/>
+        </a:xfrm>
+        <a:prstGeom prst="roundRect">
+          <a:avLst/>
+        </a:prstGeom>
+        <a:solidFill>
+          <a:schemeClr val="accent1">
+            <a:hueOff val="0"/>
+            <a:satOff val="0"/>
+            <a:lumOff val="0"/>
+            <a:alphaOff val="0"/>
+          </a:schemeClr>
+        </a:solidFill>
+        <a:ln w="12700" cap="flat" cmpd="sng" algn="ctr">
+          <a:solidFill>
+            <a:schemeClr val="lt1">
+              <a:hueOff val="0"/>
+              <a:satOff val="0"/>
+              <a:lumOff val="0"/>
+              <a:alphaOff val="0"/>
+            </a:schemeClr>
+          </a:solidFill>
+          <a:prstDash val="solid"/>
+        </a:ln>
+        <a:effectLst/>
+      </dsp:spPr>
+      <dsp:style>
+        <a:lnRef idx="2">
+          <a:scrgbClr r="0" g="0" b="0"/>
+        </a:lnRef>
+        <a:fillRef idx="1">
+          <a:scrgbClr r="0" g="0" b="0"/>
+        </a:fillRef>
+        <a:effectRef idx="0">
+          <a:scrgbClr r="0" g="0" b="0"/>
+        </a:effectRef>
+        <a:fontRef idx="minor">
+          <a:schemeClr val="lt1"/>
+        </a:fontRef>
+      </dsp:style>
+      <dsp:txBody>
+        <a:bodyPr spcFirstLastPara="0" vert="horz" wrap="square" lIns="68580" tIns="68580" rIns="68580" bIns="68580" numCol="1" spcCol="1270" anchor="ctr" anchorCtr="0">
+          <a:noAutofit/>
+        </a:bodyPr>
+        <a:lstStyle/>
+        <a:p>
+          <a:pPr lvl="0" algn="ctr" defTabSz="800100" rtl="0">
+            <a:lnSpc>
+              <a:spcPct val="90000"/>
+            </a:lnSpc>
+            <a:spcBef>
+              <a:spcPct val="0"/>
+            </a:spcBef>
+            <a:spcAft>
+              <a:spcPct val="35000"/>
+            </a:spcAft>
+          </a:pPr>
+          <a:r>
+            <a:rPr lang="ro-RO" sz="1800" kern="1200" dirty="0" smtClean="0"/>
+            <a:t>Access Layer implementation with specific APIs</a:t>
+          </a:r>
+          <a:endParaRPr lang="ro-RO" sz="1800" kern="1200" dirty="0"/>
+        </a:p>
+      </dsp:txBody>
+      <dsp:txXfrm>
+        <a:off x="186584" y="1240008"/>
+        <a:ext cx="2505160" cy="1400755"/>
+      </dsp:txXfrm>
+    </dsp:sp>
+    <dsp:sp modelId="{F40E7619-B182-49EB-9C81-683B39B874A8}">
+      <dsp:nvSpPr>
+        <dsp:cNvPr id="0" name=""/>
+        <dsp:cNvSpPr/>
+      </dsp:nvSpPr>
+      <dsp:spPr>
+        <a:xfrm>
+          <a:off x="3733457" y="1150990"/>
+          <a:ext cx="1775482" cy="1552309"/>
+        </a:xfrm>
+        <a:prstGeom prst="roundRect">
+          <a:avLst/>
+        </a:prstGeom>
+        <a:solidFill>
+          <a:schemeClr val="accent1">
+            <a:hueOff val="0"/>
+            <a:satOff val="0"/>
+            <a:lumOff val="0"/>
+            <a:alphaOff val="0"/>
+          </a:schemeClr>
+        </a:solidFill>
+        <a:ln w="12700" cap="flat" cmpd="sng" algn="ctr">
+          <a:solidFill>
+            <a:schemeClr val="lt1">
+              <a:hueOff val="0"/>
+              <a:satOff val="0"/>
+              <a:lumOff val="0"/>
+              <a:alphaOff val="0"/>
+            </a:schemeClr>
+          </a:solidFill>
+          <a:prstDash val="solid"/>
+        </a:ln>
+        <a:effectLst/>
+      </dsp:spPr>
+      <dsp:style>
+        <a:lnRef idx="2">
+          <a:scrgbClr r="0" g="0" b="0"/>
+        </a:lnRef>
+        <a:fillRef idx="1">
+          <a:scrgbClr r="0" g="0" b="0"/>
+        </a:fillRef>
+        <a:effectRef idx="0">
+          <a:scrgbClr r="0" g="0" b="0"/>
+        </a:effectRef>
+        <a:fontRef idx="minor">
+          <a:schemeClr val="lt1"/>
+        </a:fontRef>
+      </dsp:style>
+      <dsp:txBody>
+        <a:bodyPr spcFirstLastPara="0" vert="horz" wrap="square" lIns="68580" tIns="68580" rIns="68580" bIns="68580" numCol="1" spcCol="1270" anchor="ctr" anchorCtr="0">
+          <a:noAutofit/>
+        </a:bodyPr>
+        <a:lstStyle/>
+        <a:p>
+          <a:pPr lvl="0" algn="ctr" defTabSz="800100" rtl="0">
+            <a:lnSpc>
+              <a:spcPct val="90000"/>
+            </a:lnSpc>
+            <a:spcBef>
+              <a:spcPct val="0"/>
+            </a:spcBef>
+            <a:spcAft>
+              <a:spcPct val="35000"/>
+            </a:spcAft>
+          </a:pPr>
+          <a:r>
+            <a:rPr lang="ro-RO" sz="1800" kern="1200" dirty="0" smtClean="0"/>
+            <a:t>A lot of ways for implementing DAOs</a:t>
+          </a:r>
+          <a:endParaRPr lang="ro-RO" sz="1800" kern="1200" dirty="0"/>
+        </a:p>
+      </dsp:txBody>
+      <dsp:txXfrm>
+        <a:off x="3809234" y="1226767"/>
+        <a:ext cx="1623928" cy="1400755"/>
+      </dsp:txXfrm>
+    </dsp:sp>
   </dsp:spTree>
 </dsp:drawing>
 </file>
@@ -2370,7 +2566,7 @@
           <a:p>
             <a:fld id="{F97D5301-4AE1-475E-B50A-DBFF93DBE1B2}" type="datetimeFigureOut">
               <a:rPr lang="ro-RO" smtClean="0"/>
-              <a:t>17.04.2016</a:t>
+              <a:t>19.04.2016</a:t>
             </a:fld>
             <a:endParaRPr lang="ro-RO"/>
           </a:p>
@@ -2802,6 +2998,64 @@
               <a:buFontTx/>
               <a:buChar char="-"/>
             </a:pPr>
+            <a:r>
+              <a:rPr lang="ro-RO" baseline="0" dirty="0" smtClean="0"/>
+              <a:t>CRUD operations sunt nice, dar nu suficiente. Intr-o aplicatie cat de cat utila, nu ai ce face doar cu acestea</a:t>
+            </a:r>
+          </a:p>
+          <a:p>
+            <a:pPr marL="171450" indent="-171450">
+              <a:buFontTx/>
+              <a:buChar char="-"/>
+            </a:pPr>
+            <a:r>
+              <a:rPr lang="ro-RO" baseline="0" dirty="0" smtClean="0"/>
+              <a:t>Stie sa se mapeze singur la entitate si sa creeze singur query-urile behind the scenes</a:t>
+            </a:r>
+          </a:p>
+          <a:p>
+            <a:pPr marL="171450" indent="-171450">
+              <a:buFontTx/>
+              <a:buChar char="-"/>
+            </a:pPr>
+            <a:r>
+              <a:rPr lang="ro-RO" dirty="0" smtClean="0"/>
+              <a:t>Creezi query-uri doar din numele metodelor</a:t>
+            </a:r>
+          </a:p>
+          <a:p>
+            <a:pPr marL="171450" indent="-171450">
+              <a:buFontTx/>
+              <a:buChar char="-"/>
+            </a:pPr>
+            <a:r>
+              <a:rPr lang="ro-RO" dirty="0" smtClean="0"/>
+              <a:t>Uneori</a:t>
+            </a:r>
+            <a:r>
+              <a:rPr lang="ro-RO" baseline="0" dirty="0" smtClean="0"/>
+              <a:t> vor deveni greu de citit si lungi</a:t>
+            </a:r>
+          </a:p>
+          <a:p>
+            <a:pPr marL="171450" indent="-171450">
+              <a:buFontTx/>
+              <a:buChar char="-"/>
+            </a:pPr>
+            <a:r>
+              <a:rPr lang="ro-RO" baseline="0" dirty="0" smtClean="0"/>
+              <a:t>Depindem de parser-ul pt numele metodelor care ne spune ce putem si ce nu putem folosi</a:t>
+            </a:r>
+          </a:p>
+          <a:p>
+            <a:pPr marL="171450" indent="-171450">
+              <a:buFontTx/>
+              <a:buChar char="-"/>
+            </a:pPr>
+            <a:r>
+              <a:rPr lang="ro-RO" baseline="0" dirty="0" smtClean="0"/>
+              <a:t>Toate keyword-urile disponibile pot fi gasite in Reference Documentation</a:t>
+            </a:r>
             <a:endParaRPr lang="ro-RO" dirty="0"/>
           </a:p>
         </p:txBody>
@@ -2832,7 +3086,7 @@
     </p:spTree>
     <p:extLst>
       <p:ext uri="{BB962C8B-B14F-4D97-AF65-F5344CB8AC3E}">
-        <p14:creationId xmlns:p14="http://schemas.microsoft.com/office/powerpoint/2010/main" val="3888142892"/>
+        <p14:creationId xmlns:p14="http://schemas.microsoft.com/office/powerpoint/2010/main" val="2454390433"/>
       </p:ext>
     </p:extLst>
   </p:cSld>
@@ -2920,7 +3174,7 @@
     </p:spTree>
     <p:extLst>
       <p:ext uri="{BB962C8B-B14F-4D97-AF65-F5344CB8AC3E}">
-        <p14:creationId xmlns:p14="http://schemas.microsoft.com/office/powerpoint/2010/main" val="157771917"/>
+        <p14:creationId xmlns:p14="http://schemas.microsoft.com/office/powerpoint/2010/main" val="3888142892"/>
       </p:ext>
     </p:extLst>
   </p:cSld>
@@ -2978,34 +3232,6 @@
               <a:buFontTx/>
               <a:buChar char="-"/>
             </a:pPr>
-            <a:r>
-              <a:rPr lang="ro-RO" dirty="0" smtClean="0"/>
-              <a:t>Creare de query-uri dupa</a:t>
-            </a:r>
-            <a:r>
-              <a:rPr lang="ro-RO" baseline="0" dirty="0" smtClean="0"/>
-              <a:t> numele metodelor are avantajele ei dar si slabiciuni</a:t>
-            </a:r>
-          </a:p>
-          <a:p>
-            <a:pPr marL="171450" indent="-171450">
-              <a:buFontTx/>
-              <a:buChar char="-"/>
-            </a:pPr>
-            <a:r>
-              <a:rPr lang="ro-RO" baseline="0" dirty="0" smtClean="0"/>
-              <a:t>Avem adnotarea query la dispozitie</a:t>
-            </a:r>
-          </a:p>
-          <a:p>
-            <a:pPr marL="171450" indent="-171450">
-              <a:buFontTx/>
-              <a:buChar char="-"/>
-            </a:pPr>
-            <a:r>
-              <a:rPr lang="ro-RO" baseline="0" dirty="0" smtClean="0"/>
-              <a:t>Se preteaza in situatii cand avem join-uri</a:t>
-            </a:r>
             <a:endParaRPr lang="ro-RO" dirty="0"/>
           </a:p>
         </p:txBody>
@@ -3036,7 +3262,7 @@
     </p:spTree>
     <p:extLst>
       <p:ext uri="{BB962C8B-B14F-4D97-AF65-F5344CB8AC3E}">
-        <p14:creationId xmlns:p14="http://schemas.microsoft.com/office/powerpoint/2010/main" val="4213930637"/>
+        <p14:creationId xmlns:p14="http://schemas.microsoft.com/office/powerpoint/2010/main" val="157771917"/>
       </p:ext>
     </p:extLst>
   </p:cSld>
@@ -3096,41 +3322,31 @@
             </a:pPr>
             <a:r>
               <a:rPr lang="ro-RO" dirty="0" smtClean="0"/>
-              <a:t>Named queries</a:t>
-            </a:r>
-          </a:p>
-          <a:p>
-            <a:pPr marL="628650" lvl="1" indent="-171450">
+              <a:t>Creare de query-uri dupa</a:t>
+            </a:r>
+            <a:r>
+              <a:rPr lang="ro-RO" baseline="0" dirty="0" smtClean="0"/>
+              <a:t> numele metodelor are avantajele ei dar si slabiciuni</a:t>
+            </a:r>
+          </a:p>
+          <a:p>
+            <a:pPr marL="171450" indent="-171450">
               <a:buFontTx/>
               <a:buChar char="-"/>
             </a:pPr>
             <a:r>
-              <a:rPr lang="ro-RO" dirty="0" smtClean="0"/>
-              <a:t>In fisiere</a:t>
-            </a:r>
-            <a:r>
               <a:rPr lang="ro-RO" baseline="0" dirty="0" smtClean="0"/>
-              <a:t> de propr, adnotare (@NamedQuery in your entity)</a:t>
-            </a:r>
-          </a:p>
-          <a:p>
-            <a:pPr marL="628650" lvl="1" indent="-171450">
+              <a:t>Avem adnotarea query la dispozitie</a:t>
+            </a:r>
+          </a:p>
+          <a:p>
+            <a:pPr marL="171450" indent="-171450">
               <a:buFontTx/>
               <a:buChar char="-"/>
             </a:pPr>
             <a:r>
               <a:rPr lang="ro-RO" baseline="0" dirty="0" smtClean="0"/>
-              <a:t>Orm.xml – fisierul contine configurari de mapare intre POJO si DB</a:t>
-            </a:r>
-          </a:p>
-          <a:p>
-            <a:pPr marL="628650" lvl="1" indent="-171450">
-              <a:buFontTx/>
-              <a:buChar char="-"/>
-            </a:pPr>
-            <a:r>
-              <a:rPr lang="ro-RO" baseline="0" dirty="0" smtClean="0"/>
-              <a:t>Apoi se adauga in interfata doar numele dat mai sus si stie direct query-ul ce trebuie facut</a:t>
+              <a:t>Se preteaza in situatii cand avem join-uri</a:t>
             </a:r>
             <a:endParaRPr lang="ro-RO" dirty="0"/>
           </a:p>
@@ -3162,7 +3378,7 @@
     </p:spTree>
     <p:extLst>
       <p:ext uri="{BB962C8B-B14F-4D97-AF65-F5344CB8AC3E}">
-        <p14:creationId xmlns:p14="http://schemas.microsoft.com/office/powerpoint/2010/main" val="2343932806"/>
+        <p14:creationId xmlns:p14="http://schemas.microsoft.com/office/powerpoint/2010/main" val="4213930637"/>
       </p:ext>
     </p:extLst>
   </p:cSld>
@@ -3222,63 +3438,43 @@
             </a:pPr>
             <a:r>
               <a:rPr lang="ro-RO" dirty="0" smtClean="0"/>
-              <a:t>Keyword:</a:t>
-            </a:r>
-            <a:r>
-              <a:rPr lang="ro-RO" baseline="0" dirty="0" smtClean="0"/>
-              <a:t> OrderByAgeDescNameAsc</a:t>
-            </a:r>
-          </a:p>
-          <a:p>
-            <a:pPr marL="171450" indent="-171450">
+              <a:t>Named queries</a:t>
+            </a:r>
+          </a:p>
+          <a:p>
+            <a:pPr marL="628650" lvl="1" indent="-171450">
               <a:buFontTx/>
               <a:buChar char="-"/>
             </a:pPr>
             <a:r>
+              <a:rPr lang="ro-RO" dirty="0" smtClean="0"/>
+              <a:t>In fisiere</a:t>
+            </a:r>
+            <a:r>
               <a:rPr lang="ro-RO" baseline="0" dirty="0" smtClean="0"/>
-              <a:t>New Sort(Direction, property)</a:t>
-            </a:r>
-          </a:p>
-          <a:p>
-            <a:pPr marL="171450" indent="-171450">
+              <a:t> de propr, adnotare (@NamedQuery in your entity)</a:t>
+            </a:r>
+          </a:p>
+          <a:p>
+            <a:pPr marL="628650" lvl="1" indent="-171450">
               <a:buFontTx/>
               <a:buChar char="-"/>
             </a:pPr>
             <a:r>
               <a:rPr lang="ro-RO" baseline="0" dirty="0" smtClean="0"/>
-              <a:t>Exteding P&amp;sortRepo este metoda findAll(sort)</a:t>
-            </a:r>
-          </a:p>
-          <a:p>
-            <a:pPr marL="171450" marR="0" indent="-171450" algn="l" defTabSz="914400" rtl="0" eaLnBrk="1" fontAlgn="auto" latinLnBrk="0" hangingPunct="1">
-              <a:lnSpc>
-                <a:spcPct val="100000"/>
-              </a:lnSpc>
-              <a:spcBef>
-                <a:spcPts val="0"/>
-              </a:spcBef>
-              <a:spcAft>
-                <a:spcPts val="0"/>
-              </a:spcAft>
-              <a:buClrTx/>
-              <a:buSzTx/>
+              <a:t>Orm.xml – fisierul contine configurari de mapare intre POJO si DB</a:t>
+            </a:r>
+          </a:p>
+          <a:p>
+            <a:pPr marL="628650" lvl="1" indent="-171450">
               <a:buFontTx/>
               <a:buChar char="-"/>
-              <a:tabLst/>
-              <a:defRPr/>
             </a:pPr>
             <a:r>
               <a:rPr lang="ro-RO" baseline="0" dirty="0" smtClean="0"/>
-              <a:t>Paginarea se face prin interfata pageable, clasa pagerequest unde se dau ca parametri dimensiunea paginii si numarul lor</a:t>
-            </a:r>
-            <a:endParaRPr lang="ro-RO" dirty="0" smtClean="0"/>
-          </a:p>
-          <a:p>
-            <a:pPr marL="0" indent="0">
-              <a:buFontTx/>
-              <a:buNone/>
-            </a:pPr>
-            <a:endParaRPr lang="ro-RO" baseline="0" dirty="0" smtClean="0"/>
+              <a:t>Apoi se adauga in interfata doar numele dat mai sus si stie direct query-ul ce trebuie facut</a:t>
+            </a:r>
+            <a:endParaRPr lang="ro-RO" dirty="0"/>
           </a:p>
         </p:txBody>
       </p:sp>
@@ -3308,7 +3504,7 @@
     </p:spTree>
     <p:extLst>
       <p:ext uri="{BB962C8B-B14F-4D97-AF65-F5344CB8AC3E}">
-        <p14:creationId xmlns:p14="http://schemas.microsoft.com/office/powerpoint/2010/main" val="137860450"/>
+        <p14:creationId xmlns:p14="http://schemas.microsoft.com/office/powerpoint/2010/main" val="2343932806"/>
       </p:ext>
     </p:extLst>
   </p:cSld>
@@ -3368,11 +3564,11 @@
             </a:pPr>
             <a:r>
               <a:rPr lang="ro-RO" dirty="0" smtClean="0"/>
-              <a:t>Uneori</a:t>
+              <a:t>Keyword:</a:t>
             </a:r>
             <a:r>
               <a:rPr lang="ro-RO" baseline="0" dirty="0" smtClean="0"/>
-              <a:t> poate chiar aveti nevoie sa implementati o metoda prin hibernate sau JDBC sau altceva</a:t>
+              <a:t> OrderByAgeDescNameAsc</a:t>
             </a:r>
           </a:p>
           <a:p>
@@ -3382,7 +3578,7 @@
             </a:pPr>
             <a:r>
               <a:rPr lang="ro-RO" baseline="0" dirty="0" smtClean="0"/>
-              <a:t>Creati o interfata customrepository cu metodele necesare, faceti implementarea lor si adnotati clasa cu @repository</a:t>
+              <a:t>New Sort(Direction, property)</a:t>
             </a:r>
           </a:p>
           <a:p>
@@ -3392,7 +3588,30 @@
             </a:pPr>
             <a:r>
               <a:rPr lang="ro-RO" baseline="0" dirty="0" smtClean="0"/>
-              <a:t>Extindeti din repo „principal” interfata</a:t>
+              <a:t>Exteding P&amp;sortRepo este metoda findAll(sort)</a:t>
+            </a:r>
+          </a:p>
+          <a:p>
+            <a:pPr marL="171450" marR="0" indent="-171450" algn="l" defTabSz="914400" rtl="0" eaLnBrk="1" fontAlgn="auto" latinLnBrk="0" hangingPunct="1">
+              <a:lnSpc>
+                <a:spcPct val="100000"/>
+              </a:lnSpc>
+              <a:spcBef>
+                <a:spcPts val="0"/>
+              </a:spcBef>
+              <a:spcAft>
+                <a:spcPts val="0"/>
+              </a:spcAft>
+              <a:buClrTx/>
+              <a:buSzTx/>
+              <a:buFontTx/>
+              <a:buChar char="-"/>
+              <a:tabLst/>
+              <a:defRPr/>
+            </a:pPr>
+            <a:r>
+              <a:rPr lang="ro-RO" baseline="0" dirty="0" smtClean="0"/>
+              <a:t>Paginarea se face prin interfata pageable, clasa pagerequest unde se dau ca parametri dimensiunea paginii si numarul lor</a:t>
             </a:r>
             <a:endParaRPr lang="ro-RO" dirty="0" smtClean="0"/>
           </a:p>
@@ -3431,7 +3650,7 @@
     </p:spTree>
     <p:extLst>
       <p:ext uri="{BB962C8B-B14F-4D97-AF65-F5344CB8AC3E}">
-        <p14:creationId xmlns:p14="http://schemas.microsoft.com/office/powerpoint/2010/main" val="1606417700"/>
+        <p14:creationId xmlns:p14="http://schemas.microsoft.com/office/powerpoint/2010/main" val="137860450"/>
       </p:ext>
     </p:extLst>
   </p:cSld>
@@ -3491,13 +3710,12 @@
             </a:pPr>
             <a:r>
               <a:rPr lang="ro-RO" dirty="0" smtClean="0"/>
-              <a:t>Care e principalul</a:t>
+              <a:t>Uneori</a:t>
             </a:r>
             <a:r>
               <a:rPr lang="ro-RO" baseline="0" dirty="0" smtClean="0"/>
-              <a:t> dezavantaj pana acum ? – Nu suport dynamic queries (nu au un nr constant de conditii)</a:t>
-            </a:r>
-            <a:endParaRPr lang="ro-RO" dirty="0" smtClean="0"/>
+              <a:t> poate chiar aveti nevoie sa implementati o metoda prin hibernate sau JDBC sau altceva</a:t>
+            </a:r>
           </a:p>
           <a:p>
             <a:pPr marL="171450" indent="-171450">
@@ -3505,12 +3723,8 @@
               <a:buChar char="-"/>
             </a:pPr>
             <a:r>
-              <a:rPr lang="ro-RO" dirty="0" smtClean="0"/>
-              <a:t>In repository</a:t>
-            </a:r>
-            <a:r>
               <a:rPr lang="ro-RO" baseline="0" dirty="0" smtClean="0"/>
-              <a:t> custom putem folosi Criteria API</a:t>
+              <a:t>Creati o interfata customrepository cu metodele necesare, faceti implementarea lor si adnotati clasa cu @repository</a:t>
             </a:r>
           </a:p>
           <a:p>
@@ -3520,29 +3734,16 @@
             </a:pPr>
             <a:r>
               <a:rPr lang="ro-RO" baseline="0" dirty="0" smtClean="0"/>
-              <a:t>O aplic existenta (cu Criteria) poate fi mai usor migrata</a:t>
-            </a:r>
-          </a:p>
-          <a:p>
-            <a:pPr marL="171450" indent="-171450">
+              <a:t>Extindeti din repo „principal” interfata</a:t>
+            </a:r>
+            <a:endParaRPr lang="ro-RO" dirty="0" smtClean="0"/>
+          </a:p>
+          <a:p>
+            <a:pPr marL="0" indent="0">
               <a:buFontTx/>
-              <a:buChar char="-"/>
+              <a:buNone/>
             </a:pPr>
-            <a:r>
-              <a:rPr lang="ro-RO" baseline="0" dirty="0" smtClean="0"/>
-              <a:t>Criteria – standard way de creare dynamic queris in JPA</a:t>
-            </a:r>
-          </a:p>
-          <a:p>
-            <a:pPr marL="171450" indent="-171450">
-              <a:buFontTx/>
-              <a:buChar char="-"/>
-            </a:pPr>
-            <a:r>
-              <a:rPr lang="ro-RO" baseline="0" dirty="0" smtClean="0"/>
-              <a:t>Are o problema mare – e foarte greu sa implementezi queriuri complexe – si mai greu sa le citesti</a:t>
-            </a:r>
-            <a:endParaRPr lang="ro-RO" dirty="0"/>
+            <a:endParaRPr lang="ro-RO" baseline="0" dirty="0" smtClean="0"/>
           </a:p>
         </p:txBody>
       </p:sp>
@@ -3572,7 +3773,7 @@
     </p:spTree>
     <p:extLst>
       <p:ext uri="{BB962C8B-B14F-4D97-AF65-F5344CB8AC3E}">
-        <p14:creationId xmlns:p14="http://schemas.microsoft.com/office/powerpoint/2010/main" val="2556161185"/>
+        <p14:creationId xmlns:p14="http://schemas.microsoft.com/office/powerpoint/2010/main" val="1606417700"/>
       </p:ext>
     </p:extLst>
   </p:cSld>
@@ -3632,12 +3833,13 @@
             </a:pPr>
             <a:r>
               <a:rPr lang="ro-RO" dirty="0" smtClean="0"/>
-              <a:t>Furnizeaza support pentru auditare (cine a create sau</a:t>
+              <a:t>Care e principalul</a:t>
             </a:r>
             <a:r>
               <a:rPr lang="ro-RO" baseline="0" dirty="0" smtClean="0"/>
-              <a:t> modificat o entitate si timpul cand a avut loc) – sunt necesare ceva config</a:t>
-            </a:r>
+              <a:t> dezavantaj pana acum ? – Nu suport dynamic queries (nu au un nr constant de conditii)</a:t>
+            </a:r>
+            <a:endParaRPr lang="ro-RO" dirty="0" smtClean="0"/>
           </a:p>
           <a:p>
             <a:pPr marL="171450" indent="-171450">
@@ -3645,8 +3847,42 @@
               <a:buChar char="-"/>
             </a:pPr>
             <a:r>
+              <a:rPr lang="ro-RO" dirty="0" smtClean="0"/>
+              <a:t>In repository</a:t>
+            </a:r>
+            <a:r>
               <a:rPr lang="ro-RO" baseline="0" dirty="0" smtClean="0"/>
-              <a:t>Daca aveti deja spring security in place, se face integrare foarte rapid</a:t>
+              <a:t> custom putem folosi Criteria API</a:t>
+            </a:r>
+          </a:p>
+          <a:p>
+            <a:pPr marL="171450" indent="-171450">
+              <a:buFontTx/>
+              <a:buChar char="-"/>
+            </a:pPr>
+            <a:r>
+              <a:rPr lang="ro-RO" baseline="0" dirty="0" smtClean="0"/>
+              <a:t>O aplic existenta (cu Criteria) poate fi mai usor migrata</a:t>
+            </a:r>
+          </a:p>
+          <a:p>
+            <a:pPr marL="171450" indent="-171450">
+              <a:buFontTx/>
+              <a:buChar char="-"/>
+            </a:pPr>
+            <a:r>
+              <a:rPr lang="ro-RO" baseline="0" dirty="0" smtClean="0"/>
+              <a:t>Criteria – standard way de creare dynamic queris in JPA</a:t>
+            </a:r>
+          </a:p>
+          <a:p>
+            <a:pPr marL="171450" indent="-171450">
+              <a:buFontTx/>
+              <a:buChar char="-"/>
+            </a:pPr>
+            <a:r>
+              <a:rPr lang="ro-RO" baseline="0" dirty="0" smtClean="0"/>
+              <a:t>Are o problema mare – e foarte greu sa implementezi queriuri complexe – si mai greu sa le citesti</a:t>
             </a:r>
             <a:endParaRPr lang="ro-RO" dirty="0"/>
           </a:p>
@@ -3678,7 +3914,7 @@
     </p:spTree>
     <p:extLst>
       <p:ext uri="{BB962C8B-B14F-4D97-AF65-F5344CB8AC3E}">
-        <p14:creationId xmlns:p14="http://schemas.microsoft.com/office/powerpoint/2010/main" val="1941202478"/>
+        <p14:creationId xmlns:p14="http://schemas.microsoft.com/office/powerpoint/2010/main" val="2556161185"/>
       </p:ext>
     </p:extLst>
   </p:cSld>
@@ -3732,11 +3968,29 @@
           <a:bodyPr/>
           <a:lstStyle/>
           <a:p>
-            <a:pPr marL="0" indent="0">
+            <a:pPr marL="171450" indent="-171450">
               <a:buFontTx/>
-              <a:buNone/>
+              <a:buChar char="-"/>
             </a:pPr>
-            <a:endParaRPr lang="ro-RO" baseline="0" dirty="0" smtClean="0"/>
+            <a:r>
+              <a:rPr lang="ro-RO" dirty="0" smtClean="0"/>
+              <a:t>Furnizeaza support pentru auditare (cine a create sau</a:t>
+            </a:r>
+            <a:r>
+              <a:rPr lang="ro-RO" baseline="0" dirty="0" smtClean="0"/>
+              <a:t> modificat o entitate si timpul cand a avut loc) – sunt necesare ceva config</a:t>
+            </a:r>
+          </a:p>
+          <a:p>
+            <a:pPr marL="171450" indent="-171450">
+              <a:buFontTx/>
+              <a:buChar char="-"/>
+            </a:pPr>
+            <a:r>
+              <a:rPr lang="ro-RO" baseline="0" dirty="0" smtClean="0"/>
+              <a:t>Daca aveti deja spring security in place, se face integrare foarte rapid</a:t>
+            </a:r>
+            <a:endParaRPr lang="ro-RO" dirty="0"/>
           </a:p>
         </p:txBody>
       </p:sp>
@@ -3766,7 +4020,7 @@
     </p:spTree>
     <p:extLst>
       <p:ext uri="{BB962C8B-B14F-4D97-AF65-F5344CB8AC3E}">
-        <p14:creationId xmlns:p14="http://schemas.microsoft.com/office/powerpoint/2010/main" val="2873680972"/>
+        <p14:creationId xmlns:p14="http://schemas.microsoft.com/office/powerpoint/2010/main" val="1941202478"/>
       </p:ext>
     </p:extLst>
   </p:cSld>
@@ -3820,70 +4074,11 @@
           <a:bodyPr/>
           <a:lstStyle/>
           <a:p>
-            <a:pPr marL="171450" indent="-171450">
-              <a:buFontTx/>
-              <a:buChar char="-"/>
-            </a:pPr>
-            <a:r>
-              <a:rPr lang="ro-RO" dirty="0" smtClean="0"/>
-              <a:t>Foarte multe query-uri care fac join-uri si trebuie sa scrii mai mult</a:t>
-            </a:r>
-            <a:r>
-              <a:rPr lang="ro-RO" baseline="0" dirty="0" smtClean="0"/>
-              <a:t> HQL sau SQL decat sa beneficiezi de avantajele sale</a:t>
-            </a:r>
-          </a:p>
-          <a:p>
-            <a:pPr marL="171450" indent="-171450">
-              <a:buFontTx/>
-              <a:buChar char="-"/>
-            </a:pPr>
-            <a:r>
-              <a:rPr lang="ro-RO" baseline="0" dirty="0" smtClean="0"/>
-              <a:t>De exemplu entry-urile din tabele sunt versionate si nu poti folosi FK</a:t>
-            </a:r>
-          </a:p>
-          <a:p>
-            <a:pPr marL="171450" indent="-171450">
-              <a:buFontTx/>
-              <a:buChar char="-"/>
-            </a:pPr>
-            <a:r>
-              <a:rPr lang="ro-RO" baseline="0" dirty="0" smtClean="0"/>
-              <a:t>Si legaturile sunt versionate in alte tabele separate</a:t>
-            </a:r>
-            <a:endParaRPr lang="ro-RO" dirty="0" smtClean="0"/>
-          </a:p>
-          <a:p>
-            <a:pPr marL="171450" indent="-171450">
-              <a:buFontTx/>
-              <a:buChar char="-"/>
-            </a:pPr>
-            <a:r>
-              <a:rPr lang="ro-RO" dirty="0" smtClean="0"/>
-              <a:t>Cand nici create-ul</a:t>
-            </a:r>
-            <a:r>
-              <a:rPr lang="ro-RO" baseline="0" dirty="0" smtClean="0"/>
-              <a:t> nu mai e ce-a fost ... De exemplu trebuie sa indexezi intr`un elastic search la save sau update</a:t>
-            </a:r>
-          </a:p>
-          <a:p>
-            <a:pPr marL="171450" indent="-171450">
-              <a:buFontTx/>
-              <a:buChar char="-"/>
-            </a:pPr>
-            <a:r>
-              <a:rPr lang="ro-RO" baseline="0" dirty="0" smtClean="0"/>
-              <a:t>Sau sa faci remove din elastic search la delete</a:t>
-            </a:r>
-          </a:p>
-          <a:p>
             <a:pPr marL="0" indent="0">
               <a:buFontTx/>
               <a:buNone/>
             </a:pPr>
-            <a:endParaRPr lang="ro-RO" dirty="0"/>
+            <a:endParaRPr lang="ro-RO" baseline="0" dirty="0" smtClean="0"/>
           </a:p>
         </p:txBody>
       </p:sp>
@@ -3913,7 +4108,7 @@
     </p:spTree>
     <p:extLst>
       <p:ext uri="{BB962C8B-B14F-4D97-AF65-F5344CB8AC3E}">
-        <p14:creationId xmlns:p14="http://schemas.microsoft.com/office/powerpoint/2010/main" val="3386550388"/>
+        <p14:creationId xmlns:p14="http://schemas.microsoft.com/office/powerpoint/2010/main" val="2873680972"/>
       </p:ext>
     </p:extLst>
   </p:cSld>
@@ -4125,14 +4320,69 @@
           <a:bodyPr/>
           <a:lstStyle/>
           <a:p>
+            <a:pPr marL="171450" indent="-171450">
+              <a:buFontTx/>
+              <a:buChar char="-"/>
+            </a:pPr>
             <a:r>
               <a:rPr lang="ro-RO" dirty="0" smtClean="0"/>
-              <a:t>Cei dinainte + eu =</a:t>
+              <a:t>Foarte multe query-uri care fac join-uri si trebuie sa scrii mai mult</a:t>
             </a:r>
             <a:r>
               <a:rPr lang="ro-RO" baseline="0" dirty="0" smtClean="0"/>
-              <a:t> n+1</a:t>
-            </a:r>
+              <a:t> HQL sau SQL decat sa beneficiezi de avantajele sale</a:t>
+            </a:r>
+          </a:p>
+          <a:p>
+            <a:pPr marL="171450" indent="-171450">
+              <a:buFontTx/>
+              <a:buChar char="-"/>
+            </a:pPr>
+            <a:r>
+              <a:rPr lang="ro-RO" baseline="0" dirty="0" smtClean="0"/>
+              <a:t>De exemplu entry-urile din tabele sunt versionate si nu poti folosi FK</a:t>
+            </a:r>
+          </a:p>
+          <a:p>
+            <a:pPr marL="171450" indent="-171450">
+              <a:buFontTx/>
+              <a:buChar char="-"/>
+            </a:pPr>
+            <a:r>
+              <a:rPr lang="ro-RO" baseline="0" dirty="0" smtClean="0"/>
+              <a:t>Si legaturile sunt versionate in alte tabele separate</a:t>
+            </a:r>
+            <a:endParaRPr lang="ro-RO" dirty="0" smtClean="0"/>
+          </a:p>
+          <a:p>
+            <a:pPr marL="171450" indent="-171450">
+              <a:buFontTx/>
+              <a:buChar char="-"/>
+            </a:pPr>
+            <a:r>
+              <a:rPr lang="ro-RO" dirty="0" smtClean="0"/>
+              <a:t>Cand nici create-ul</a:t>
+            </a:r>
+            <a:r>
+              <a:rPr lang="ro-RO" baseline="0" dirty="0" smtClean="0"/>
+              <a:t> nu mai e ce-a fost ... De exemplu trebuie sa indexezi intr`un elastic search la save sau update</a:t>
+            </a:r>
+          </a:p>
+          <a:p>
+            <a:pPr marL="171450" indent="-171450">
+              <a:buFontTx/>
+              <a:buChar char="-"/>
+            </a:pPr>
+            <a:r>
+              <a:rPr lang="ro-RO" baseline="0" dirty="0" smtClean="0"/>
+              <a:t>Sau sa faci remove din elastic search la delete</a:t>
+            </a:r>
+          </a:p>
+          <a:p>
+            <a:pPr marL="0" indent="0">
+              <a:buFontTx/>
+              <a:buNone/>
+            </a:pPr>
             <a:endParaRPr lang="ro-RO" dirty="0"/>
           </a:p>
         </p:txBody>
@@ -4163,7 +4413,7 @@
     </p:spTree>
     <p:extLst>
       <p:ext uri="{BB962C8B-B14F-4D97-AF65-F5344CB8AC3E}">
-        <p14:creationId xmlns:p14="http://schemas.microsoft.com/office/powerpoint/2010/main" val="2768783380"/>
+        <p14:creationId xmlns:p14="http://schemas.microsoft.com/office/powerpoint/2010/main" val="3386550388"/>
       </p:ext>
     </p:extLst>
   </p:cSld>
@@ -4217,6 +4467,14 @@
           <a:bodyPr/>
           <a:lstStyle/>
           <a:p>
+            <a:r>
+              <a:rPr lang="ro-RO" dirty="0" smtClean="0"/>
+              <a:t>Cei dinainte + eu =</a:t>
+            </a:r>
+            <a:r>
+              <a:rPr lang="ro-RO" baseline="0" dirty="0" smtClean="0"/>
+              <a:t> n+1</a:t>
+            </a:r>
             <a:endParaRPr lang="ro-RO" dirty="0"/>
           </a:p>
         </p:txBody>
@@ -4239,6 +4497,90 @@
             <a:fld id="{20ED9C14-DAC0-4AC6-AA52-941D1F046680}" type="slidenum">
               <a:rPr lang="ro-RO" smtClean="0"/>
               <a:t>24</a:t>
+            </a:fld>
+            <a:endParaRPr lang="ro-RO"/>
+          </a:p>
+        </p:txBody>
+      </p:sp>
+    </p:spTree>
+    <p:extLst>
+      <p:ext uri="{BB962C8B-B14F-4D97-AF65-F5344CB8AC3E}">
+        <p14:creationId xmlns:p14="http://schemas.microsoft.com/office/powerpoint/2010/main" val="2768783380"/>
+      </p:ext>
+    </p:extLst>
+  </p:cSld>
+  <p:clrMapOvr>
+    <a:masterClrMapping/>
+  </p:clrMapOvr>
+</p:notes>
+</file>
+
+<file path=ppt/notesSlides/notesSlide22.xml><?xml version="1.0" encoding="utf-8"?>
+<p:notes xmlns:a="http://schemas.openxmlformats.org/drawingml/2006/main" xmlns:r="http://schemas.openxmlformats.org/officeDocument/2006/relationships" xmlns:p="http://schemas.openxmlformats.org/presentationml/2006/main">
+  <p:cSld>
+    <p:spTree>
+      <p:nvGrpSpPr>
+        <p:cNvPr id="1" name=""/>
+        <p:cNvGrpSpPr/>
+        <p:nvPr/>
+      </p:nvGrpSpPr>
+      <p:grpSpPr>
+        <a:xfrm>
+          <a:off x="0" y="0"/>
+          <a:ext cx="0" cy="0"/>
+          <a:chOff x="0" y="0"/>
+          <a:chExt cx="0" cy="0"/>
+        </a:xfrm>
+      </p:grpSpPr>
+      <p:sp>
+        <p:nvSpPr>
+          <p:cNvPr id="2" name="Slide Image Placeholder 1"/>
+          <p:cNvSpPr>
+            <a:spLocks noGrp="1" noRot="1" noChangeAspect="1"/>
+          </p:cNvSpPr>
+          <p:nvPr>
+            <p:ph type="sldImg"/>
+          </p:nvPr>
+        </p:nvSpPr>
+        <p:spPr/>
+      </p:sp>
+      <p:sp>
+        <p:nvSpPr>
+          <p:cNvPr id="3" name="Notes Placeholder 2"/>
+          <p:cNvSpPr>
+            <a:spLocks noGrp="1"/>
+          </p:cNvSpPr>
+          <p:nvPr>
+            <p:ph type="body" idx="1"/>
+          </p:nvPr>
+        </p:nvSpPr>
+        <p:spPr/>
+        <p:txBody>
+          <a:bodyPr/>
+          <a:lstStyle/>
+          <a:p>
+            <a:endParaRPr lang="ro-RO" dirty="0"/>
+          </a:p>
+        </p:txBody>
+      </p:sp>
+      <p:sp>
+        <p:nvSpPr>
+          <p:cNvPr id="4" name="Slide Number Placeholder 3"/>
+          <p:cNvSpPr>
+            <a:spLocks noGrp="1"/>
+          </p:cNvSpPr>
+          <p:nvPr>
+            <p:ph type="sldNum" sz="quarter" idx="10"/>
+          </p:nvPr>
+        </p:nvSpPr>
+        <p:spPr/>
+        <p:txBody>
+          <a:bodyPr/>
+          <a:lstStyle/>
+          <a:p>
+            <a:fld id="{20ED9C14-DAC0-4AC6-AA52-941D1F046680}" type="slidenum">
+              <a:rPr lang="ro-RO" smtClean="0"/>
+              <a:t>25</a:t>
             </a:fld>
             <a:endParaRPr lang="ro-RO"/>
           </a:p>
@@ -4563,49 +4905,13 @@
           <a:bodyPr/>
           <a:lstStyle/>
           <a:p>
-            <a:pPr marL="171450" marR="0" indent="-171450" algn="l" defTabSz="914400" rtl="0" eaLnBrk="1" fontAlgn="auto" latinLnBrk="0" hangingPunct="1">
-              <a:lnSpc>
-                <a:spcPct val="100000"/>
-              </a:lnSpc>
-              <a:spcBef>
-                <a:spcPts val="0"/>
-              </a:spcBef>
-              <a:spcAft>
-                <a:spcPts val="0"/>
-              </a:spcAft>
-              <a:buClrTx/>
-              <a:buSzTx/>
+            <a:pPr marL="0" indent="0">
               <a:buFontTx/>
-              <a:buChar char="-"/>
-              <a:tabLst/>
-              <a:defRPr/>
+              <a:buNone/>
             </a:pPr>
             <a:r>
               <a:rPr lang="ro-RO" sz="100" baseline="0" dirty="0" smtClean="0"/>
-              <a:t>Primul release a fost in 2010 la SpringOne</a:t>
-            </a:r>
-          </a:p>
-          <a:p>
-            <a:pPr marL="171450" marR="0" indent="-171450" algn="l" defTabSz="914400" rtl="0" eaLnBrk="1" fontAlgn="auto" latinLnBrk="0" hangingPunct="1">
-              <a:lnSpc>
-                <a:spcPct val="100000"/>
-              </a:lnSpc>
-              <a:spcBef>
-                <a:spcPts val="0"/>
-              </a:spcBef>
-              <a:spcAft>
-                <a:spcPts val="0"/>
-              </a:spcAft>
-              <a:buClrTx/>
-              <a:buSzTx/>
-              <a:buFontTx/>
-              <a:buChar char="-"/>
-              <a:tabLst/>
-              <a:defRPr/>
-            </a:pPr>
-            <a:r>
-              <a:rPr lang="ro-RO" sz="100" baseline="0" dirty="0" smtClean="0"/>
-              <a:t>Ne construim aplicatii si apoi avem nevoie sa ne stocam informatiile. O facem in mod normal in DB relationale sau NoSQL. Apoi aplicatia trebuie sa acceseze acele date</a:t>
+              <a:t>Spring Framework:</a:t>
             </a:r>
           </a:p>
           <a:p>
@@ -4615,7 +4921,7 @@
             </a:pPr>
             <a:r>
               <a:rPr lang="ro-RO" sz="100" baseline="0" dirty="0" smtClean="0"/>
-              <a:t>Aici e sweet spot-ul Spring Data –</a:t>
+              <a:t>Furnizeaza suport pentru technologiile traditionale de access la date (JDBC, hibernate, iBatis etc) – este simplu sa te integrezi cu ele</a:t>
             </a:r>
           </a:p>
           <a:p>
@@ -4625,7 +4931,7 @@
             </a:pPr>
             <a:r>
               <a:rPr lang="ro-RO" sz="100" baseline="0" dirty="0" smtClean="0"/>
-              <a:t>Este un produs matur, se adauga module imediat cum apar alte tipuri de data stores.</a:t>
+              <a:t>Simplifica setupul infrastructurii si deasemeni are exception translation in DataAccessException hierarchy– mai usor de identificat problemele</a:t>
             </a:r>
           </a:p>
           <a:p>
@@ -4635,35 +4941,8 @@
             </a:pPr>
             <a:r>
               <a:rPr lang="ro-RO" sz="100" baseline="0" dirty="0" smtClean="0"/>
-              <a:t>Furnizeaza o abordare simpla si consistenta care usureaza modalitatea de lucru cu persistenta datelor</a:t>
-            </a:r>
-          </a:p>
-          <a:p>
-            <a:pPr marL="171450" indent="-171450">
-              <a:buFontTx/>
-              <a:buChar char="-"/>
-            </a:pPr>
-            <a:r>
-              <a:rPr lang="ro-RO" sz="100" baseline="0" dirty="0" smtClean="0"/>
-              <a:t>Reduce efortul necesar pentru a avea persistence layerul in place (JDBC, prepared statements, open/closing connections etc)</a:t>
-            </a:r>
-          </a:p>
-          <a:p>
-            <a:pPr marL="171450" indent="-171450">
-              <a:buFontTx/>
-              <a:buChar char="-"/>
-            </a:pPr>
-            <a:r>
-              <a:rPr lang="ro-RO" sz="100" baseline="0" dirty="0" smtClean="0"/>
-              <a:t>Da predictibilitate codului, dupa cum ve-ti vedea</a:t>
-            </a:r>
-          </a:p>
-          <a:p>
-            <a:pPr marL="0" indent="0">
-              <a:buFontTx/>
-              <a:buNone/>
-            </a:pPr>
-            <a:endParaRPr lang="ro-RO" sz="100" baseline="0" dirty="0" smtClean="0"/>
+              <a:t>Bineinteles furnizeaza si mecanismul tranzactional</a:t>
+            </a:r>
           </a:p>
           <a:p>
             <a:pPr marL="171450" indent="-171450">
@@ -4677,6 +4956,13 @@
               <a:buFontTx/>
               <a:buChar char="-"/>
             </a:pPr>
+            <a:endParaRPr lang="ro-RO" sz="100" baseline="0" dirty="0" smtClean="0"/>
+          </a:p>
+          <a:p>
+            <a:pPr marL="171450" indent="-171450">
+              <a:buFontTx/>
+              <a:buChar char="-"/>
+            </a:pPr>
             <a:endParaRPr lang="ro-RO" sz="100" dirty="0"/>
           </a:p>
         </p:txBody>
@@ -4707,7 +4993,7 @@
     </p:spTree>
     <p:extLst>
       <p:ext uri="{BB962C8B-B14F-4D97-AF65-F5344CB8AC3E}">
-        <p14:creationId xmlns:p14="http://schemas.microsoft.com/office/powerpoint/2010/main" val="2837056798"/>
+        <p14:creationId xmlns:p14="http://schemas.microsoft.com/office/powerpoint/2010/main" val="1263614895"/>
       </p:ext>
     </p:extLst>
   </p:cSld>
@@ -4761,23 +5047,59 @@
           <a:bodyPr/>
           <a:lstStyle/>
           <a:p>
+            <a:pPr marL="171450" marR="0" indent="-171450" algn="l" defTabSz="914400" rtl="0" eaLnBrk="1" fontAlgn="auto" latinLnBrk="0" hangingPunct="1">
+              <a:lnSpc>
+                <a:spcPct val="100000"/>
+              </a:lnSpc>
+              <a:spcBef>
+                <a:spcPts val="0"/>
+              </a:spcBef>
+              <a:spcAft>
+                <a:spcPts val="0"/>
+              </a:spcAft>
+              <a:buClrTx/>
+              <a:buSzTx/>
+              <a:buFontTx/>
+              <a:buChar char="-"/>
+              <a:tabLst/>
+              <a:defRPr/>
+            </a:pPr>
+            <a:r>
+              <a:rPr lang="ro-RO" sz="100" baseline="0" dirty="0" smtClean="0"/>
+              <a:t>Primul release a fost in 2010 la SpringOne</a:t>
+            </a:r>
+          </a:p>
+          <a:p>
+            <a:pPr marL="171450" marR="0" indent="-171450" algn="l" defTabSz="914400" rtl="0" eaLnBrk="1" fontAlgn="auto" latinLnBrk="0" hangingPunct="1">
+              <a:lnSpc>
+                <a:spcPct val="100000"/>
+              </a:lnSpc>
+              <a:spcBef>
+                <a:spcPts val="0"/>
+              </a:spcBef>
+              <a:spcAft>
+                <a:spcPts val="0"/>
+              </a:spcAft>
+              <a:buClrTx/>
+              <a:buSzTx/>
+              <a:buFontTx/>
+              <a:buChar char="-"/>
+              <a:tabLst/>
+              <a:defRPr/>
+            </a:pPr>
+            <a:r>
+              <a:rPr lang="ro-RO" sz="100" baseline="0" dirty="0" smtClean="0"/>
+              <a:t>Ne construim aplicatii si apoi avem nevoie sa ne stocam informatiile. O facem in mod normal in DB relationale sau NoSQL. Apoi aplicatia trebuie sa acceseze acele date</a:t>
+            </a:r>
+          </a:p>
+          <a:p>
             <a:pPr marL="171450" indent="-171450">
               <a:buFontTx/>
               <a:buChar char="-"/>
             </a:pPr>
             <a:r>
-              <a:rPr lang="ro-RO" dirty="0" smtClean="0"/>
-              <a:t>Interfata</a:t>
-            </a:r>
-            <a:r>
-              <a:rPr lang="ro-RO" baseline="0" dirty="0" smtClean="0"/>
-              <a:t> centrala in abstractizarea repository-ului este ... Repository </a:t>
-            </a:r>
-            <a:r>
-              <a:rPr lang="ro-RO" baseline="0" dirty="0" smtClean="0">
-                <a:sym typeface="Wingdings" panose="05000000000000000000" pitchFamily="2" charset="2"/>
-              </a:rPr>
-              <a:t>...nu cred ca e asa mare surpriza</a:t>
+              <a:rPr lang="ro-RO" sz="100" baseline="0" dirty="0" smtClean="0"/>
+              <a:t>Aici e sweet spot-ul Spring Data –</a:t>
             </a:r>
           </a:p>
           <a:p>
@@ -4786,10 +5108,8 @@
               <a:buChar char="-"/>
             </a:pPr>
             <a:r>
-              <a:rPr lang="ro-RO" baseline="0" dirty="0" smtClean="0">
-                <a:sym typeface="Wingdings" panose="05000000000000000000" pitchFamily="2" charset="2"/>
-              </a:rPr>
-              <a:t>Actioneaza mai mult ca un marker interface care este extinsa pentru a putea face „discover” interfetelor care o extind</a:t>
+              <a:rPr lang="ro-RO" sz="100" baseline="0" dirty="0" smtClean="0"/>
+              <a:t>Este un produs matur, se adauga module imediat cum apar alte tipuri de data stores.</a:t>
             </a:r>
           </a:p>
           <a:p>
@@ -4798,12 +5118,50 @@
               <a:buChar char="-"/>
             </a:pPr>
             <a:r>
-              <a:rPr lang="ro-RO" baseline="0" dirty="0" smtClean="0">
-                <a:sym typeface="Wingdings" panose="05000000000000000000" pitchFamily="2" charset="2"/>
-              </a:rPr>
-              <a:t>D from SOLID – DI principle – depend upon abstractions and not upon concretions</a:t>
-            </a:r>
-            <a:endParaRPr lang="ro-RO" dirty="0"/>
+              <a:rPr lang="ro-RO" sz="100" baseline="0" dirty="0" smtClean="0"/>
+              <a:t>Furnizeaza o abordare simpla si consistenta care usureaza modalitatea de lucru cu persistenta datelor</a:t>
+            </a:r>
+          </a:p>
+          <a:p>
+            <a:pPr marL="171450" indent="-171450">
+              <a:buFontTx/>
+              <a:buChar char="-"/>
+            </a:pPr>
+            <a:r>
+              <a:rPr lang="ro-RO" sz="100" baseline="0" dirty="0" smtClean="0"/>
+              <a:t>Reduce efortul necesar pentru a avea persistence layerul in place (JDBC, prepared statements, open/closing connections etc)</a:t>
+            </a:r>
+          </a:p>
+          <a:p>
+            <a:pPr marL="171450" indent="-171450">
+              <a:buFontTx/>
+              <a:buChar char="-"/>
+            </a:pPr>
+            <a:r>
+              <a:rPr lang="ro-RO" sz="100" baseline="0" dirty="0" smtClean="0"/>
+              <a:t>Da predictibilitate codului, dupa cum ve-ti vedea</a:t>
+            </a:r>
+          </a:p>
+          <a:p>
+            <a:pPr marL="0" indent="0">
+              <a:buFontTx/>
+              <a:buNone/>
+            </a:pPr>
+            <a:endParaRPr lang="ro-RO" sz="100" baseline="0" dirty="0" smtClean="0"/>
+          </a:p>
+          <a:p>
+            <a:pPr marL="171450" indent="-171450">
+              <a:buFontTx/>
+              <a:buChar char="-"/>
+            </a:pPr>
+            <a:endParaRPr lang="ro-RO" sz="100" baseline="0" dirty="0" smtClean="0"/>
+          </a:p>
+          <a:p>
+            <a:pPr marL="171450" indent="-171450">
+              <a:buFontTx/>
+              <a:buChar char="-"/>
+            </a:pPr>
+            <a:endParaRPr lang="ro-RO" sz="100" dirty="0"/>
           </a:p>
         </p:txBody>
       </p:sp>
@@ -4833,7 +5191,7 @@
     </p:spTree>
     <p:extLst>
       <p:ext uri="{BB962C8B-B14F-4D97-AF65-F5344CB8AC3E}">
-        <p14:creationId xmlns:p14="http://schemas.microsoft.com/office/powerpoint/2010/main" val="2415560560"/>
+        <p14:creationId xmlns:p14="http://schemas.microsoft.com/office/powerpoint/2010/main" val="2837056798"/>
       </p:ext>
     </p:extLst>
   </p:cSld>
@@ -4893,11 +5251,17 @@
             </a:pPr>
             <a:r>
               <a:rPr lang="ro-RO" dirty="0" smtClean="0"/>
-              <a:t>Deasemeni exista si mongorepository</a:t>
+              <a:t>Interfata</a:t>
             </a:r>
             <a:r>
               <a:rPr lang="ro-RO" baseline="0" dirty="0" smtClean="0"/>
-              <a:t> in modulul pt mongodb</a:t>
+              <a:t> centrala in abstractizarea repository-ului este ... Repository </a:t>
+            </a:r>
+            <a:r>
+              <a:rPr lang="ro-RO" baseline="0" dirty="0" smtClean="0">
+                <a:sym typeface="Wingdings" panose="05000000000000000000" pitchFamily="2" charset="2"/>
+              </a:rPr>
+              <a:t>...nu cred ca e asa mare surpriza</a:t>
             </a:r>
           </a:p>
           <a:p>
@@ -4906,8 +5270,10 @@
               <a:buChar char="-"/>
             </a:pPr>
             <a:r>
-              <a:rPr lang="ro-RO" baseline="0" dirty="0" smtClean="0"/>
-              <a:t>SimpleJpaRepository – default implementation pentru JpaRepository</a:t>
+              <a:rPr lang="ro-RO" baseline="0" dirty="0" smtClean="0">
+                <a:sym typeface="Wingdings" panose="05000000000000000000" pitchFamily="2" charset="2"/>
+              </a:rPr>
+              <a:t>Actioneaza mai mult ca un marker interface care este extinsa pentru a putea face „discover” interfetelor care o extind</a:t>
             </a:r>
           </a:p>
           <a:p>
@@ -4916,8 +5282,10 @@
               <a:buChar char="-"/>
             </a:pPr>
             <a:r>
-              <a:rPr lang="ro-RO" baseline="0" dirty="0" smtClean="0"/>
-              <a:t>QueryDslJpaRepository – QueryDSL specific extension pentru SimpleJpa care adauga support pentru predicate QueryDSL</a:t>
+              <a:rPr lang="ro-RO" baseline="0" dirty="0" smtClean="0">
+                <a:sym typeface="Wingdings" panose="05000000000000000000" pitchFamily="2" charset="2"/>
+              </a:rPr>
+              <a:t>D from SOLID – DI principle – depend upon abstractions and not upon concretions</a:t>
             </a:r>
             <a:endParaRPr lang="ro-RO" dirty="0"/>
           </a:p>
@@ -4949,7 +5317,7 @@
     </p:spTree>
     <p:extLst>
       <p:ext uri="{BB962C8B-B14F-4D97-AF65-F5344CB8AC3E}">
-        <p14:creationId xmlns:p14="http://schemas.microsoft.com/office/powerpoint/2010/main" val="1906626071"/>
+        <p14:creationId xmlns:p14="http://schemas.microsoft.com/office/powerpoint/2010/main" val="2415560560"/>
       </p:ext>
     </p:extLst>
   </p:cSld>
@@ -5008,8 +5376,12 @@
               <a:buChar char="-"/>
             </a:pPr>
             <a:r>
+              <a:rPr lang="ro-RO" dirty="0" smtClean="0"/>
+              <a:t>Deasemeni exista si mongorepository</a:t>
+            </a:r>
+            <a:r>
               <a:rPr lang="ro-RO" baseline="0" dirty="0" smtClean="0"/>
-              <a:t>Cat de multe metode out of the box sunt aici</a:t>
+              <a:t> in modulul pt mongodb</a:t>
             </a:r>
           </a:p>
           <a:p>
@@ -5019,17 +5391,7 @@
             </a:pPr>
             <a:r>
               <a:rPr lang="ro-RO" baseline="0" dirty="0" smtClean="0"/>
-              <a:t>Cat de mult v-ar lua sa le implementati toate cu Hibernate ?</a:t>
-            </a:r>
-          </a:p>
-          <a:p>
-            <a:pPr marL="628650" lvl="1" indent="-171450">
-              <a:buFontTx/>
-              <a:buChar char="-"/>
-            </a:pPr>
-            <a:r>
-              <a:rPr lang="ro-RO" baseline="0" dirty="0" smtClean="0"/>
-              <a:t>2-3 exemple</a:t>
+              <a:t>SimpleJpaRepository – default implementation pentru JpaRepository</a:t>
             </a:r>
           </a:p>
           <a:p>
@@ -5039,30 +5401,8 @@
             </a:pPr>
             <a:r>
               <a:rPr lang="ro-RO" baseline="0" dirty="0" smtClean="0"/>
-              <a:t>Dar cu JDBC ?</a:t>
-            </a:r>
-          </a:p>
-          <a:p>
-            <a:pPr marL="171450" indent="-171450">
-              <a:buFontTx/>
-              <a:buChar char="-"/>
-            </a:pPr>
-            <a:r>
-              <a:rPr lang="ro-RO" baseline="0" dirty="0" smtClean="0"/>
-              <a:t>Doar cu un simplu extends. Cum arata interfata noastra ? Well ... goala. </a:t>
-            </a:r>
-            <a:r>
-              <a:rPr lang="ro-RO" baseline="0" dirty="0" smtClean="0">
-                <a:sym typeface="Wingdings" panose="05000000000000000000" pitchFamily="2" charset="2"/>
-              </a:rPr>
-              <a:t></a:t>
-            </a:r>
-          </a:p>
-          <a:p>
-            <a:pPr marL="171450" indent="-171450">
-              <a:buFontTx/>
-              <a:buChar char="-"/>
-            </a:pPr>
+              <a:t>QueryDslJpaRepository – QueryDSL specific extension pentru SimpleJpa care adauga support pentru predicate QueryDSL</a:t>
+            </a:r>
             <a:endParaRPr lang="ro-RO" dirty="0"/>
           </a:p>
         </p:txBody>
@@ -5084,7 +5424,7 @@
           <a:p>
             <a:fld id="{20ED9C14-DAC0-4AC6-AA52-941D1F046680}" type="slidenum">
               <a:rPr lang="ro-RO" smtClean="0"/>
-              <a:t>11</a:t>
+              <a:t>9</a:t>
             </a:fld>
             <a:endParaRPr lang="ro-RO"/>
           </a:p>
@@ -5093,7 +5433,7 @@
     </p:spTree>
     <p:extLst>
       <p:ext uri="{BB962C8B-B14F-4D97-AF65-F5344CB8AC3E}">
-        <p14:creationId xmlns:p14="http://schemas.microsoft.com/office/powerpoint/2010/main" val="3973288354"/>
+        <p14:creationId xmlns:p14="http://schemas.microsoft.com/office/powerpoint/2010/main" val="1906626071"/>
       </p:ext>
     </p:extLst>
   </p:cSld>
@@ -5153,7 +5493,7 @@
             </a:pPr>
             <a:r>
               <a:rPr lang="ro-RO" baseline="0" dirty="0" smtClean="0"/>
-              <a:t>CRUD operations sunt nice, dar nu suficiente. Intr-o aplicatie cat de cat utila, nu ai ce face doar cu acestea</a:t>
+              <a:t>Cat de multe metode out of the box sunt aici</a:t>
             </a:r>
           </a:p>
           <a:p>
@@ -5163,7 +5503,17 @@
             </a:pPr>
             <a:r>
               <a:rPr lang="ro-RO" baseline="0" dirty="0" smtClean="0"/>
-              <a:t>Stie sa se mapeze singur la entitate si sa creeze singur query-urile behind the scenes</a:t>
+              <a:t>Cat de mult v-ar lua sa le implementati toate cu Hibernate ?</a:t>
+            </a:r>
+          </a:p>
+          <a:p>
+            <a:pPr marL="628650" lvl="1" indent="-171450">
+              <a:buFontTx/>
+              <a:buChar char="-"/>
+            </a:pPr>
+            <a:r>
+              <a:rPr lang="ro-RO" baseline="0" dirty="0" smtClean="0"/>
+              <a:t>2-3 exemple</a:t>
             </a:r>
           </a:p>
           <a:p>
@@ -5172,8 +5522,8 @@
               <a:buChar char="-"/>
             </a:pPr>
             <a:r>
-              <a:rPr lang="ro-RO" dirty="0" smtClean="0"/>
-              <a:t>Creezi query-uri doar din numele metodelor</a:t>
+              <a:rPr lang="ro-RO" baseline="0" dirty="0" smtClean="0"/>
+              <a:t>Dar cu JDBC ?</a:t>
             </a:r>
           </a:p>
           <a:p>
@@ -5182,12 +5532,14 @@
               <a:buChar char="-"/>
             </a:pPr>
             <a:r>
-              <a:rPr lang="ro-RO" dirty="0" smtClean="0"/>
-              <a:t>Uneori</a:t>
-            </a:r>
-            <a:r>
               <a:rPr lang="ro-RO" baseline="0" dirty="0" smtClean="0"/>
-              <a:t> vor deveni greu de citit si lungi</a:t>
+              <a:t>Doar cu un simplu extends. Cum arata interfata noastra ? Well ... goala. </a:t>
+            </a:r>
+            <a:r>
+              <a:rPr lang="ro-RO" baseline="0" dirty="0" smtClean="0">
+                <a:sym typeface="Wingdings" panose="05000000000000000000" pitchFamily="2" charset="2"/>
+              </a:rPr>
+              <a:t></a:t>
             </a:r>
           </a:p>
           <a:p>
@@ -5195,20 +5547,6 @@
               <a:buFontTx/>
               <a:buChar char="-"/>
             </a:pPr>
-            <a:r>
-              <a:rPr lang="ro-RO" baseline="0" dirty="0" smtClean="0"/>
-              <a:t>Depindem de parser-ul pt numele metodelor care ne spune ce putem si ce nu putem folosi</a:t>
-            </a:r>
-          </a:p>
-          <a:p>
-            <a:pPr marL="171450" indent="-171450">
-              <a:buFontTx/>
-              <a:buChar char="-"/>
-            </a:pPr>
-            <a:r>
-              <a:rPr lang="ro-RO" baseline="0" dirty="0" smtClean="0"/>
-              <a:t>Toate keyword-urile disponibile pot fi gasite in Reference Documentation</a:t>
-            </a:r>
             <a:endParaRPr lang="ro-RO" dirty="0"/>
           </a:p>
         </p:txBody>
@@ -5239,7 +5577,7 @@
     </p:spTree>
     <p:extLst>
       <p:ext uri="{BB962C8B-B14F-4D97-AF65-F5344CB8AC3E}">
-        <p14:creationId xmlns:p14="http://schemas.microsoft.com/office/powerpoint/2010/main" val="2454390433"/>
+        <p14:creationId xmlns:p14="http://schemas.microsoft.com/office/powerpoint/2010/main" val="3973288354"/>
       </p:ext>
     </p:extLst>
   </p:cSld>
@@ -5971,7 +6309,7 @@
           <a:p>
             <a:fld id="{E0F395AF-8FCF-4B60-A93E-699C7152ADDC}" type="datetimeFigureOut">
               <a:rPr lang="ro-RO" smtClean="0"/>
-              <a:t>17.04.2016</a:t>
+              <a:t>19.04.2016</a:t>
             </a:fld>
             <a:endParaRPr lang="ro-RO"/>
           </a:p>
@@ -6222,7 +6560,7 @@
           <a:p>
             <a:fld id="{E0F395AF-8FCF-4B60-A93E-699C7152ADDC}" type="datetimeFigureOut">
               <a:rPr lang="ro-RO" smtClean="0"/>
-              <a:t>17.04.2016</a:t>
+              <a:t>19.04.2016</a:t>
             </a:fld>
             <a:endParaRPr lang="ro-RO"/>
           </a:p>
@@ -6536,7 +6874,7 @@
           <a:p>
             <a:fld id="{E0F395AF-8FCF-4B60-A93E-699C7152ADDC}" type="datetimeFigureOut">
               <a:rPr lang="ro-RO" smtClean="0"/>
-              <a:t>17.04.2016</a:t>
+              <a:t>19.04.2016</a:t>
             </a:fld>
             <a:endParaRPr lang="ro-RO"/>
           </a:p>
@@ -6877,7 +7215,7 @@
           <a:p>
             <a:fld id="{E0F395AF-8FCF-4B60-A93E-699C7152ADDC}" type="datetimeFigureOut">
               <a:rPr lang="ro-RO" smtClean="0"/>
-              <a:t>17.04.2016</a:t>
+              <a:t>19.04.2016</a:t>
             </a:fld>
             <a:endParaRPr lang="ro-RO"/>
           </a:p>
@@ -7191,7 +7529,7 @@
           <a:p>
             <a:fld id="{E0F395AF-8FCF-4B60-A93E-699C7152ADDC}" type="datetimeFigureOut">
               <a:rPr lang="ro-RO" smtClean="0"/>
-              <a:t>17.04.2016</a:t>
+              <a:t>19.04.2016</a:t>
             </a:fld>
             <a:endParaRPr lang="ro-RO"/>
           </a:p>
@@ -7584,7 +7922,7 @@
           <a:p>
             <a:fld id="{E0F395AF-8FCF-4B60-A93E-699C7152ADDC}" type="datetimeFigureOut">
               <a:rPr lang="ro-RO" smtClean="0"/>
-              <a:t>17.04.2016</a:t>
+              <a:t>19.04.2016</a:t>
             </a:fld>
             <a:endParaRPr lang="ro-RO"/>
           </a:p>
@@ -7754,7 +8092,7 @@
           <a:p>
             <a:fld id="{E0F395AF-8FCF-4B60-A93E-699C7152ADDC}" type="datetimeFigureOut">
               <a:rPr lang="ro-RO" smtClean="0"/>
-              <a:t>17.04.2016</a:t>
+              <a:t>19.04.2016</a:t>
             </a:fld>
             <a:endParaRPr lang="ro-RO"/>
           </a:p>
@@ -7934,7 +8272,7 @@
           <a:p>
             <a:fld id="{E0F395AF-8FCF-4B60-A93E-699C7152ADDC}" type="datetimeFigureOut">
               <a:rPr lang="ro-RO" smtClean="0"/>
-              <a:t>17.04.2016</a:t>
+              <a:t>19.04.2016</a:t>
             </a:fld>
             <a:endParaRPr lang="ro-RO"/>
           </a:p>
@@ -8110,7 +8448,7 @@
           <a:p>
             <a:fld id="{E0F395AF-8FCF-4B60-A93E-699C7152ADDC}" type="datetimeFigureOut">
               <a:rPr lang="ro-RO" smtClean="0"/>
-              <a:t>17.04.2016</a:t>
+              <a:t>19.04.2016</a:t>
             </a:fld>
             <a:endParaRPr lang="ro-RO"/>
           </a:p>
@@ -8357,7 +8695,7 @@
           <a:p>
             <a:fld id="{E0F395AF-8FCF-4B60-A93E-699C7152ADDC}" type="datetimeFigureOut">
               <a:rPr lang="ro-RO" smtClean="0"/>
-              <a:t>17.04.2016</a:t>
+              <a:t>19.04.2016</a:t>
             </a:fld>
             <a:endParaRPr lang="ro-RO"/>
           </a:p>
@@ -8589,7 +8927,7 @@
           <a:p>
             <a:fld id="{E0F395AF-8FCF-4B60-A93E-699C7152ADDC}" type="datetimeFigureOut">
               <a:rPr lang="ro-RO" smtClean="0"/>
-              <a:t>17.04.2016</a:t>
+              <a:t>19.04.2016</a:t>
             </a:fld>
             <a:endParaRPr lang="ro-RO"/>
           </a:p>
@@ -8963,7 +9301,7 @@
           <a:p>
             <a:fld id="{E0F395AF-8FCF-4B60-A93E-699C7152ADDC}" type="datetimeFigureOut">
               <a:rPr lang="ro-RO" smtClean="0"/>
-              <a:t>17.04.2016</a:t>
+              <a:t>19.04.2016</a:t>
             </a:fld>
             <a:endParaRPr lang="ro-RO"/>
           </a:p>
@@ -9086,7 +9424,7 @@
           <a:p>
             <a:fld id="{E0F395AF-8FCF-4B60-A93E-699C7152ADDC}" type="datetimeFigureOut">
               <a:rPr lang="ro-RO" smtClean="0"/>
-              <a:t>17.04.2016</a:t>
+              <a:t>19.04.2016</a:t>
             </a:fld>
             <a:endParaRPr lang="ro-RO"/>
           </a:p>
@@ -9181,7 +9519,7 @@
           <a:p>
             <a:fld id="{E0F395AF-8FCF-4B60-A93E-699C7152ADDC}" type="datetimeFigureOut">
               <a:rPr lang="ro-RO" smtClean="0"/>
-              <a:t>17.04.2016</a:t>
+              <a:t>19.04.2016</a:t>
             </a:fld>
             <a:endParaRPr lang="ro-RO"/>
           </a:p>
@@ -9436,7 +9774,7 @@
           <a:p>
             <a:fld id="{E0F395AF-8FCF-4B60-A93E-699C7152ADDC}" type="datetimeFigureOut">
               <a:rPr lang="ro-RO" smtClean="0"/>
-              <a:t>17.04.2016</a:t>
+              <a:t>19.04.2016</a:t>
             </a:fld>
             <a:endParaRPr lang="ro-RO"/>
           </a:p>
@@ -9699,7 +10037,7 @@
           <a:p>
             <a:fld id="{E0F395AF-8FCF-4B60-A93E-699C7152ADDC}" type="datetimeFigureOut">
               <a:rPr lang="ro-RO" smtClean="0"/>
-              <a:t>17.04.2016</a:t>
+              <a:t>19.04.2016</a:t>
             </a:fld>
             <a:endParaRPr lang="ro-RO"/>
           </a:p>
@@ -10442,7 +10780,7 @@
           <a:p>
             <a:fld id="{E0F395AF-8FCF-4B60-A93E-699C7152ADDC}" type="datetimeFigureOut">
               <a:rPr lang="ro-RO" smtClean="0"/>
-              <a:t>17.04.2016</a:t>
+              <a:t>19.04.2016</a:t>
             </a:fld>
             <a:endParaRPr lang="ro-RO"/>
           </a:p>
@@ -11091,6 +11429,164 @@
             <p:ph type="title"/>
           </p:nvPr>
         </p:nvSpPr>
+        <p:spPr>
+          <a:xfrm>
+            <a:off x="677334" y="609600"/>
+            <a:ext cx="8596668" cy="848139"/>
+          </a:xfrm>
+        </p:spPr>
+        <p:txBody>
+          <a:bodyPr>
+            <a:normAutofit/>
+          </a:bodyPr>
+          <a:lstStyle/>
+          <a:p>
+            <a:r>
+              <a:rPr lang="ro-RO" sz="4800" dirty="0"/>
+              <a:t>getRepository();</a:t>
+            </a:r>
+          </a:p>
+        </p:txBody>
+      </p:sp>
+      <p:sp>
+        <p:nvSpPr>
+          <p:cNvPr id="3" name="Content Placeholder 2"/>
+          <p:cNvSpPr>
+            <a:spLocks noGrp="1"/>
+          </p:cNvSpPr>
+          <p:nvPr>
+            <p:ph idx="1"/>
+          </p:nvPr>
+        </p:nvSpPr>
+        <p:spPr/>
+        <p:txBody>
+          <a:bodyPr/>
+          <a:lstStyle/>
+          <a:p>
+            <a:r>
+              <a:rPr lang="ro-RO" sz="2800" dirty="0" smtClean="0"/>
+              <a:t>Configuration ?</a:t>
+            </a:r>
+          </a:p>
+          <a:p>
+            <a:pPr marL="457200" lvl="1" indent="0">
+              <a:buNone/>
+            </a:pPr>
+            <a:endParaRPr lang="ro-RO" i="1" dirty="0" smtClean="0"/>
+          </a:p>
+          <a:p>
+            <a:pPr lvl="1"/>
+            <a:endParaRPr lang="ro-RO" dirty="0"/>
+          </a:p>
+        </p:txBody>
+      </p:sp>
+      <p:pic>
+        <p:nvPicPr>
+          <p:cNvPr id="5" name="Picture 4"/>
+          <p:cNvPicPr>
+            <a:picLocks noChangeAspect="1"/>
+          </p:cNvPicPr>
+          <p:nvPr/>
+        </p:nvPicPr>
+        <p:blipFill>
+          <a:blip r:embed="rId2">
+            <a:extLst>
+              <a:ext uri="{28A0092B-C50C-407E-A947-70E740481C1C}">
+                <a14:useLocalDpi xmlns:a14="http://schemas.microsoft.com/office/drawing/2010/main" val="0"/>
+              </a:ext>
+            </a:extLst>
+          </a:blip>
+          <a:stretch>
+            <a:fillRect/>
+          </a:stretch>
+        </p:blipFill>
+        <p:spPr>
+          <a:xfrm>
+            <a:off x="1264397" y="2996151"/>
+            <a:ext cx="5997586" cy="542179"/>
+          </a:xfrm>
+          <a:prstGeom prst="rect">
+            <a:avLst/>
+          </a:prstGeom>
+        </p:spPr>
+      </p:pic>
+      <p:pic>
+        <p:nvPicPr>
+          <p:cNvPr id="6" name="Picture 5"/>
+          <p:cNvPicPr>
+            <a:picLocks noChangeAspect="1"/>
+          </p:cNvPicPr>
+          <p:nvPr/>
+        </p:nvPicPr>
+        <p:blipFill>
+          <a:blip r:embed="rId3">
+            <a:extLst>
+              <a:ext uri="{28A0092B-C50C-407E-A947-70E740481C1C}">
+                <a14:useLocalDpi xmlns:a14="http://schemas.microsoft.com/office/drawing/2010/main" val="0"/>
+              </a:ext>
+            </a:extLst>
+          </a:blip>
+          <a:stretch>
+            <a:fillRect/>
+          </a:stretch>
+        </p:blipFill>
+        <p:spPr>
+          <a:xfrm>
+            <a:off x="1264396" y="4100975"/>
+            <a:ext cx="5997587" cy="421623"/>
+          </a:xfrm>
+          <a:prstGeom prst="rect">
+            <a:avLst/>
+          </a:prstGeom>
+        </p:spPr>
+      </p:pic>
+    </p:spTree>
+    <p:extLst>
+      <p:ext uri="{BB962C8B-B14F-4D97-AF65-F5344CB8AC3E}">
+        <p14:creationId xmlns:p14="http://schemas.microsoft.com/office/powerpoint/2010/main" val="1350484929"/>
+      </p:ext>
+    </p:extLst>
+  </p:cSld>
+  <p:clrMapOvr>
+    <a:masterClrMapping/>
+  </p:clrMapOvr>
+  <p:timing>
+    <p:tnLst>
+      <p:par>
+        <p:cTn id="1" dur="indefinite" restart="never" nodeType="tmRoot"/>
+      </p:par>
+    </p:tnLst>
+  </p:timing>
+</p:sld>
+</file>
+
+<file path=ppt/slides/slide11.xml><?xml version="1.0" encoding="utf-8"?>
+<p:sld xmlns:a="http://schemas.openxmlformats.org/drawingml/2006/main" xmlns:r="http://schemas.openxmlformats.org/officeDocument/2006/relationships" xmlns:p="http://schemas.openxmlformats.org/presentationml/2006/main">
+  <p:cSld>
+    <p:spTree>
+      <p:nvGrpSpPr>
+        <p:cNvPr id="1" name=""/>
+        <p:cNvGrpSpPr/>
+        <p:nvPr/>
+      </p:nvGrpSpPr>
+      <p:grpSpPr>
+        <a:xfrm>
+          <a:off x="0" y="0"/>
+          <a:ext cx="0" cy="0"/>
+          <a:chOff x="0" y="0"/>
+          <a:chExt cx="0" cy="0"/>
+        </a:xfrm>
+      </p:grpSpPr>
+      <p:sp>
+        <p:nvSpPr>
+          <p:cNvPr id="2" name="Title 1"/>
+          <p:cNvSpPr>
+            <a:spLocks noGrp="1"/>
+          </p:cNvSpPr>
+          <p:nvPr>
+            <p:ph type="title"/>
+          </p:nvPr>
+        </p:nvSpPr>
         <p:spPr/>
         <p:txBody>
           <a:bodyPr>
@@ -11184,7 +11680,7 @@
 </p:sld>
 </file>
 
-<file path=ppt/slides/slide11.xml><?xml version="1.0" encoding="utf-8"?>
+<file path=ppt/slides/slide12.xml><?xml version="1.0" encoding="utf-8"?>
 <p:sld xmlns:a="http://schemas.openxmlformats.org/drawingml/2006/main" xmlns:r="http://schemas.openxmlformats.org/officeDocument/2006/relationships" xmlns:p="http://schemas.openxmlformats.org/presentationml/2006/main">
   <p:cSld>
     <p:spTree>
@@ -11275,144 +11771,6 @@
 </p:sld>
 </file>
 
-<file path=ppt/slides/slide12.xml><?xml version="1.0" encoding="utf-8"?>
-<p:sld xmlns:a="http://schemas.openxmlformats.org/drawingml/2006/main" xmlns:r="http://schemas.openxmlformats.org/officeDocument/2006/relationships" xmlns:p="http://schemas.openxmlformats.org/presentationml/2006/main">
-  <p:cSld>
-    <p:spTree>
-      <p:nvGrpSpPr>
-        <p:cNvPr id="1" name=""/>
-        <p:cNvGrpSpPr/>
-        <p:nvPr/>
-      </p:nvGrpSpPr>
-      <p:grpSpPr>
-        <a:xfrm>
-          <a:off x="0" y="0"/>
-          <a:ext cx="0" cy="0"/>
-          <a:chOff x="0" y="0"/>
-          <a:chExt cx="0" cy="0"/>
-        </a:xfrm>
-      </p:grpSpPr>
-      <p:sp>
-        <p:nvSpPr>
-          <p:cNvPr id="2" name="Title 1"/>
-          <p:cNvSpPr>
-            <a:spLocks noGrp="1"/>
-          </p:cNvSpPr>
-          <p:nvPr>
-            <p:ph type="title"/>
-          </p:nvPr>
-        </p:nvSpPr>
-        <p:spPr>
-          <a:xfrm>
-            <a:off x="677334" y="609600"/>
-            <a:ext cx="8596668" cy="874643"/>
-          </a:xfrm>
-        </p:spPr>
-        <p:txBody>
-          <a:bodyPr>
-            <a:normAutofit/>
-          </a:bodyPr>
-          <a:lstStyle/>
-          <a:p>
-            <a:r>
-              <a:rPr lang="ro-RO" sz="4800" dirty="0" smtClean="0"/>
-              <a:t>findBySomething();</a:t>
-            </a:r>
-            <a:endParaRPr lang="ro-RO" sz="4800" dirty="0"/>
-          </a:p>
-        </p:txBody>
-      </p:sp>
-      <p:sp>
-        <p:nvSpPr>
-          <p:cNvPr id="3" name="Content Placeholder 2"/>
-          <p:cNvSpPr>
-            <a:spLocks noGrp="1"/>
-          </p:cNvSpPr>
-          <p:nvPr>
-            <p:ph idx="1"/>
-          </p:nvPr>
-        </p:nvSpPr>
-        <p:spPr/>
-        <p:txBody>
-          <a:bodyPr>
-            <a:normAutofit lnSpcReduction="10000"/>
-          </a:bodyPr>
-          <a:lstStyle/>
-          <a:p>
-            <a:r>
-              <a:rPr lang="ro-RO" sz="2800" dirty="0" smtClean="0"/>
-              <a:t>Query methods</a:t>
-            </a:r>
-          </a:p>
-          <a:p>
-            <a:endParaRPr lang="ro-RO" sz="2800" dirty="0" smtClean="0"/>
-          </a:p>
-          <a:p>
-            <a:pPr lvl="1"/>
-            <a:r>
-              <a:rPr lang="ro-RO" sz="2000" dirty="0" smtClean="0"/>
-              <a:t>findBy, getBy, queryBy, removeBy, deleteBy, countBy</a:t>
-            </a:r>
-          </a:p>
-          <a:p>
-            <a:pPr lvl="1"/>
-            <a:endParaRPr lang="ro-RO" sz="2000" dirty="0" smtClean="0"/>
-          </a:p>
-          <a:p>
-            <a:pPr lvl="1"/>
-            <a:r>
-              <a:rPr lang="ro-RO" sz="2000" dirty="0" smtClean="0"/>
-              <a:t>findDistinctBy, findFirst3, findTop3</a:t>
-            </a:r>
-          </a:p>
-          <a:p>
-            <a:pPr lvl="1"/>
-            <a:endParaRPr lang="ro-RO" sz="2000" dirty="0" smtClean="0"/>
-          </a:p>
-          <a:p>
-            <a:pPr lvl="1"/>
-            <a:r>
-              <a:rPr lang="ro-RO" sz="2000" dirty="0" smtClean="0"/>
-              <a:t>findByFirstNameAndLastNameOrderByAgeDesc</a:t>
-            </a:r>
-          </a:p>
-          <a:p>
-            <a:pPr lvl="1"/>
-            <a:endParaRPr lang="ro-RO" sz="2000" dirty="0" smtClean="0"/>
-          </a:p>
-          <a:p>
-            <a:pPr lvl="1"/>
-            <a:r>
-              <a:rPr lang="ro-RO" sz="2000" dirty="0" smtClean="0"/>
-              <a:t>findByDocumentDocumentDate, findByDocument_DocumentDate</a:t>
-            </a:r>
-          </a:p>
-          <a:p>
-            <a:pPr lvl="1"/>
-            <a:endParaRPr lang="ro-RO" sz="2600" dirty="0"/>
-          </a:p>
-        </p:txBody>
-      </p:sp>
-    </p:spTree>
-    <p:extLst>
-      <p:ext uri="{BB962C8B-B14F-4D97-AF65-F5344CB8AC3E}">
-        <p14:creationId xmlns:p14="http://schemas.microsoft.com/office/powerpoint/2010/main" val="3466551851"/>
-      </p:ext>
-    </p:extLst>
-  </p:cSld>
-  <p:clrMapOvr>
-    <a:masterClrMapping/>
-  </p:clrMapOvr>
-  <p:timing>
-    <p:tnLst>
-      <p:par>
-        <p:cTn id="1" dur="indefinite" restart="never" nodeType="tmRoot"/>
-      </p:par>
-    </p:tnLst>
-  </p:timing>
-</p:sld>
-</file>
-
 <file path=ppt/slides/slide13.xml><?xml version="1.0" encoding="utf-8"?>
 <p:sld xmlns:a="http://schemas.openxmlformats.org/drawingml/2006/main" xmlns:r="http://schemas.openxmlformats.org/officeDocument/2006/relationships" xmlns:p="http://schemas.openxmlformats.org/presentationml/2006/main">
   <p:cSld>
@@ -11473,13 +11831,13 @@
         <p:spPr/>
         <p:txBody>
           <a:bodyPr>
-            <a:normAutofit/>
+            <a:normAutofit lnSpcReduction="10000"/>
           </a:bodyPr>
           <a:lstStyle/>
           <a:p>
             <a:r>
               <a:rPr lang="ro-RO" sz="2800" dirty="0" smtClean="0"/>
-              <a:t>Keywords</a:t>
+              <a:t>Query methods</a:t>
             </a:r>
           </a:p>
           <a:p>
@@ -11489,32 +11847,52 @@
             <a:pPr lvl="1"/>
             <a:r>
               <a:rPr lang="ro-RO" sz="2000" dirty="0" smtClean="0"/>
-              <a:t>And, Or, Is, Equals, Between, LessThan, LessThanEqual, After/Before, IsNull, IsNotNull, Like, NotLike, StartingWith, Containing, OrderBy, Not, In, True, False, IgnoreCase, Regex etc.</a:t>
-            </a:r>
-          </a:p>
-          <a:p>
-            <a:r>
-              <a:rPr lang="ro-RO" sz="2800" dirty="0" smtClean="0"/>
-              <a:t>Return types</a:t>
-            </a:r>
-          </a:p>
-          <a:p>
-            <a:endParaRPr lang="ro-RO" sz="2800" dirty="0" smtClean="0"/>
+              <a:t>findBy, getBy, queryBy, removeBy, deleteBy, countBy</a:t>
+            </a:r>
           </a:p>
           <a:p>
             <a:pPr lvl="1"/>
+            <a:endParaRPr lang="ro-RO" sz="2000" dirty="0" smtClean="0"/>
+          </a:p>
+          <a:p>
+            <a:pPr lvl="1"/>
             <a:r>
               <a:rPr lang="ro-RO" sz="2000" dirty="0" smtClean="0"/>
-              <a:t>Void, Primitives, Wrapper types, T, Iterator&lt;T&gt;, Collection&gt;T&gt;</a:t>
-            </a:r>
-            <a:endParaRPr lang="ro-RO" sz="2000" dirty="0"/>
+              <a:t>findDistinctBy, findFirst3, findTop3</a:t>
+            </a:r>
+          </a:p>
+          <a:p>
+            <a:pPr lvl="1"/>
+            <a:endParaRPr lang="ro-RO" sz="2000" dirty="0" smtClean="0"/>
+          </a:p>
+          <a:p>
+            <a:pPr lvl="1"/>
+            <a:r>
+              <a:rPr lang="ro-RO" sz="2000" dirty="0" smtClean="0"/>
+              <a:t>findByFirstNameAndLastNameOrderByAgeDesc</a:t>
+            </a:r>
+          </a:p>
+          <a:p>
+            <a:pPr lvl="1"/>
+            <a:endParaRPr lang="ro-RO" sz="2000" dirty="0" smtClean="0"/>
+          </a:p>
+          <a:p>
+            <a:pPr lvl="1"/>
+            <a:r>
+              <a:rPr lang="ro-RO" sz="2000" dirty="0" smtClean="0"/>
+              <a:t>findByDocumentDocumentDate, findByDocument_DocumentDate</a:t>
+            </a:r>
+          </a:p>
+          <a:p>
+            <a:pPr lvl="1"/>
+            <a:endParaRPr lang="ro-RO" sz="2600" dirty="0"/>
           </a:p>
         </p:txBody>
       </p:sp>
     </p:spTree>
     <p:extLst>
       <p:ext uri="{BB962C8B-B14F-4D97-AF65-F5344CB8AC3E}">
-        <p14:creationId xmlns:p14="http://schemas.microsoft.com/office/powerpoint/2010/main" val="3889699968"/>
+        <p14:creationId xmlns:p14="http://schemas.microsoft.com/office/powerpoint/2010/main" val="3466551851"/>
       </p:ext>
     </p:extLst>
   </p:cSld>
@@ -11591,7 +11969,7 @@
         <p:spPr/>
         <p:txBody>
           <a:bodyPr>
-            <a:normAutofit lnSpcReduction="10000"/>
+            <a:normAutofit/>
           </a:bodyPr>
           <a:lstStyle/>
           <a:p>
@@ -11623,7 +12001,7 @@
             <a:pPr lvl="1"/>
             <a:r>
               <a:rPr lang="ro-RO" sz="2000" dirty="0" smtClean="0"/>
-              <a:t>Void, Primitives, Wrapper types, T, Iterator&lt;T&gt;, Collection&gt;T&gt;, Stream&lt;T&gt;</a:t>
+              <a:t>Void, Primitives, Wrapper types, T, Iterator&lt;T&gt;, Collection&gt;T&gt;</a:t>
             </a:r>
             <a:endParaRPr lang="ro-RO" sz="2000" dirty="0"/>
           </a:p>
@@ -11632,7 +12010,7 @@
     </p:spTree>
     <p:extLst>
       <p:ext uri="{BB962C8B-B14F-4D97-AF65-F5344CB8AC3E}">
-        <p14:creationId xmlns:p14="http://schemas.microsoft.com/office/powerpoint/2010/main" val="4022283028"/>
+        <p14:creationId xmlns:p14="http://schemas.microsoft.com/office/powerpoint/2010/main" val="3889699968"/>
       </p:ext>
     </p:extLst>
   </p:cSld>
@@ -11679,7 +12057,7 @@
         <p:spPr>
           <a:xfrm>
             <a:off x="677334" y="609600"/>
-            <a:ext cx="8596668" cy="993913"/>
+            <a:ext cx="8596668" cy="874643"/>
           </a:xfrm>
         </p:spPr>
         <p:txBody>
@@ -11690,7 +12068,7 @@
           <a:p>
             <a:r>
               <a:rPr lang="ro-RO" sz="4800" dirty="0" smtClean="0"/>
-              <a:t>queryAnnotation();</a:t>
+              <a:t>findBySomething();</a:t>
             </a:r>
             <a:endParaRPr lang="ro-RO" sz="4800" dirty="0"/>
           </a:p>
@@ -11709,13 +12087,13 @@
         <p:spPr/>
         <p:txBody>
           <a:bodyPr>
-            <a:normAutofit/>
+            <a:normAutofit lnSpcReduction="10000"/>
           </a:bodyPr>
           <a:lstStyle/>
           <a:p>
             <a:r>
               <a:rPr lang="ro-RO" sz="2800" dirty="0" smtClean="0"/>
-              <a:t>@Query</a:t>
+              <a:t>Keywords</a:t>
             </a:r>
           </a:p>
           <a:p>
@@ -11725,35 +12103,24 @@
             <a:pPr lvl="1"/>
             <a:r>
               <a:rPr lang="ro-RO" sz="2000" dirty="0" smtClean="0"/>
-              <a:t>Supports both, JPQL and SQL queries</a:t>
-            </a:r>
+              <a:t>And, Or, Is, Equals, Between, LessThan, LessThanEqual, After/Before, IsNull, IsNotNull, Like, NotLike, StartingWith, Containing, OrderBy, Not, In, True, False, IgnoreCase, Regex etc.</a:t>
+            </a:r>
+          </a:p>
+          <a:p>
+            <a:r>
+              <a:rPr lang="ro-RO" sz="2800" dirty="0" smtClean="0"/>
+              <a:t>Return types</a:t>
+            </a:r>
+          </a:p>
+          <a:p>
+            <a:endParaRPr lang="ro-RO" sz="2800" dirty="0" smtClean="0"/>
           </a:p>
           <a:p>
             <a:pPr lvl="1"/>
-            <a:endParaRPr lang="ro-RO" sz="2000" dirty="0" smtClean="0"/>
-          </a:p>
-          <a:p>
-            <a:pPr lvl="1"/>
             <a:r>
               <a:rPr lang="ro-RO" sz="2000" dirty="0" smtClean="0"/>
-              <a:t>It overrides the query method behaviour</a:t>
-            </a:r>
-          </a:p>
-          <a:p>
-            <a:pPr lvl="1"/>
-            <a:endParaRPr lang="ro-RO" sz="2000" dirty="0" smtClean="0"/>
-          </a:p>
-          <a:p>
-            <a:pPr lvl="1"/>
-            <a:r>
-              <a:rPr lang="ro-RO" sz="2000" dirty="0" smtClean="0"/>
-              <a:t>There is no naming convention</a:t>
-            </a:r>
-          </a:p>
-          <a:p>
-            <a:pPr marL="457200" lvl="1" indent="0">
-              <a:buNone/>
-            </a:pPr>
+              <a:t>Void, Primitives, Wrapper types, T, Iterator&lt;T&gt;, Collection&gt;T&gt;, Stream&lt;T&gt;</a:t>
+            </a:r>
             <a:endParaRPr lang="ro-RO" sz="2000" dirty="0"/>
           </a:p>
         </p:txBody>
@@ -11761,7 +12128,7 @@
     </p:spTree>
     <p:extLst>
       <p:ext uri="{BB962C8B-B14F-4D97-AF65-F5344CB8AC3E}">
-        <p14:creationId xmlns:p14="http://schemas.microsoft.com/office/powerpoint/2010/main" val="2382041354"/>
+        <p14:creationId xmlns:p14="http://schemas.microsoft.com/office/powerpoint/2010/main" val="4022283028"/>
       </p:ext>
     </p:extLst>
   </p:cSld>
@@ -11819,7 +12186,7 @@
           <a:p>
             <a:r>
               <a:rPr lang="ro-RO" sz="4800" dirty="0" smtClean="0"/>
-              <a:t>namedQuery();</a:t>
+              <a:t>queryAnnotation();</a:t>
             </a:r>
             <a:endParaRPr lang="ro-RO" sz="4800" dirty="0"/>
           </a:p>
@@ -11838,13 +12205,13 @@
         <p:spPr/>
         <p:txBody>
           <a:bodyPr>
-            <a:normAutofit fontScale="92500" lnSpcReduction="20000"/>
+            <a:normAutofit/>
           </a:bodyPr>
           <a:lstStyle/>
           <a:p>
             <a:r>
               <a:rPr lang="ro-RO" sz="2800" dirty="0" smtClean="0"/>
-              <a:t>Named Queries</a:t>
+              <a:t>@Query</a:t>
             </a:r>
           </a:p>
           <a:p>
@@ -11854,7 +12221,7 @@
             <a:pPr lvl="1"/>
             <a:r>
               <a:rPr lang="ro-RO" sz="2000" dirty="0" smtClean="0"/>
-              <a:t>Define them in properties files, annotation (@NamedQuery , @NamedNativeQuery) or orm.xml file</a:t>
+              <a:t>Supports both, JPQL and SQL queries</a:t>
             </a:r>
           </a:p>
           <a:p>
@@ -11865,18 +12232,7 @@
             <a:pPr lvl="1"/>
             <a:r>
               <a:rPr lang="ro-RO" sz="2000" dirty="0" smtClean="0"/>
-              <a:t>CodeCamper.findByEmailNamed=„...” in a property file</a:t>
-            </a:r>
-          </a:p>
-          <a:p>
-            <a:pPr lvl="1"/>
-            <a:endParaRPr lang="ro-RO" sz="2000" dirty="0"/>
-          </a:p>
-          <a:p>
-            <a:pPr lvl="1"/>
-            <a:r>
-              <a:rPr lang="ro-RO" sz="2000" dirty="0" smtClean="0"/>
-              <a:t>&lt;named-query&gt; or &lt;named-native-query&gt; in orm.xml</a:t>
+              <a:t>It overrides the query method behaviour</a:t>
             </a:r>
           </a:p>
           <a:p>
@@ -11901,7 +12257,7 @@
     </p:spTree>
     <p:extLst>
       <p:ext uri="{BB962C8B-B14F-4D97-AF65-F5344CB8AC3E}">
-        <p14:creationId xmlns:p14="http://schemas.microsoft.com/office/powerpoint/2010/main" val="964625462"/>
+        <p14:creationId xmlns:p14="http://schemas.microsoft.com/office/powerpoint/2010/main" val="2382041354"/>
       </p:ext>
     </p:extLst>
   </p:cSld>
@@ -11959,7 +12315,7 @@
           <a:p>
             <a:r>
               <a:rPr lang="ro-RO" sz="4800" dirty="0" smtClean="0"/>
-              <a:t>sortPage();</a:t>
+              <a:t>namedQuery();</a:t>
             </a:r>
             <a:endParaRPr lang="ro-RO" sz="4800" dirty="0"/>
           </a:p>
@@ -11978,51 +12334,70 @@
         <p:spPr/>
         <p:txBody>
           <a:bodyPr>
-            <a:normAutofit lnSpcReduction="10000"/>
+            <a:normAutofit fontScale="92500" lnSpcReduction="20000"/>
           </a:bodyPr>
           <a:lstStyle/>
           <a:p>
             <a:r>
               <a:rPr lang="ro-RO" sz="2800" dirty="0" smtClean="0"/>
-              <a:t>Keyword: OrderBy</a:t>
-            </a:r>
-          </a:p>
-          <a:p>
+              <a:t>Named Queries</a:t>
+            </a:r>
+          </a:p>
+          <a:p>
+            <a:endParaRPr lang="ro-RO" sz="2800" dirty="0" smtClean="0"/>
+          </a:p>
+          <a:p>
+            <a:pPr lvl="1"/>
+            <a:r>
+              <a:rPr lang="ro-RO" sz="2000" dirty="0" smtClean="0"/>
+              <a:t>Define them in properties files, annotation (@NamedQuery , @NamedNativeQuery) or orm.xml file</a:t>
+            </a:r>
+          </a:p>
+          <a:p>
+            <a:pPr lvl="1"/>
             <a:endParaRPr lang="ro-RO" sz="2000" dirty="0" smtClean="0"/>
           </a:p>
           <a:p>
-            <a:r>
-              <a:rPr lang="ro-RO" sz="2800" dirty="0" smtClean="0"/>
-              <a:t>For @Query you can use ORDER BY in the query string</a:t>
-            </a:r>
-          </a:p>
-          <a:p>
-            <a:endParaRPr lang="ro-RO" sz="2800" dirty="0" smtClean="0"/>
-          </a:p>
-          <a:p>
-            <a:r>
-              <a:rPr lang="ro-RO" sz="2800" dirty="0" smtClean="0"/>
-              <a:t>Sort Class</a:t>
-            </a:r>
-          </a:p>
-          <a:p>
-            <a:endParaRPr lang="ro-RO" sz="2800" dirty="0"/>
-          </a:p>
-          <a:p>
-            <a:r>
-              <a:rPr lang="ro-RO" sz="2800" dirty="0" smtClean="0"/>
-              <a:t>Extend PagingAndSortingRepository</a:t>
-            </a:r>
-          </a:p>
-          <a:p>
-            <a:endParaRPr lang="ro-RO" sz="2800" dirty="0" smtClean="0"/>
+            <a:pPr lvl="1"/>
+            <a:r>
+              <a:rPr lang="ro-RO" sz="2000" dirty="0" smtClean="0"/>
+              <a:t>CodeCamper.findByEmailNamed=„...” in a property file</a:t>
+            </a:r>
+          </a:p>
+          <a:p>
+            <a:pPr lvl="1"/>
+            <a:endParaRPr lang="ro-RO" sz="2000" dirty="0"/>
+          </a:p>
+          <a:p>
+            <a:pPr lvl="1"/>
+            <a:r>
+              <a:rPr lang="ro-RO" sz="2000" dirty="0" smtClean="0"/>
+              <a:t>&lt;named-query&gt; or &lt;named-native-query&gt; in orm.xml</a:t>
+            </a:r>
+          </a:p>
+          <a:p>
+            <a:pPr lvl="1"/>
+            <a:endParaRPr lang="ro-RO" sz="2000" dirty="0" smtClean="0"/>
+          </a:p>
+          <a:p>
+            <a:pPr lvl="1"/>
+            <a:r>
+              <a:rPr lang="ro-RO" sz="2000" dirty="0" smtClean="0"/>
+              <a:t>There is no naming convention</a:t>
+            </a:r>
+          </a:p>
+          <a:p>
+            <a:pPr marL="457200" lvl="1" indent="0">
+              <a:buNone/>
+            </a:pPr>
+            <a:endParaRPr lang="ro-RO" sz="2000" dirty="0"/>
           </a:p>
         </p:txBody>
       </p:sp>
     </p:spTree>
     <p:extLst>
       <p:ext uri="{BB962C8B-B14F-4D97-AF65-F5344CB8AC3E}">
-        <p14:creationId xmlns:p14="http://schemas.microsoft.com/office/powerpoint/2010/main" val="3654468947"/>
+        <p14:creationId xmlns:p14="http://schemas.microsoft.com/office/powerpoint/2010/main" val="964625462"/>
       </p:ext>
     </p:extLst>
   </p:cSld>
@@ -12080,7 +12455,11 @@
           <a:p>
             <a:r>
               <a:rPr lang="ro-RO" sz="4800" dirty="0" smtClean="0"/>
-              <a:t>customRepo();</a:t>
+              <a:t>sortAndPage</a:t>
+            </a:r>
+            <a:r>
+              <a:rPr lang="ro-RO" sz="4800" dirty="0" smtClean="0"/>
+              <a:t>();</a:t>
             </a:r>
             <a:endParaRPr lang="ro-RO" sz="4800" dirty="0"/>
           </a:p>
@@ -12105,7 +12484,25 @@
           <a:p>
             <a:r>
               <a:rPr lang="ro-RO" sz="2800" dirty="0" smtClean="0"/>
-              <a:t>Create an interface CustomRepository</a:t>
+              <a:t>Keyword: OrderBy</a:t>
+            </a:r>
+          </a:p>
+          <a:p>
+            <a:endParaRPr lang="ro-RO" sz="2000" dirty="0" smtClean="0"/>
+          </a:p>
+          <a:p>
+            <a:r>
+              <a:rPr lang="ro-RO" sz="2800" dirty="0" smtClean="0"/>
+              <a:t>For @Query you can use ORDER BY in the query string</a:t>
+            </a:r>
+          </a:p>
+          <a:p>
+            <a:endParaRPr lang="ro-RO" sz="2800" dirty="0" smtClean="0"/>
+          </a:p>
+          <a:p>
+            <a:r>
+              <a:rPr lang="ro-RO" sz="2800" dirty="0" smtClean="0"/>
+              <a:t>Sort Class</a:t>
             </a:r>
           </a:p>
           <a:p>
@@ -12114,20 +12511,8 @@
           <a:p>
             <a:r>
               <a:rPr lang="ro-RO" sz="2800" dirty="0" smtClean="0"/>
-              <a:t>Implement the interface needed methods in CustomRepositoryImpl and annotate it with @Repository</a:t>
-            </a:r>
-          </a:p>
-          <a:p>
-            <a:endParaRPr lang="ro-RO" sz="2800" dirty="0"/>
-          </a:p>
-          <a:p>
-            <a:r>
-              <a:rPr lang="ro-RO" sz="2800" dirty="0" smtClean="0"/>
-              <a:t>In your main repository extend the CustomRepository</a:t>
-            </a:r>
-          </a:p>
-          <a:p>
-            <a:endParaRPr lang="ro-RO" sz="2800" dirty="0"/>
+              <a:t>Extend PagingAndSortingRepository</a:t>
+            </a:r>
           </a:p>
           <a:p>
             <a:endParaRPr lang="ro-RO" sz="2800" dirty="0" smtClean="0"/>
@@ -12137,7 +12522,7 @@
     </p:spTree>
     <p:extLst>
       <p:ext uri="{BB962C8B-B14F-4D97-AF65-F5344CB8AC3E}">
-        <p14:creationId xmlns:p14="http://schemas.microsoft.com/office/powerpoint/2010/main" val="3334901216"/>
+        <p14:creationId xmlns:p14="http://schemas.microsoft.com/office/powerpoint/2010/main" val="3654468947"/>
       </p:ext>
     </p:extLst>
   </p:cSld>
@@ -12184,7 +12569,7 @@
         <p:spPr>
           <a:xfrm>
             <a:off x="677334" y="609600"/>
-            <a:ext cx="8596668" cy="858253"/>
+            <a:ext cx="8596668" cy="993913"/>
           </a:xfrm>
         </p:spPr>
         <p:txBody>
@@ -12195,7 +12580,7 @@
           <a:p>
             <a:r>
               <a:rPr lang="ro-RO" sz="4800" dirty="0" smtClean="0"/>
-              <a:t>advanced();</a:t>
+              <a:t>customRepo();</a:t>
             </a:r>
             <a:endParaRPr lang="ro-RO" sz="4800" dirty="0"/>
           </a:p>
@@ -12211,12 +12596,7 @@
             <p:ph idx="1"/>
           </p:nvPr>
         </p:nvSpPr>
-        <p:spPr>
-          <a:xfrm>
-            <a:off x="677334" y="1625600"/>
-            <a:ext cx="8596668" cy="4933243"/>
-          </a:xfrm>
-        </p:spPr>
+        <p:spPr/>
         <p:txBody>
           <a:bodyPr>
             <a:normAutofit lnSpcReduction="10000"/>
@@ -12225,87 +12605,39 @@
           <a:p>
             <a:r>
               <a:rPr lang="ro-RO" sz="2800" dirty="0" smtClean="0"/>
-              <a:t>Supports also Criteria API in Custom repos</a:t>
-            </a:r>
+              <a:t>Create an interface CustomRepository</a:t>
+            </a:r>
+          </a:p>
+          <a:p>
+            <a:endParaRPr lang="ro-RO" sz="2800" dirty="0"/>
+          </a:p>
+          <a:p>
+            <a:r>
+              <a:rPr lang="ro-RO" sz="2800" dirty="0" smtClean="0"/>
+              <a:t>Implement the interface needed methods in CustomRepositoryImpl and annotate it with @Repository</a:t>
+            </a:r>
+          </a:p>
+          <a:p>
+            <a:endParaRPr lang="ro-RO" sz="2800" dirty="0"/>
+          </a:p>
+          <a:p>
+            <a:r>
+              <a:rPr lang="ro-RO" sz="2800" dirty="0" smtClean="0"/>
+              <a:t>In your main repository extend the CustomRepository</a:t>
+            </a:r>
+          </a:p>
+          <a:p>
+            <a:endParaRPr lang="ro-RO" sz="2800" dirty="0"/>
           </a:p>
           <a:p>
             <a:endParaRPr lang="ro-RO" sz="2800" dirty="0" smtClean="0"/>
-          </a:p>
-          <a:p>
-            <a:r>
-              <a:rPr lang="ro-RO" sz="2800" dirty="0" smtClean="0"/>
-              <a:t>Dynamic queries (Criteria API - the standard way in JPA)</a:t>
-            </a:r>
-          </a:p>
-          <a:p>
-            <a:endParaRPr lang="ro-RO" sz="2800" dirty="0"/>
-          </a:p>
-          <a:p>
-            <a:r>
-              <a:rPr lang="ro-RO" sz="2800" dirty="0" smtClean="0"/>
-              <a:t>Supports advanced quering with QueryDSL </a:t>
-            </a:r>
-          </a:p>
-          <a:p>
-            <a:pPr lvl="1"/>
-            <a:r>
-              <a:rPr lang="ro-RO" sz="2000" dirty="0"/>
-              <a:t>o</a:t>
-            </a:r>
-            <a:r>
-              <a:rPr lang="ro-RO" sz="2000" dirty="0" smtClean="0"/>
-              <a:t>fc instead of Criteria API </a:t>
-            </a:r>
-            <a:r>
-              <a:rPr lang="ro-RO" sz="2000" dirty="0" smtClean="0">
-                <a:sym typeface="Wingdings" panose="05000000000000000000" pitchFamily="2" charset="2"/>
-              </a:rPr>
-              <a:t></a:t>
-            </a:r>
-          </a:p>
-          <a:p>
-            <a:endParaRPr lang="ro-RO" sz="2200" dirty="0">
-              <a:sym typeface="Wingdings" panose="05000000000000000000" pitchFamily="2" charset="2"/>
-            </a:endParaRPr>
-          </a:p>
-          <a:p>
-            <a:r>
-              <a:rPr lang="ro-RO" sz="2800" dirty="0" smtClean="0"/>
-              <a:t>Caching is </a:t>
-            </a:r>
-            <a:r>
-              <a:rPr lang="ro-RO" sz="2800" smtClean="0"/>
-              <a:t>configurable as </a:t>
-            </a:r>
-            <a:r>
-              <a:rPr lang="ro-RO" sz="2800" dirty="0" smtClean="0"/>
-              <a:t>in </a:t>
-            </a:r>
-            <a:r>
-              <a:rPr lang="ro-RO" sz="2800" smtClean="0"/>
-              <a:t>any other Spring/Hibernate </a:t>
-            </a:r>
-            <a:r>
-              <a:rPr lang="ro-RO" sz="2800" dirty="0" smtClean="0"/>
-              <a:t>project</a:t>
-            </a:r>
-            <a:endParaRPr lang="ro-RO" sz="2800" dirty="0" smtClean="0"/>
-          </a:p>
-          <a:p>
-            <a:endParaRPr lang="ro-RO" sz="2800" dirty="0"/>
-          </a:p>
-          <a:p>
-            <a:endParaRPr lang="ro-RO" sz="2800" dirty="0" smtClean="0"/>
-          </a:p>
-          <a:p>
-            <a:endParaRPr lang="ro-RO" sz="2800" dirty="0"/>
           </a:p>
         </p:txBody>
       </p:sp>
     </p:spTree>
     <p:extLst>
       <p:ext uri="{BB962C8B-B14F-4D97-AF65-F5344CB8AC3E}">
-        <p14:creationId xmlns:p14="http://schemas.microsoft.com/office/powerpoint/2010/main" val="2048389799"/>
+        <p14:creationId xmlns:p14="http://schemas.microsoft.com/office/powerpoint/2010/main" val="3334901216"/>
       </p:ext>
     </p:extLst>
   </p:cSld>
@@ -12496,12 +12828,8 @@
           <a:lstStyle/>
           <a:p>
             <a:r>
-              <a:rPr lang="ro-RO" sz="4800" dirty="0"/>
-              <a:t>a</a:t>
-            </a:r>
-            <a:r>
               <a:rPr lang="ro-RO" sz="4800" dirty="0" smtClean="0"/>
-              <a:t>udit();</a:t>
+              <a:t>advanced();</a:t>
             </a:r>
             <a:endParaRPr lang="ro-RO" sz="4800" dirty="0"/>
           </a:p>
@@ -12517,16 +12845,21 @@
             <p:ph idx="1"/>
           </p:nvPr>
         </p:nvSpPr>
-        <p:spPr/>
+        <p:spPr>
+          <a:xfrm>
+            <a:off x="677334" y="1625600"/>
+            <a:ext cx="8596668" cy="4933243"/>
+          </a:xfrm>
+        </p:spPr>
         <p:txBody>
           <a:bodyPr>
-            <a:normAutofit/>
+            <a:normAutofit lnSpcReduction="10000"/>
           </a:bodyPr>
           <a:lstStyle/>
           <a:p>
             <a:r>
               <a:rPr lang="ro-RO" sz="2800" dirty="0" smtClean="0"/>
-              <a:t>@CreatedBy , @LastModifiedBy – who ?</a:t>
+              <a:t>Supports also Criteria API in Custom repos</a:t>
             </a:r>
           </a:p>
           <a:p>
@@ -12535,7 +12868,7 @@
           <a:p>
             <a:r>
               <a:rPr lang="ro-RO" sz="2800" dirty="0" smtClean="0"/>
-              <a:t>@CreatedDate, @LastModifiedDate – when ?</a:t>
+              <a:t>Dynamic queries (Criteria API - the standard way in JPA)</a:t>
             </a:r>
           </a:p>
           <a:p>
@@ -12544,8 +12877,60 @@
           <a:p>
             <a:r>
               <a:rPr lang="ro-RO" sz="2800" dirty="0" smtClean="0"/>
-              <a:t>Spring Security integration</a:t>
-            </a:r>
+              <a:t>Supports advanced quering with QueryDSL </a:t>
+            </a:r>
+          </a:p>
+          <a:p>
+            <a:pPr lvl="1"/>
+            <a:r>
+              <a:rPr lang="ro-RO" sz="2000" dirty="0"/>
+              <a:t>o</a:t>
+            </a:r>
+            <a:r>
+              <a:rPr lang="ro-RO" sz="2000" dirty="0" smtClean="0"/>
+              <a:t>fc instead of Criteria API </a:t>
+            </a:r>
+            <a:r>
+              <a:rPr lang="ro-RO" sz="2000" dirty="0" smtClean="0">
+                <a:sym typeface="Wingdings" panose="05000000000000000000" pitchFamily="2" charset="2"/>
+              </a:rPr>
+              <a:t></a:t>
+            </a:r>
+          </a:p>
+          <a:p>
+            <a:endParaRPr lang="ro-RO" sz="2200" dirty="0">
+              <a:sym typeface="Wingdings" panose="05000000000000000000" pitchFamily="2" charset="2"/>
+            </a:endParaRPr>
+          </a:p>
+          <a:p>
+            <a:r>
+              <a:rPr lang="ro-RO" sz="2800" dirty="0" smtClean="0"/>
+              <a:t>Caching is </a:t>
+            </a:r>
+            <a:r>
+              <a:rPr lang="ro-RO" sz="2800" smtClean="0"/>
+              <a:t>configurable as </a:t>
+            </a:r>
+            <a:r>
+              <a:rPr lang="ro-RO" sz="2800" dirty="0" smtClean="0"/>
+              <a:t>in </a:t>
+            </a:r>
+            <a:r>
+              <a:rPr lang="ro-RO" sz="2800" smtClean="0"/>
+              <a:t>any other Spring/Hibernate </a:t>
+            </a:r>
+            <a:r>
+              <a:rPr lang="ro-RO" sz="2800" dirty="0" smtClean="0"/>
+              <a:t>project</a:t>
+            </a:r>
+          </a:p>
+          <a:p>
+            <a:endParaRPr lang="ro-RO" sz="2800" dirty="0"/>
+          </a:p>
+          <a:p>
+            <a:endParaRPr lang="ro-RO" sz="2800" dirty="0" smtClean="0"/>
+          </a:p>
+          <a:p>
             <a:endParaRPr lang="ro-RO" sz="2800" dirty="0"/>
           </a:p>
         </p:txBody>
@@ -12553,7 +12938,7 @@
     </p:spTree>
     <p:extLst>
       <p:ext uri="{BB962C8B-B14F-4D97-AF65-F5344CB8AC3E}">
-        <p14:creationId xmlns:p14="http://schemas.microsoft.com/office/powerpoint/2010/main" val="1435931862"/>
+        <p14:creationId xmlns:p14="http://schemas.microsoft.com/office/powerpoint/2010/main" val="2048389799"/>
       </p:ext>
     </p:extLst>
   </p:cSld>
@@ -12600,7 +12985,7 @@
         <p:spPr>
           <a:xfrm>
             <a:off x="677334" y="609600"/>
-            <a:ext cx="8596668" cy="993913"/>
+            <a:ext cx="8596668" cy="858253"/>
           </a:xfrm>
         </p:spPr>
         <p:txBody>
@@ -12610,8 +12995,12 @@
           <a:lstStyle/>
           <a:p>
             <a:r>
+              <a:rPr lang="ro-RO" sz="4800" dirty="0"/>
+              <a:t>a</a:t>
+            </a:r>
+            <a:r>
               <a:rPr lang="ro-RO" sz="4800" dirty="0" smtClean="0"/>
-              <a:t>demo();</a:t>
+              <a:t>udit();</a:t>
             </a:r>
             <a:endParaRPr lang="ro-RO" sz="4800" dirty="0"/>
           </a:p>
@@ -12634,74 +13023,36 @@
           </a:bodyPr>
           <a:lstStyle/>
           <a:p>
-            <a:pPr marL="0" indent="0">
-              <a:buNone/>
-            </a:pPr>
-            <a:r>
-              <a:rPr lang="ro-RO" sz="2800" dirty="0" smtClean="0">
-                <a:hlinkClick r:id="rId3"/>
-              </a:rPr>
-              <a:t>https</a:t>
-            </a:r>
-            <a:r>
-              <a:rPr lang="ro-RO" sz="2800" dirty="0">
-                <a:hlinkClick r:id="rId3"/>
-              </a:rPr>
-              <a:t>://github.com/cosminspn/cc-apr-2016</a:t>
-            </a:r>
-            <a:r>
-              <a:rPr lang="ro-RO" sz="2800" dirty="0" smtClean="0">
-                <a:hlinkClick r:id="rId3"/>
-              </a:rPr>
-              <a:t>/</a:t>
-            </a:r>
+            <a:r>
+              <a:rPr lang="ro-RO" sz="2800" dirty="0" smtClean="0"/>
+              <a:t>@CreatedBy , @LastModifiedBy – who ?</a:t>
+            </a:r>
+          </a:p>
+          <a:p>
             <a:endParaRPr lang="ro-RO" sz="2800" dirty="0" smtClean="0"/>
           </a:p>
           <a:p>
-            <a:pPr marL="0" indent="0">
-              <a:buNone/>
-            </a:pPr>
-            <a:endParaRPr lang="ro-RO" sz="2800" dirty="0">
-              <a:hlinkClick r:id="rId4"/>
-            </a:endParaRPr>
-          </a:p>
-          <a:p>
-            <a:pPr marL="0" indent="0">
-              <a:buNone/>
-            </a:pPr>
-            <a:r>
-              <a:rPr lang="ro-RO" sz="2800" dirty="0" smtClean="0">
-                <a:hlinkClick r:id="rId4"/>
-              </a:rPr>
-              <a:t>https</a:t>
-            </a:r>
-            <a:r>
-              <a:rPr lang="ro-RO" sz="2800" dirty="0">
-                <a:hlinkClick r:id="rId4"/>
-              </a:rPr>
-              <a:t>://</a:t>
-            </a:r>
-            <a:r>
-              <a:rPr lang="ro-RO" sz="2800" dirty="0" smtClean="0">
-                <a:hlinkClick r:id="rId4"/>
-              </a:rPr>
-              <a:t>github.com/cosminspn/cc-apr-2016/tree/master/source/spring-data-example</a:t>
-            </a:r>
             <a:r>
               <a:rPr lang="ro-RO" sz="2800" dirty="0" smtClean="0"/>
-              <a:t> </a:t>
-            </a:r>
+              <a:t>@CreatedDate, @LastModifiedDate – when ?</a:t>
+            </a:r>
+          </a:p>
+          <a:p>
             <a:endParaRPr lang="ro-RO" sz="2800" dirty="0"/>
           </a:p>
           <a:p>
-            <a:endParaRPr lang="ro-RO" sz="2800" dirty="0" smtClean="0"/>
+            <a:r>
+              <a:rPr lang="ro-RO" sz="2800" dirty="0" smtClean="0"/>
+              <a:t>Spring Security integration</a:t>
+            </a:r>
+            <a:endParaRPr lang="ro-RO" sz="2800" dirty="0"/>
           </a:p>
         </p:txBody>
       </p:sp>
     </p:spTree>
     <p:extLst>
       <p:ext uri="{BB962C8B-B14F-4D97-AF65-F5344CB8AC3E}">
-        <p14:creationId xmlns:p14="http://schemas.microsoft.com/office/powerpoint/2010/main" val="3946167324"/>
+        <p14:creationId xmlns:p14="http://schemas.microsoft.com/office/powerpoint/2010/main" val="1435931862"/>
       </p:ext>
     </p:extLst>
   </p:cSld>
@@ -12737,7 +13088,7 @@
       </p:grpSpPr>
       <p:sp>
         <p:nvSpPr>
-          <p:cNvPr id="4" name="Title 3"/>
+          <p:cNvPr id="2" name="Title 1"/>
           <p:cNvSpPr>
             <a:spLocks noGrp="1"/>
           </p:cNvSpPr>
@@ -12745,7 +13096,12 @@
             <p:ph type="title"/>
           </p:nvPr>
         </p:nvSpPr>
-        <p:spPr/>
+        <p:spPr>
+          <a:xfrm>
+            <a:off x="677334" y="609600"/>
+            <a:ext cx="8596668" cy="993913"/>
+          </a:xfrm>
+        </p:spPr>
         <p:txBody>
           <a:bodyPr>
             <a:normAutofit/>
@@ -12754,7 +13110,7 @@
           <a:p>
             <a:r>
               <a:rPr lang="ro-RO" sz="4800" dirty="0" smtClean="0"/>
-              <a:t>removeFromTheProject();</a:t>
+              <a:t>demo();</a:t>
             </a:r>
             <a:endParaRPr lang="ro-RO" sz="4800" dirty="0"/>
           </a:p>
@@ -12762,7 +13118,7 @@
       </p:sp>
       <p:sp>
         <p:nvSpPr>
-          <p:cNvPr id="8" name="Content Placeholder 7"/>
+          <p:cNvPr id="3" name="Content Placeholder 2"/>
           <p:cNvSpPr>
             <a:spLocks noGrp="1"/>
           </p:cNvSpPr>
@@ -12773,76 +13129,78 @@
         <p:spPr/>
         <p:txBody>
           <a:bodyPr>
-            <a:normAutofit lnSpcReduction="10000"/>
+            <a:normAutofit/>
           </a:bodyPr>
           <a:lstStyle/>
           <a:p>
+            <a:pPr marL="0" indent="0">
+              <a:buNone/>
+            </a:pPr>
+            <a:r>
+              <a:rPr lang="ro-RO" sz="2800" dirty="0" smtClean="0">
+                <a:hlinkClick r:id="rId3"/>
+              </a:rPr>
+              <a:t>https</a:t>
+            </a:r>
+            <a:r>
+              <a:rPr lang="ro-RO" sz="2800" dirty="0">
+                <a:hlinkClick r:id="rId3"/>
+              </a:rPr>
+              <a:t>://github.com/cosminspn/cc-apr-2016</a:t>
+            </a:r>
+            <a:r>
+              <a:rPr lang="ro-RO" sz="2800" dirty="0" smtClean="0">
+                <a:hlinkClick r:id="rId3"/>
+              </a:rPr>
+              <a:t>/</a:t>
+            </a:r>
+            <a:endParaRPr lang="ro-RO" sz="2800" dirty="0" smtClean="0"/>
+          </a:p>
+          <a:p>
+            <a:pPr marL="0" indent="0">
+              <a:buNone/>
+            </a:pPr>
+            <a:endParaRPr lang="ro-RO" sz="2800" dirty="0">
+              <a:hlinkClick r:id="rId4"/>
+            </a:endParaRPr>
+          </a:p>
+          <a:p>
+            <a:pPr marL="0" indent="0">
+              <a:buNone/>
+            </a:pPr>
+            <a:r>
+              <a:rPr lang="ro-RO" sz="2800" dirty="0" smtClean="0">
+                <a:hlinkClick r:id="rId4"/>
+              </a:rPr>
+              <a:t>https</a:t>
+            </a:r>
+            <a:r>
+              <a:rPr lang="ro-RO" sz="2800" dirty="0">
+                <a:hlinkClick r:id="rId4"/>
+              </a:rPr>
+              <a:t>://</a:t>
+            </a:r>
+            <a:r>
+              <a:rPr lang="ro-RO" sz="2800" dirty="0" smtClean="0">
+                <a:hlinkClick r:id="rId4"/>
+              </a:rPr>
+              <a:t>github.com/cosminspn/cc-apr-2016/tree/master/source/spring-data-example</a:t>
+            </a:r>
             <a:r>
               <a:rPr lang="ro-RO" sz="2800" dirty="0" smtClean="0"/>
-              <a:t>When Spring Data does not bring value ?</a:t>
-            </a:r>
+              <a:t> </a:t>
+            </a:r>
+            <a:endParaRPr lang="ro-RO" sz="2800" dirty="0"/>
           </a:p>
           <a:p>
             <a:endParaRPr lang="ro-RO" sz="2800" dirty="0" smtClean="0"/>
-          </a:p>
-          <a:p>
-            <a:pPr lvl="1"/>
-            <a:r>
-              <a:rPr lang="ro-RO" sz="2000" dirty="0" smtClean="0"/>
-              <a:t>A lot of JOIN queries</a:t>
-            </a:r>
-          </a:p>
-          <a:p>
-            <a:pPr lvl="1"/>
-            <a:endParaRPr lang="ro-RO" sz="2000" dirty="0"/>
-          </a:p>
-          <a:p>
-            <a:pPr lvl="1"/>
-            <a:r>
-              <a:rPr lang="ro-RO" sz="2000" dirty="0" smtClean="0"/>
-              <a:t>DB which do not use FKs</a:t>
-            </a:r>
-          </a:p>
-          <a:p>
-            <a:pPr lvl="1"/>
-            <a:endParaRPr lang="ro-RO" sz="2000" dirty="0" smtClean="0"/>
-          </a:p>
-          <a:p>
-            <a:pPr lvl="1"/>
-            <a:r>
-              <a:rPr lang="ro-RO" sz="2000" dirty="0" smtClean="0"/>
-              <a:t>When even the CRUD methods should be overriden</a:t>
-            </a:r>
-          </a:p>
-          <a:p>
-            <a:pPr lvl="1"/>
-            <a:endParaRPr lang="ro-RO" sz="2000" dirty="0"/>
-          </a:p>
-          <a:p>
-            <a:pPr lvl="1"/>
-            <a:r>
-              <a:rPr lang="ro-RO" sz="2000" dirty="0" smtClean="0"/>
-              <a:t>May be other situations ...</a:t>
-            </a:r>
-          </a:p>
-          <a:p>
-            <a:pPr lvl="1"/>
-            <a:endParaRPr lang="ro-RO" sz="2000" dirty="0" smtClean="0"/>
-          </a:p>
-          <a:p>
-            <a:pPr lvl="1"/>
-            <a:endParaRPr lang="ro-RO" dirty="0" smtClean="0"/>
-          </a:p>
-          <a:p>
-            <a:pPr lvl="1"/>
-            <a:endParaRPr lang="ro-RO" dirty="0" smtClean="0"/>
           </a:p>
         </p:txBody>
       </p:sp>
     </p:spTree>
     <p:extLst>
       <p:ext uri="{BB962C8B-B14F-4D97-AF65-F5344CB8AC3E}">
-        <p14:creationId xmlns:p14="http://schemas.microsoft.com/office/powerpoint/2010/main" val="1657448931"/>
+        <p14:creationId xmlns:p14="http://schemas.microsoft.com/office/powerpoint/2010/main" val="3946167324"/>
       </p:ext>
     </p:extLst>
   </p:cSld>
@@ -12895,6 +13253,147 @@
           <a:p>
             <a:r>
               <a:rPr lang="ro-RO" sz="4800" dirty="0" smtClean="0"/>
+              <a:t>removeFromTheProject();</a:t>
+            </a:r>
+            <a:endParaRPr lang="ro-RO" sz="4800" dirty="0"/>
+          </a:p>
+        </p:txBody>
+      </p:sp>
+      <p:sp>
+        <p:nvSpPr>
+          <p:cNvPr id="8" name="Content Placeholder 7"/>
+          <p:cNvSpPr>
+            <a:spLocks noGrp="1"/>
+          </p:cNvSpPr>
+          <p:nvPr>
+            <p:ph idx="1"/>
+          </p:nvPr>
+        </p:nvSpPr>
+        <p:spPr/>
+        <p:txBody>
+          <a:bodyPr>
+            <a:normAutofit lnSpcReduction="10000"/>
+          </a:bodyPr>
+          <a:lstStyle/>
+          <a:p>
+            <a:r>
+              <a:rPr lang="ro-RO" sz="2800" dirty="0" smtClean="0"/>
+              <a:t>When Spring Data does not bring value ?</a:t>
+            </a:r>
+          </a:p>
+          <a:p>
+            <a:endParaRPr lang="ro-RO" sz="2800" dirty="0" smtClean="0"/>
+          </a:p>
+          <a:p>
+            <a:pPr lvl="1"/>
+            <a:r>
+              <a:rPr lang="ro-RO" sz="2000" dirty="0" smtClean="0"/>
+              <a:t>A lot of JOIN queries</a:t>
+            </a:r>
+          </a:p>
+          <a:p>
+            <a:pPr lvl="1"/>
+            <a:endParaRPr lang="ro-RO" sz="2000" dirty="0"/>
+          </a:p>
+          <a:p>
+            <a:pPr lvl="1"/>
+            <a:r>
+              <a:rPr lang="ro-RO" sz="2000" dirty="0" smtClean="0"/>
+              <a:t>DB which do not use FKs</a:t>
+            </a:r>
+          </a:p>
+          <a:p>
+            <a:pPr lvl="1"/>
+            <a:endParaRPr lang="ro-RO" sz="2000" dirty="0" smtClean="0"/>
+          </a:p>
+          <a:p>
+            <a:pPr lvl="1"/>
+            <a:r>
+              <a:rPr lang="ro-RO" sz="2000" dirty="0" smtClean="0"/>
+              <a:t>When even the CRUD methods should be overriden</a:t>
+            </a:r>
+          </a:p>
+          <a:p>
+            <a:pPr lvl="1"/>
+            <a:endParaRPr lang="ro-RO" sz="2000" dirty="0"/>
+          </a:p>
+          <a:p>
+            <a:pPr lvl="1"/>
+            <a:r>
+              <a:rPr lang="ro-RO" sz="2000" dirty="0" smtClean="0"/>
+              <a:t>May be other situations ...</a:t>
+            </a:r>
+          </a:p>
+          <a:p>
+            <a:pPr lvl="1"/>
+            <a:endParaRPr lang="ro-RO" sz="2000" dirty="0" smtClean="0"/>
+          </a:p>
+          <a:p>
+            <a:pPr lvl="1"/>
+            <a:endParaRPr lang="ro-RO" dirty="0" smtClean="0"/>
+          </a:p>
+          <a:p>
+            <a:pPr lvl="1"/>
+            <a:endParaRPr lang="ro-RO" dirty="0" smtClean="0"/>
+          </a:p>
+        </p:txBody>
+      </p:sp>
+    </p:spTree>
+    <p:extLst>
+      <p:ext uri="{BB962C8B-B14F-4D97-AF65-F5344CB8AC3E}">
+        <p14:creationId xmlns:p14="http://schemas.microsoft.com/office/powerpoint/2010/main" val="1657448931"/>
+      </p:ext>
+    </p:extLst>
+  </p:cSld>
+  <p:clrMapOvr>
+    <a:masterClrMapping/>
+  </p:clrMapOvr>
+  <p:timing>
+    <p:tnLst>
+      <p:par>
+        <p:cTn id="1" dur="indefinite" restart="never" nodeType="tmRoot"/>
+      </p:par>
+    </p:tnLst>
+  </p:timing>
+</p:sld>
+</file>
+
+<file path=ppt/slides/slide24.xml><?xml version="1.0" encoding="utf-8"?>
+<p:sld xmlns:a="http://schemas.openxmlformats.org/drawingml/2006/main" xmlns:r="http://schemas.openxmlformats.org/officeDocument/2006/relationships" xmlns:p="http://schemas.openxmlformats.org/presentationml/2006/main">
+  <p:cSld>
+    <p:spTree>
+      <p:nvGrpSpPr>
+        <p:cNvPr id="1" name=""/>
+        <p:cNvGrpSpPr/>
+        <p:nvPr/>
+      </p:nvGrpSpPr>
+      <p:grpSpPr>
+        <a:xfrm>
+          <a:off x="0" y="0"/>
+          <a:ext cx="0" cy="0"/>
+          <a:chOff x="0" y="0"/>
+          <a:chExt cx="0" cy="0"/>
+        </a:xfrm>
+      </p:grpSpPr>
+      <p:sp>
+        <p:nvSpPr>
+          <p:cNvPr id="4" name="Title 3"/>
+          <p:cNvSpPr>
+            <a:spLocks noGrp="1"/>
+          </p:cNvSpPr>
+          <p:nvPr>
+            <p:ph type="title"/>
+          </p:nvPr>
+        </p:nvSpPr>
+        <p:spPr/>
+        <p:txBody>
+          <a:bodyPr>
+            <a:normAutofit/>
+          </a:bodyPr>
+          <a:lstStyle/>
+          <a:p>
+            <a:r>
+              <a:rPr lang="ro-RO" sz="4800" dirty="0" smtClean="0"/>
               <a:t>hopeForTheBest();</a:t>
             </a:r>
             <a:endParaRPr lang="ro-RO" sz="4800" dirty="0"/>
@@ -12984,7 +13483,7 @@
 </p:sld>
 </file>
 
-<file path=ppt/slides/slide24.xml><?xml version="1.0" encoding="utf-8"?>
+<file path=ppt/slides/slide25.xml><?xml version="1.0" encoding="utf-8"?>
 <p:sld xmlns:a="http://schemas.openxmlformats.org/drawingml/2006/main" xmlns:r="http://schemas.openxmlformats.org/officeDocument/2006/relationships" xmlns:p="http://schemas.openxmlformats.org/presentationml/2006/main">
   <p:cSld>
     <p:spTree>
@@ -13496,7 +13995,11 @@
           <a:p>
             <a:r>
               <a:rPr lang="ro-RO" sz="2800" dirty="0" smtClean="0"/>
-              <a:t>Spring Data</a:t>
+              <a:t>Spring </a:t>
+            </a:r>
+            <a:r>
+              <a:rPr lang="ro-RO" sz="2800" dirty="0" smtClean="0"/>
+              <a:t>Framework</a:t>
             </a:r>
           </a:p>
           <a:p>
@@ -13506,22 +14009,31 @@
             <a:pPr lvl="1"/>
             <a:r>
               <a:rPr lang="ro-RO" sz="2000" dirty="0" smtClean="0"/>
-              <a:t>First release @ SpringOne 2010</a:t>
+              <a:t>Provides sophisticated support for traditional data access techs</a:t>
             </a:r>
           </a:p>
           <a:p>
             <a:pPr lvl="1"/>
+            <a:endParaRPr lang="ro-RO" sz="2000" dirty="0" smtClean="0"/>
+          </a:p>
+          <a:p>
+            <a:pPr lvl="1"/>
             <a:r>
               <a:rPr lang="ro-RO" sz="2000" dirty="0" smtClean="0"/>
-              <a:t>Provides a simple and consistent approach for working with data persistence</a:t>
+              <a:t>Simplified infrastructure setup and exception translation</a:t>
             </a:r>
           </a:p>
           <a:p>
             <a:pPr lvl="1"/>
+            <a:endParaRPr lang="ro-RO" sz="2000" dirty="0"/>
+          </a:p>
+          <a:p>
+            <a:pPr lvl="1"/>
             <a:r>
               <a:rPr lang="ro-RO" sz="2000" dirty="0" smtClean="0"/>
-              <a:t>Reduces the necessary effort for having the persistence layer in place</a:t>
-            </a:r>
+              <a:t>The transactional mechanism</a:t>
+            </a:r>
+            <a:endParaRPr lang="ro-RO" sz="2000" dirty="0" smtClean="0"/>
           </a:p>
           <a:p>
             <a:pPr lvl="1"/>
@@ -13532,7 +14044,7 @@
     </p:spTree>
     <p:extLst>
       <p:ext uri="{BB962C8B-B14F-4D97-AF65-F5344CB8AC3E}">
-        <p14:creationId xmlns:p14="http://schemas.microsoft.com/office/powerpoint/2010/main" val="2517364754"/>
+        <p14:creationId xmlns:p14="http://schemas.microsoft.com/office/powerpoint/2010/main" val="469248954"/>
       </p:ext>
     </p:extLst>
   </p:cSld>
@@ -13585,6 +14097,134 @@
           <a:p>
             <a:r>
               <a:rPr lang="ro-RO" sz="4800" dirty="0" smtClean="0"/>
+              <a:t>printNextWay();</a:t>
+            </a:r>
+            <a:endParaRPr lang="ro-RO" sz="4800" dirty="0"/>
+          </a:p>
+        </p:txBody>
+      </p:sp>
+      <p:sp>
+        <p:nvSpPr>
+          <p:cNvPr id="3" name="Content Placeholder 2"/>
+          <p:cNvSpPr>
+            <a:spLocks noGrp="1"/>
+          </p:cNvSpPr>
+          <p:nvPr>
+            <p:ph idx="1"/>
+          </p:nvPr>
+        </p:nvSpPr>
+        <p:spPr/>
+        <p:txBody>
+          <a:bodyPr/>
+          <a:lstStyle/>
+          <a:p>
+            <a:r>
+              <a:rPr lang="ro-RO" sz="2800" dirty="0" smtClean="0"/>
+              <a:t>Spring Data</a:t>
+            </a:r>
+          </a:p>
+          <a:p>
+            <a:endParaRPr lang="ro-RO" sz="2800" dirty="0" smtClean="0"/>
+          </a:p>
+          <a:p>
+            <a:pPr lvl="1"/>
+            <a:r>
+              <a:rPr lang="ro-RO" sz="2000" dirty="0" smtClean="0"/>
+              <a:t>First release @ SpringOne </a:t>
+            </a:r>
+            <a:r>
+              <a:rPr lang="ro-RO" sz="2000" dirty="0" smtClean="0"/>
+              <a:t>2010</a:t>
+            </a:r>
+          </a:p>
+          <a:p>
+            <a:pPr lvl="1"/>
+            <a:endParaRPr lang="ro-RO" sz="2000" dirty="0" smtClean="0"/>
+          </a:p>
+          <a:p>
+            <a:pPr lvl="1"/>
+            <a:r>
+              <a:rPr lang="ro-RO" sz="2000" dirty="0" smtClean="0"/>
+              <a:t>Provides a simple and consistent approach for working with data </a:t>
+            </a:r>
+            <a:r>
+              <a:rPr lang="ro-RO" sz="2000" dirty="0" smtClean="0"/>
+              <a:t>persistence</a:t>
+            </a:r>
+          </a:p>
+          <a:p>
+            <a:pPr lvl="1"/>
+            <a:endParaRPr lang="ro-RO" sz="2000" dirty="0" smtClean="0"/>
+          </a:p>
+          <a:p>
+            <a:pPr lvl="1"/>
+            <a:r>
+              <a:rPr lang="ro-RO" sz="2000" dirty="0" smtClean="0"/>
+              <a:t>Reduces the necessary effort for having the persistence layer in place</a:t>
+            </a:r>
+          </a:p>
+          <a:p>
+            <a:pPr lvl="1"/>
+            <a:endParaRPr lang="ro-RO" dirty="0"/>
+          </a:p>
+        </p:txBody>
+      </p:sp>
+    </p:spTree>
+    <p:extLst>
+      <p:ext uri="{BB962C8B-B14F-4D97-AF65-F5344CB8AC3E}">
+        <p14:creationId xmlns:p14="http://schemas.microsoft.com/office/powerpoint/2010/main" val="2517364754"/>
+      </p:ext>
+    </p:extLst>
+  </p:cSld>
+  <p:clrMapOvr>
+    <a:masterClrMapping/>
+  </p:clrMapOvr>
+  <p:timing>
+    <p:tnLst>
+      <p:par>
+        <p:cTn id="1" dur="indefinite" restart="never" nodeType="tmRoot"/>
+      </p:par>
+    </p:tnLst>
+  </p:timing>
+</p:sld>
+</file>
+
+<file path=ppt/slides/slide8.xml><?xml version="1.0" encoding="utf-8"?>
+<p:sld xmlns:a="http://schemas.openxmlformats.org/drawingml/2006/main" xmlns:r="http://schemas.openxmlformats.org/officeDocument/2006/relationships" xmlns:p="http://schemas.openxmlformats.org/presentationml/2006/main">
+  <p:cSld>
+    <p:spTree>
+      <p:nvGrpSpPr>
+        <p:cNvPr id="1" name=""/>
+        <p:cNvGrpSpPr/>
+        <p:nvPr/>
+      </p:nvGrpSpPr>
+      <p:grpSpPr>
+        <a:xfrm>
+          <a:off x="0" y="0"/>
+          <a:ext cx="0" cy="0"/>
+          <a:chOff x="0" y="0"/>
+          <a:chExt cx="0" cy="0"/>
+        </a:xfrm>
+      </p:grpSpPr>
+      <p:sp>
+        <p:nvSpPr>
+          <p:cNvPr id="2" name="Title 1"/>
+          <p:cNvSpPr>
+            <a:spLocks noGrp="1"/>
+          </p:cNvSpPr>
+          <p:nvPr>
+            <p:ph type="title"/>
+          </p:nvPr>
+        </p:nvSpPr>
+        <p:spPr/>
+        <p:txBody>
+          <a:bodyPr>
+            <a:normAutofit/>
+          </a:bodyPr>
+          <a:lstStyle/>
+          <a:p>
+            <a:r>
+              <a:rPr lang="ro-RO" sz="4800" dirty="0" smtClean="0"/>
               <a:t>getRepository();</a:t>
             </a:r>
             <a:endParaRPr lang="ro-RO" sz="4800" dirty="0"/>
@@ -13683,7 +14323,7 @@
 </p:sld>
 </file>
 
-<file path=ppt/slides/slide8.xml><?xml version="1.0" encoding="utf-8"?>
+<file path=ppt/slides/slide9.xml><?xml version="1.0" encoding="utf-8"?>
 <p:sld xmlns:a="http://schemas.openxmlformats.org/drawingml/2006/main" xmlns:r="http://schemas.openxmlformats.org/officeDocument/2006/relationships" xmlns:p="http://schemas.openxmlformats.org/presentationml/2006/main">
   <p:cSld>
     <p:spTree>
@@ -13784,164 +14424,6 @@
     <p:extLst>
       <p:ext uri="{BB962C8B-B14F-4D97-AF65-F5344CB8AC3E}">
         <p14:creationId xmlns:p14="http://schemas.microsoft.com/office/powerpoint/2010/main" val="3571020140"/>
-      </p:ext>
-    </p:extLst>
-  </p:cSld>
-  <p:clrMapOvr>
-    <a:masterClrMapping/>
-  </p:clrMapOvr>
-  <p:timing>
-    <p:tnLst>
-      <p:par>
-        <p:cTn id="1" dur="indefinite" restart="never" nodeType="tmRoot"/>
-      </p:par>
-    </p:tnLst>
-  </p:timing>
-</p:sld>
-</file>
-
-<file path=ppt/slides/slide9.xml><?xml version="1.0" encoding="utf-8"?>
-<p:sld xmlns:a="http://schemas.openxmlformats.org/drawingml/2006/main" xmlns:r="http://schemas.openxmlformats.org/officeDocument/2006/relationships" xmlns:p="http://schemas.openxmlformats.org/presentationml/2006/main">
-  <p:cSld>
-    <p:spTree>
-      <p:nvGrpSpPr>
-        <p:cNvPr id="1" name=""/>
-        <p:cNvGrpSpPr/>
-        <p:nvPr/>
-      </p:nvGrpSpPr>
-      <p:grpSpPr>
-        <a:xfrm>
-          <a:off x="0" y="0"/>
-          <a:ext cx="0" cy="0"/>
-          <a:chOff x="0" y="0"/>
-          <a:chExt cx="0" cy="0"/>
-        </a:xfrm>
-      </p:grpSpPr>
-      <p:sp>
-        <p:nvSpPr>
-          <p:cNvPr id="2" name="Title 1"/>
-          <p:cNvSpPr>
-            <a:spLocks noGrp="1"/>
-          </p:cNvSpPr>
-          <p:nvPr>
-            <p:ph type="title"/>
-          </p:nvPr>
-        </p:nvSpPr>
-        <p:spPr>
-          <a:xfrm>
-            <a:off x="677334" y="609600"/>
-            <a:ext cx="8596668" cy="848139"/>
-          </a:xfrm>
-        </p:spPr>
-        <p:txBody>
-          <a:bodyPr>
-            <a:normAutofit/>
-          </a:bodyPr>
-          <a:lstStyle/>
-          <a:p>
-            <a:r>
-              <a:rPr lang="ro-RO" sz="4800" dirty="0"/>
-              <a:t>getRepository();</a:t>
-            </a:r>
-          </a:p>
-        </p:txBody>
-      </p:sp>
-      <p:sp>
-        <p:nvSpPr>
-          <p:cNvPr id="3" name="Content Placeholder 2"/>
-          <p:cNvSpPr>
-            <a:spLocks noGrp="1"/>
-          </p:cNvSpPr>
-          <p:nvPr>
-            <p:ph idx="1"/>
-          </p:nvPr>
-        </p:nvSpPr>
-        <p:spPr/>
-        <p:txBody>
-          <a:bodyPr/>
-          <a:lstStyle/>
-          <a:p>
-            <a:r>
-              <a:rPr lang="ro-RO" sz="2800" dirty="0" smtClean="0"/>
-              <a:t>Configuration ?</a:t>
-            </a:r>
-          </a:p>
-          <a:p>
-            <a:pPr marL="457200" lvl="1" indent="0">
-              <a:buNone/>
-            </a:pPr>
-            <a:endParaRPr lang="ro-RO" i="1" dirty="0" smtClean="0"/>
-          </a:p>
-          <a:p>
-            <a:pPr lvl="1"/>
-            <a:endParaRPr lang="ro-RO" dirty="0"/>
-          </a:p>
-        </p:txBody>
-      </p:sp>
-      <p:pic>
-        <p:nvPicPr>
-          <p:cNvPr id="5" name="Picture 4"/>
-          <p:cNvPicPr>
-            <a:picLocks noChangeAspect="1"/>
-          </p:cNvPicPr>
-          <p:nvPr/>
-        </p:nvPicPr>
-        <p:blipFill>
-          <a:blip r:embed="rId2">
-            <a:extLst>
-              <a:ext uri="{28A0092B-C50C-407E-A947-70E740481C1C}">
-                <a14:useLocalDpi xmlns:a14="http://schemas.microsoft.com/office/drawing/2010/main" val="0"/>
-              </a:ext>
-            </a:extLst>
-          </a:blip>
-          <a:stretch>
-            <a:fillRect/>
-          </a:stretch>
-        </p:blipFill>
-        <p:spPr>
-          <a:xfrm>
-            <a:off x="1264397" y="2996151"/>
-            <a:ext cx="5997586" cy="542179"/>
-          </a:xfrm>
-          <a:prstGeom prst="rect">
-            <a:avLst/>
-          </a:prstGeom>
-        </p:spPr>
-      </p:pic>
-      <p:pic>
-        <p:nvPicPr>
-          <p:cNvPr id="6" name="Picture 5"/>
-          <p:cNvPicPr>
-            <a:picLocks noChangeAspect="1"/>
-          </p:cNvPicPr>
-          <p:nvPr/>
-        </p:nvPicPr>
-        <p:blipFill>
-          <a:blip r:embed="rId3">
-            <a:extLst>
-              <a:ext uri="{28A0092B-C50C-407E-A947-70E740481C1C}">
-                <a14:useLocalDpi xmlns:a14="http://schemas.microsoft.com/office/drawing/2010/main" val="0"/>
-              </a:ext>
-            </a:extLst>
-          </a:blip>
-          <a:stretch>
-            <a:fillRect/>
-          </a:stretch>
-        </p:blipFill>
-        <p:spPr>
-          <a:xfrm>
-            <a:off x="1264396" y="4100975"/>
-            <a:ext cx="5997587" cy="421623"/>
-          </a:xfrm>
-          <a:prstGeom prst="rect">
-            <a:avLst/>
-          </a:prstGeom>
-        </p:spPr>
-      </p:pic>
-    </p:spTree>
-    <p:extLst>
-      <p:ext uri="{BB962C8B-B14F-4D97-AF65-F5344CB8AC3E}">
-        <p14:creationId xmlns:p14="http://schemas.microsoft.com/office/powerpoint/2010/main" val="1350484929"/>
       </p:ext>
     </p:extLst>
   </p:cSld>

--- a/documents/Prezentare/cc-2016-spring-data.pptx
+++ b/documents/Prezentare/cc-2016-spring-data.pptx
@@ -2566,7 +2566,7 @@
           <a:p>
             <a:fld id="{F97D5301-4AE1-475E-B50A-DBFF93DBE1B2}" type="datetimeFigureOut">
               <a:rPr lang="ro-RO" smtClean="0"/>
-              <a:t>19.04.2016</a:t>
+              <a:t>20.04.2016</a:t>
             </a:fld>
             <a:endParaRPr lang="ro-RO"/>
           </a:p>
@@ -5099,8 +5099,13 @@
             </a:pPr>
             <a:r>
               <a:rPr lang="ro-RO" sz="100" baseline="0" dirty="0" smtClean="0"/>
-              <a:t>Aici e sweet spot-ul Spring Data –</a:t>
-            </a:r>
+              <a:t>Aici e sweet spot-ul Spring Data </a:t>
+            </a:r>
+            <a:r>
+              <a:rPr lang="ro-RO" sz="100" baseline="0" dirty="0" smtClean="0"/>
+              <a:t>– face accesul la date mai usor</a:t>
+            </a:r>
+            <a:endParaRPr lang="ro-RO" sz="100" baseline="0" dirty="0" smtClean="0"/>
           </a:p>
           <a:p>
             <a:pPr marL="171450" indent="-171450">
@@ -6309,7 +6314,7 @@
           <a:p>
             <a:fld id="{E0F395AF-8FCF-4B60-A93E-699C7152ADDC}" type="datetimeFigureOut">
               <a:rPr lang="ro-RO" smtClean="0"/>
-              <a:t>19.04.2016</a:t>
+              <a:t>20.04.2016</a:t>
             </a:fld>
             <a:endParaRPr lang="ro-RO"/>
           </a:p>
@@ -6560,7 +6565,7 @@
           <a:p>
             <a:fld id="{E0F395AF-8FCF-4B60-A93E-699C7152ADDC}" type="datetimeFigureOut">
               <a:rPr lang="ro-RO" smtClean="0"/>
-              <a:t>19.04.2016</a:t>
+              <a:t>20.04.2016</a:t>
             </a:fld>
             <a:endParaRPr lang="ro-RO"/>
           </a:p>
@@ -6874,7 +6879,7 @@
           <a:p>
             <a:fld id="{E0F395AF-8FCF-4B60-A93E-699C7152ADDC}" type="datetimeFigureOut">
               <a:rPr lang="ro-RO" smtClean="0"/>
-              <a:t>19.04.2016</a:t>
+              <a:t>20.04.2016</a:t>
             </a:fld>
             <a:endParaRPr lang="ro-RO"/>
           </a:p>
@@ -7215,7 +7220,7 @@
           <a:p>
             <a:fld id="{E0F395AF-8FCF-4B60-A93E-699C7152ADDC}" type="datetimeFigureOut">
               <a:rPr lang="ro-RO" smtClean="0"/>
-              <a:t>19.04.2016</a:t>
+              <a:t>20.04.2016</a:t>
             </a:fld>
             <a:endParaRPr lang="ro-RO"/>
           </a:p>
@@ -7529,7 +7534,7 @@
           <a:p>
             <a:fld id="{E0F395AF-8FCF-4B60-A93E-699C7152ADDC}" type="datetimeFigureOut">
               <a:rPr lang="ro-RO" smtClean="0"/>
-              <a:t>19.04.2016</a:t>
+              <a:t>20.04.2016</a:t>
             </a:fld>
             <a:endParaRPr lang="ro-RO"/>
           </a:p>
@@ -7922,7 +7927,7 @@
           <a:p>
             <a:fld id="{E0F395AF-8FCF-4B60-A93E-699C7152ADDC}" type="datetimeFigureOut">
               <a:rPr lang="ro-RO" smtClean="0"/>
-              <a:t>19.04.2016</a:t>
+              <a:t>20.04.2016</a:t>
             </a:fld>
             <a:endParaRPr lang="ro-RO"/>
           </a:p>
@@ -8092,7 +8097,7 @@
           <a:p>
             <a:fld id="{E0F395AF-8FCF-4B60-A93E-699C7152ADDC}" type="datetimeFigureOut">
               <a:rPr lang="ro-RO" smtClean="0"/>
-              <a:t>19.04.2016</a:t>
+              <a:t>20.04.2016</a:t>
             </a:fld>
             <a:endParaRPr lang="ro-RO"/>
           </a:p>
@@ -8272,7 +8277,7 @@
           <a:p>
             <a:fld id="{E0F395AF-8FCF-4B60-A93E-699C7152ADDC}" type="datetimeFigureOut">
               <a:rPr lang="ro-RO" smtClean="0"/>
-              <a:t>19.04.2016</a:t>
+              <a:t>20.04.2016</a:t>
             </a:fld>
             <a:endParaRPr lang="ro-RO"/>
           </a:p>
@@ -8448,7 +8453,7 @@
           <a:p>
             <a:fld id="{E0F395AF-8FCF-4B60-A93E-699C7152ADDC}" type="datetimeFigureOut">
               <a:rPr lang="ro-RO" smtClean="0"/>
-              <a:t>19.04.2016</a:t>
+              <a:t>20.04.2016</a:t>
             </a:fld>
             <a:endParaRPr lang="ro-RO"/>
           </a:p>
@@ -8695,7 +8700,7 @@
           <a:p>
             <a:fld id="{E0F395AF-8FCF-4B60-A93E-699C7152ADDC}" type="datetimeFigureOut">
               <a:rPr lang="ro-RO" smtClean="0"/>
-              <a:t>19.04.2016</a:t>
+              <a:t>20.04.2016</a:t>
             </a:fld>
             <a:endParaRPr lang="ro-RO"/>
           </a:p>
@@ -8927,7 +8932,7 @@
           <a:p>
             <a:fld id="{E0F395AF-8FCF-4B60-A93E-699C7152ADDC}" type="datetimeFigureOut">
               <a:rPr lang="ro-RO" smtClean="0"/>
-              <a:t>19.04.2016</a:t>
+              <a:t>20.04.2016</a:t>
             </a:fld>
             <a:endParaRPr lang="ro-RO"/>
           </a:p>
@@ -9301,7 +9306,7 @@
           <a:p>
             <a:fld id="{E0F395AF-8FCF-4B60-A93E-699C7152ADDC}" type="datetimeFigureOut">
               <a:rPr lang="ro-RO" smtClean="0"/>
-              <a:t>19.04.2016</a:t>
+              <a:t>20.04.2016</a:t>
             </a:fld>
             <a:endParaRPr lang="ro-RO"/>
           </a:p>
@@ -9424,7 +9429,7 @@
           <a:p>
             <a:fld id="{E0F395AF-8FCF-4B60-A93E-699C7152ADDC}" type="datetimeFigureOut">
               <a:rPr lang="ro-RO" smtClean="0"/>
-              <a:t>19.04.2016</a:t>
+              <a:t>20.04.2016</a:t>
             </a:fld>
             <a:endParaRPr lang="ro-RO"/>
           </a:p>
@@ -9519,7 +9524,7 @@
           <a:p>
             <a:fld id="{E0F395AF-8FCF-4B60-A93E-699C7152ADDC}" type="datetimeFigureOut">
               <a:rPr lang="ro-RO" smtClean="0"/>
-              <a:t>19.04.2016</a:t>
+              <a:t>20.04.2016</a:t>
             </a:fld>
             <a:endParaRPr lang="ro-RO"/>
           </a:p>
@@ -9774,7 +9779,7 @@
           <a:p>
             <a:fld id="{E0F395AF-8FCF-4B60-A93E-699C7152ADDC}" type="datetimeFigureOut">
               <a:rPr lang="ro-RO" smtClean="0"/>
-              <a:t>19.04.2016</a:t>
+              <a:t>20.04.2016</a:t>
             </a:fld>
             <a:endParaRPr lang="ro-RO"/>
           </a:p>
@@ -10037,7 +10042,7 @@
           <a:p>
             <a:fld id="{E0F395AF-8FCF-4B60-A93E-699C7152ADDC}" type="datetimeFigureOut">
               <a:rPr lang="ro-RO" smtClean="0"/>
-              <a:t>19.04.2016</a:t>
+              <a:t>20.04.2016</a:t>
             </a:fld>
             <a:endParaRPr lang="ro-RO"/>
           </a:p>
@@ -10780,7 +10785,7 @@
           <a:p>
             <a:fld id="{E0F395AF-8FCF-4B60-A93E-699C7152ADDC}" type="datetimeFigureOut">
               <a:rPr lang="ro-RO" smtClean="0"/>
-              <a:t>19.04.2016</a:t>
+              <a:t>20.04.2016</a:t>
             </a:fld>
             <a:endParaRPr lang="ro-RO"/>
           </a:p>
@@ -11382,6 +11387,261 @@
           </a:p>
         </p:txBody>
       </p:sp>
+      <p:sp>
+        <p:nvSpPr>
+          <p:cNvPr id="5" name="Subtitle 2"/>
+          <p:cNvSpPr txBox="1">
+            <a:spLocks/>
+          </p:cNvSpPr>
+          <p:nvPr/>
+        </p:nvSpPr>
+        <p:spPr>
+          <a:xfrm>
+            <a:off x="1275323" y="2314224"/>
+            <a:ext cx="8033077" cy="857954"/>
+          </a:xfrm>
+          <a:prstGeom prst="rect">
+            <a:avLst/>
+          </a:prstGeom>
+        </p:spPr>
+        <p:txBody>
+          <a:bodyPr vert="horz" lIns="91440" tIns="45720" rIns="91440" bIns="45720" rtlCol="0" anchor="t">
+            <a:normAutofit/>
+          </a:bodyPr>
+          <a:lstStyle>
+            <a:lvl1pPr marL="0" indent="0" algn="r" defTabSz="457200" rtl="0" eaLnBrk="1" latinLnBrk="0" hangingPunct="1">
+              <a:spcBef>
+                <a:spcPts val="1000"/>
+              </a:spcBef>
+              <a:spcAft>
+                <a:spcPts val="0"/>
+              </a:spcAft>
+              <a:buClr>
+                <a:schemeClr val="accent1"/>
+              </a:buClr>
+              <a:buSzPct val="80000"/>
+              <a:buFont typeface="Wingdings 3" charset="2"/>
+              <a:buNone/>
+              <a:defRPr sz="1800" kern="1200">
+                <a:solidFill>
+                  <a:schemeClr val="tx1">
+                    <a:lumMod val="50000"/>
+                    <a:lumOff val="50000"/>
+                  </a:schemeClr>
+                </a:solidFill>
+                <a:latin typeface="+mn-lt"/>
+                <a:ea typeface="+mn-ea"/>
+                <a:cs typeface="+mn-cs"/>
+              </a:defRPr>
+            </a:lvl1pPr>
+            <a:lvl2pPr marL="457200" indent="0" algn="ctr" defTabSz="457200" rtl="0" eaLnBrk="1" latinLnBrk="0" hangingPunct="1">
+              <a:spcBef>
+                <a:spcPts val="1000"/>
+              </a:spcBef>
+              <a:spcAft>
+                <a:spcPts val="0"/>
+              </a:spcAft>
+              <a:buClr>
+                <a:schemeClr val="accent1"/>
+              </a:buClr>
+              <a:buSzPct val="80000"/>
+              <a:buFont typeface="Wingdings 3" charset="2"/>
+              <a:buNone/>
+              <a:defRPr sz="1600" kern="1200">
+                <a:solidFill>
+                  <a:schemeClr val="tx1">
+                    <a:tint val="75000"/>
+                  </a:schemeClr>
+                </a:solidFill>
+                <a:latin typeface="+mn-lt"/>
+                <a:ea typeface="+mn-ea"/>
+                <a:cs typeface="+mn-cs"/>
+              </a:defRPr>
+            </a:lvl2pPr>
+            <a:lvl3pPr marL="914400" indent="0" algn="ctr" defTabSz="457200" rtl="0" eaLnBrk="1" latinLnBrk="0" hangingPunct="1">
+              <a:spcBef>
+                <a:spcPts val="1000"/>
+              </a:spcBef>
+              <a:spcAft>
+                <a:spcPts val="0"/>
+              </a:spcAft>
+              <a:buClr>
+                <a:schemeClr val="accent1"/>
+              </a:buClr>
+              <a:buSzPct val="80000"/>
+              <a:buFont typeface="Wingdings 3" charset="2"/>
+              <a:buNone/>
+              <a:defRPr sz="1400" kern="1200">
+                <a:solidFill>
+                  <a:schemeClr val="tx1">
+                    <a:tint val="75000"/>
+                  </a:schemeClr>
+                </a:solidFill>
+                <a:latin typeface="+mn-lt"/>
+                <a:ea typeface="+mn-ea"/>
+                <a:cs typeface="+mn-cs"/>
+              </a:defRPr>
+            </a:lvl3pPr>
+            <a:lvl4pPr marL="1371600" indent="0" algn="ctr" defTabSz="457200" rtl="0" eaLnBrk="1" latinLnBrk="0" hangingPunct="1">
+              <a:spcBef>
+                <a:spcPts val="1000"/>
+              </a:spcBef>
+              <a:spcAft>
+                <a:spcPts val="0"/>
+              </a:spcAft>
+              <a:buClr>
+                <a:schemeClr val="accent1"/>
+              </a:buClr>
+              <a:buSzPct val="80000"/>
+              <a:buFont typeface="Wingdings 3" charset="2"/>
+              <a:buNone/>
+              <a:defRPr sz="1200" kern="1200">
+                <a:solidFill>
+                  <a:schemeClr val="tx1">
+                    <a:tint val="75000"/>
+                  </a:schemeClr>
+                </a:solidFill>
+                <a:latin typeface="+mn-lt"/>
+                <a:ea typeface="+mn-ea"/>
+                <a:cs typeface="+mn-cs"/>
+              </a:defRPr>
+            </a:lvl4pPr>
+            <a:lvl5pPr marL="1828800" indent="0" algn="ctr" defTabSz="457200" rtl="0" eaLnBrk="1" latinLnBrk="0" hangingPunct="1">
+              <a:spcBef>
+                <a:spcPts val="1000"/>
+              </a:spcBef>
+              <a:spcAft>
+                <a:spcPts val="0"/>
+              </a:spcAft>
+              <a:buClr>
+                <a:schemeClr val="accent1"/>
+              </a:buClr>
+              <a:buSzPct val="80000"/>
+              <a:buFont typeface="Wingdings 3" charset="2"/>
+              <a:buNone/>
+              <a:defRPr sz="1200" kern="1200">
+                <a:solidFill>
+                  <a:schemeClr val="tx1">
+                    <a:tint val="75000"/>
+                  </a:schemeClr>
+                </a:solidFill>
+                <a:latin typeface="+mn-lt"/>
+                <a:ea typeface="+mn-ea"/>
+                <a:cs typeface="+mn-cs"/>
+              </a:defRPr>
+            </a:lvl5pPr>
+            <a:lvl6pPr marL="2286000" indent="0" algn="ctr" defTabSz="457200" rtl="0" eaLnBrk="1" latinLnBrk="0" hangingPunct="1">
+              <a:spcBef>
+                <a:spcPts val="1000"/>
+              </a:spcBef>
+              <a:spcAft>
+                <a:spcPts val="0"/>
+              </a:spcAft>
+              <a:buClr>
+                <a:schemeClr val="accent1"/>
+              </a:buClr>
+              <a:buSzPct val="80000"/>
+              <a:buFont typeface="Wingdings 3" charset="2"/>
+              <a:buNone/>
+              <a:defRPr sz="1200" kern="1200">
+                <a:solidFill>
+                  <a:schemeClr val="tx1">
+                    <a:tint val="75000"/>
+                  </a:schemeClr>
+                </a:solidFill>
+                <a:latin typeface="+mn-lt"/>
+                <a:ea typeface="+mn-ea"/>
+                <a:cs typeface="+mn-cs"/>
+              </a:defRPr>
+            </a:lvl6pPr>
+            <a:lvl7pPr marL="2743200" indent="0" algn="ctr" defTabSz="457200" rtl="0" eaLnBrk="1" latinLnBrk="0" hangingPunct="1">
+              <a:spcBef>
+                <a:spcPts val="1000"/>
+              </a:spcBef>
+              <a:spcAft>
+                <a:spcPts val="0"/>
+              </a:spcAft>
+              <a:buClr>
+                <a:schemeClr val="accent1"/>
+              </a:buClr>
+              <a:buSzPct val="80000"/>
+              <a:buFont typeface="Wingdings 3" charset="2"/>
+              <a:buNone/>
+              <a:defRPr sz="1200" kern="1200">
+                <a:solidFill>
+                  <a:schemeClr val="tx1">
+                    <a:tint val="75000"/>
+                  </a:schemeClr>
+                </a:solidFill>
+                <a:latin typeface="+mn-lt"/>
+                <a:ea typeface="+mn-ea"/>
+                <a:cs typeface="+mn-cs"/>
+              </a:defRPr>
+            </a:lvl7pPr>
+            <a:lvl8pPr marL="3200400" indent="0" algn="ctr" defTabSz="457200" rtl="0" eaLnBrk="1" latinLnBrk="0" hangingPunct="1">
+              <a:spcBef>
+                <a:spcPts val="1000"/>
+              </a:spcBef>
+              <a:spcAft>
+                <a:spcPts val="0"/>
+              </a:spcAft>
+              <a:buClr>
+                <a:schemeClr val="accent1"/>
+              </a:buClr>
+              <a:buSzPct val="80000"/>
+              <a:buFont typeface="Wingdings 3" charset="2"/>
+              <a:buNone/>
+              <a:defRPr sz="1200" kern="1200">
+                <a:solidFill>
+                  <a:schemeClr val="tx1">
+                    <a:tint val="75000"/>
+                  </a:schemeClr>
+                </a:solidFill>
+                <a:latin typeface="+mn-lt"/>
+                <a:ea typeface="+mn-ea"/>
+                <a:cs typeface="+mn-cs"/>
+              </a:defRPr>
+            </a:lvl8pPr>
+            <a:lvl9pPr marL="3657600" indent="0" algn="ctr" defTabSz="457200" rtl="0" eaLnBrk="1" latinLnBrk="0" hangingPunct="1">
+              <a:spcBef>
+                <a:spcPts val="1000"/>
+              </a:spcBef>
+              <a:spcAft>
+                <a:spcPts val="0"/>
+              </a:spcAft>
+              <a:buClr>
+                <a:schemeClr val="accent1"/>
+              </a:buClr>
+              <a:buSzPct val="80000"/>
+              <a:buFont typeface="Wingdings 3" charset="2"/>
+              <a:buNone/>
+              <a:defRPr sz="1200" kern="1200">
+                <a:solidFill>
+                  <a:schemeClr val="tx1">
+                    <a:tint val="75000"/>
+                  </a:schemeClr>
+                </a:solidFill>
+                <a:latin typeface="+mn-lt"/>
+                <a:ea typeface="+mn-ea"/>
+                <a:cs typeface="+mn-cs"/>
+              </a:defRPr>
+            </a:lvl9pPr>
+          </a:lstStyle>
+          <a:p>
+            <a:r>
+              <a:rPr lang="ro-RO" i="1" dirty="0" smtClean="0"/>
+              <a:t>„Winners never quit &amp; quitters never win.”</a:t>
+            </a:r>
+          </a:p>
+          <a:p>
+            <a:r>
+              <a:rPr lang="ro-RO" dirty="0" smtClean="0"/>
+              <a:t>- Vince Lombardi</a:t>
+            </a:r>
+            <a:endParaRPr lang="ro-RO" dirty="0"/>
+          </a:p>
+        </p:txBody>
+      </p:sp>
     </p:spTree>
     <p:extLst>
       <p:ext uri="{BB962C8B-B14F-4D97-AF65-F5344CB8AC3E}">
@@ -12455,11 +12715,7 @@
           <a:p>
             <a:r>
               <a:rPr lang="ro-RO" sz="4800" dirty="0" smtClean="0"/>
-              <a:t>sortAndPage</a:t>
-            </a:r>
-            <a:r>
-              <a:rPr lang="ro-RO" sz="4800" dirty="0" smtClean="0"/>
-              <a:t>();</a:t>
+              <a:t>sortAndPage();</a:t>
             </a:r>
             <a:endParaRPr lang="ro-RO" sz="4800" dirty="0"/>
           </a:p>
@@ -13995,11 +14251,7 @@
           <a:p>
             <a:r>
               <a:rPr lang="ro-RO" sz="2800" dirty="0" smtClean="0"/>
-              <a:t>Spring </a:t>
-            </a:r>
-            <a:r>
-              <a:rPr lang="ro-RO" sz="2800" dirty="0" smtClean="0"/>
-              <a:t>Framework</a:t>
+              <a:t>Spring Framework</a:t>
             </a:r>
           </a:p>
           <a:p>
@@ -14033,7 +14285,6 @@
               <a:rPr lang="ro-RO" sz="2000" dirty="0" smtClean="0"/>
               <a:t>The transactional mechanism</a:t>
             </a:r>
-            <a:endParaRPr lang="ro-RO" sz="2000" dirty="0" smtClean="0"/>
           </a:p>
           <a:p>
             <a:pPr lvl="1"/>
@@ -14130,11 +14381,7 @@
             <a:pPr lvl="1"/>
             <a:r>
               <a:rPr lang="ro-RO" sz="2000" dirty="0" smtClean="0"/>
-              <a:t>First release @ SpringOne </a:t>
-            </a:r>
-            <a:r>
-              <a:rPr lang="ro-RO" sz="2000" dirty="0" smtClean="0"/>
-              <a:t>2010</a:t>
+              <a:t>First release @ SpringOne 2010</a:t>
             </a:r>
           </a:p>
           <a:p>
@@ -14145,11 +14392,7 @@
             <a:pPr lvl="1"/>
             <a:r>
               <a:rPr lang="ro-RO" sz="2000" dirty="0" smtClean="0"/>
-              <a:t>Provides a simple and consistent approach for working with data </a:t>
-            </a:r>
-            <a:r>
-              <a:rPr lang="ro-RO" sz="2000" dirty="0" smtClean="0"/>
-              <a:t>persistence</a:t>
+              <a:t>Provides a simple and consistent approach for working with data persistence</a:t>
             </a:r>
           </a:p>
           <a:p>

--- a/documents/Prezentare/cc-2016-spring-data.pptx
+++ b/documents/Prezentare/cc-2016-spring-data.pptx
@@ -5,34 +5,38 @@
     <p:sldMasterId id="2147483660" r:id="rId1"/>
   </p:sldMasterIdLst>
   <p:notesMasterIdLst>
-    <p:notesMasterId r:id="rId27"/>
+    <p:notesMasterId r:id="rId31"/>
   </p:notesMasterIdLst>
   <p:sldIdLst>
-    <p:sldId id="256" r:id="rId2"/>
-    <p:sldId id="257" r:id="rId3"/>
-    <p:sldId id="258" r:id="rId4"/>
-    <p:sldId id="259" r:id="rId5"/>
-    <p:sldId id="260" r:id="rId6"/>
-    <p:sldId id="280" r:id="rId7"/>
-    <p:sldId id="261" r:id="rId8"/>
-    <p:sldId id="262" r:id="rId9"/>
-    <p:sldId id="263" r:id="rId10"/>
-    <p:sldId id="266" r:id="rId11"/>
-    <p:sldId id="264" r:id="rId12"/>
-    <p:sldId id="265" r:id="rId13"/>
-    <p:sldId id="267" r:id="rId14"/>
-    <p:sldId id="269" r:id="rId15"/>
-    <p:sldId id="270" r:id="rId16"/>
-    <p:sldId id="268" r:id="rId17"/>
-    <p:sldId id="271" r:id="rId18"/>
-    <p:sldId id="272" r:id="rId19"/>
-    <p:sldId id="273" r:id="rId20"/>
-    <p:sldId id="279" r:id="rId21"/>
-    <p:sldId id="278" r:id="rId22"/>
-    <p:sldId id="276" r:id="rId23"/>
-    <p:sldId id="277" r:id="rId24"/>
-    <p:sldId id="274" r:id="rId25"/>
-    <p:sldId id="275" r:id="rId26"/>
+    <p:sldId id="281" r:id="rId2"/>
+    <p:sldId id="282" r:id="rId3"/>
+    <p:sldId id="283" r:id="rId4"/>
+    <p:sldId id="256" r:id="rId5"/>
+    <p:sldId id="257" r:id="rId6"/>
+    <p:sldId id="258" r:id="rId7"/>
+    <p:sldId id="259" r:id="rId8"/>
+    <p:sldId id="260" r:id="rId9"/>
+    <p:sldId id="280" r:id="rId10"/>
+    <p:sldId id="261" r:id="rId11"/>
+    <p:sldId id="262" r:id="rId12"/>
+    <p:sldId id="263" r:id="rId13"/>
+    <p:sldId id="266" r:id="rId14"/>
+    <p:sldId id="264" r:id="rId15"/>
+    <p:sldId id="265" r:id="rId16"/>
+    <p:sldId id="267" r:id="rId17"/>
+    <p:sldId id="269" r:id="rId18"/>
+    <p:sldId id="268" r:id="rId19"/>
+    <p:sldId id="271" r:id="rId20"/>
+    <p:sldId id="272" r:id="rId21"/>
+    <p:sldId id="273" r:id="rId22"/>
+    <p:sldId id="279" r:id="rId23"/>
+    <p:sldId id="278" r:id="rId24"/>
+    <p:sldId id="276" r:id="rId25"/>
+    <p:sldId id="277" r:id="rId26"/>
+    <p:sldId id="274" r:id="rId27"/>
+    <p:sldId id="275" r:id="rId28"/>
+    <p:sldId id="284" r:id="rId29"/>
+    <p:sldId id="285" r:id="rId30"/>
   </p:sldIdLst>
   <p:sldSz cx="12192000" cy="6858000"/>
   <p:notesSz cx="6858000" cy="9144000"/>
@@ -136,6 +140,9 @@
       <p14:sectionLst xmlns:p14="http://schemas.microsoft.com/office/powerpoint/2010/main">
         <p14:section name="Default Section" id="{05402458-4079-48D0-8EEE-8809CA837C05}">
           <p14:sldIdLst>
+            <p14:sldId id="281"/>
+            <p14:sldId id="282"/>
+            <p14:sldId id="283"/>
             <p14:sldId id="256"/>
             <p14:sldId id="257"/>
             <p14:sldId id="258"/>
@@ -150,7 +157,6 @@
             <p14:sldId id="265"/>
             <p14:sldId id="267"/>
             <p14:sldId id="269"/>
-            <p14:sldId id="270"/>
             <p14:sldId id="268"/>
             <p14:sldId id="271"/>
             <p14:sldId id="272"/>
@@ -161,6 +167,8 @@
             <p14:sldId id="277"/>
             <p14:sldId id="274"/>
             <p14:sldId id="275"/>
+            <p14:sldId id="284"/>
+            <p14:sldId id="285"/>
           </p14:sldIdLst>
         </p14:section>
       </p14:sectionLst>
@@ -2566,7 +2574,7 @@
           <a:p>
             <a:fld id="{F97D5301-4AE1-475E-B50A-DBFF93DBE1B2}" type="datetimeFigureOut">
               <a:rPr lang="ro-RO" smtClean="0"/>
-              <a:t>20.04.2016</a:t>
+              <a:t>21.04.2016</a:t>
             </a:fld>
             <a:endParaRPr lang="ro-RO"/>
           </a:p>
@@ -2878,38 +2886,6 @@
           <a:bodyPr/>
           <a:lstStyle/>
           <a:p>
-            <a:pPr marL="171450" indent="-171450">
-              <a:buFontTx/>
-              <a:buChar char="-"/>
-            </a:pPr>
-            <a:r>
-              <a:rPr lang="ro-RO" dirty="0" smtClean="0"/>
-              <a:t>Despre mine</a:t>
-            </a:r>
-            <a:r>
-              <a:rPr lang="ro-RO" baseline="0" dirty="0" smtClean="0"/>
-              <a:t> </a:t>
-            </a:r>
-          </a:p>
-          <a:p>
-            <a:pPr marL="628650" lvl="1" indent="-171450">
-              <a:buFontTx/>
-              <a:buChar char="-"/>
-            </a:pPr>
-            <a:r>
-              <a:rPr lang="ro-RO" baseline="0" dirty="0" smtClean="0"/>
-              <a:t>Lucrez cu Java din 2012. Am facut si ABAP development in SAP</a:t>
-            </a:r>
-          </a:p>
-          <a:p>
-            <a:pPr marL="628650" lvl="1" indent="-171450">
-              <a:buFontTx/>
-              <a:buChar char="-"/>
-            </a:pPr>
-            <a:r>
-              <a:rPr lang="ro-RO" baseline="0" dirty="0" smtClean="0"/>
-              <a:t>Acum lucrez la Yonder</a:t>
-            </a:r>
             <a:endParaRPr lang="ro-RO" dirty="0"/>
           </a:p>
         </p:txBody>
@@ -2940,7 +2916,7 @@
     </p:spTree>
     <p:extLst>
       <p:ext uri="{BB962C8B-B14F-4D97-AF65-F5344CB8AC3E}">
-        <p14:creationId xmlns:p14="http://schemas.microsoft.com/office/powerpoint/2010/main" val="4260614331"/>
+        <p14:creationId xmlns:p14="http://schemas.microsoft.com/office/powerpoint/2010/main" val="1166053672"/>
       </p:ext>
     </p:extLst>
   </p:cSld>
@@ -2999,8 +2975,18 @@
               <a:buChar char="-"/>
             </a:pPr>
             <a:r>
+              <a:rPr lang="ro-RO" dirty="0" smtClean="0"/>
+              <a:t>Interfata</a:t>
+            </a:r>
+            <a:r>
               <a:rPr lang="ro-RO" baseline="0" dirty="0" smtClean="0"/>
-              <a:t>CRUD operations sunt nice, dar nu suficiente. Intr-o aplicatie cat de cat utila, nu ai ce face doar cu acestea</a:t>
+              <a:t> centrala in abstractizarea repository-ului este ... Repository </a:t>
+            </a:r>
+            <a:r>
+              <a:rPr lang="ro-RO" baseline="0" dirty="0" smtClean="0">
+                <a:sym typeface="Wingdings" panose="05000000000000000000" pitchFamily="2" charset="2"/>
+              </a:rPr>
+              <a:t>...nu cred ca e asa mare surpriza</a:t>
             </a:r>
           </a:p>
           <a:p>
@@ -3009,8 +2995,10 @@
               <a:buChar char="-"/>
             </a:pPr>
             <a:r>
-              <a:rPr lang="ro-RO" baseline="0" dirty="0" smtClean="0"/>
-              <a:t>Stie sa se mapeze singur la entitate si sa creeze singur query-urile behind the scenes</a:t>
+              <a:rPr lang="ro-RO" baseline="0" dirty="0" smtClean="0">
+                <a:sym typeface="Wingdings" panose="05000000000000000000" pitchFamily="2" charset="2"/>
+              </a:rPr>
+              <a:t>Actioneaza mai mult ca un marker interface care este extinsa pentru a putea face „discover” interfetelor care o extind</a:t>
             </a:r>
           </a:p>
           <a:p>
@@ -3019,42 +3007,10 @@
               <a:buChar char="-"/>
             </a:pPr>
             <a:r>
-              <a:rPr lang="ro-RO" dirty="0" smtClean="0"/>
-              <a:t>Creezi query-uri doar din numele metodelor</a:t>
-            </a:r>
-          </a:p>
-          <a:p>
-            <a:pPr marL="171450" indent="-171450">
-              <a:buFontTx/>
-              <a:buChar char="-"/>
-            </a:pPr>
-            <a:r>
-              <a:rPr lang="ro-RO" dirty="0" smtClean="0"/>
-              <a:t>Uneori</a:t>
-            </a:r>
-            <a:r>
-              <a:rPr lang="ro-RO" baseline="0" dirty="0" smtClean="0"/>
-              <a:t> vor deveni greu de citit si lungi</a:t>
-            </a:r>
-          </a:p>
-          <a:p>
-            <a:pPr marL="171450" indent="-171450">
-              <a:buFontTx/>
-              <a:buChar char="-"/>
-            </a:pPr>
-            <a:r>
-              <a:rPr lang="ro-RO" baseline="0" dirty="0" smtClean="0"/>
-              <a:t>Depindem de parser-ul pt numele metodelor care ne spune ce putem si ce nu putem folosi</a:t>
-            </a:r>
-          </a:p>
-          <a:p>
-            <a:pPr marL="171450" indent="-171450">
-              <a:buFontTx/>
-              <a:buChar char="-"/>
-            </a:pPr>
-            <a:r>
-              <a:rPr lang="ro-RO" baseline="0" dirty="0" smtClean="0"/>
-              <a:t>Toate keyword-urile disponibile pot fi gasite in Reference Documentation</a:t>
+              <a:rPr lang="ro-RO" baseline="0" dirty="0" smtClean="0">
+                <a:sym typeface="Wingdings" panose="05000000000000000000" pitchFamily="2" charset="2"/>
+              </a:rPr>
+              <a:t>D from SOLID – DI principle – depend upon abstractions and not upon concretions</a:t>
             </a:r>
             <a:endParaRPr lang="ro-RO" dirty="0"/>
           </a:p>
@@ -3077,7 +3033,7 @@
           <a:p>
             <a:fld id="{20ED9C14-DAC0-4AC6-AA52-941D1F046680}" type="slidenum">
               <a:rPr lang="ro-RO" smtClean="0"/>
-              <a:t>13</a:t>
+              <a:t>11</a:t>
             </a:fld>
             <a:endParaRPr lang="ro-RO"/>
           </a:p>
@@ -3086,7 +3042,7 @@
     </p:spTree>
     <p:extLst>
       <p:ext uri="{BB962C8B-B14F-4D97-AF65-F5344CB8AC3E}">
-        <p14:creationId xmlns:p14="http://schemas.microsoft.com/office/powerpoint/2010/main" val="2454390433"/>
+        <p14:creationId xmlns:p14="http://schemas.microsoft.com/office/powerpoint/2010/main" val="2415560560"/>
       </p:ext>
     </p:extLst>
   </p:cSld>
@@ -3144,6 +3100,34 @@
               <a:buFontTx/>
               <a:buChar char="-"/>
             </a:pPr>
+            <a:r>
+              <a:rPr lang="ro-RO" dirty="0" smtClean="0"/>
+              <a:t>Deasemeni exista si mongorepository</a:t>
+            </a:r>
+            <a:r>
+              <a:rPr lang="ro-RO" baseline="0" dirty="0" smtClean="0"/>
+              <a:t> in modulul pt mongodb</a:t>
+            </a:r>
+          </a:p>
+          <a:p>
+            <a:pPr marL="171450" indent="-171450">
+              <a:buFontTx/>
+              <a:buChar char="-"/>
+            </a:pPr>
+            <a:r>
+              <a:rPr lang="ro-RO" baseline="0" dirty="0" smtClean="0"/>
+              <a:t>SimpleJpaRepository – default implementation pentru JpaRepository</a:t>
+            </a:r>
+          </a:p>
+          <a:p>
+            <a:pPr marL="171450" indent="-171450">
+              <a:buFontTx/>
+              <a:buChar char="-"/>
+            </a:pPr>
+            <a:r>
+              <a:rPr lang="ro-RO" baseline="0" dirty="0" smtClean="0"/>
+              <a:t>QueryDslJpaRepository – QueryDSL specific extension pentru SimpleJpa care adauga support pentru predicate QueryDSL</a:t>
+            </a:r>
             <a:endParaRPr lang="ro-RO" dirty="0"/>
           </a:p>
         </p:txBody>
@@ -3165,7 +3149,7 @@
           <a:p>
             <a:fld id="{20ED9C14-DAC0-4AC6-AA52-941D1F046680}" type="slidenum">
               <a:rPr lang="ro-RO" smtClean="0"/>
-              <a:t>14</a:t>
+              <a:t>12</a:t>
             </a:fld>
             <a:endParaRPr lang="ro-RO"/>
           </a:p>
@@ -3174,7 +3158,7 @@
     </p:spTree>
     <p:extLst>
       <p:ext uri="{BB962C8B-B14F-4D97-AF65-F5344CB8AC3E}">
-        <p14:creationId xmlns:p14="http://schemas.microsoft.com/office/powerpoint/2010/main" val="3888142892"/>
+        <p14:creationId xmlns:p14="http://schemas.microsoft.com/office/powerpoint/2010/main" val="1906626071"/>
       </p:ext>
     </p:extLst>
   </p:cSld>
@@ -3232,6 +3216,62 @@
               <a:buFontTx/>
               <a:buChar char="-"/>
             </a:pPr>
+            <a:r>
+              <a:rPr lang="ro-RO" baseline="0" dirty="0" smtClean="0"/>
+              <a:t>Cat de multe metode out of the box sunt aici</a:t>
+            </a:r>
+          </a:p>
+          <a:p>
+            <a:pPr marL="171450" indent="-171450">
+              <a:buFontTx/>
+              <a:buChar char="-"/>
+            </a:pPr>
+            <a:r>
+              <a:rPr lang="ro-RO" baseline="0" dirty="0" smtClean="0"/>
+              <a:t>Cat de mult v-ar lua sa le implementati toate cu Hibernate ?</a:t>
+            </a:r>
+          </a:p>
+          <a:p>
+            <a:pPr marL="628650" lvl="1" indent="-171450">
+              <a:buFontTx/>
+              <a:buChar char="-"/>
+            </a:pPr>
+            <a:r>
+              <a:rPr lang="ro-RO" baseline="0" dirty="0" smtClean="0"/>
+              <a:t>2-3 exemple</a:t>
+            </a:r>
+          </a:p>
+          <a:p>
+            <a:pPr marL="171450" indent="-171450">
+              <a:buFontTx/>
+              <a:buChar char="-"/>
+            </a:pPr>
+            <a:r>
+              <a:rPr lang="ro-RO" baseline="0" dirty="0" smtClean="0"/>
+              <a:t>Dar cu JDBC ?</a:t>
+            </a:r>
+          </a:p>
+          <a:p>
+            <a:pPr marL="171450" indent="-171450">
+              <a:buFontTx/>
+              <a:buChar char="-"/>
+            </a:pPr>
+            <a:r>
+              <a:rPr lang="ro-RO" baseline="0" dirty="0" smtClean="0"/>
+              <a:t>Doar cu un simplu extends. Cum arata interfata noastra ? Well ... goala. </a:t>
+            </a:r>
+            <a:r>
+              <a:rPr lang="ro-RO" baseline="0" dirty="0" smtClean="0">
+                <a:sym typeface="Wingdings" panose="05000000000000000000" pitchFamily="2" charset="2"/>
+              </a:rPr>
+              <a:t></a:t>
+            </a:r>
+          </a:p>
+          <a:p>
+            <a:pPr marL="171450" indent="-171450">
+              <a:buFontTx/>
+              <a:buChar char="-"/>
+            </a:pPr>
             <a:endParaRPr lang="ro-RO" dirty="0"/>
           </a:p>
         </p:txBody>
@@ -3262,7 +3302,7 @@
     </p:spTree>
     <p:extLst>
       <p:ext uri="{BB962C8B-B14F-4D97-AF65-F5344CB8AC3E}">
-        <p14:creationId xmlns:p14="http://schemas.microsoft.com/office/powerpoint/2010/main" val="157771917"/>
+        <p14:creationId xmlns:p14="http://schemas.microsoft.com/office/powerpoint/2010/main" val="3973288354"/>
       </p:ext>
     </p:extLst>
   </p:cSld>
@@ -3321,12 +3361,8 @@
               <a:buChar char="-"/>
             </a:pPr>
             <a:r>
-              <a:rPr lang="ro-RO" dirty="0" smtClean="0"/>
-              <a:t>Creare de query-uri dupa</a:t>
-            </a:r>
-            <a:r>
               <a:rPr lang="ro-RO" baseline="0" dirty="0" smtClean="0"/>
-              <a:t> numele metodelor are avantajele ei dar si slabiciuni</a:t>
+              <a:t>CRUD operations sunt nice, dar nu suficiente. Intr-o aplicatie cat de cat utila, nu ai ce face doar cu acestea</a:t>
             </a:r>
           </a:p>
           <a:p>
@@ -3336,7 +3372,7 @@
             </a:pPr>
             <a:r>
               <a:rPr lang="ro-RO" baseline="0" dirty="0" smtClean="0"/>
-              <a:t>Avem adnotarea query la dispozitie</a:t>
+              <a:t>Stie sa se mapeze singur la entitate si sa creeze singur query-urile behind the scenes</a:t>
             </a:r>
           </a:p>
           <a:p>
@@ -3345,8 +3381,42 @@
               <a:buChar char="-"/>
             </a:pPr>
             <a:r>
+              <a:rPr lang="ro-RO" dirty="0" smtClean="0"/>
+              <a:t>Creezi query-uri doar din numele metodelor</a:t>
+            </a:r>
+          </a:p>
+          <a:p>
+            <a:pPr marL="171450" indent="-171450">
+              <a:buFontTx/>
+              <a:buChar char="-"/>
+            </a:pPr>
+            <a:r>
+              <a:rPr lang="ro-RO" dirty="0" smtClean="0"/>
+              <a:t>Uneori</a:t>
+            </a:r>
+            <a:r>
               <a:rPr lang="ro-RO" baseline="0" dirty="0" smtClean="0"/>
-              <a:t>Se preteaza in situatii cand avem join-uri</a:t>
+              <a:t> vor deveni greu de citit si lungi</a:t>
+            </a:r>
+          </a:p>
+          <a:p>
+            <a:pPr marL="171450" indent="-171450">
+              <a:buFontTx/>
+              <a:buChar char="-"/>
+            </a:pPr>
+            <a:r>
+              <a:rPr lang="ro-RO" baseline="0" dirty="0" smtClean="0"/>
+              <a:t>Depindem de parser-ul pt numele metodelor care ne spune ce putem si ce nu putem folosi</a:t>
+            </a:r>
+          </a:p>
+          <a:p>
+            <a:pPr marL="171450" indent="-171450">
+              <a:buFontTx/>
+              <a:buChar char="-"/>
+            </a:pPr>
+            <a:r>
+              <a:rPr lang="ro-RO" baseline="0" dirty="0" smtClean="0"/>
+              <a:t>Toate keyword-urile disponibile pot fi gasite in Reference Documentation</a:t>
             </a:r>
             <a:endParaRPr lang="ro-RO" dirty="0"/>
           </a:p>
@@ -3378,7 +3448,7 @@
     </p:spTree>
     <p:extLst>
       <p:ext uri="{BB962C8B-B14F-4D97-AF65-F5344CB8AC3E}">
-        <p14:creationId xmlns:p14="http://schemas.microsoft.com/office/powerpoint/2010/main" val="4213930637"/>
+        <p14:creationId xmlns:p14="http://schemas.microsoft.com/office/powerpoint/2010/main" val="2454390433"/>
       </p:ext>
     </p:extLst>
   </p:cSld>
@@ -3436,44 +3506,6 @@
               <a:buFontTx/>
               <a:buChar char="-"/>
             </a:pPr>
-            <a:r>
-              <a:rPr lang="ro-RO" dirty="0" smtClean="0"/>
-              <a:t>Named queries</a:t>
-            </a:r>
-          </a:p>
-          <a:p>
-            <a:pPr marL="628650" lvl="1" indent="-171450">
-              <a:buFontTx/>
-              <a:buChar char="-"/>
-            </a:pPr>
-            <a:r>
-              <a:rPr lang="ro-RO" dirty="0" smtClean="0"/>
-              <a:t>In fisiere</a:t>
-            </a:r>
-            <a:r>
-              <a:rPr lang="ro-RO" baseline="0" dirty="0" smtClean="0"/>
-              <a:t> de propr, adnotare (@NamedQuery in your entity)</a:t>
-            </a:r>
-          </a:p>
-          <a:p>
-            <a:pPr marL="628650" lvl="1" indent="-171450">
-              <a:buFontTx/>
-              <a:buChar char="-"/>
-            </a:pPr>
-            <a:r>
-              <a:rPr lang="ro-RO" baseline="0" dirty="0" smtClean="0"/>
-              <a:t>Orm.xml – fisierul contine configurari de mapare intre POJO si DB</a:t>
-            </a:r>
-          </a:p>
-          <a:p>
-            <a:pPr marL="628650" lvl="1" indent="-171450">
-              <a:buFontTx/>
-              <a:buChar char="-"/>
-            </a:pPr>
-            <a:r>
-              <a:rPr lang="ro-RO" baseline="0" dirty="0" smtClean="0"/>
-              <a:t>Apoi se adauga in interfata doar numele dat mai sus si stie direct query-ul ce trebuie facut</a:t>
-            </a:r>
             <a:endParaRPr lang="ro-RO" dirty="0"/>
           </a:p>
         </p:txBody>
@@ -3504,7 +3536,7 @@
     </p:spTree>
     <p:extLst>
       <p:ext uri="{BB962C8B-B14F-4D97-AF65-F5344CB8AC3E}">
-        <p14:creationId xmlns:p14="http://schemas.microsoft.com/office/powerpoint/2010/main" val="2343932806"/>
+        <p14:creationId xmlns:p14="http://schemas.microsoft.com/office/powerpoint/2010/main" val="3888142892"/>
       </p:ext>
     </p:extLst>
   </p:cSld>
@@ -3564,11 +3596,11 @@
             </a:pPr>
             <a:r>
               <a:rPr lang="ro-RO" dirty="0" smtClean="0"/>
-              <a:t>Keyword:</a:t>
+              <a:t>Creare de query-uri dupa</a:t>
             </a:r>
             <a:r>
               <a:rPr lang="ro-RO" baseline="0" dirty="0" smtClean="0"/>
-              <a:t> OrderByAgeDescNameAsc</a:t>
+              <a:t> numele metodelor are avantajele ei dar si slabiciuni</a:t>
             </a:r>
           </a:p>
           <a:p>
@@ -3578,7 +3610,7 @@
             </a:pPr>
             <a:r>
               <a:rPr lang="ro-RO" baseline="0" dirty="0" smtClean="0"/>
-              <a:t>New Sort(Direction, property)</a:t>
+              <a:t>Avem adnotarea query la dispozitie</a:t>
             </a:r>
           </a:p>
           <a:p>
@@ -3588,39 +3620,9 @@
             </a:pPr>
             <a:r>
               <a:rPr lang="ro-RO" baseline="0" dirty="0" smtClean="0"/>
-              <a:t>Exteding P&amp;sortRepo este metoda findAll(sort)</a:t>
-            </a:r>
-          </a:p>
-          <a:p>
-            <a:pPr marL="171450" marR="0" indent="-171450" algn="l" defTabSz="914400" rtl="0" eaLnBrk="1" fontAlgn="auto" latinLnBrk="0" hangingPunct="1">
-              <a:lnSpc>
-                <a:spcPct val="100000"/>
-              </a:lnSpc>
-              <a:spcBef>
-                <a:spcPts val="0"/>
-              </a:spcBef>
-              <a:spcAft>
-                <a:spcPts val="0"/>
-              </a:spcAft>
-              <a:buClrTx/>
-              <a:buSzTx/>
-              <a:buFontTx/>
-              <a:buChar char="-"/>
-              <a:tabLst/>
-              <a:defRPr/>
-            </a:pPr>
-            <a:r>
-              <a:rPr lang="ro-RO" baseline="0" dirty="0" smtClean="0"/>
-              <a:t>Paginarea se face prin interfata pageable, clasa pagerequest unde se dau ca parametri dimensiunea paginii si numarul lor</a:t>
-            </a:r>
-            <a:endParaRPr lang="ro-RO" dirty="0" smtClean="0"/>
-          </a:p>
-          <a:p>
-            <a:pPr marL="0" indent="0">
-              <a:buFontTx/>
-              <a:buNone/>
-            </a:pPr>
-            <a:endParaRPr lang="ro-RO" baseline="0" dirty="0" smtClean="0"/>
+              <a:t>Se preteaza in situatii cand avem join-uri</a:t>
+            </a:r>
+            <a:endParaRPr lang="ro-RO" dirty="0"/>
           </a:p>
         </p:txBody>
       </p:sp>
@@ -3650,7 +3652,7 @@
     </p:spTree>
     <p:extLst>
       <p:ext uri="{BB962C8B-B14F-4D97-AF65-F5344CB8AC3E}">
-        <p14:creationId xmlns:p14="http://schemas.microsoft.com/office/powerpoint/2010/main" val="137860450"/>
+        <p14:creationId xmlns:p14="http://schemas.microsoft.com/office/powerpoint/2010/main" val="4213930637"/>
       </p:ext>
     </p:extLst>
   </p:cSld>
@@ -3710,40 +3712,43 @@
             </a:pPr>
             <a:r>
               <a:rPr lang="ro-RO" dirty="0" smtClean="0"/>
-              <a:t>Uneori</a:t>
-            </a:r>
-            <a:r>
-              <a:rPr lang="ro-RO" baseline="0" dirty="0" smtClean="0"/>
-              <a:t> poate chiar aveti nevoie sa implementati o metoda prin hibernate sau JDBC sau altceva</a:t>
-            </a:r>
-          </a:p>
-          <a:p>
-            <a:pPr marL="171450" indent="-171450">
+              <a:t>Named queries</a:t>
+            </a:r>
+          </a:p>
+          <a:p>
+            <a:pPr marL="628650" lvl="1" indent="-171450">
               <a:buFontTx/>
               <a:buChar char="-"/>
             </a:pPr>
             <a:r>
+              <a:rPr lang="ro-RO" dirty="0" smtClean="0"/>
+              <a:t>In fisiere</a:t>
+            </a:r>
+            <a:r>
               <a:rPr lang="ro-RO" baseline="0" dirty="0" smtClean="0"/>
-              <a:t>Creati o interfata customrepository cu metodele necesare, faceti implementarea lor si adnotati clasa cu @repository</a:t>
-            </a:r>
-          </a:p>
-          <a:p>
-            <a:pPr marL="171450" indent="-171450">
+              <a:t> de propr, adnotare (@NamedQuery in your entity)</a:t>
+            </a:r>
+          </a:p>
+          <a:p>
+            <a:pPr marL="628650" lvl="1" indent="-171450">
               <a:buFontTx/>
               <a:buChar char="-"/>
             </a:pPr>
             <a:r>
               <a:rPr lang="ro-RO" baseline="0" dirty="0" smtClean="0"/>
-              <a:t>Extindeti din repo „principal” interfata</a:t>
-            </a:r>
-            <a:endParaRPr lang="ro-RO" dirty="0" smtClean="0"/>
-          </a:p>
-          <a:p>
-            <a:pPr marL="0" indent="0">
+              <a:t>Orm.xml – fisierul contine configurari de mapare intre POJO si DB</a:t>
+            </a:r>
+          </a:p>
+          <a:p>
+            <a:pPr marL="628650" lvl="1" indent="-171450">
               <a:buFontTx/>
-              <a:buNone/>
+              <a:buChar char="-"/>
             </a:pPr>
-            <a:endParaRPr lang="ro-RO" baseline="0" dirty="0" smtClean="0"/>
+            <a:r>
+              <a:rPr lang="ro-RO" baseline="0" dirty="0" smtClean="0"/>
+              <a:t>Apoi se adauga in interfata doar numele dat mai sus si stie direct query-ul ce trebuie facut</a:t>
+            </a:r>
+            <a:endParaRPr lang="ro-RO" dirty="0"/>
           </a:p>
         </p:txBody>
       </p:sp>
@@ -3773,7 +3778,7 @@
     </p:spTree>
     <p:extLst>
       <p:ext uri="{BB962C8B-B14F-4D97-AF65-F5344CB8AC3E}">
-        <p14:creationId xmlns:p14="http://schemas.microsoft.com/office/powerpoint/2010/main" val="1606417700"/>
+        <p14:creationId xmlns:p14="http://schemas.microsoft.com/office/powerpoint/2010/main" val="2343932806"/>
       </p:ext>
     </p:extLst>
   </p:cSld>
@@ -3833,13 +3838,12 @@
             </a:pPr>
             <a:r>
               <a:rPr lang="ro-RO" dirty="0" smtClean="0"/>
-              <a:t>Care e principalul</a:t>
+              <a:t>Keyword:</a:t>
             </a:r>
             <a:r>
               <a:rPr lang="ro-RO" baseline="0" dirty="0" smtClean="0"/>
-              <a:t> dezavantaj pana acum ? – Nu suport dynamic queries (nu au un nr constant de conditii)</a:t>
-            </a:r>
-            <a:endParaRPr lang="ro-RO" dirty="0" smtClean="0"/>
+              <a:t> OrderByAgeDescNameAsc</a:t>
+            </a:r>
           </a:p>
           <a:p>
             <a:pPr marL="171450" indent="-171450">
@@ -3847,12 +3851,8 @@
               <a:buChar char="-"/>
             </a:pPr>
             <a:r>
-              <a:rPr lang="ro-RO" dirty="0" smtClean="0"/>
-              <a:t>In repository</a:t>
-            </a:r>
-            <a:r>
               <a:rPr lang="ro-RO" baseline="0" dirty="0" smtClean="0"/>
-              <a:t> custom putem folosi Criteria API</a:t>
+              <a:t>New Sort(Direction, property)</a:t>
             </a:r>
           </a:p>
           <a:p>
@@ -3862,29 +3862,39 @@
             </a:pPr>
             <a:r>
               <a:rPr lang="ro-RO" baseline="0" dirty="0" smtClean="0"/>
-              <a:t>O aplic existenta (cu Criteria) poate fi mai usor migrata</a:t>
-            </a:r>
-          </a:p>
-          <a:p>
-            <a:pPr marL="171450" indent="-171450">
+              <a:t>Exteding P&amp;sortRepo este metoda findAll(sort)</a:t>
+            </a:r>
+          </a:p>
+          <a:p>
+            <a:pPr marL="171450" marR="0" indent="-171450" algn="l" defTabSz="914400" rtl="0" eaLnBrk="1" fontAlgn="auto" latinLnBrk="0" hangingPunct="1">
+              <a:lnSpc>
+                <a:spcPct val="100000"/>
+              </a:lnSpc>
+              <a:spcBef>
+                <a:spcPts val="0"/>
+              </a:spcBef>
+              <a:spcAft>
+                <a:spcPts val="0"/>
+              </a:spcAft>
+              <a:buClrTx/>
+              <a:buSzTx/>
               <a:buFontTx/>
               <a:buChar char="-"/>
+              <a:tabLst/>
+              <a:defRPr/>
             </a:pPr>
             <a:r>
               <a:rPr lang="ro-RO" baseline="0" dirty="0" smtClean="0"/>
-              <a:t>Criteria – standard way de creare dynamic queris in JPA</a:t>
-            </a:r>
-          </a:p>
-          <a:p>
-            <a:pPr marL="171450" indent="-171450">
+              <a:t>Paginarea se face prin interfata pageable, clasa pagerequest unde se dau ca parametri dimensiunea paginii si numarul lor</a:t>
+            </a:r>
+            <a:endParaRPr lang="ro-RO" dirty="0" smtClean="0"/>
+          </a:p>
+          <a:p>
+            <a:pPr marL="0" indent="0">
               <a:buFontTx/>
-              <a:buChar char="-"/>
+              <a:buNone/>
             </a:pPr>
-            <a:r>
-              <a:rPr lang="ro-RO" baseline="0" dirty="0" smtClean="0"/>
-              <a:t>Are o problema mare – e foarte greu sa implementezi queriuri complexe – si mai greu sa le citesti</a:t>
-            </a:r>
-            <a:endParaRPr lang="ro-RO" dirty="0"/>
+            <a:endParaRPr lang="ro-RO" baseline="0" dirty="0" smtClean="0"/>
           </a:p>
         </p:txBody>
       </p:sp>
@@ -3914,7 +3924,7 @@
     </p:spTree>
     <p:extLst>
       <p:ext uri="{BB962C8B-B14F-4D97-AF65-F5344CB8AC3E}">
-        <p14:creationId xmlns:p14="http://schemas.microsoft.com/office/powerpoint/2010/main" val="2556161185"/>
+        <p14:creationId xmlns:p14="http://schemas.microsoft.com/office/powerpoint/2010/main" val="137860450"/>
       </p:ext>
     </p:extLst>
   </p:cSld>
@@ -3974,11 +3984,11 @@
             </a:pPr>
             <a:r>
               <a:rPr lang="ro-RO" dirty="0" smtClean="0"/>
-              <a:t>Furnizeaza support pentru auditare (cine a create sau</a:t>
+              <a:t>Uneori</a:t>
             </a:r>
             <a:r>
               <a:rPr lang="ro-RO" baseline="0" dirty="0" smtClean="0"/>
-              <a:t> modificat o entitate si timpul cand a avut loc) – sunt necesare ceva config</a:t>
+              <a:t> poate chiar aveti nevoie sa implementati o metoda prin hibernate sau JDBC sau altceva</a:t>
             </a:r>
           </a:p>
           <a:p>
@@ -3988,9 +3998,26 @@
             </a:pPr>
             <a:r>
               <a:rPr lang="ro-RO" baseline="0" dirty="0" smtClean="0"/>
-              <a:t>Daca aveti deja spring security in place, se face integrare foarte rapid</a:t>
-            </a:r>
-            <a:endParaRPr lang="ro-RO" dirty="0"/>
+              <a:t>Creati o interfata customrepository cu metodele necesare, faceti implementarea lor si adnotati clasa cu @repository</a:t>
+            </a:r>
+          </a:p>
+          <a:p>
+            <a:pPr marL="171450" indent="-171450">
+              <a:buFontTx/>
+              <a:buChar char="-"/>
+            </a:pPr>
+            <a:r>
+              <a:rPr lang="ro-RO" baseline="0" dirty="0" smtClean="0"/>
+              <a:t>Extindeti din repo „principal” interfata</a:t>
+            </a:r>
+            <a:endParaRPr lang="ro-RO" dirty="0" smtClean="0"/>
+          </a:p>
+          <a:p>
+            <a:pPr marL="0" indent="0">
+              <a:buFontTx/>
+              <a:buNone/>
+            </a:pPr>
+            <a:endParaRPr lang="ro-RO" baseline="0" dirty="0" smtClean="0"/>
           </a:p>
         </p:txBody>
       </p:sp>
@@ -4020,7 +4047,7 @@
     </p:spTree>
     <p:extLst>
       <p:ext uri="{BB962C8B-B14F-4D97-AF65-F5344CB8AC3E}">
-        <p14:creationId xmlns:p14="http://schemas.microsoft.com/office/powerpoint/2010/main" val="1941202478"/>
+        <p14:creationId xmlns:p14="http://schemas.microsoft.com/office/powerpoint/2010/main" val="1606417700"/>
       </p:ext>
     </p:extLst>
   </p:cSld>
@@ -4074,11 +4101,64 @@
           <a:bodyPr/>
           <a:lstStyle/>
           <a:p>
-            <a:pPr marL="0" indent="0">
+            <a:pPr marL="171450" indent="-171450">
               <a:buFontTx/>
-              <a:buNone/>
+              <a:buChar char="-"/>
             </a:pPr>
-            <a:endParaRPr lang="ro-RO" baseline="0" dirty="0" smtClean="0"/>
+            <a:r>
+              <a:rPr lang="ro-RO" dirty="0" smtClean="0"/>
+              <a:t>Care e principalul</a:t>
+            </a:r>
+            <a:r>
+              <a:rPr lang="ro-RO" baseline="0" dirty="0" smtClean="0"/>
+              <a:t> dezavantaj pana acum ? – Nu suport dynamic queries (nu au un nr constant de conditii)</a:t>
+            </a:r>
+            <a:endParaRPr lang="ro-RO" dirty="0" smtClean="0"/>
+          </a:p>
+          <a:p>
+            <a:pPr marL="171450" indent="-171450">
+              <a:buFontTx/>
+              <a:buChar char="-"/>
+            </a:pPr>
+            <a:r>
+              <a:rPr lang="ro-RO" dirty="0" smtClean="0"/>
+              <a:t>In repository</a:t>
+            </a:r>
+            <a:r>
+              <a:rPr lang="ro-RO" baseline="0" dirty="0" smtClean="0"/>
+              <a:t> custom putem folosi Criteria API</a:t>
+            </a:r>
+          </a:p>
+          <a:p>
+            <a:pPr marL="171450" indent="-171450">
+              <a:buFontTx/>
+              <a:buChar char="-"/>
+            </a:pPr>
+            <a:r>
+              <a:rPr lang="ro-RO" baseline="0" dirty="0" smtClean="0"/>
+              <a:t>O aplic existenta (cu Criteria) poate fi mai usor migrata</a:t>
+            </a:r>
+          </a:p>
+          <a:p>
+            <a:pPr marL="171450" indent="-171450">
+              <a:buFontTx/>
+              <a:buChar char="-"/>
+            </a:pPr>
+            <a:r>
+              <a:rPr lang="ro-RO" baseline="0" dirty="0" smtClean="0"/>
+              <a:t>Criteria – standard way de creare dynamic queris in JPA</a:t>
+            </a:r>
+          </a:p>
+          <a:p>
+            <a:pPr marL="171450" indent="-171450">
+              <a:buFontTx/>
+              <a:buChar char="-"/>
+            </a:pPr>
+            <a:r>
+              <a:rPr lang="ro-RO" baseline="0" dirty="0" smtClean="0"/>
+              <a:t>Are o problema mare – e foarte greu sa implementezi queriuri complexe – si mai greu sa le citesti</a:t>
+            </a:r>
+            <a:endParaRPr lang="ro-RO" dirty="0"/>
           </a:p>
         </p:txBody>
       </p:sp>
@@ -4108,7 +4188,7 @@
     </p:spTree>
     <p:extLst>
       <p:ext uri="{BB962C8B-B14F-4D97-AF65-F5344CB8AC3E}">
-        <p14:creationId xmlns:p14="http://schemas.microsoft.com/office/powerpoint/2010/main" val="2873680972"/>
+        <p14:creationId xmlns:p14="http://schemas.microsoft.com/office/powerpoint/2010/main" val="2556161185"/>
       </p:ext>
     </p:extLst>
   </p:cSld>
@@ -4162,80 +4242,6 @@
           <a:bodyPr/>
           <a:lstStyle/>
           <a:p>
-            <a:pPr marL="228600" indent="-228600">
-              <a:buAutoNum type="alphaLcPeriod"/>
-            </a:pPr>
-            <a:r>
-              <a:rPr lang="ro-RO" dirty="0" smtClean="0"/>
-              <a:t>Implementarea</a:t>
-            </a:r>
-            <a:r>
-              <a:rPr lang="ro-RO" baseline="0" dirty="0" smtClean="0"/>
-              <a:t> access layerului se face cu api-uri specifice tehnologiilor iar uneori nu sunt chiar usor de folosit</a:t>
-            </a:r>
-          </a:p>
-          <a:p>
-            <a:pPr marL="228600" indent="-228600">
-              <a:buAutoNum type="alphaLcPeriod"/>
-            </a:pPr>
-            <a:r>
-              <a:rPr lang="ro-RO" baseline="0" dirty="0" smtClean="0"/>
-              <a:t>Foarte multe modalitati de implementare a DAO-ului</a:t>
-            </a:r>
-          </a:p>
-          <a:p>
-            <a:pPr marL="228600" indent="-228600">
-              <a:buAutoNum type="alphaLcPeriod"/>
-            </a:pPr>
-            <a:r>
-              <a:rPr lang="ro-RO" baseline="0" dirty="0" smtClean="0"/>
-              <a:t>Toate astea conduc la Boilerplate</a:t>
-            </a:r>
-          </a:p>
-          <a:p>
-            <a:pPr marL="228600" indent="-228600">
-              <a:buAutoNum type="alphaLcPeriod"/>
-            </a:pPr>
-            <a:r>
-              <a:rPr lang="ro-RO" baseline="0" dirty="0" smtClean="0"/>
-              <a:t>Cred ca e imposibil ca in viata vostra de programatori sa nu fi avut treaba cu Hibernate code, urat lung complicat.</a:t>
-            </a:r>
-          </a:p>
-          <a:p>
-            <a:pPr marL="228600" indent="-228600">
-              <a:buAutoNum type="alphaLcPeriod"/>
-            </a:pPr>
-            <a:r>
-              <a:rPr lang="ro-RO" baseline="0" dirty="0" smtClean="0"/>
-              <a:t>Setarea asteptarilor – </a:t>
-            </a:r>
-          </a:p>
-          <a:p>
-            <a:pPr marL="685800" lvl="1" indent="-228600">
-              <a:buAutoNum type="alphaLcPeriod"/>
-            </a:pPr>
-            <a:r>
-              <a:rPr lang="ro-RO" baseline="0" dirty="0" smtClean="0"/>
-              <a:t>Introduction to spring data</a:t>
-            </a:r>
-          </a:p>
-          <a:p>
-            <a:pPr marL="685800" lvl="1" indent="-228600">
-              <a:buAutoNum type="alphaLcPeriod"/>
-            </a:pPr>
-            <a:r>
-              <a:rPr lang="ro-RO" baseline="0" dirty="0" smtClean="0"/>
-              <a:t>Cand ar trebui sa folosim si cand nu</a:t>
-            </a:r>
-          </a:p>
-          <a:p>
-            <a:pPr marL="685800" lvl="1" indent="-228600">
-              <a:buAutoNum type="alphaLcPeriod"/>
-            </a:pPr>
-            <a:r>
-              <a:rPr lang="ro-RO" baseline="0" dirty="0" smtClean="0"/>
-              <a:t>Limits and capabilities</a:t>
-            </a:r>
             <a:endParaRPr lang="ro-RO" dirty="0"/>
           </a:p>
         </p:txBody>
@@ -4257,7 +4263,7 @@
           <a:p>
             <a:fld id="{20ED9C14-DAC0-4AC6-AA52-941D1F046680}" type="slidenum">
               <a:rPr lang="ro-RO" smtClean="0"/>
-              <a:t>3</a:t>
+              <a:t>2</a:t>
             </a:fld>
             <a:endParaRPr lang="ro-RO"/>
           </a:p>
@@ -4266,7 +4272,7 @@
     </p:spTree>
     <p:extLst>
       <p:ext uri="{BB962C8B-B14F-4D97-AF65-F5344CB8AC3E}">
-        <p14:creationId xmlns:p14="http://schemas.microsoft.com/office/powerpoint/2010/main" val="925713811"/>
+        <p14:creationId xmlns:p14="http://schemas.microsoft.com/office/powerpoint/2010/main" val="2108556031"/>
       </p:ext>
     </p:extLst>
   </p:cSld>
@@ -4326,11 +4332,11 @@
             </a:pPr>
             <a:r>
               <a:rPr lang="ro-RO" dirty="0" smtClean="0"/>
-              <a:t>Foarte multe query-uri care fac join-uri si trebuie sa scrii mai mult</a:t>
+              <a:t>Furnizeaza support pentru auditare (cine a create sau</a:t>
             </a:r>
             <a:r>
               <a:rPr lang="ro-RO" baseline="0" dirty="0" smtClean="0"/>
-              <a:t> HQL sau SQL decat sa beneficiezi de avantajele sale</a:t>
+              <a:t> modificat o entitate si timpul cand a avut loc) – sunt necesare ceva config</a:t>
             </a:r>
           </a:p>
           <a:p>
@@ -4340,49 +4346,8 @@
             </a:pPr>
             <a:r>
               <a:rPr lang="ro-RO" baseline="0" dirty="0" smtClean="0"/>
-              <a:t>De exemplu entry-urile din tabele sunt versionate si nu poti folosi FK</a:t>
-            </a:r>
-          </a:p>
-          <a:p>
-            <a:pPr marL="171450" indent="-171450">
-              <a:buFontTx/>
-              <a:buChar char="-"/>
-            </a:pPr>
-            <a:r>
-              <a:rPr lang="ro-RO" baseline="0" dirty="0" smtClean="0"/>
-              <a:t>Si legaturile sunt versionate in alte tabele separate</a:t>
-            </a:r>
-            <a:endParaRPr lang="ro-RO" dirty="0" smtClean="0"/>
-          </a:p>
-          <a:p>
-            <a:pPr marL="171450" indent="-171450">
-              <a:buFontTx/>
-              <a:buChar char="-"/>
-            </a:pPr>
-            <a:r>
-              <a:rPr lang="ro-RO" dirty="0" smtClean="0"/>
-              <a:t>Cand nici create-ul</a:t>
-            </a:r>
-            <a:r>
-              <a:rPr lang="ro-RO" baseline="0" dirty="0" smtClean="0"/>
-              <a:t> nu mai e ce-a fost ... De exemplu trebuie sa indexezi intr`un elastic search la save sau update</a:t>
-            </a:r>
-          </a:p>
-          <a:p>
-            <a:pPr marL="171450" indent="-171450">
-              <a:buFontTx/>
-              <a:buChar char="-"/>
-            </a:pPr>
-            <a:r>
-              <a:rPr lang="ro-RO" baseline="0" dirty="0" smtClean="0"/>
-              <a:t>Sau sa faci remove din elastic search la delete</a:t>
-            </a:r>
-          </a:p>
-          <a:p>
-            <a:pPr marL="0" indent="0">
-              <a:buFontTx/>
-              <a:buNone/>
-            </a:pPr>
+              <a:t>Daca aveti deja spring security in place, se face integrare foarte rapid</a:t>
+            </a:r>
             <a:endParaRPr lang="ro-RO" dirty="0"/>
           </a:p>
         </p:txBody>
@@ -4413,7 +4378,7 @@
     </p:spTree>
     <p:extLst>
       <p:ext uri="{BB962C8B-B14F-4D97-AF65-F5344CB8AC3E}">
-        <p14:creationId xmlns:p14="http://schemas.microsoft.com/office/powerpoint/2010/main" val="3386550388"/>
+        <p14:creationId xmlns:p14="http://schemas.microsoft.com/office/powerpoint/2010/main" val="1941202478"/>
       </p:ext>
     </p:extLst>
   </p:cSld>
@@ -4467,15 +4432,11 @@
           <a:bodyPr/>
           <a:lstStyle/>
           <a:p>
-            <a:r>
-              <a:rPr lang="ro-RO" dirty="0" smtClean="0"/>
-              <a:t>Cei dinainte + eu =</a:t>
-            </a:r>
-            <a:r>
-              <a:rPr lang="ro-RO" baseline="0" dirty="0" smtClean="0"/>
-              <a:t> n+1</a:t>
-            </a:r>
-            <a:endParaRPr lang="ro-RO" dirty="0"/>
+            <a:pPr marL="0" indent="0">
+              <a:buFontTx/>
+              <a:buNone/>
+            </a:pPr>
+            <a:endParaRPr lang="ro-RO" baseline="0" dirty="0" smtClean="0"/>
           </a:p>
         </p:txBody>
       </p:sp>
@@ -4505,7 +4466,7 @@
     </p:spTree>
     <p:extLst>
       <p:ext uri="{BB962C8B-B14F-4D97-AF65-F5344CB8AC3E}">
-        <p14:creationId xmlns:p14="http://schemas.microsoft.com/office/powerpoint/2010/main" val="2768783380"/>
+        <p14:creationId xmlns:p14="http://schemas.microsoft.com/office/powerpoint/2010/main" val="2873680972"/>
       </p:ext>
     </p:extLst>
   </p:cSld>
@@ -4559,6 +4520,69 @@
           <a:bodyPr/>
           <a:lstStyle/>
           <a:p>
+            <a:pPr marL="171450" indent="-171450">
+              <a:buFontTx/>
+              <a:buChar char="-"/>
+            </a:pPr>
+            <a:r>
+              <a:rPr lang="ro-RO" dirty="0" smtClean="0"/>
+              <a:t>Foarte multe query-uri care fac join-uri si trebuie sa scrii mai mult</a:t>
+            </a:r>
+            <a:r>
+              <a:rPr lang="ro-RO" baseline="0" dirty="0" smtClean="0"/>
+              <a:t> HQL sau SQL decat sa beneficiezi de avantajele sale</a:t>
+            </a:r>
+          </a:p>
+          <a:p>
+            <a:pPr marL="171450" indent="-171450">
+              <a:buFontTx/>
+              <a:buChar char="-"/>
+            </a:pPr>
+            <a:r>
+              <a:rPr lang="ro-RO" baseline="0" dirty="0" smtClean="0"/>
+              <a:t>De exemplu entry-urile din tabele sunt versionate si nu poti folosi FK</a:t>
+            </a:r>
+          </a:p>
+          <a:p>
+            <a:pPr marL="171450" indent="-171450">
+              <a:buFontTx/>
+              <a:buChar char="-"/>
+            </a:pPr>
+            <a:r>
+              <a:rPr lang="ro-RO" baseline="0" dirty="0" smtClean="0"/>
+              <a:t>Si legaturile sunt versionate in alte tabele separate</a:t>
+            </a:r>
+            <a:endParaRPr lang="ro-RO" dirty="0" smtClean="0"/>
+          </a:p>
+          <a:p>
+            <a:pPr marL="171450" indent="-171450">
+              <a:buFontTx/>
+              <a:buChar char="-"/>
+            </a:pPr>
+            <a:r>
+              <a:rPr lang="ro-RO" dirty="0" smtClean="0"/>
+              <a:t>Cand nici create-ul</a:t>
+            </a:r>
+            <a:r>
+              <a:rPr lang="ro-RO" baseline="0" dirty="0" smtClean="0"/>
+              <a:t> nu mai e ce-a fost ... De exemplu trebuie sa indexezi intr`un elastic search la save sau update</a:t>
+            </a:r>
+          </a:p>
+          <a:p>
+            <a:pPr marL="171450" indent="-171450">
+              <a:buFontTx/>
+              <a:buChar char="-"/>
+            </a:pPr>
+            <a:r>
+              <a:rPr lang="ro-RO" baseline="0" dirty="0" smtClean="0"/>
+              <a:t>Sau sa faci remove din elastic search la delete</a:t>
+            </a:r>
+          </a:p>
+          <a:p>
+            <a:pPr marL="0" indent="0">
+              <a:buFontTx/>
+              <a:buNone/>
+            </a:pPr>
             <a:endParaRPr lang="ro-RO" dirty="0"/>
           </a:p>
         </p:txBody>
@@ -4589,7 +4613,267 @@
     </p:spTree>
     <p:extLst>
       <p:ext uri="{BB962C8B-B14F-4D97-AF65-F5344CB8AC3E}">
+        <p14:creationId xmlns:p14="http://schemas.microsoft.com/office/powerpoint/2010/main" val="3386550388"/>
+      </p:ext>
+    </p:extLst>
+  </p:cSld>
+  <p:clrMapOvr>
+    <a:masterClrMapping/>
+  </p:clrMapOvr>
+</p:notes>
+</file>
+
+<file path=ppt/notesSlides/notesSlide23.xml><?xml version="1.0" encoding="utf-8"?>
+<p:notes xmlns:a="http://schemas.openxmlformats.org/drawingml/2006/main" xmlns:r="http://schemas.openxmlformats.org/officeDocument/2006/relationships" xmlns:p="http://schemas.openxmlformats.org/presentationml/2006/main">
+  <p:cSld>
+    <p:spTree>
+      <p:nvGrpSpPr>
+        <p:cNvPr id="1" name=""/>
+        <p:cNvGrpSpPr/>
+        <p:nvPr/>
+      </p:nvGrpSpPr>
+      <p:grpSpPr>
+        <a:xfrm>
+          <a:off x="0" y="0"/>
+          <a:ext cx="0" cy="0"/>
+          <a:chOff x="0" y="0"/>
+          <a:chExt cx="0" cy="0"/>
+        </a:xfrm>
+      </p:grpSpPr>
+      <p:sp>
+        <p:nvSpPr>
+          <p:cNvPr id="2" name="Slide Image Placeholder 1"/>
+          <p:cNvSpPr>
+            <a:spLocks noGrp="1" noRot="1" noChangeAspect="1"/>
+          </p:cNvSpPr>
+          <p:nvPr>
+            <p:ph type="sldImg"/>
+          </p:nvPr>
+        </p:nvSpPr>
+        <p:spPr/>
+      </p:sp>
+      <p:sp>
+        <p:nvSpPr>
+          <p:cNvPr id="3" name="Notes Placeholder 2"/>
+          <p:cNvSpPr>
+            <a:spLocks noGrp="1"/>
+          </p:cNvSpPr>
+          <p:nvPr>
+            <p:ph type="body" idx="1"/>
+          </p:nvPr>
+        </p:nvSpPr>
+        <p:spPr/>
+        <p:txBody>
+          <a:bodyPr/>
+          <a:lstStyle/>
+          <a:p>
+            <a:r>
+              <a:rPr lang="ro-RO" dirty="0" smtClean="0"/>
+              <a:t>Cei dinainte + eu =</a:t>
+            </a:r>
+            <a:r>
+              <a:rPr lang="ro-RO" baseline="0" dirty="0" smtClean="0"/>
+              <a:t> n+1</a:t>
+            </a:r>
+            <a:endParaRPr lang="ro-RO" dirty="0"/>
+          </a:p>
+        </p:txBody>
+      </p:sp>
+      <p:sp>
+        <p:nvSpPr>
+          <p:cNvPr id="4" name="Slide Number Placeholder 3"/>
+          <p:cNvSpPr>
+            <a:spLocks noGrp="1"/>
+          </p:cNvSpPr>
+          <p:nvPr>
+            <p:ph type="sldNum" sz="quarter" idx="10"/>
+          </p:nvPr>
+        </p:nvSpPr>
+        <p:spPr/>
+        <p:txBody>
+          <a:bodyPr/>
+          <a:lstStyle/>
+          <a:p>
+            <a:fld id="{20ED9C14-DAC0-4AC6-AA52-941D1F046680}" type="slidenum">
+              <a:rPr lang="ro-RO" smtClean="0"/>
+              <a:t>26</a:t>
+            </a:fld>
+            <a:endParaRPr lang="ro-RO"/>
+          </a:p>
+        </p:txBody>
+      </p:sp>
+    </p:spTree>
+    <p:extLst>
+      <p:ext uri="{BB962C8B-B14F-4D97-AF65-F5344CB8AC3E}">
+        <p14:creationId xmlns:p14="http://schemas.microsoft.com/office/powerpoint/2010/main" val="2768783380"/>
+      </p:ext>
+    </p:extLst>
+  </p:cSld>
+  <p:clrMapOvr>
+    <a:masterClrMapping/>
+  </p:clrMapOvr>
+</p:notes>
+</file>
+
+<file path=ppt/notesSlides/notesSlide24.xml><?xml version="1.0" encoding="utf-8"?>
+<p:notes xmlns:a="http://schemas.openxmlformats.org/drawingml/2006/main" xmlns:r="http://schemas.openxmlformats.org/officeDocument/2006/relationships" xmlns:p="http://schemas.openxmlformats.org/presentationml/2006/main">
+  <p:cSld>
+    <p:spTree>
+      <p:nvGrpSpPr>
+        <p:cNvPr id="1" name=""/>
+        <p:cNvGrpSpPr/>
+        <p:nvPr/>
+      </p:nvGrpSpPr>
+      <p:grpSpPr>
+        <a:xfrm>
+          <a:off x="0" y="0"/>
+          <a:ext cx="0" cy="0"/>
+          <a:chOff x="0" y="0"/>
+          <a:chExt cx="0" cy="0"/>
+        </a:xfrm>
+      </p:grpSpPr>
+      <p:sp>
+        <p:nvSpPr>
+          <p:cNvPr id="2" name="Slide Image Placeholder 1"/>
+          <p:cNvSpPr>
+            <a:spLocks noGrp="1" noRot="1" noChangeAspect="1"/>
+          </p:cNvSpPr>
+          <p:nvPr>
+            <p:ph type="sldImg"/>
+          </p:nvPr>
+        </p:nvSpPr>
+        <p:spPr/>
+      </p:sp>
+      <p:sp>
+        <p:nvSpPr>
+          <p:cNvPr id="3" name="Notes Placeholder 2"/>
+          <p:cNvSpPr>
+            <a:spLocks noGrp="1"/>
+          </p:cNvSpPr>
+          <p:nvPr>
+            <p:ph type="body" idx="1"/>
+          </p:nvPr>
+        </p:nvSpPr>
+        <p:spPr/>
+        <p:txBody>
+          <a:bodyPr/>
+          <a:lstStyle/>
+          <a:p>
+            <a:endParaRPr lang="ro-RO" dirty="0"/>
+          </a:p>
+        </p:txBody>
+      </p:sp>
+      <p:sp>
+        <p:nvSpPr>
+          <p:cNvPr id="4" name="Slide Number Placeholder 3"/>
+          <p:cNvSpPr>
+            <a:spLocks noGrp="1"/>
+          </p:cNvSpPr>
+          <p:nvPr>
+            <p:ph type="sldNum" sz="quarter" idx="10"/>
+          </p:nvPr>
+        </p:nvSpPr>
+        <p:spPr/>
+        <p:txBody>
+          <a:bodyPr/>
+          <a:lstStyle/>
+          <a:p>
+            <a:fld id="{20ED9C14-DAC0-4AC6-AA52-941D1F046680}" type="slidenum">
+              <a:rPr lang="ro-RO" smtClean="0"/>
+              <a:t>27</a:t>
+            </a:fld>
+            <a:endParaRPr lang="ro-RO"/>
+          </a:p>
+        </p:txBody>
+      </p:sp>
+    </p:spTree>
+    <p:extLst>
+      <p:ext uri="{BB962C8B-B14F-4D97-AF65-F5344CB8AC3E}">
         <p14:creationId xmlns:p14="http://schemas.microsoft.com/office/powerpoint/2010/main" val="140138931"/>
+      </p:ext>
+    </p:extLst>
+  </p:cSld>
+  <p:clrMapOvr>
+    <a:masterClrMapping/>
+  </p:clrMapOvr>
+</p:notes>
+</file>
+
+<file path=ppt/notesSlides/notesSlide25.xml><?xml version="1.0" encoding="utf-8"?>
+<p:notes xmlns:a="http://schemas.openxmlformats.org/drawingml/2006/main" xmlns:r="http://schemas.openxmlformats.org/officeDocument/2006/relationships" xmlns:p="http://schemas.openxmlformats.org/presentationml/2006/main">
+  <p:cSld>
+    <p:spTree>
+      <p:nvGrpSpPr>
+        <p:cNvPr id="1" name=""/>
+        <p:cNvGrpSpPr/>
+        <p:nvPr/>
+      </p:nvGrpSpPr>
+      <p:grpSpPr>
+        <a:xfrm>
+          <a:off x="0" y="0"/>
+          <a:ext cx="0" cy="0"/>
+          <a:chOff x="0" y="0"/>
+          <a:chExt cx="0" cy="0"/>
+        </a:xfrm>
+      </p:grpSpPr>
+      <p:sp>
+        <p:nvSpPr>
+          <p:cNvPr id="2" name="Slide Image Placeholder 1"/>
+          <p:cNvSpPr>
+            <a:spLocks noGrp="1" noRot="1" noChangeAspect="1"/>
+          </p:cNvSpPr>
+          <p:nvPr>
+            <p:ph type="sldImg"/>
+          </p:nvPr>
+        </p:nvSpPr>
+        <p:spPr/>
+      </p:sp>
+      <p:sp>
+        <p:nvSpPr>
+          <p:cNvPr id="3" name="Notes Placeholder 2"/>
+          <p:cNvSpPr>
+            <a:spLocks noGrp="1"/>
+          </p:cNvSpPr>
+          <p:nvPr>
+            <p:ph type="body" idx="1"/>
+          </p:nvPr>
+        </p:nvSpPr>
+        <p:spPr/>
+        <p:txBody>
+          <a:bodyPr/>
+          <a:lstStyle/>
+          <a:p>
+            <a:endParaRPr lang="ro-RO" dirty="0"/>
+          </a:p>
+        </p:txBody>
+      </p:sp>
+      <p:sp>
+        <p:nvSpPr>
+          <p:cNvPr id="4" name="Slide Number Placeholder 3"/>
+          <p:cNvSpPr>
+            <a:spLocks noGrp="1"/>
+          </p:cNvSpPr>
+          <p:nvPr>
+            <p:ph type="sldNum" sz="quarter" idx="10"/>
+          </p:nvPr>
+        </p:nvSpPr>
+        <p:spPr/>
+        <p:txBody>
+          <a:bodyPr/>
+          <a:lstStyle/>
+          <a:p>
+            <a:fld id="{20ED9C14-DAC0-4AC6-AA52-941D1F046680}" type="slidenum">
+              <a:rPr lang="ro-RO" smtClean="0"/>
+              <a:t>29</a:t>
+            </a:fld>
+            <a:endParaRPr lang="ro-RO"/>
+          </a:p>
+        </p:txBody>
+      </p:sp>
+    </p:spTree>
+    <p:extLst>
+      <p:ext uri="{BB962C8B-B14F-4D97-AF65-F5344CB8AC3E}">
+        <p14:creationId xmlns:p14="http://schemas.microsoft.com/office/powerpoint/2010/main" val="2410993932"/>
       </p:ext>
     </p:extLst>
   </p:cSld>
@@ -4643,44 +4927,6 @@
           <a:bodyPr/>
           <a:lstStyle/>
           <a:p>
-            <a:pPr marL="171450" indent="-171450">
-              <a:buFontTx/>
-              <a:buChar char="-"/>
-            </a:pPr>
-            <a:r>
-              <a:rPr lang="ro-RO" dirty="0" smtClean="0"/>
-              <a:t>Spring</a:t>
-            </a:r>
-            <a:r>
-              <a:rPr lang="ro-RO" baseline="0" dirty="0" smtClean="0"/>
-              <a:t> data bineinteles</a:t>
-            </a:r>
-          </a:p>
-          <a:p>
-            <a:pPr marL="171450" indent="-171450">
-              <a:buFontTx/>
-              <a:buChar char="-"/>
-            </a:pPr>
-            <a:r>
-              <a:rPr lang="ro-RO" baseline="0" dirty="0" smtClean="0"/>
-              <a:t>Ofera o cale mai simpla de a dezvolta aplicatii folosind BD relationale sau chiar tehnologii mai noi</a:t>
-            </a:r>
-          </a:p>
-          <a:p>
-            <a:pPr marL="171450" indent="-171450">
-              <a:buFontTx/>
-              <a:buChar char="-"/>
-            </a:pPr>
-            <a:r>
-              <a:rPr lang="ro-RO" baseline="0" dirty="0" smtClean="0"/>
-              <a:t>Nu e limitat la JPA. Are suport pentru MongoDB, Redis, Solr, REST si multe altele</a:t>
-            </a:r>
-          </a:p>
-          <a:p>
-            <a:pPr marL="171450" indent="-171450">
-              <a:buFontTx/>
-              <a:buChar char="-"/>
-            </a:pPr>
             <a:endParaRPr lang="ro-RO" dirty="0"/>
           </a:p>
         </p:txBody>
@@ -4702,7 +4948,7 @@
           <a:p>
             <a:fld id="{20ED9C14-DAC0-4AC6-AA52-941D1F046680}" type="slidenum">
               <a:rPr lang="ro-RO" smtClean="0"/>
-              <a:t>4</a:t>
+              <a:t>3</a:t>
             </a:fld>
             <a:endParaRPr lang="ro-RO"/>
           </a:p>
@@ -4711,7 +4957,7 @@
     </p:spTree>
     <p:extLst>
       <p:ext uri="{BB962C8B-B14F-4D97-AF65-F5344CB8AC3E}">
-        <p14:creationId xmlns:p14="http://schemas.microsoft.com/office/powerpoint/2010/main" val="415393076"/>
+        <p14:creationId xmlns:p14="http://schemas.microsoft.com/office/powerpoint/2010/main" val="1035923499"/>
       </p:ext>
     </p:extLst>
   </p:cSld>
@@ -4771,57 +5017,33 @@
             </a:pPr>
             <a:r>
               <a:rPr lang="ro-RO" dirty="0" smtClean="0"/>
-              <a:t>Cum aveti</a:t>
+              <a:t>Despre mine</a:t>
             </a:r>
             <a:r>
               <a:rPr lang="ro-RO" baseline="0" dirty="0" smtClean="0"/>
-              <a:t> implementat acum layerul de DAO in proiectul curent? Ce tehnologii folositi sau ati folosit ? Va place cum arata ?</a:t>
-            </a:r>
-            <a:endParaRPr lang="ro-RO" dirty="0" smtClean="0"/>
-          </a:p>
-          <a:p>
-            <a:pPr marL="171450" indent="-171450">
+              <a:t> </a:t>
+            </a:r>
+          </a:p>
+          <a:p>
+            <a:pPr marL="628650" lvl="1" indent="-171450">
               <a:buFontTx/>
               <a:buChar char="-"/>
             </a:pPr>
             <a:r>
-              <a:rPr lang="ro-RO" dirty="0" smtClean="0"/>
-              <a:t>EJB – heavyweight, configurari</a:t>
-            </a:r>
-            <a:r>
               <a:rPr lang="ro-RO" baseline="0" dirty="0" smtClean="0"/>
-              <a:t> XML complicate, foarte multe boilerplate</a:t>
-            </a:r>
-          </a:p>
-          <a:p>
-            <a:pPr marL="171450" indent="-171450">
+              <a:t>Lucrez cu Java din 2012. Am facut si ABAP development in SAP</a:t>
+            </a:r>
+          </a:p>
+          <a:p>
+            <a:pPr marL="628650" lvl="1" indent="-171450">
               <a:buFontTx/>
               <a:buChar char="-"/>
             </a:pPr>
             <a:r>
               <a:rPr lang="ro-RO" baseline="0" dirty="0" smtClean="0"/>
-              <a:t>JDBC API – deployable in orice servlet container – dar foarte mult boilerplate – tranfer domain model in query si rezultatele din nou in domain model (prepared statements etc)</a:t>
-            </a:r>
-          </a:p>
-          <a:p>
-            <a:pPr marL="171450" indent="-171450">
-              <a:buFontTx/>
-              <a:buChar char="-"/>
-            </a:pPr>
-            <a:r>
-              <a:rPr lang="ro-RO" baseline="0" dirty="0" smtClean="0"/>
-              <a:t>ORM – Hibernate – o alegere buna pt ca ne scapa de scris cod JDBC, dar f mult boilerplate (JPQL, HQL, Criteria API)</a:t>
-            </a:r>
-          </a:p>
-          <a:p>
-            <a:pPr marL="171450" indent="-171450">
-              <a:buFontTx/>
-              <a:buChar char="-"/>
-            </a:pPr>
-            <a:r>
-              <a:rPr lang="ro-RO" baseline="0" dirty="0" smtClean="0"/>
-              <a:t>JPA - Mecanism standard pt layerul de persistenta in BD relationale</a:t>
-            </a:r>
+              <a:t>Acum lucrez la Yonder</a:t>
+            </a:r>
+            <a:endParaRPr lang="ro-RO" dirty="0"/>
           </a:p>
         </p:txBody>
       </p:sp>
@@ -4842,7 +5064,7 @@
           <a:p>
             <a:fld id="{20ED9C14-DAC0-4AC6-AA52-941D1F046680}" type="slidenum">
               <a:rPr lang="ro-RO" smtClean="0"/>
-              <a:t>5</a:t>
+              <a:t>4</a:t>
             </a:fld>
             <a:endParaRPr lang="ro-RO"/>
           </a:p>
@@ -4851,7 +5073,7 @@
     </p:spTree>
     <p:extLst>
       <p:ext uri="{BB962C8B-B14F-4D97-AF65-F5344CB8AC3E}">
-        <p14:creationId xmlns:p14="http://schemas.microsoft.com/office/powerpoint/2010/main" val="2272465989"/>
+        <p14:creationId xmlns:p14="http://schemas.microsoft.com/office/powerpoint/2010/main" val="4260614331"/>
       </p:ext>
     </p:extLst>
   </p:cSld>
@@ -4905,65 +5127,81 @@
           <a:bodyPr/>
           <a:lstStyle/>
           <a:p>
-            <a:pPr marL="0" indent="0">
-              <a:buFontTx/>
-              <a:buNone/>
+            <a:pPr marL="228600" indent="-228600">
+              <a:buAutoNum type="alphaLcPeriod"/>
             </a:pPr>
             <a:r>
-              <a:rPr lang="ro-RO" sz="100" baseline="0" dirty="0" smtClean="0"/>
-              <a:t>Spring Framework:</a:t>
-            </a:r>
-          </a:p>
-          <a:p>
-            <a:pPr marL="171450" indent="-171450">
-              <a:buFontTx/>
-              <a:buChar char="-"/>
+              <a:rPr lang="ro-RO" dirty="0" smtClean="0"/>
+              <a:t>Implementarea</a:t>
+            </a:r>
+            <a:r>
+              <a:rPr lang="ro-RO" baseline="0" dirty="0" smtClean="0"/>
+              <a:t> access layerului se face cu api-uri specifice tehnologiilor iar uneori nu sunt chiar usor de folosit</a:t>
+            </a:r>
+          </a:p>
+          <a:p>
+            <a:pPr marL="228600" indent="-228600">
+              <a:buAutoNum type="alphaLcPeriod"/>
             </a:pPr>
             <a:r>
-              <a:rPr lang="ro-RO" sz="100" baseline="0" dirty="0" smtClean="0"/>
-              <a:t>Furnizeaza suport pentru technologiile traditionale de access la date (JDBC, hibernate, iBatis etc) – este simplu sa te integrezi cu ele</a:t>
-            </a:r>
-          </a:p>
-          <a:p>
-            <a:pPr marL="171450" indent="-171450">
-              <a:buFontTx/>
-              <a:buChar char="-"/>
+              <a:rPr lang="ro-RO" baseline="0" dirty="0" smtClean="0"/>
+              <a:t>Foarte multe modalitati de implementare a DAO-ului</a:t>
+            </a:r>
+          </a:p>
+          <a:p>
+            <a:pPr marL="228600" indent="-228600">
+              <a:buAutoNum type="alphaLcPeriod"/>
             </a:pPr>
             <a:r>
-              <a:rPr lang="ro-RO" sz="100" baseline="0" dirty="0" smtClean="0"/>
-              <a:t>Simplifica setupul infrastructurii si deasemeni are exception translation in DataAccessException hierarchy– mai usor de identificat problemele</a:t>
-            </a:r>
-          </a:p>
-          <a:p>
-            <a:pPr marL="171450" indent="-171450">
-              <a:buFontTx/>
-              <a:buChar char="-"/>
+              <a:rPr lang="ro-RO" baseline="0" dirty="0" smtClean="0"/>
+              <a:t>Toate astea conduc la Boilerplate</a:t>
+            </a:r>
+          </a:p>
+          <a:p>
+            <a:pPr marL="228600" indent="-228600">
+              <a:buAutoNum type="alphaLcPeriod"/>
             </a:pPr>
             <a:r>
-              <a:rPr lang="ro-RO" sz="100" baseline="0" dirty="0" smtClean="0"/>
-              <a:t>Bineinteles furnizeaza si mecanismul tranzactional</a:t>
-            </a:r>
-          </a:p>
-          <a:p>
-            <a:pPr marL="171450" indent="-171450">
-              <a:buFontTx/>
-              <a:buChar char="-"/>
+              <a:rPr lang="ro-RO" baseline="0" dirty="0" smtClean="0"/>
+              <a:t>Cred ca e imposibil ca in viata vostra de programatori sa nu fi avut treaba cu Hibernate code, urat lung complicat.</a:t>
+            </a:r>
+          </a:p>
+          <a:p>
+            <a:pPr marL="228600" indent="-228600">
+              <a:buAutoNum type="alphaLcPeriod"/>
             </a:pPr>
-            <a:endParaRPr lang="ro-RO" sz="100" baseline="0" dirty="0" smtClean="0"/>
-          </a:p>
-          <a:p>
-            <a:pPr marL="171450" indent="-171450">
-              <a:buFontTx/>
-              <a:buChar char="-"/>
+            <a:r>
+              <a:rPr lang="ro-RO" baseline="0" dirty="0" smtClean="0"/>
+              <a:t>Setarea asteptarilor – </a:t>
+            </a:r>
+          </a:p>
+          <a:p>
+            <a:pPr marL="685800" lvl="1" indent="-228600">
+              <a:buAutoNum type="alphaLcPeriod"/>
             </a:pPr>
-            <a:endParaRPr lang="ro-RO" sz="100" baseline="0" dirty="0" smtClean="0"/>
-          </a:p>
-          <a:p>
-            <a:pPr marL="171450" indent="-171450">
-              <a:buFontTx/>
-              <a:buChar char="-"/>
+            <a:r>
+              <a:rPr lang="ro-RO" baseline="0" dirty="0" smtClean="0"/>
+              <a:t>Introduction to spring data</a:t>
+            </a:r>
+          </a:p>
+          <a:p>
+            <a:pPr marL="685800" lvl="1" indent="-228600">
+              <a:buAutoNum type="alphaLcPeriod"/>
             </a:pPr>
-            <a:endParaRPr lang="ro-RO" sz="100" dirty="0"/>
+            <a:r>
+              <a:rPr lang="ro-RO" baseline="0" dirty="0" smtClean="0"/>
+              <a:t>Cand ar trebui sa folosim si cand nu</a:t>
+            </a:r>
+          </a:p>
+          <a:p>
+            <a:pPr marL="685800" lvl="1" indent="-228600">
+              <a:buAutoNum type="alphaLcPeriod"/>
+            </a:pPr>
+            <a:r>
+              <a:rPr lang="ro-RO" baseline="0" dirty="0" smtClean="0"/>
+              <a:t>Limits and capabilities</a:t>
+            </a:r>
+            <a:endParaRPr lang="ro-RO" dirty="0"/>
           </a:p>
         </p:txBody>
       </p:sp>
@@ -4993,7 +5231,7 @@
     </p:spTree>
     <p:extLst>
       <p:ext uri="{BB962C8B-B14F-4D97-AF65-F5344CB8AC3E}">
-        <p14:creationId xmlns:p14="http://schemas.microsoft.com/office/powerpoint/2010/main" val="1263614895"/>
+        <p14:creationId xmlns:p14="http://schemas.microsoft.com/office/powerpoint/2010/main" val="925713811"/>
       </p:ext>
     </p:extLst>
   </p:cSld>
@@ -5047,65 +5285,18 @@
           <a:bodyPr/>
           <a:lstStyle/>
           <a:p>
-            <a:pPr marL="171450" marR="0" indent="-171450" algn="l" defTabSz="914400" rtl="0" eaLnBrk="1" fontAlgn="auto" latinLnBrk="0" hangingPunct="1">
-              <a:lnSpc>
-                <a:spcPct val="100000"/>
-              </a:lnSpc>
-              <a:spcBef>
-                <a:spcPts val="0"/>
-              </a:spcBef>
-              <a:spcAft>
-                <a:spcPts val="0"/>
-              </a:spcAft>
-              <a:buClrTx/>
-              <a:buSzTx/>
-              <a:buFontTx/>
-              <a:buChar char="-"/>
-              <a:tabLst/>
-              <a:defRPr/>
-            </a:pPr>
-            <a:r>
-              <a:rPr lang="ro-RO" sz="100" baseline="0" dirty="0" smtClean="0"/>
-              <a:t>Primul release a fost in 2010 la SpringOne</a:t>
-            </a:r>
-          </a:p>
-          <a:p>
-            <a:pPr marL="171450" marR="0" indent="-171450" algn="l" defTabSz="914400" rtl="0" eaLnBrk="1" fontAlgn="auto" latinLnBrk="0" hangingPunct="1">
-              <a:lnSpc>
-                <a:spcPct val="100000"/>
-              </a:lnSpc>
-              <a:spcBef>
-                <a:spcPts val="0"/>
-              </a:spcBef>
-              <a:spcAft>
-                <a:spcPts val="0"/>
-              </a:spcAft>
-              <a:buClrTx/>
-              <a:buSzTx/>
-              <a:buFontTx/>
-              <a:buChar char="-"/>
-              <a:tabLst/>
-              <a:defRPr/>
-            </a:pPr>
-            <a:r>
-              <a:rPr lang="ro-RO" sz="100" baseline="0" dirty="0" smtClean="0"/>
-              <a:t>Ne construim aplicatii si apoi avem nevoie sa ne stocam informatiile. O facem in mod normal in DB relationale sau NoSQL. Apoi aplicatia trebuie sa acceseze acele date</a:t>
-            </a:r>
-          </a:p>
-          <a:p>
             <a:pPr marL="171450" indent="-171450">
               <a:buFontTx/>
               <a:buChar char="-"/>
             </a:pPr>
             <a:r>
-              <a:rPr lang="ro-RO" sz="100" baseline="0" dirty="0" smtClean="0"/>
-              <a:t>Aici e sweet spot-ul Spring Data </a:t>
-            </a:r>
-            <a:r>
-              <a:rPr lang="ro-RO" sz="100" baseline="0" dirty="0" smtClean="0"/>
-              <a:t>– face accesul la date mai usor</a:t>
-            </a:r>
-            <a:endParaRPr lang="ro-RO" sz="100" baseline="0" dirty="0" smtClean="0"/>
+              <a:rPr lang="ro-RO" dirty="0" smtClean="0"/>
+              <a:t>Spring</a:t>
+            </a:r>
+            <a:r>
+              <a:rPr lang="ro-RO" baseline="0" dirty="0" smtClean="0"/>
+              <a:t> data bineinteles</a:t>
+            </a:r>
           </a:p>
           <a:p>
             <a:pPr marL="171450" indent="-171450">
@@ -5113,8 +5304,8 @@
               <a:buChar char="-"/>
             </a:pPr>
             <a:r>
-              <a:rPr lang="ro-RO" sz="100" baseline="0" dirty="0" smtClean="0"/>
-              <a:t>Este un produs matur, se adauga module imediat cum apar alte tipuri de data stores.</a:t>
+              <a:rPr lang="ro-RO" baseline="0" dirty="0" smtClean="0"/>
+              <a:t>Ofera o cale mai simpla de a dezvolta aplicatii folosind BD relationale sau chiar tehnologii mai noi</a:t>
             </a:r>
           </a:p>
           <a:p>
@@ -5123,8 +5314,8 @@
               <a:buChar char="-"/>
             </a:pPr>
             <a:r>
-              <a:rPr lang="ro-RO" sz="100" baseline="0" dirty="0" smtClean="0"/>
-              <a:t>Furnizeaza o abordare simpla si consistenta care usureaza modalitatea de lucru cu persistenta datelor</a:t>
+              <a:rPr lang="ro-RO" baseline="0" dirty="0" smtClean="0"/>
+              <a:t>Nu e limitat la JPA. Are suport pentru MongoDB, Redis, Solr, REST si multe altele</a:t>
             </a:r>
           </a:p>
           <a:p>
@@ -5132,41 +5323,7 @@
               <a:buFontTx/>
               <a:buChar char="-"/>
             </a:pPr>
-            <a:r>
-              <a:rPr lang="ro-RO" sz="100" baseline="0" dirty="0" smtClean="0"/>
-              <a:t>Reduce efortul necesar pentru a avea persistence layerul in place (JDBC, prepared statements, open/closing connections etc)</a:t>
-            </a:r>
-          </a:p>
-          <a:p>
-            <a:pPr marL="171450" indent="-171450">
-              <a:buFontTx/>
-              <a:buChar char="-"/>
-            </a:pPr>
-            <a:r>
-              <a:rPr lang="ro-RO" sz="100" baseline="0" dirty="0" smtClean="0"/>
-              <a:t>Da predictibilitate codului, dupa cum ve-ti vedea</a:t>
-            </a:r>
-          </a:p>
-          <a:p>
-            <a:pPr marL="0" indent="0">
-              <a:buFontTx/>
-              <a:buNone/>
-            </a:pPr>
-            <a:endParaRPr lang="ro-RO" sz="100" baseline="0" dirty="0" smtClean="0"/>
-          </a:p>
-          <a:p>
-            <a:pPr marL="171450" indent="-171450">
-              <a:buFontTx/>
-              <a:buChar char="-"/>
-            </a:pPr>
-            <a:endParaRPr lang="ro-RO" sz="100" baseline="0" dirty="0" smtClean="0"/>
-          </a:p>
-          <a:p>
-            <a:pPr marL="171450" indent="-171450">
-              <a:buFontTx/>
-              <a:buChar char="-"/>
-            </a:pPr>
-            <a:endParaRPr lang="ro-RO" sz="100" dirty="0"/>
+            <a:endParaRPr lang="ro-RO" dirty="0"/>
           </a:p>
         </p:txBody>
       </p:sp>
@@ -5196,7 +5353,7 @@
     </p:spTree>
     <p:extLst>
       <p:ext uri="{BB962C8B-B14F-4D97-AF65-F5344CB8AC3E}">
-        <p14:creationId xmlns:p14="http://schemas.microsoft.com/office/powerpoint/2010/main" val="2837056798"/>
+        <p14:creationId xmlns:p14="http://schemas.microsoft.com/office/powerpoint/2010/main" val="415393076"/>
       </p:ext>
     </p:extLst>
   </p:cSld>
@@ -5256,18 +5413,13 @@
             </a:pPr>
             <a:r>
               <a:rPr lang="ro-RO" dirty="0" smtClean="0"/>
-              <a:t>Interfata</a:t>
+              <a:t>Cum aveti</a:t>
             </a:r>
             <a:r>
               <a:rPr lang="ro-RO" baseline="0" dirty="0" smtClean="0"/>
-              <a:t> centrala in abstractizarea repository-ului este ... Repository </a:t>
-            </a:r>
-            <a:r>
-              <a:rPr lang="ro-RO" baseline="0" dirty="0" smtClean="0">
-                <a:sym typeface="Wingdings" panose="05000000000000000000" pitchFamily="2" charset="2"/>
-              </a:rPr>
-              <a:t>...nu cred ca e asa mare surpriza</a:t>
-            </a:r>
+              <a:t> implementat acum layerul de DAO in proiectul curent? Ce tehnologii folositi sau ati folosit ? Va place cum arata ?</a:t>
+            </a:r>
+            <a:endParaRPr lang="ro-RO" dirty="0" smtClean="0"/>
           </a:p>
           <a:p>
             <a:pPr marL="171450" indent="-171450">
@@ -5275,10 +5427,12 @@
               <a:buChar char="-"/>
             </a:pPr>
             <a:r>
-              <a:rPr lang="ro-RO" baseline="0" dirty="0" smtClean="0">
-                <a:sym typeface="Wingdings" panose="05000000000000000000" pitchFamily="2" charset="2"/>
-              </a:rPr>
-              <a:t>Actioneaza mai mult ca un marker interface care este extinsa pentru a putea face „discover” interfetelor care o extind</a:t>
+              <a:rPr lang="ro-RO" dirty="0" smtClean="0"/>
+              <a:t>EJB – heavyweight, configurari</a:t>
+            </a:r>
+            <a:r>
+              <a:rPr lang="ro-RO" baseline="0" dirty="0" smtClean="0"/>
+              <a:t> XML complicate, foarte multe boilerplate</a:t>
             </a:r>
           </a:p>
           <a:p>
@@ -5287,12 +5441,29 @@
               <a:buChar char="-"/>
             </a:pPr>
             <a:r>
-              <a:rPr lang="ro-RO" baseline="0" dirty="0" smtClean="0">
-                <a:sym typeface="Wingdings" panose="05000000000000000000" pitchFamily="2" charset="2"/>
-              </a:rPr>
-              <a:t>D from SOLID – DI principle – depend upon abstractions and not upon concretions</a:t>
-            </a:r>
-            <a:endParaRPr lang="ro-RO" dirty="0"/>
+              <a:rPr lang="ro-RO" baseline="0" dirty="0" smtClean="0"/>
+              <a:t>JDBC API – deployable in orice servlet container – dar foarte mult boilerplate – tranfer domain model in query si rezultatele din nou in domain model (prepared statements etc)</a:t>
+            </a:r>
+          </a:p>
+          <a:p>
+            <a:pPr marL="171450" indent="-171450">
+              <a:buFontTx/>
+              <a:buChar char="-"/>
+            </a:pPr>
+            <a:r>
+              <a:rPr lang="ro-RO" baseline="0" dirty="0" smtClean="0"/>
+              <a:t>ORM – Hibernate – o alegere buna pt ca ne scapa de scris cod JDBC, dar f mult boilerplate (JPQL, HQL, Criteria API)</a:t>
+            </a:r>
+          </a:p>
+          <a:p>
+            <a:pPr marL="171450" indent="-171450">
+              <a:buFontTx/>
+              <a:buChar char="-"/>
+            </a:pPr>
+            <a:r>
+              <a:rPr lang="ro-RO" baseline="0" dirty="0" smtClean="0"/>
+              <a:t>JPA - Mecanism standard pt layerul de persistenta in BD relationale</a:t>
+            </a:r>
           </a:p>
         </p:txBody>
       </p:sp>
@@ -5322,7 +5493,7 @@
     </p:spTree>
     <p:extLst>
       <p:ext uri="{BB962C8B-B14F-4D97-AF65-F5344CB8AC3E}">
-        <p14:creationId xmlns:p14="http://schemas.microsoft.com/office/powerpoint/2010/main" val="2415560560"/>
+        <p14:creationId xmlns:p14="http://schemas.microsoft.com/office/powerpoint/2010/main" val="2272465989"/>
       </p:ext>
     </p:extLst>
   </p:cSld>
@@ -5376,17 +5547,23 @@
           <a:bodyPr/>
           <a:lstStyle/>
           <a:p>
+            <a:pPr marL="0" indent="0">
+              <a:buFontTx/>
+              <a:buNone/>
+            </a:pPr>
+            <a:r>
+              <a:rPr lang="ro-RO" sz="100" baseline="0" dirty="0" smtClean="0"/>
+              <a:t>Spring Framework:</a:t>
+            </a:r>
+          </a:p>
+          <a:p>
             <a:pPr marL="171450" indent="-171450">
               <a:buFontTx/>
               <a:buChar char="-"/>
             </a:pPr>
             <a:r>
-              <a:rPr lang="ro-RO" dirty="0" smtClean="0"/>
-              <a:t>Deasemeni exista si mongorepository</a:t>
-            </a:r>
-            <a:r>
-              <a:rPr lang="ro-RO" baseline="0" dirty="0" smtClean="0"/>
-              <a:t> in modulul pt mongodb</a:t>
+              <a:rPr lang="ro-RO" sz="100" baseline="0" dirty="0" smtClean="0"/>
+              <a:t>Furnizeaza suport pentru technologiile traditionale de access la date (JDBC, hibernate, iBatis etc) – este simplu sa te integrezi cu ele</a:t>
             </a:r>
           </a:p>
           <a:p>
@@ -5395,8 +5572,8 @@
               <a:buChar char="-"/>
             </a:pPr>
             <a:r>
-              <a:rPr lang="ro-RO" baseline="0" dirty="0" smtClean="0"/>
-              <a:t>SimpleJpaRepository – default implementation pentru JpaRepository</a:t>
+              <a:rPr lang="ro-RO" sz="100" baseline="0" dirty="0" smtClean="0"/>
+              <a:t>Simplifica setupul infrastructurii si deasemeni are exception translation in DataAccessException hierarchy– mai usor de identificat problemele</a:t>
             </a:r>
           </a:p>
           <a:p>
@@ -5405,10 +5582,30 @@
               <a:buChar char="-"/>
             </a:pPr>
             <a:r>
-              <a:rPr lang="ro-RO" baseline="0" dirty="0" smtClean="0"/>
-              <a:t>QueryDslJpaRepository – QueryDSL specific extension pentru SimpleJpa care adauga support pentru predicate QueryDSL</a:t>
-            </a:r>
-            <a:endParaRPr lang="ro-RO" dirty="0"/>
+              <a:rPr lang="ro-RO" sz="100" baseline="0" dirty="0" smtClean="0"/>
+              <a:t>Bineinteles furnizeaza si mecanismul tranzactional</a:t>
+            </a:r>
+          </a:p>
+          <a:p>
+            <a:pPr marL="171450" indent="-171450">
+              <a:buFontTx/>
+              <a:buChar char="-"/>
+            </a:pPr>
+            <a:endParaRPr lang="ro-RO" sz="100" baseline="0" dirty="0" smtClean="0"/>
+          </a:p>
+          <a:p>
+            <a:pPr marL="171450" indent="-171450">
+              <a:buFontTx/>
+              <a:buChar char="-"/>
+            </a:pPr>
+            <a:endParaRPr lang="ro-RO" sz="100" baseline="0" dirty="0" smtClean="0"/>
+          </a:p>
+          <a:p>
+            <a:pPr marL="171450" indent="-171450">
+              <a:buFontTx/>
+              <a:buChar char="-"/>
+            </a:pPr>
+            <a:endParaRPr lang="ro-RO" sz="100" dirty="0"/>
           </a:p>
         </p:txBody>
       </p:sp>
@@ -5438,7 +5635,7 @@
     </p:spTree>
     <p:extLst>
       <p:ext uri="{BB962C8B-B14F-4D97-AF65-F5344CB8AC3E}">
-        <p14:creationId xmlns:p14="http://schemas.microsoft.com/office/powerpoint/2010/main" val="1906626071"/>
+        <p14:creationId xmlns:p14="http://schemas.microsoft.com/office/powerpoint/2010/main" val="1263614895"/>
       </p:ext>
     </p:extLst>
   </p:cSld>
@@ -5492,13 +5689,59 @@
           <a:bodyPr/>
           <a:lstStyle/>
           <a:p>
+            <a:pPr marL="171450" marR="0" indent="-171450" algn="l" defTabSz="914400" rtl="0" eaLnBrk="1" fontAlgn="auto" latinLnBrk="0" hangingPunct="1">
+              <a:lnSpc>
+                <a:spcPct val="100000"/>
+              </a:lnSpc>
+              <a:spcBef>
+                <a:spcPts val="0"/>
+              </a:spcBef>
+              <a:spcAft>
+                <a:spcPts val="0"/>
+              </a:spcAft>
+              <a:buClrTx/>
+              <a:buSzTx/>
+              <a:buFontTx/>
+              <a:buChar char="-"/>
+              <a:tabLst/>
+              <a:defRPr/>
+            </a:pPr>
+            <a:r>
+              <a:rPr lang="ro-RO" sz="100" baseline="0" dirty="0" smtClean="0"/>
+              <a:t>Primul release a fost in 2010 la SpringOne</a:t>
+            </a:r>
+          </a:p>
+          <a:p>
+            <a:pPr marL="171450" marR="0" indent="-171450" algn="l" defTabSz="914400" rtl="0" eaLnBrk="1" fontAlgn="auto" latinLnBrk="0" hangingPunct="1">
+              <a:lnSpc>
+                <a:spcPct val="100000"/>
+              </a:lnSpc>
+              <a:spcBef>
+                <a:spcPts val="0"/>
+              </a:spcBef>
+              <a:spcAft>
+                <a:spcPts val="0"/>
+              </a:spcAft>
+              <a:buClrTx/>
+              <a:buSzTx/>
+              <a:buFontTx/>
+              <a:buChar char="-"/>
+              <a:tabLst/>
+              <a:defRPr/>
+            </a:pPr>
+            <a:r>
+              <a:rPr lang="ro-RO" sz="100" baseline="0" dirty="0" smtClean="0"/>
+              <a:t>Ne construim aplicatii si apoi avem nevoie sa ne stocam informatiile. O facem in mod normal in DB relationale sau NoSQL. Apoi aplicatia trebuie sa acceseze acele date</a:t>
+            </a:r>
+          </a:p>
+          <a:p>
             <a:pPr marL="171450" indent="-171450">
               <a:buFontTx/>
               <a:buChar char="-"/>
             </a:pPr>
             <a:r>
-              <a:rPr lang="ro-RO" baseline="0" dirty="0" smtClean="0"/>
-              <a:t>Cat de multe metode out of the box sunt aici</a:t>
+              <a:rPr lang="ro-RO" sz="100" baseline="0" dirty="0" smtClean="0"/>
+              <a:t>Aici e sweet spot-ul Spring Data – face accesul la date mai usor</a:t>
             </a:r>
           </a:p>
           <a:p>
@@ -5507,18 +5750,8 @@
               <a:buChar char="-"/>
             </a:pPr>
             <a:r>
-              <a:rPr lang="ro-RO" baseline="0" dirty="0" smtClean="0"/>
-              <a:t>Cat de mult v-ar lua sa le implementati toate cu Hibernate ?</a:t>
-            </a:r>
-          </a:p>
-          <a:p>
-            <a:pPr marL="628650" lvl="1" indent="-171450">
-              <a:buFontTx/>
-              <a:buChar char="-"/>
-            </a:pPr>
-            <a:r>
-              <a:rPr lang="ro-RO" baseline="0" dirty="0" smtClean="0"/>
-              <a:t>2-3 exemple</a:t>
+              <a:rPr lang="ro-RO" sz="100" baseline="0" dirty="0" smtClean="0"/>
+              <a:t>Este un produs matur, se adauga module imediat cum apar alte tipuri de data stores.</a:t>
             </a:r>
           </a:p>
           <a:p>
@@ -5527,8 +5760,8 @@
               <a:buChar char="-"/>
             </a:pPr>
             <a:r>
-              <a:rPr lang="ro-RO" baseline="0" dirty="0" smtClean="0"/>
-              <a:t>Dar cu JDBC ?</a:t>
+              <a:rPr lang="ro-RO" sz="100" baseline="0" dirty="0" smtClean="0"/>
+              <a:t>Furnizeaza o abordare simpla si consistenta care usureaza modalitatea de lucru cu persistenta datelor</a:t>
             </a:r>
           </a:p>
           <a:p>
@@ -5537,14 +5770,8 @@
               <a:buChar char="-"/>
             </a:pPr>
             <a:r>
-              <a:rPr lang="ro-RO" baseline="0" dirty="0" smtClean="0"/>
-              <a:t>Doar cu un simplu extends. Cum arata interfata noastra ? Well ... goala. </a:t>
-            </a:r>
-            <a:r>
-              <a:rPr lang="ro-RO" baseline="0" dirty="0" smtClean="0">
-                <a:sym typeface="Wingdings" panose="05000000000000000000" pitchFamily="2" charset="2"/>
-              </a:rPr>
-              <a:t></a:t>
+              <a:rPr lang="ro-RO" sz="100" baseline="0" dirty="0" smtClean="0"/>
+              <a:t>Reduce efortul necesar pentru a avea persistence layerul in place (JDBC, prepared statements, open/closing connections etc)</a:t>
             </a:r>
           </a:p>
           <a:p>
@@ -5552,7 +5779,31 @@
               <a:buFontTx/>
               <a:buChar char="-"/>
             </a:pPr>
-            <a:endParaRPr lang="ro-RO" dirty="0"/>
+            <a:r>
+              <a:rPr lang="ro-RO" sz="100" baseline="0" dirty="0" smtClean="0"/>
+              <a:t>Da predictibilitate codului, dupa cum ve-ti vedea</a:t>
+            </a:r>
+          </a:p>
+          <a:p>
+            <a:pPr marL="0" indent="0">
+              <a:buFontTx/>
+              <a:buNone/>
+            </a:pPr>
+            <a:endParaRPr lang="ro-RO" sz="100" baseline="0" dirty="0" smtClean="0"/>
+          </a:p>
+          <a:p>
+            <a:pPr marL="171450" indent="-171450">
+              <a:buFontTx/>
+              <a:buChar char="-"/>
+            </a:pPr>
+            <a:endParaRPr lang="ro-RO" sz="100" baseline="0" dirty="0" smtClean="0"/>
+          </a:p>
+          <a:p>
+            <a:pPr marL="171450" indent="-171450">
+              <a:buFontTx/>
+              <a:buChar char="-"/>
+            </a:pPr>
+            <a:endParaRPr lang="ro-RO" sz="100" dirty="0"/>
           </a:p>
         </p:txBody>
       </p:sp>
@@ -5573,7 +5824,7 @@
           <a:p>
             <a:fld id="{20ED9C14-DAC0-4AC6-AA52-941D1F046680}" type="slidenum">
               <a:rPr lang="ro-RO" smtClean="0"/>
-              <a:t>12</a:t>
+              <a:t>10</a:t>
             </a:fld>
             <a:endParaRPr lang="ro-RO"/>
           </a:p>
@@ -5582,7 +5833,7 @@
     </p:spTree>
     <p:extLst>
       <p:ext uri="{BB962C8B-B14F-4D97-AF65-F5344CB8AC3E}">
-        <p14:creationId xmlns:p14="http://schemas.microsoft.com/office/powerpoint/2010/main" val="3973288354"/>
+        <p14:creationId xmlns:p14="http://schemas.microsoft.com/office/powerpoint/2010/main" val="2837056798"/>
       </p:ext>
     </p:extLst>
   </p:cSld>
@@ -6314,7 +6565,7 @@
           <a:p>
             <a:fld id="{E0F395AF-8FCF-4B60-A93E-699C7152ADDC}" type="datetimeFigureOut">
               <a:rPr lang="ro-RO" smtClean="0"/>
-              <a:t>20.04.2016</a:t>
+              <a:t>21.04.2016</a:t>
             </a:fld>
             <a:endParaRPr lang="ro-RO"/>
           </a:p>
@@ -6565,7 +6816,7 @@
           <a:p>
             <a:fld id="{E0F395AF-8FCF-4B60-A93E-699C7152ADDC}" type="datetimeFigureOut">
               <a:rPr lang="ro-RO" smtClean="0"/>
-              <a:t>20.04.2016</a:t>
+              <a:t>21.04.2016</a:t>
             </a:fld>
             <a:endParaRPr lang="ro-RO"/>
           </a:p>
@@ -6879,7 +7130,7 @@
           <a:p>
             <a:fld id="{E0F395AF-8FCF-4B60-A93E-699C7152ADDC}" type="datetimeFigureOut">
               <a:rPr lang="ro-RO" smtClean="0"/>
-              <a:t>20.04.2016</a:t>
+              <a:t>21.04.2016</a:t>
             </a:fld>
             <a:endParaRPr lang="ro-RO"/>
           </a:p>
@@ -7220,7 +7471,7 @@
           <a:p>
             <a:fld id="{E0F395AF-8FCF-4B60-A93E-699C7152ADDC}" type="datetimeFigureOut">
               <a:rPr lang="ro-RO" smtClean="0"/>
-              <a:t>20.04.2016</a:t>
+              <a:t>21.04.2016</a:t>
             </a:fld>
             <a:endParaRPr lang="ro-RO"/>
           </a:p>
@@ -7534,7 +7785,7 @@
           <a:p>
             <a:fld id="{E0F395AF-8FCF-4B60-A93E-699C7152ADDC}" type="datetimeFigureOut">
               <a:rPr lang="ro-RO" smtClean="0"/>
-              <a:t>20.04.2016</a:t>
+              <a:t>21.04.2016</a:t>
             </a:fld>
             <a:endParaRPr lang="ro-RO"/>
           </a:p>
@@ -7927,7 +8178,7 @@
           <a:p>
             <a:fld id="{E0F395AF-8FCF-4B60-A93E-699C7152ADDC}" type="datetimeFigureOut">
               <a:rPr lang="ro-RO" smtClean="0"/>
-              <a:t>20.04.2016</a:t>
+              <a:t>21.04.2016</a:t>
             </a:fld>
             <a:endParaRPr lang="ro-RO"/>
           </a:p>
@@ -8097,7 +8348,7 @@
           <a:p>
             <a:fld id="{E0F395AF-8FCF-4B60-A93E-699C7152ADDC}" type="datetimeFigureOut">
               <a:rPr lang="ro-RO" smtClean="0"/>
-              <a:t>20.04.2016</a:t>
+              <a:t>21.04.2016</a:t>
             </a:fld>
             <a:endParaRPr lang="ro-RO"/>
           </a:p>
@@ -8277,7 +8528,7 @@
           <a:p>
             <a:fld id="{E0F395AF-8FCF-4B60-A93E-699C7152ADDC}" type="datetimeFigureOut">
               <a:rPr lang="ro-RO" smtClean="0"/>
-              <a:t>20.04.2016</a:t>
+              <a:t>21.04.2016</a:t>
             </a:fld>
             <a:endParaRPr lang="ro-RO"/>
           </a:p>
@@ -8329,6 +8580,369 @@
     <p:extLst>
       <p:ext uri="{BB962C8B-B14F-4D97-AF65-F5344CB8AC3E}">
         <p14:creationId xmlns:p14="http://schemas.microsoft.com/office/powerpoint/2010/main" val="909123211"/>
+      </p:ext>
+    </p:extLst>
+  </p:cSld>
+  <p:clrMapOvr>
+    <a:masterClrMapping/>
+  </p:clrMapOvr>
+</p:sldLayout>
+</file>
+
+<file path=ppt/slideLayouts/slideLayout17.xml><?xml version="1.0" encoding="utf-8"?>
+<p:sldLayout xmlns:a="http://schemas.openxmlformats.org/drawingml/2006/main" xmlns:r="http://schemas.openxmlformats.org/officeDocument/2006/relationships" xmlns:p="http://schemas.openxmlformats.org/presentationml/2006/main" userDrawn="1">
+  <p:cSld name="1_Title Slide">
+    <p:spTree>
+      <p:nvGrpSpPr>
+        <p:cNvPr id="1" name=""/>
+        <p:cNvGrpSpPr/>
+        <p:nvPr/>
+      </p:nvGrpSpPr>
+      <p:grpSpPr>
+        <a:xfrm>
+          <a:off x="0" y="0"/>
+          <a:ext cx="0" cy="0"/>
+          <a:chOff x="0" y="0"/>
+          <a:chExt cx="0" cy="0"/>
+        </a:xfrm>
+      </p:grpSpPr>
+      <p:sp>
+        <p:nvSpPr>
+          <p:cNvPr id="2" name="Title 1"/>
+          <p:cNvSpPr>
+            <a:spLocks noGrp="1"/>
+          </p:cNvSpPr>
+          <p:nvPr>
+            <p:ph type="ctrTitle"/>
+          </p:nvPr>
+        </p:nvSpPr>
+        <p:spPr>
+          <a:xfrm>
+            <a:off x="1219200" y="2060849"/>
+            <a:ext cx="9753600" cy="2595025"/>
+          </a:xfrm>
+        </p:spPr>
+        <p:txBody>
+          <a:bodyPr>
+            <a:normAutofit/>
+          </a:bodyPr>
+          <a:lstStyle>
+            <a:lvl1pPr>
+              <a:defRPr sz="4800" b="0">
+                <a:solidFill>
+                  <a:srgbClr val="008E40"/>
+                </a:solidFill>
+              </a:defRPr>
+            </a:lvl1pPr>
+          </a:lstStyle>
+          <a:p>
+            <a:r>
+              <a:rPr lang="en-US"/>
+              <a:t>Click to edit Master title style</a:t>
+            </a:r>
+            <a:endParaRPr lang="en-US" dirty="0"/>
+          </a:p>
+        </p:txBody>
+      </p:sp>
+      <p:sp>
+        <p:nvSpPr>
+          <p:cNvPr id="3" name="Subtitle 2"/>
+          <p:cNvSpPr>
+            <a:spLocks noGrp="1"/>
+          </p:cNvSpPr>
+          <p:nvPr>
+            <p:ph type="subTitle" idx="1"/>
+          </p:nvPr>
+        </p:nvSpPr>
+        <p:spPr>
+          <a:xfrm>
+            <a:off x="1219200" y="4725144"/>
+            <a:ext cx="9753600" cy="1144632"/>
+          </a:xfrm>
+        </p:spPr>
+        <p:txBody>
+          <a:bodyPr>
+            <a:normAutofit/>
+          </a:bodyPr>
+          <a:lstStyle>
+            <a:lvl1pPr marL="0" indent="0" algn="l">
+              <a:buNone/>
+              <a:defRPr sz="2400" b="1" baseline="0">
+                <a:solidFill>
+                  <a:schemeClr val="tx1"/>
+                </a:solidFill>
+              </a:defRPr>
+            </a:lvl1pPr>
+            <a:lvl2pPr marL="457200" indent="0" algn="ctr">
+              <a:buNone/>
+              <a:defRPr>
+                <a:solidFill>
+                  <a:schemeClr val="tx1">
+                    <a:tint val="75000"/>
+                  </a:schemeClr>
+                </a:solidFill>
+              </a:defRPr>
+            </a:lvl2pPr>
+            <a:lvl3pPr marL="914400" indent="0" algn="ctr">
+              <a:buNone/>
+              <a:defRPr>
+                <a:solidFill>
+                  <a:schemeClr val="tx1">
+                    <a:tint val="75000"/>
+                  </a:schemeClr>
+                </a:solidFill>
+              </a:defRPr>
+            </a:lvl3pPr>
+            <a:lvl4pPr marL="1371600" indent="0" algn="ctr">
+              <a:buNone/>
+              <a:defRPr>
+                <a:solidFill>
+                  <a:schemeClr val="tx1">
+                    <a:tint val="75000"/>
+                  </a:schemeClr>
+                </a:solidFill>
+              </a:defRPr>
+            </a:lvl4pPr>
+            <a:lvl5pPr marL="1828800" indent="0" algn="ctr">
+              <a:buNone/>
+              <a:defRPr>
+                <a:solidFill>
+                  <a:schemeClr val="tx1">
+                    <a:tint val="75000"/>
+                  </a:schemeClr>
+                </a:solidFill>
+              </a:defRPr>
+            </a:lvl5pPr>
+            <a:lvl6pPr marL="2286000" indent="0" algn="ctr">
+              <a:buNone/>
+              <a:defRPr>
+                <a:solidFill>
+                  <a:schemeClr val="tx1">
+                    <a:tint val="75000"/>
+                  </a:schemeClr>
+                </a:solidFill>
+              </a:defRPr>
+            </a:lvl6pPr>
+            <a:lvl7pPr marL="2743200" indent="0" algn="ctr">
+              <a:buNone/>
+              <a:defRPr>
+                <a:solidFill>
+                  <a:schemeClr val="tx1">
+                    <a:tint val="75000"/>
+                  </a:schemeClr>
+                </a:solidFill>
+              </a:defRPr>
+            </a:lvl7pPr>
+            <a:lvl8pPr marL="3200400" indent="0" algn="ctr">
+              <a:buNone/>
+              <a:defRPr>
+                <a:solidFill>
+                  <a:schemeClr val="tx1">
+                    <a:tint val="75000"/>
+                  </a:schemeClr>
+                </a:solidFill>
+              </a:defRPr>
+            </a:lvl8pPr>
+            <a:lvl9pPr marL="3657600" indent="0" algn="ctr">
+              <a:buNone/>
+              <a:defRPr>
+                <a:solidFill>
+                  <a:schemeClr val="tx1">
+                    <a:tint val="75000"/>
+                  </a:schemeClr>
+                </a:solidFill>
+              </a:defRPr>
+            </a:lvl9pPr>
+          </a:lstStyle>
+          <a:p>
+            <a:r>
+              <a:rPr lang="en-US"/>
+              <a:t>Click to edit Master subtitle style</a:t>
+            </a:r>
+            <a:endParaRPr lang="en-US" dirty="0"/>
+          </a:p>
+        </p:txBody>
+      </p:sp>
+      <p:sp>
+        <p:nvSpPr>
+          <p:cNvPr id="7" name="Date Placeholder 6"/>
+          <p:cNvSpPr>
+            <a:spLocks noGrp="1"/>
+          </p:cNvSpPr>
+          <p:nvPr>
+            <p:ph type="dt" sz="half" idx="10"/>
+          </p:nvPr>
+        </p:nvSpPr>
+        <p:spPr/>
+        <p:txBody>
+          <a:bodyPr/>
+          <a:lstStyle/>
+          <a:p>
+            <a:fld id="{D9DC33AB-3FE0-4473-B620-99C472A58C78}" type="datetimeFigureOut">
+              <a:rPr lang="en-US" smtClean="0"/>
+              <a:t>4/21/2016</a:t>
+            </a:fld>
+            <a:endParaRPr lang="en-US" dirty="0"/>
+          </a:p>
+        </p:txBody>
+      </p:sp>
+      <p:sp>
+        <p:nvSpPr>
+          <p:cNvPr id="8" name="Slide Number Placeholder 7"/>
+          <p:cNvSpPr>
+            <a:spLocks noGrp="1"/>
+          </p:cNvSpPr>
+          <p:nvPr>
+            <p:ph type="sldNum" sz="quarter" idx="11"/>
+          </p:nvPr>
+        </p:nvSpPr>
+        <p:spPr/>
+        <p:txBody>
+          <a:bodyPr/>
+          <a:lstStyle/>
+          <a:p>
+            <a:fld id="{078F138D-1D7F-46DD-84B7-37239733429A}" type="slidenum">
+              <a:rPr lang="en-US" smtClean="0"/>
+              <a:t>‹#›</a:t>
+            </a:fld>
+            <a:endParaRPr lang="en-US" dirty="0"/>
+          </a:p>
+        </p:txBody>
+      </p:sp>
+      <p:sp>
+        <p:nvSpPr>
+          <p:cNvPr id="9" name="Footer Placeholder 8"/>
+          <p:cNvSpPr>
+            <a:spLocks noGrp="1"/>
+          </p:cNvSpPr>
+          <p:nvPr>
+            <p:ph type="ftr" sz="quarter" idx="12"/>
+          </p:nvPr>
+        </p:nvSpPr>
+        <p:spPr/>
+        <p:txBody>
+          <a:bodyPr/>
+          <a:lstStyle/>
+          <a:p>
+            <a:endParaRPr lang="en-US" dirty="0"/>
+          </a:p>
+        </p:txBody>
+      </p:sp>
+      <p:sp>
+        <p:nvSpPr>
+          <p:cNvPr id="12" name="Text Placeholder 11"/>
+          <p:cNvSpPr>
+            <a:spLocks noGrp="1"/>
+          </p:cNvSpPr>
+          <p:nvPr>
+            <p:ph type="body" sz="quarter" idx="13" hasCustomPrompt="1"/>
+          </p:nvPr>
+        </p:nvSpPr>
+        <p:spPr>
+          <a:xfrm>
+            <a:off x="1183017" y="5949280"/>
+            <a:ext cx="9753600" cy="576262"/>
+          </a:xfrm>
+        </p:spPr>
+        <p:txBody>
+          <a:bodyPr>
+            <a:normAutofit/>
+          </a:bodyPr>
+          <a:lstStyle>
+            <a:lvl1pPr marL="45720" marR="0" indent="0" algn="l" defTabSz="914400" rtl="0" eaLnBrk="1" fontAlgn="auto" latinLnBrk="0" hangingPunct="1">
+              <a:lnSpc>
+                <a:spcPct val="100000"/>
+              </a:lnSpc>
+              <a:spcBef>
+                <a:spcPct val="20000"/>
+              </a:spcBef>
+              <a:spcAft>
+                <a:spcPts val="0"/>
+              </a:spcAft>
+              <a:buClr>
+                <a:srgbClr val="46B749"/>
+              </a:buClr>
+              <a:buSzTx/>
+              <a:buFont typeface="Wingdings" charset="2"/>
+              <a:buNone/>
+              <a:tabLst/>
+              <a:defRPr sz="2400" b="0">
+                <a:solidFill>
+                  <a:srgbClr val="27AAE5"/>
+                </a:solidFill>
+              </a:defRPr>
+            </a:lvl1pPr>
+          </a:lstStyle>
+          <a:p>
+            <a:pPr marL="45720" marR="0" lvl="0" indent="0" algn="l" defTabSz="914400" rtl="0" eaLnBrk="1" fontAlgn="auto" latinLnBrk="0" hangingPunct="1">
+              <a:lnSpc>
+                <a:spcPct val="100000"/>
+              </a:lnSpc>
+              <a:spcBef>
+                <a:spcPct val="20000"/>
+              </a:spcBef>
+              <a:spcAft>
+                <a:spcPts val="0"/>
+              </a:spcAft>
+              <a:buClr>
+                <a:srgbClr val="46B749"/>
+              </a:buClr>
+              <a:buSzTx/>
+              <a:buFont typeface="Wingdings" charset="2"/>
+              <a:buNone/>
+              <a:tabLst/>
+              <a:defRPr/>
+            </a:pPr>
+            <a:r>
+              <a:rPr lang="en-US" sz="1800" baseline="0" dirty="0">
+                <a:solidFill>
+                  <a:srgbClr val="41B6E8"/>
+                </a:solidFill>
+              </a:rPr>
+              <a:t>Click to edit Master subtitle style</a:t>
+            </a:r>
+          </a:p>
+        </p:txBody>
+      </p:sp>
+      <p:pic>
+        <p:nvPicPr>
+          <p:cNvPr id="10" name="Picture 9"/>
+          <p:cNvPicPr>
+            <a:picLocks noChangeAspect="1"/>
+          </p:cNvPicPr>
+          <p:nvPr userDrawn="1"/>
+        </p:nvPicPr>
+        <p:blipFill>
+          <a:blip r:embed="rId2">
+            <a:clrChange>
+              <a:clrFrom>
+                <a:srgbClr val="FFFFFF"/>
+              </a:clrFrom>
+              <a:clrTo>
+                <a:srgbClr val="FFFFFF">
+                  <a:alpha val="0"/>
+                </a:srgbClr>
+              </a:clrTo>
+            </a:clrChange>
+          </a:blip>
+          <a:stretch>
+            <a:fillRect/>
+          </a:stretch>
+        </p:blipFill>
+        <p:spPr>
+          <a:xfrm>
+            <a:off x="8525967" y="1505956"/>
+            <a:ext cx="2480936" cy="475389"/>
+          </a:xfrm>
+          <a:prstGeom prst="rect">
+            <a:avLst/>
+          </a:prstGeom>
+        </p:spPr>
+      </p:pic>
+    </p:spTree>
+    <p:extLst>
+      <p:ext uri="{BB962C8B-B14F-4D97-AF65-F5344CB8AC3E}">
+        <p14:creationId xmlns:p14="http://schemas.microsoft.com/office/powerpoint/2010/main" val="2111520787"/>
       </p:ext>
     </p:extLst>
   </p:cSld>
@@ -8453,7 +9067,7 @@
           <a:p>
             <a:fld id="{E0F395AF-8FCF-4B60-A93E-699C7152ADDC}" type="datetimeFigureOut">
               <a:rPr lang="ro-RO" smtClean="0"/>
-              <a:t>20.04.2016</a:t>
+              <a:t>21.04.2016</a:t>
             </a:fld>
             <a:endParaRPr lang="ro-RO"/>
           </a:p>
@@ -8700,7 +9314,7 @@
           <a:p>
             <a:fld id="{E0F395AF-8FCF-4B60-A93E-699C7152ADDC}" type="datetimeFigureOut">
               <a:rPr lang="ro-RO" smtClean="0"/>
-              <a:t>20.04.2016</a:t>
+              <a:t>21.04.2016</a:t>
             </a:fld>
             <a:endParaRPr lang="ro-RO"/>
           </a:p>
@@ -8932,7 +9546,7 @@
           <a:p>
             <a:fld id="{E0F395AF-8FCF-4B60-A93E-699C7152ADDC}" type="datetimeFigureOut">
               <a:rPr lang="ro-RO" smtClean="0"/>
-              <a:t>20.04.2016</a:t>
+              <a:t>21.04.2016</a:t>
             </a:fld>
             <a:endParaRPr lang="ro-RO"/>
           </a:p>
@@ -9306,7 +9920,7 @@
           <a:p>
             <a:fld id="{E0F395AF-8FCF-4B60-A93E-699C7152ADDC}" type="datetimeFigureOut">
               <a:rPr lang="ro-RO" smtClean="0"/>
-              <a:t>20.04.2016</a:t>
+              <a:t>21.04.2016</a:t>
             </a:fld>
             <a:endParaRPr lang="ro-RO"/>
           </a:p>
@@ -9429,7 +10043,7 @@
           <a:p>
             <a:fld id="{E0F395AF-8FCF-4B60-A93E-699C7152ADDC}" type="datetimeFigureOut">
               <a:rPr lang="ro-RO" smtClean="0"/>
-              <a:t>20.04.2016</a:t>
+              <a:t>21.04.2016</a:t>
             </a:fld>
             <a:endParaRPr lang="ro-RO"/>
           </a:p>
@@ -9524,7 +10138,7 @@
           <a:p>
             <a:fld id="{E0F395AF-8FCF-4B60-A93E-699C7152ADDC}" type="datetimeFigureOut">
               <a:rPr lang="ro-RO" smtClean="0"/>
-              <a:t>20.04.2016</a:t>
+              <a:t>21.04.2016</a:t>
             </a:fld>
             <a:endParaRPr lang="ro-RO"/>
           </a:p>
@@ -9779,7 +10393,7 @@
           <a:p>
             <a:fld id="{E0F395AF-8FCF-4B60-A93E-699C7152ADDC}" type="datetimeFigureOut">
               <a:rPr lang="ro-RO" smtClean="0"/>
-              <a:t>20.04.2016</a:t>
+              <a:t>21.04.2016</a:t>
             </a:fld>
             <a:endParaRPr lang="ro-RO"/>
           </a:p>
@@ -10042,7 +10656,7 @@
           <a:p>
             <a:fld id="{E0F395AF-8FCF-4B60-A93E-699C7152ADDC}" type="datetimeFigureOut">
               <a:rPr lang="ro-RO" smtClean="0"/>
-              <a:t>20.04.2016</a:t>
+              <a:t>21.04.2016</a:t>
             </a:fld>
             <a:endParaRPr lang="ro-RO"/>
           </a:p>
@@ -10785,7 +11399,7 @@
           <a:p>
             <a:fld id="{E0F395AF-8FCF-4B60-A93E-699C7152ADDC}" type="datetimeFigureOut">
               <a:rPr lang="ro-RO" smtClean="0"/>
-              <a:t>20.04.2016</a:t>
+              <a:t>21.04.2016</a:t>
             </a:fld>
             <a:endParaRPr lang="ro-RO"/>
           </a:p>
@@ -10892,6 +11506,7 @@
     <p:sldLayoutId id="2147483674" r:id="rId14"/>
     <p:sldLayoutId id="2147483675" r:id="rId15"/>
     <p:sldLayoutId id="2147483676" r:id="rId16"/>
+    <p:sldLayoutId id="2147483677" r:id="rId17"/>
   </p:sldLayoutIdLst>
   <p:txStyles>
     <p:titleStyle>
@@ -11293,6 +11908,3190 @@
 </file>
 
 <file path=ppt/slides/slide1.xml><?xml version="1.0" encoding="utf-8"?>
+<p:sld xmlns:a="http://schemas.openxmlformats.org/drawingml/2006/main" xmlns:r="http://schemas.openxmlformats.org/officeDocument/2006/relationships" xmlns:p="http://schemas.openxmlformats.org/presentationml/2006/main" showMasterSp="0">
+  <p:cSld>
+    <p:spTree>
+      <p:nvGrpSpPr>
+        <p:cNvPr id="1" name=""/>
+        <p:cNvGrpSpPr/>
+        <p:nvPr/>
+      </p:nvGrpSpPr>
+      <p:grpSpPr>
+        <a:xfrm>
+          <a:off x="0" y="0"/>
+          <a:ext cx="0" cy="0"/>
+          <a:chOff x="0" y="0"/>
+          <a:chExt cx="0" cy="0"/>
+        </a:xfrm>
+      </p:grpSpPr>
+      <p:sp>
+        <p:nvSpPr>
+          <p:cNvPr id="4" name="Rounded Rectangle 3"/>
+          <p:cNvSpPr/>
+          <p:nvPr/>
+        </p:nvSpPr>
+        <p:spPr>
+          <a:xfrm>
+            <a:off x="1672992" y="453719"/>
+            <a:ext cx="8846016" cy="6192688"/>
+          </a:xfrm>
+          <a:prstGeom prst="roundRect">
+            <a:avLst>
+              <a:gd name="adj" fmla="val 9392"/>
+            </a:avLst>
+          </a:prstGeom>
+          <a:noFill/>
+          <a:ln w="19050" cap="flat">
+            <a:solidFill>
+              <a:schemeClr val="accent3"/>
+            </a:solidFill>
+            <a:bevel/>
+          </a:ln>
+        </p:spPr>
+        <p:style>
+          <a:lnRef idx="2">
+            <a:schemeClr val="accent3"/>
+          </a:lnRef>
+          <a:fillRef idx="1">
+            <a:schemeClr val="lt1"/>
+          </a:fillRef>
+          <a:effectRef idx="0">
+            <a:schemeClr val="accent3"/>
+          </a:effectRef>
+          <a:fontRef idx="minor">
+            <a:schemeClr val="dk1"/>
+          </a:fontRef>
+        </p:style>
+        <p:txBody>
+          <a:bodyPr rtlCol="0" anchor="ctr"/>
+          <a:lstStyle>
+            <a:defPPr>
+              <a:defRPr lang="en-US"/>
+            </a:defPPr>
+            <a:lvl1pPr marL="0" algn="l" defTabSz="914400" rtl="0" eaLnBrk="1" latinLnBrk="0" hangingPunct="1">
+              <a:defRPr sz="1800" kern="1200">
+                <a:solidFill>
+                  <a:schemeClr val="dk1"/>
+                </a:solidFill>
+                <a:latin typeface="+mn-lt"/>
+                <a:ea typeface="+mn-ea"/>
+                <a:cs typeface="+mn-cs"/>
+              </a:defRPr>
+            </a:lvl1pPr>
+            <a:lvl2pPr marL="457200" algn="l" defTabSz="914400" rtl="0" eaLnBrk="1" latinLnBrk="0" hangingPunct="1">
+              <a:defRPr sz="1800" kern="1200">
+                <a:solidFill>
+                  <a:schemeClr val="dk1"/>
+                </a:solidFill>
+                <a:latin typeface="+mn-lt"/>
+                <a:ea typeface="+mn-ea"/>
+                <a:cs typeface="+mn-cs"/>
+              </a:defRPr>
+            </a:lvl2pPr>
+            <a:lvl3pPr marL="914400" algn="l" defTabSz="914400" rtl="0" eaLnBrk="1" latinLnBrk="0" hangingPunct="1">
+              <a:defRPr sz="1800" kern="1200">
+                <a:solidFill>
+                  <a:schemeClr val="dk1"/>
+                </a:solidFill>
+                <a:latin typeface="+mn-lt"/>
+                <a:ea typeface="+mn-ea"/>
+                <a:cs typeface="+mn-cs"/>
+              </a:defRPr>
+            </a:lvl3pPr>
+            <a:lvl4pPr marL="1371600" algn="l" defTabSz="914400" rtl="0" eaLnBrk="1" latinLnBrk="0" hangingPunct="1">
+              <a:defRPr sz="1800" kern="1200">
+                <a:solidFill>
+                  <a:schemeClr val="dk1"/>
+                </a:solidFill>
+                <a:latin typeface="+mn-lt"/>
+                <a:ea typeface="+mn-ea"/>
+                <a:cs typeface="+mn-cs"/>
+              </a:defRPr>
+            </a:lvl4pPr>
+            <a:lvl5pPr marL="1828800" algn="l" defTabSz="914400" rtl="0" eaLnBrk="1" latinLnBrk="0" hangingPunct="1">
+              <a:defRPr sz="1800" kern="1200">
+                <a:solidFill>
+                  <a:schemeClr val="dk1"/>
+                </a:solidFill>
+                <a:latin typeface="+mn-lt"/>
+                <a:ea typeface="+mn-ea"/>
+                <a:cs typeface="+mn-cs"/>
+              </a:defRPr>
+            </a:lvl5pPr>
+            <a:lvl6pPr marL="2286000" algn="l" defTabSz="914400" rtl="0" eaLnBrk="1" latinLnBrk="0" hangingPunct="1">
+              <a:defRPr sz="1800" kern="1200">
+                <a:solidFill>
+                  <a:schemeClr val="dk1"/>
+                </a:solidFill>
+                <a:latin typeface="+mn-lt"/>
+                <a:ea typeface="+mn-ea"/>
+                <a:cs typeface="+mn-cs"/>
+              </a:defRPr>
+            </a:lvl6pPr>
+            <a:lvl7pPr marL="2743200" algn="l" defTabSz="914400" rtl="0" eaLnBrk="1" latinLnBrk="0" hangingPunct="1">
+              <a:defRPr sz="1800" kern="1200">
+                <a:solidFill>
+                  <a:schemeClr val="dk1"/>
+                </a:solidFill>
+                <a:latin typeface="+mn-lt"/>
+                <a:ea typeface="+mn-ea"/>
+                <a:cs typeface="+mn-cs"/>
+              </a:defRPr>
+            </a:lvl7pPr>
+            <a:lvl8pPr marL="3200400" algn="l" defTabSz="914400" rtl="0" eaLnBrk="1" latinLnBrk="0" hangingPunct="1">
+              <a:defRPr sz="1800" kern="1200">
+                <a:solidFill>
+                  <a:schemeClr val="dk1"/>
+                </a:solidFill>
+                <a:latin typeface="+mn-lt"/>
+                <a:ea typeface="+mn-ea"/>
+                <a:cs typeface="+mn-cs"/>
+              </a:defRPr>
+            </a:lvl8pPr>
+            <a:lvl9pPr marL="3657600" algn="l" defTabSz="914400" rtl="0" eaLnBrk="1" latinLnBrk="0" hangingPunct="1">
+              <a:defRPr sz="1800" kern="1200">
+                <a:solidFill>
+                  <a:schemeClr val="dk1"/>
+                </a:solidFill>
+                <a:latin typeface="+mn-lt"/>
+                <a:ea typeface="+mn-ea"/>
+                <a:cs typeface="+mn-cs"/>
+              </a:defRPr>
+            </a:lvl9pPr>
+          </a:lstStyle>
+          <a:p>
+            <a:pPr algn="ctr"/>
+            <a:endParaRPr lang="en-US" dirty="0"/>
+          </a:p>
+        </p:txBody>
+      </p:sp>
+      <p:pic>
+        <p:nvPicPr>
+          <p:cNvPr id="6" name="Picture 5"/>
+          <p:cNvPicPr>
+            <a:picLocks noChangeAspect="1"/>
+          </p:cNvPicPr>
+          <p:nvPr/>
+        </p:nvPicPr>
+        <p:blipFill>
+          <a:blip r:embed="rId3">
+            <a:clrChange>
+              <a:clrFrom>
+                <a:srgbClr val="FFFFFF"/>
+              </a:clrFrom>
+              <a:clrTo>
+                <a:srgbClr val="FFFFFF">
+                  <a:alpha val="0"/>
+                </a:srgbClr>
+              </a:clrTo>
+            </a:clrChange>
+          </a:blip>
+          <a:stretch>
+            <a:fillRect/>
+          </a:stretch>
+        </p:blipFill>
+        <p:spPr>
+          <a:xfrm>
+            <a:off x="1672992" y="-21670"/>
+            <a:ext cx="1860702" cy="475389"/>
+          </a:xfrm>
+          <a:prstGeom prst="rect">
+            <a:avLst/>
+          </a:prstGeom>
+        </p:spPr>
+      </p:pic>
+      <p:pic>
+        <p:nvPicPr>
+          <p:cNvPr id="5" name="Picture 4"/>
+          <p:cNvPicPr>
+            <a:picLocks noChangeAspect="1"/>
+          </p:cNvPicPr>
+          <p:nvPr/>
+        </p:nvPicPr>
+        <p:blipFill>
+          <a:blip r:embed="rId4" cstate="print">
+            <a:extLst>
+              <a:ext uri="{28A0092B-C50C-407E-A947-70E740481C1C}">
+                <a14:useLocalDpi xmlns:a14="http://schemas.microsoft.com/office/drawing/2010/main" val="0"/>
+              </a:ext>
+            </a:extLst>
+          </a:blip>
+          <a:stretch>
+            <a:fillRect/>
+          </a:stretch>
+        </p:blipFill>
+        <p:spPr>
+          <a:xfrm>
+            <a:off x="3096512" y="581454"/>
+            <a:ext cx="5998976" cy="5998976"/>
+          </a:xfrm>
+          <a:prstGeom prst="rect">
+            <a:avLst/>
+          </a:prstGeom>
+        </p:spPr>
+      </p:pic>
+      <p:sp>
+        <p:nvSpPr>
+          <p:cNvPr id="7" name="TextBox 6"/>
+          <p:cNvSpPr txBox="1"/>
+          <p:nvPr/>
+        </p:nvSpPr>
+        <p:spPr>
+          <a:xfrm>
+            <a:off x="5516355" y="6238"/>
+            <a:ext cx="1151341" cy="400110"/>
+          </a:xfrm>
+          <a:prstGeom prst="rect">
+            <a:avLst/>
+          </a:prstGeom>
+          <a:noFill/>
+        </p:spPr>
+        <p:txBody>
+          <a:bodyPr wrap="none" rtlCol="0">
+            <a:spAutoFit/>
+          </a:bodyPr>
+          <a:lstStyle/>
+          <a:p>
+            <a:r>
+              <a:rPr lang="en-US" sz="2000" b="1" dirty="0">
+                <a:solidFill>
+                  <a:schemeClr val="bg1"/>
+                </a:solidFill>
+                <a:latin typeface="Calibri" panose="020F0502020204030204" pitchFamily="34" charset="0"/>
+              </a:rPr>
+              <a:t>Sponsors</a:t>
+            </a:r>
+            <a:endParaRPr lang="ro-RO" sz="2000" b="1" dirty="0">
+              <a:solidFill>
+                <a:schemeClr val="bg1"/>
+              </a:solidFill>
+              <a:latin typeface="Calibri" panose="020F0502020204030204" pitchFamily="34" charset="0"/>
+            </a:endParaRPr>
+          </a:p>
+        </p:txBody>
+      </p:sp>
+    </p:spTree>
+    <p:extLst>
+      <p:ext uri="{BB962C8B-B14F-4D97-AF65-F5344CB8AC3E}">
+        <p14:creationId xmlns:p14="http://schemas.microsoft.com/office/powerpoint/2010/main" val="716840957"/>
+      </p:ext>
+    </p:extLst>
+  </p:cSld>
+  <p:clrMapOvr>
+    <a:masterClrMapping/>
+  </p:clrMapOvr>
+  <p:timing>
+    <p:tnLst>
+      <p:par>
+        <p:cTn id="1" dur="indefinite" restart="never" nodeType="tmRoot"/>
+      </p:par>
+    </p:tnLst>
+  </p:timing>
+</p:sld>
+</file>
+
+<file path=ppt/slides/slide10.xml><?xml version="1.0" encoding="utf-8"?>
+<p:sld xmlns:a="http://schemas.openxmlformats.org/drawingml/2006/main" xmlns:r="http://schemas.openxmlformats.org/officeDocument/2006/relationships" xmlns:p="http://schemas.openxmlformats.org/presentationml/2006/main">
+  <p:cSld>
+    <p:spTree>
+      <p:nvGrpSpPr>
+        <p:cNvPr id="1" name=""/>
+        <p:cNvGrpSpPr/>
+        <p:nvPr/>
+      </p:nvGrpSpPr>
+      <p:grpSpPr>
+        <a:xfrm>
+          <a:off x="0" y="0"/>
+          <a:ext cx="0" cy="0"/>
+          <a:chOff x="0" y="0"/>
+          <a:chExt cx="0" cy="0"/>
+        </a:xfrm>
+      </p:grpSpPr>
+      <p:sp>
+        <p:nvSpPr>
+          <p:cNvPr id="2" name="Title 1"/>
+          <p:cNvSpPr>
+            <a:spLocks noGrp="1"/>
+          </p:cNvSpPr>
+          <p:nvPr>
+            <p:ph type="title"/>
+          </p:nvPr>
+        </p:nvSpPr>
+        <p:spPr/>
+        <p:txBody>
+          <a:bodyPr>
+            <a:normAutofit/>
+          </a:bodyPr>
+          <a:lstStyle/>
+          <a:p>
+            <a:r>
+              <a:rPr lang="ro-RO" sz="4800" dirty="0" smtClean="0"/>
+              <a:t>printNextWay();</a:t>
+            </a:r>
+            <a:endParaRPr lang="ro-RO" sz="4800" dirty="0"/>
+          </a:p>
+        </p:txBody>
+      </p:sp>
+      <p:sp>
+        <p:nvSpPr>
+          <p:cNvPr id="3" name="Content Placeholder 2"/>
+          <p:cNvSpPr>
+            <a:spLocks noGrp="1"/>
+          </p:cNvSpPr>
+          <p:nvPr>
+            <p:ph idx="1"/>
+          </p:nvPr>
+        </p:nvSpPr>
+        <p:spPr/>
+        <p:txBody>
+          <a:bodyPr/>
+          <a:lstStyle/>
+          <a:p>
+            <a:r>
+              <a:rPr lang="ro-RO" sz="2800" dirty="0" smtClean="0"/>
+              <a:t>Spring Data</a:t>
+            </a:r>
+          </a:p>
+          <a:p>
+            <a:endParaRPr lang="ro-RO" sz="2800" dirty="0" smtClean="0"/>
+          </a:p>
+          <a:p>
+            <a:pPr lvl="1"/>
+            <a:r>
+              <a:rPr lang="ro-RO" sz="2000" dirty="0" smtClean="0"/>
+              <a:t>First release @ SpringOne 2010</a:t>
+            </a:r>
+          </a:p>
+          <a:p>
+            <a:pPr lvl="1"/>
+            <a:endParaRPr lang="ro-RO" sz="2000" dirty="0" smtClean="0"/>
+          </a:p>
+          <a:p>
+            <a:pPr lvl="1"/>
+            <a:r>
+              <a:rPr lang="ro-RO" sz="2000" dirty="0" smtClean="0"/>
+              <a:t>Provides a simple and consistent approach for working with data persistence</a:t>
+            </a:r>
+          </a:p>
+          <a:p>
+            <a:pPr lvl="1"/>
+            <a:endParaRPr lang="ro-RO" sz="2000" dirty="0" smtClean="0"/>
+          </a:p>
+          <a:p>
+            <a:pPr lvl="1"/>
+            <a:r>
+              <a:rPr lang="ro-RO" sz="2000" dirty="0" smtClean="0"/>
+              <a:t>Reduces the necessary effort for having the persistence layer in place</a:t>
+            </a:r>
+          </a:p>
+          <a:p>
+            <a:pPr lvl="1"/>
+            <a:endParaRPr lang="ro-RO" dirty="0"/>
+          </a:p>
+        </p:txBody>
+      </p:sp>
+    </p:spTree>
+    <p:extLst>
+      <p:ext uri="{BB962C8B-B14F-4D97-AF65-F5344CB8AC3E}">
+        <p14:creationId xmlns:p14="http://schemas.microsoft.com/office/powerpoint/2010/main" val="2517364754"/>
+      </p:ext>
+    </p:extLst>
+  </p:cSld>
+  <p:clrMapOvr>
+    <a:masterClrMapping/>
+  </p:clrMapOvr>
+  <p:timing>
+    <p:tnLst>
+      <p:par>
+        <p:cTn id="1" dur="indefinite" restart="never" nodeType="tmRoot"/>
+      </p:par>
+    </p:tnLst>
+  </p:timing>
+</p:sld>
+</file>
+
+<file path=ppt/slides/slide11.xml><?xml version="1.0" encoding="utf-8"?>
+<p:sld xmlns:a="http://schemas.openxmlformats.org/drawingml/2006/main" xmlns:r="http://schemas.openxmlformats.org/officeDocument/2006/relationships" xmlns:p="http://schemas.openxmlformats.org/presentationml/2006/main">
+  <p:cSld>
+    <p:spTree>
+      <p:nvGrpSpPr>
+        <p:cNvPr id="1" name=""/>
+        <p:cNvGrpSpPr/>
+        <p:nvPr/>
+      </p:nvGrpSpPr>
+      <p:grpSpPr>
+        <a:xfrm>
+          <a:off x="0" y="0"/>
+          <a:ext cx="0" cy="0"/>
+          <a:chOff x="0" y="0"/>
+          <a:chExt cx="0" cy="0"/>
+        </a:xfrm>
+      </p:grpSpPr>
+      <p:sp>
+        <p:nvSpPr>
+          <p:cNvPr id="2" name="Title 1"/>
+          <p:cNvSpPr>
+            <a:spLocks noGrp="1"/>
+          </p:cNvSpPr>
+          <p:nvPr>
+            <p:ph type="title"/>
+          </p:nvPr>
+        </p:nvSpPr>
+        <p:spPr/>
+        <p:txBody>
+          <a:bodyPr>
+            <a:normAutofit/>
+          </a:bodyPr>
+          <a:lstStyle/>
+          <a:p>
+            <a:r>
+              <a:rPr lang="ro-RO" sz="4800" dirty="0" smtClean="0"/>
+              <a:t>getRepository();</a:t>
+            </a:r>
+            <a:endParaRPr lang="ro-RO" sz="4800" dirty="0"/>
+          </a:p>
+        </p:txBody>
+      </p:sp>
+      <p:sp>
+        <p:nvSpPr>
+          <p:cNvPr id="3" name="Content Placeholder 2"/>
+          <p:cNvSpPr>
+            <a:spLocks noGrp="1"/>
+          </p:cNvSpPr>
+          <p:nvPr>
+            <p:ph idx="1"/>
+          </p:nvPr>
+        </p:nvSpPr>
+        <p:spPr/>
+        <p:txBody>
+          <a:bodyPr/>
+          <a:lstStyle/>
+          <a:p>
+            <a:pPr marL="342900" lvl="1" indent="-342900"/>
+            <a:r>
+              <a:rPr lang="ro-RO" sz="2800" i="1" dirty="0"/>
+              <a:t>The goal of Spring Data repository abstraction is to significantly reduce the amount of boilerplate code required to implement data access layers for various persistence stores</a:t>
+            </a:r>
+            <a:r>
+              <a:rPr lang="ro-RO" sz="2800" i="1" dirty="0" smtClean="0"/>
+              <a:t>.</a:t>
+            </a:r>
+            <a:r>
+              <a:rPr lang="ro-RO" sz="2800" dirty="0" smtClean="0"/>
+              <a:t> </a:t>
+            </a:r>
+          </a:p>
+          <a:p>
+            <a:pPr marL="0" lvl="1" indent="0">
+              <a:buNone/>
+            </a:pPr>
+            <a:r>
+              <a:rPr lang="ro-RO" sz="2800" dirty="0" smtClean="0"/>
+              <a:t>			– </a:t>
+            </a:r>
+            <a:r>
+              <a:rPr lang="ro-RO" sz="2000" dirty="0"/>
+              <a:t>This is what Spring officialy says</a:t>
+            </a:r>
+            <a:r>
+              <a:rPr lang="ro-RO" sz="2000" dirty="0" smtClean="0"/>
+              <a:t>.</a:t>
+            </a:r>
+            <a:endParaRPr lang="ro-RO" sz="2800" dirty="0" smtClean="0"/>
+          </a:p>
+          <a:p>
+            <a:pPr marL="342900" lvl="1" indent="-342900"/>
+            <a:r>
+              <a:rPr lang="ro-RO" sz="2800" dirty="0" smtClean="0"/>
+              <a:t>The central interface for repository abstraction is ... Repository </a:t>
+            </a:r>
+            <a:r>
+              <a:rPr lang="ro-RO" sz="2800" dirty="0" smtClean="0">
+                <a:sym typeface="Wingdings" panose="05000000000000000000" pitchFamily="2" charset="2"/>
+              </a:rPr>
+              <a:t></a:t>
+            </a:r>
+            <a:endParaRPr lang="ro-RO" sz="2800" dirty="0" smtClean="0"/>
+          </a:p>
+          <a:p>
+            <a:pPr marL="1771650" lvl="5" indent="0">
+              <a:buNone/>
+            </a:pPr>
+            <a:endParaRPr lang="ro-RO" sz="2800" dirty="0"/>
+          </a:p>
+          <a:p>
+            <a:endParaRPr lang="ro-RO" dirty="0"/>
+          </a:p>
+        </p:txBody>
+      </p:sp>
+    </p:spTree>
+    <p:extLst>
+      <p:ext uri="{BB962C8B-B14F-4D97-AF65-F5344CB8AC3E}">
+        <p14:creationId xmlns:p14="http://schemas.microsoft.com/office/powerpoint/2010/main" val="2899752403"/>
+      </p:ext>
+    </p:extLst>
+  </p:cSld>
+  <p:clrMapOvr>
+    <a:masterClrMapping/>
+  </p:clrMapOvr>
+  <p:timing>
+    <p:tnLst>
+      <p:par>
+        <p:cTn id="1" dur="indefinite" restart="never" nodeType="tmRoot"/>
+      </p:par>
+    </p:tnLst>
+  </p:timing>
+</p:sld>
+</file>
+
+<file path=ppt/slides/slide12.xml><?xml version="1.0" encoding="utf-8"?>
+<p:sld xmlns:a="http://schemas.openxmlformats.org/drawingml/2006/main" xmlns:r="http://schemas.openxmlformats.org/officeDocument/2006/relationships" xmlns:p="http://schemas.openxmlformats.org/presentationml/2006/main">
+  <p:cSld>
+    <p:spTree>
+      <p:nvGrpSpPr>
+        <p:cNvPr id="1" name=""/>
+        <p:cNvGrpSpPr/>
+        <p:nvPr/>
+      </p:nvGrpSpPr>
+      <p:grpSpPr>
+        <a:xfrm>
+          <a:off x="0" y="0"/>
+          <a:ext cx="0" cy="0"/>
+          <a:chOff x="0" y="0"/>
+          <a:chExt cx="0" cy="0"/>
+        </a:xfrm>
+      </p:grpSpPr>
+      <p:sp>
+        <p:nvSpPr>
+          <p:cNvPr id="2" name="Title 1"/>
+          <p:cNvSpPr>
+            <a:spLocks noGrp="1"/>
+          </p:cNvSpPr>
+          <p:nvPr>
+            <p:ph type="title"/>
+          </p:nvPr>
+        </p:nvSpPr>
+        <p:spPr/>
+        <p:txBody>
+          <a:bodyPr>
+            <a:normAutofit/>
+          </a:bodyPr>
+          <a:lstStyle/>
+          <a:p>
+            <a:r>
+              <a:rPr lang="ro-RO" sz="4800" dirty="0" smtClean="0"/>
+              <a:t>getRepository();</a:t>
+            </a:r>
+            <a:endParaRPr lang="ro-RO" sz="4800" dirty="0"/>
+          </a:p>
+        </p:txBody>
+      </p:sp>
+      <p:sp>
+        <p:nvSpPr>
+          <p:cNvPr id="3" name="Content Placeholder 2"/>
+          <p:cNvSpPr>
+            <a:spLocks noGrp="1"/>
+          </p:cNvSpPr>
+          <p:nvPr>
+            <p:ph idx="1"/>
+          </p:nvPr>
+        </p:nvSpPr>
+        <p:spPr/>
+        <p:txBody>
+          <a:bodyPr/>
+          <a:lstStyle/>
+          <a:p>
+            <a:pPr marL="1771650" lvl="5" indent="0">
+              <a:buNone/>
+            </a:pPr>
+            <a:endParaRPr lang="ro-RO" sz="2800" dirty="0"/>
+          </a:p>
+          <a:p>
+            <a:endParaRPr lang="ro-RO" dirty="0"/>
+          </a:p>
+        </p:txBody>
+      </p:sp>
+      <p:pic>
+        <p:nvPicPr>
+          <p:cNvPr id="5" name="Picture 4"/>
+          <p:cNvPicPr>
+            <a:picLocks noChangeAspect="1"/>
+          </p:cNvPicPr>
+          <p:nvPr/>
+        </p:nvPicPr>
+        <p:blipFill>
+          <a:blip r:embed="rId3">
+            <a:extLst>
+              <a:ext uri="{28A0092B-C50C-407E-A947-70E740481C1C}">
+                <a14:useLocalDpi xmlns:a14="http://schemas.microsoft.com/office/drawing/2010/main" val="0"/>
+              </a:ext>
+            </a:extLst>
+          </a:blip>
+          <a:stretch>
+            <a:fillRect/>
+          </a:stretch>
+        </p:blipFill>
+        <p:spPr>
+          <a:xfrm>
+            <a:off x="677334" y="2690676"/>
+            <a:ext cx="8968149" cy="2239133"/>
+          </a:xfrm>
+          <a:prstGeom prst="rect">
+            <a:avLst/>
+          </a:prstGeom>
+        </p:spPr>
+      </p:pic>
+    </p:spTree>
+    <p:extLst>
+      <p:ext uri="{BB962C8B-B14F-4D97-AF65-F5344CB8AC3E}">
+        <p14:creationId xmlns:p14="http://schemas.microsoft.com/office/powerpoint/2010/main" val="3571020140"/>
+      </p:ext>
+    </p:extLst>
+  </p:cSld>
+  <p:clrMapOvr>
+    <a:masterClrMapping/>
+  </p:clrMapOvr>
+  <p:timing>
+    <p:tnLst>
+      <p:par>
+        <p:cTn id="1" dur="indefinite" restart="never" nodeType="tmRoot"/>
+      </p:par>
+    </p:tnLst>
+  </p:timing>
+</p:sld>
+</file>
+
+<file path=ppt/slides/slide13.xml><?xml version="1.0" encoding="utf-8"?>
+<p:sld xmlns:a="http://schemas.openxmlformats.org/drawingml/2006/main" xmlns:r="http://schemas.openxmlformats.org/officeDocument/2006/relationships" xmlns:p="http://schemas.openxmlformats.org/presentationml/2006/main">
+  <p:cSld>
+    <p:spTree>
+      <p:nvGrpSpPr>
+        <p:cNvPr id="1" name=""/>
+        <p:cNvGrpSpPr/>
+        <p:nvPr/>
+      </p:nvGrpSpPr>
+      <p:grpSpPr>
+        <a:xfrm>
+          <a:off x="0" y="0"/>
+          <a:ext cx="0" cy="0"/>
+          <a:chOff x="0" y="0"/>
+          <a:chExt cx="0" cy="0"/>
+        </a:xfrm>
+      </p:grpSpPr>
+      <p:sp>
+        <p:nvSpPr>
+          <p:cNvPr id="2" name="Title 1"/>
+          <p:cNvSpPr>
+            <a:spLocks noGrp="1"/>
+          </p:cNvSpPr>
+          <p:nvPr>
+            <p:ph type="title"/>
+          </p:nvPr>
+        </p:nvSpPr>
+        <p:spPr>
+          <a:xfrm>
+            <a:off x="677334" y="609600"/>
+            <a:ext cx="8596668" cy="848139"/>
+          </a:xfrm>
+        </p:spPr>
+        <p:txBody>
+          <a:bodyPr>
+            <a:normAutofit/>
+          </a:bodyPr>
+          <a:lstStyle/>
+          <a:p>
+            <a:r>
+              <a:rPr lang="ro-RO" sz="4800" dirty="0"/>
+              <a:t>getRepository();</a:t>
+            </a:r>
+          </a:p>
+        </p:txBody>
+      </p:sp>
+      <p:sp>
+        <p:nvSpPr>
+          <p:cNvPr id="3" name="Content Placeholder 2"/>
+          <p:cNvSpPr>
+            <a:spLocks noGrp="1"/>
+          </p:cNvSpPr>
+          <p:nvPr>
+            <p:ph idx="1"/>
+          </p:nvPr>
+        </p:nvSpPr>
+        <p:spPr/>
+        <p:txBody>
+          <a:bodyPr/>
+          <a:lstStyle/>
+          <a:p>
+            <a:r>
+              <a:rPr lang="ro-RO" sz="2800" dirty="0" smtClean="0"/>
+              <a:t>Configuration ?</a:t>
+            </a:r>
+          </a:p>
+          <a:p>
+            <a:pPr marL="457200" lvl="1" indent="0">
+              <a:buNone/>
+            </a:pPr>
+            <a:endParaRPr lang="ro-RO" i="1" dirty="0" smtClean="0"/>
+          </a:p>
+          <a:p>
+            <a:pPr lvl="1"/>
+            <a:endParaRPr lang="ro-RO" dirty="0"/>
+          </a:p>
+        </p:txBody>
+      </p:sp>
+      <p:pic>
+        <p:nvPicPr>
+          <p:cNvPr id="5" name="Picture 4"/>
+          <p:cNvPicPr>
+            <a:picLocks noChangeAspect="1"/>
+          </p:cNvPicPr>
+          <p:nvPr/>
+        </p:nvPicPr>
+        <p:blipFill>
+          <a:blip r:embed="rId2">
+            <a:extLst>
+              <a:ext uri="{28A0092B-C50C-407E-A947-70E740481C1C}">
+                <a14:useLocalDpi xmlns:a14="http://schemas.microsoft.com/office/drawing/2010/main" val="0"/>
+              </a:ext>
+            </a:extLst>
+          </a:blip>
+          <a:stretch>
+            <a:fillRect/>
+          </a:stretch>
+        </p:blipFill>
+        <p:spPr>
+          <a:xfrm>
+            <a:off x="1264397" y="2996151"/>
+            <a:ext cx="5997586" cy="542179"/>
+          </a:xfrm>
+          <a:prstGeom prst="rect">
+            <a:avLst/>
+          </a:prstGeom>
+        </p:spPr>
+      </p:pic>
+      <p:pic>
+        <p:nvPicPr>
+          <p:cNvPr id="6" name="Picture 5"/>
+          <p:cNvPicPr>
+            <a:picLocks noChangeAspect="1"/>
+          </p:cNvPicPr>
+          <p:nvPr/>
+        </p:nvPicPr>
+        <p:blipFill>
+          <a:blip r:embed="rId3">
+            <a:extLst>
+              <a:ext uri="{28A0092B-C50C-407E-A947-70E740481C1C}">
+                <a14:useLocalDpi xmlns:a14="http://schemas.microsoft.com/office/drawing/2010/main" val="0"/>
+              </a:ext>
+            </a:extLst>
+          </a:blip>
+          <a:stretch>
+            <a:fillRect/>
+          </a:stretch>
+        </p:blipFill>
+        <p:spPr>
+          <a:xfrm>
+            <a:off x="1264396" y="4100975"/>
+            <a:ext cx="5997587" cy="421623"/>
+          </a:xfrm>
+          <a:prstGeom prst="rect">
+            <a:avLst/>
+          </a:prstGeom>
+        </p:spPr>
+      </p:pic>
+    </p:spTree>
+    <p:extLst>
+      <p:ext uri="{BB962C8B-B14F-4D97-AF65-F5344CB8AC3E}">
+        <p14:creationId xmlns:p14="http://schemas.microsoft.com/office/powerpoint/2010/main" val="1350484929"/>
+      </p:ext>
+    </p:extLst>
+  </p:cSld>
+  <p:clrMapOvr>
+    <a:masterClrMapping/>
+  </p:clrMapOvr>
+  <p:timing>
+    <p:tnLst>
+      <p:par>
+        <p:cTn id="1" dur="indefinite" restart="never" nodeType="tmRoot"/>
+      </p:par>
+    </p:tnLst>
+  </p:timing>
+</p:sld>
+</file>
+
+<file path=ppt/slides/slide14.xml><?xml version="1.0" encoding="utf-8"?>
+<p:sld xmlns:a="http://schemas.openxmlformats.org/drawingml/2006/main" xmlns:r="http://schemas.openxmlformats.org/officeDocument/2006/relationships" xmlns:p="http://schemas.openxmlformats.org/presentationml/2006/main">
+  <p:cSld>
+    <p:spTree>
+      <p:nvGrpSpPr>
+        <p:cNvPr id="1" name=""/>
+        <p:cNvGrpSpPr/>
+        <p:nvPr/>
+      </p:nvGrpSpPr>
+      <p:grpSpPr>
+        <a:xfrm>
+          <a:off x="0" y="0"/>
+          <a:ext cx="0" cy="0"/>
+          <a:chOff x="0" y="0"/>
+          <a:chExt cx="0" cy="0"/>
+        </a:xfrm>
+      </p:grpSpPr>
+      <p:sp>
+        <p:nvSpPr>
+          <p:cNvPr id="2" name="Title 1"/>
+          <p:cNvSpPr>
+            <a:spLocks noGrp="1"/>
+          </p:cNvSpPr>
+          <p:nvPr>
+            <p:ph type="title"/>
+          </p:nvPr>
+        </p:nvSpPr>
+        <p:spPr/>
+        <p:txBody>
+          <a:bodyPr>
+            <a:normAutofit/>
+          </a:bodyPr>
+          <a:lstStyle/>
+          <a:p>
+            <a:r>
+              <a:rPr lang="ro-RO" sz="4800" dirty="0"/>
+              <a:t>getRepository();</a:t>
+            </a:r>
+          </a:p>
+        </p:txBody>
+      </p:sp>
+      <p:pic>
+        <p:nvPicPr>
+          <p:cNvPr id="6" name="Content Placeholder 5"/>
+          <p:cNvPicPr>
+            <a:picLocks noGrp="1" noChangeAspect="1"/>
+          </p:cNvPicPr>
+          <p:nvPr>
+            <p:ph idx="1"/>
+          </p:nvPr>
+        </p:nvPicPr>
+        <p:blipFill>
+          <a:blip r:embed="rId2">
+            <a:extLst>
+              <a:ext uri="{28A0092B-C50C-407E-A947-70E740481C1C}">
+                <a14:useLocalDpi xmlns:a14="http://schemas.microsoft.com/office/drawing/2010/main" val="0"/>
+              </a:ext>
+            </a:extLst>
+          </a:blip>
+          <a:stretch>
+            <a:fillRect/>
+          </a:stretch>
+        </p:blipFill>
+        <p:spPr>
+          <a:xfrm>
+            <a:off x="677334" y="1930400"/>
+            <a:ext cx="8398428" cy="1077844"/>
+          </a:xfrm>
+        </p:spPr>
+      </p:pic>
+      <p:pic>
+        <p:nvPicPr>
+          <p:cNvPr id="7" name="Picture 6"/>
+          <p:cNvPicPr>
+            <a:picLocks noChangeAspect="1"/>
+          </p:cNvPicPr>
+          <p:nvPr/>
+        </p:nvPicPr>
+        <p:blipFill>
+          <a:blip r:embed="rId3">
+            <a:extLst>
+              <a:ext uri="{28A0092B-C50C-407E-A947-70E740481C1C}">
+                <a14:useLocalDpi xmlns:a14="http://schemas.microsoft.com/office/drawing/2010/main" val="0"/>
+              </a:ext>
+            </a:extLst>
+          </a:blip>
+          <a:stretch>
+            <a:fillRect/>
+          </a:stretch>
+        </p:blipFill>
+        <p:spPr>
+          <a:xfrm>
+            <a:off x="677334" y="3429496"/>
+            <a:ext cx="8398428" cy="1765355"/>
+          </a:xfrm>
+          <a:prstGeom prst="rect">
+            <a:avLst/>
+          </a:prstGeom>
+        </p:spPr>
+      </p:pic>
+    </p:spTree>
+    <p:extLst>
+      <p:ext uri="{BB962C8B-B14F-4D97-AF65-F5344CB8AC3E}">
+        <p14:creationId xmlns:p14="http://schemas.microsoft.com/office/powerpoint/2010/main" val="1841581089"/>
+      </p:ext>
+    </p:extLst>
+  </p:cSld>
+  <p:clrMapOvr>
+    <a:masterClrMapping/>
+  </p:clrMapOvr>
+  <p:timing>
+    <p:tnLst>
+      <p:par>
+        <p:cTn id="1" dur="indefinite" restart="never" nodeType="tmRoot"/>
+      </p:par>
+    </p:tnLst>
+  </p:timing>
+</p:sld>
+</file>
+
+<file path=ppt/slides/slide15.xml><?xml version="1.0" encoding="utf-8"?>
+<p:sld xmlns:a="http://schemas.openxmlformats.org/drawingml/2006/main" xmlns:r="http://schemas.openxmlformats.org/officeDocument/2006/relationships" xmlns:p="http://schemas.openxmlformats.org/presentationml/2006/main">
+  <p:cSld>
+    <p:spTree>
+      <p:nvGrpSpPr>
+        <p:cNvPr id="1" name=""/>
+        <p:cNvGrpSpPr/>
+        <p:nvPr/>
+      </p:nvGrpSpPr>
+      <p:grpSpPr>
+        <a:xfrm>
+          <a:off x="0" y="0"/>
+          <a:ext cx="0" cy="0"/>
+          <a:chOff x="0" y="0"/>
+          <a:chExt cx="0" cy="0"/>
+        </a:xfrm>
+      </p:grpSpPr>
+      <p:sp>
+        <p:nvSpPr>
+          <p:cNvPr id="2" name="Title 1"/>
+          <p:cNvSpPr>
+            <a:spLocks noGrp="1"/>
+          </p:cNvSpPr>
+          <p:nvPr>
+            <p:ph type="title"/>
+          </p:nvPr>
+        </p:nvSpPr>
+        <p:spPr/>
+        <p:txBody>
+          <a:bodyPr>
+            <a:normAutofit/>
+          </a:bodyPr>
+          <a:lstStyle/>
+          <a:p>
+            <a:r>
+              <a:rPr lang="ro-RO" sz="4800" dirty="0"/>
+              <a:t>getRepository();</a:t>
+            </a:r>
+          </a:p>
+        </p:txBody>
+      </p:sp>
+      <p:pic>
+        <p:nvPicPr>
+          <p:cNvPr id="4" name="Picture 3"/>
+          <p:cNvPicPr>
+            <a:picLocks noChangeAspect="1"/>
+          </p:cNvPicPr>
+          <p:nvPr/>
+        </p:nvPicPr>
+        <p:blipFill>
+          <a:blip r:embed="rId3">
+            <a:extLst>
+              <a:ext uri="{28A0092B-C50C-407E-A947-70E740481C1C}">
+                <a14:useLocalDpi xmlns:a14="http://schemas.microsoft.com/office/drawing/2010/main" val="0"/>
+              </a:ext>
+            </a:extLst>
+          </a:blip>
+          <a:stretch>
+            <a:fillRect/>
+          </a:stretch>
+        </p:blipFill>
+        <p:spPr>
+          <a:xfrm>
+            <a:off x="901559" y="1497102"/>
+            <a:ext cx="7871382" cy="5195246"/>
+          </a:xfrm>
+          <a:prstGeom prst="rect">
+            <a:avLst/>
+          </a:prstGeom>
+        </p:spPr>
+      </p:pic>
+    </p:spTree>
+    <p:extLst>
+      <p:ext uri="{BB962C8B-B14F-4D97-AF65-F5344CB8AC3E}">
+        <p14:creationId xmlns:p14="http://schemas.microsoft.com/office/powerpoint/2010/main" val="4268079551"/>
+      </p:ext>
+    </p:extLst>
+  </p:cSld>
+  <p:clrMapOvr>
+    <a:masterClrMapping/>
+  </p:clrMapOvr>
+  <p:timing>
+    <p:tnLst>
+      <p:par>
+        <p:cTn id="1" dur="indefinite" restart="never" nodeType="tmRoot"/>
+      </p:par>
+    </p:tnLst>
+  </p:timing>
+</p:sld>
+</file>
+
+<file path=ppt/slides/slide16.xml><?xml version="1.0" encoding="utf-8"?>
+<p:sld xmlns:a="http://schemas.openxmlformats.org/drawingml/2006/main" xmlns:r="http://schemas.openxmlformats.org/officeDocument/2006/relationships" xmlns:p="http://schemas.openxmlformats.org/presentationml/2006/main">
+  <p:cSld>
+    <p:spTree>
+      <p:nvGrpSpPr>
+        <p:cNvPr id="1" name=""/>
+        <p:cNvGrpSpPr/>
+        <p:nvPr/>
+      </p:nvGrpSpPr>
+      <p:grpSpPr>
+        <a:xfrm>
+          <a:off x="0" y="0"/>
+          <a:ext cx="0" cy="0"/>
+          <a:chOff x="0" y="0"/>
+          <a:chExt cx="0" cy="0"/>
+        </a:xfrm>
+      </p:grpSpPr>
+      <p:sp>
+        <p:nvSpPr>
+          <p:cNvPr id="2" name="Title 1"/>
+          <p:cNvSpPr>
+            <a:spLocks noGrp="1"/>
+          </p:cNvSpPr>
+          <p:nvPr>
+            <p:ph type="title"/>
+          </p:nvPr>
+        </p:nvSpPr>
+        <p:spPr>
+          <a:xfrm>
+            <a:off x="677334" y="609600"/>
+            <a:ext cx="8596668" cy="874643"/>
+          </a:xfrm>
+        </p:spPr>
+        <p:txBody>
+          <a:bodyPr>
+            <a:normAutofit/>
+          </a:bodyPr>
+          <a:lstStyle/>
+          <a:p>
+            <a:r>
+              <a:rPr lang="ro-RO" sz="4800" dirty="0" smtClean="0"/>
+              <a:t>findBySomething();</a:t>
+            </a:r>
+            <a:endParaRPr lang="ro-RO" sz="4800" dirty="0"/>
+          </a:p>
+        </p:txBody>
+      </p:sp>
+      <p:sp>
+        <p:nvSpPr>
+          <p:cNvPr id="3" name="Content Placeholder 2"/>
+          <p:cNvSpPr>
+            <a:spLocks noGrp="1"/>
+          </p:cNvSpPr>
+          <p:nvPr>
+            <p:ph idx="1"/>
+          </p:nvPr>
+        </p:nvSpPr>
+        <p:spPr/>
+        <p:txBody>
+          <a:bodyPr>
+            <a:normAutofit lnSpcReduction="10000"/>
+          </a:bodyPr>
+          <a:lstStyle/>
+          <a:p>
+            <a:r>
+              <a:rPr lang="ro-RO" sz="2800" dirty="0" smtClean="0"/>
+              <a:t>Query methods</a:t>
+            </a:r>
+          </a:p>
+          <a:p>
+            <a:endParaRPr lang="ro-RO" sz="2800" dirty="0" smtClean="0"/>
+          </a:p>
+          <a:p>
+            <a:pPr lvl="1"/>
+            <a:r>
+              <a:rPr lang="ro-RO" sz="2000" dirty="0" smtClean="0"/>
+              <a:t>findBy, getBy, queryBy, removeBy, deleteBy, countBy</a:t>
+            </a:r>
+          </a:p>
+          <a:p>
+            <a:pPr lvl="1"/>
+            <a:endParaRPr lang="ro-RO" sz="2000" dirty="0" smtClean="0"/>
+          </a:p>
+          <a:p>
+            <a:pPr lvl="1"/>
+            <a:r>
+              <a:rPr lang="ro-RO" sz="2000" dirty="0" smtClean="0"/>
+              <a:t>findDistinctBy, findFirst3, findTop3</a:t>
+            </a:r>
+          </a:p>
+          <a:p>
+            <a:pPr lvl="1"/>
+            <a:endParaRPr lang="ro-RO" sz="2000" dirty="0" smtClean="0"/>
+          </a:p>
+          <a:p>
+            <a:pPr lvl="1"/>
+            <a:r>
+              <a:rPr lang="ro-RO" sz="2000" dirty="0" smtClean="0"/>
+              <a:t>findByFirstNameAndLastNameOrderByAgeDesc</a:t>
+            </a:r>
+          </a:p>
+          <a:p>
+            <a:pPr lvl="1"/>
+            <a:endParaRPr lang="ro-RO" sz="2000" dirty="0" smtClean="0"/>
+          </a:p>
+          <a:p>
+            <a:pPr lvl="1"/>
+            <a:r>
+              <a:rPr lang="ro-RO" sz="2000" dirty="0" smtClean="0"/>
+              <a:t>findByDocumentDocumentDate, findByDocument_DocumentDate</a:t>
+            </a:r>
+          </a:p>
+          <a:p>
+            <a:pPr lvl="1"/>
+            <a:endParaRPr lang="ro-RO" sz="2600" dirty="0"/>
+          </a:p>
+        </p:txBody>
+      </p:sp>
+    </p:spTree>
+    <p:extLst>
+      <p:ext uri="{BB962C8B-B14F-4D97-AF65-F5344CB8AC3E}">
+        <p14:creationId xmlns:p14="http://schemas.microsoft.com/office/powerpoint/2010/main" val="3466551851"/>
+      </p:ext>
+    </p:extLst>
+  </p:cSld>
+  <p:clrMapOvr>
+    <a:masterClrMapping/>
+  </p:clrMapOvr>
+  <p:timing>
+    <p:tnLst>
+      <p:par>
+        <p:cTn id="1" dur="indefinite" restart="never" nodeType="tmRoot"/>
+      </p:par>
+    </p:tnLst>
+  </p:timing>
+</p:sld>
+</file>
+
+<file path=ppt/slides/slide17.xml><?xml version="1.0" encoding="utf-8"?>
+<p:sld xmlns:a="http://schemas.openxmlformats.org/drawingml/2006/main" xmlns:r="http://schemas.openxmlformats.org/officeDocument/2006/relationships" xmlns:p="http://schemas.openxmlformats.org/presentationml/2006/main">
+  <p:cSld>
+    <p:spTree>
+      <p:nvGrpSpPr>
+        <p:cNvPr id="1" name=""/>
+        <p:cNvGrpSpPr/>
+        <p:nvPr/>
+      </p:nvGrpSpPr>
+      <p:grpSpPr>
+        <a:xfrm>
+          <a:off x="0" y="0"/>
+          <a:ext cx="0" cy="0"/>
+          <a:chOff x="0" y="0"/>
+          <a:chExt cx="0" cy="0"/>
+        </a:xfrm>
+      </p:grpSpPr>
+      <p:sp>
+        <p:nvSpPr>
+          <p:cNvPr id="2" name="Title 1"/>
+          <p:cNvSpPr>
+            <a:spLocks noGrp="1"/>
+          </p:cNvSpPr>
+          <p:nvPr>
+            <p:ph type="title"/>
+          </p:nvPr>
+        </p:nvSpPr>
+        <p:spPr>
+          <a:xfrm>
+            <a:off x="677334" y="609600"/>
+            <a:ext cx="8596668" cy="874643"/>
+          </a:xfrm>
+        </p:spPr>
+        <p:txBody>
+          <a:bodyPr>
+            <a:normAutofit/>
+          </a:bodyPr>
+          <a:lstStyle/>
+          <a:p>
+            <a:r>
+              <a:rPr lang="ro-RO" sz="4800" dirty="0" smtClean="0"/>
+              <a:t>findBySomething();</a:t>
+            </a:r>
+            <a:endParaRPr lang="ro-RO" sz="4800" dirty="0"/>
+          </a:p>
+        </p:txBody>
+      </p:sp>
+      <p:sp>
+        <p:nvSpPr>
+          <p:cNvPr id="3" name="Content Placeholder 2"/>
+          <p:cNvSpPr>
+            <a:spLocks noGrp="1"/>
+          </p:cNvSpPr>
+          <p:nvPr>
+            <p:ph idx="1"/>
+          </p:nvPr>
+        </p:nvSpPr>
+        <p:spPr/>
+        <p:txBody>
+          <a:bodyPr>
+            <a:normAutofit/>
+          </a:bodyPr>
+          <a:lstStyle/>
+          <a:p>
+            <a:r>
+              <a:rPr lang="ro-RO" sz="2800" dirty="0" smtClean="0"/>
+              <a:t>Keywords</a:t>
+            </a:r>
+          </a:p>
+          <a:p>
+            <a:pPr lvl="1"/>
+            <a:r>
+              <a:rPr lang="ro-RO" sz="2000" dirty="0" smtClean="0"/>
+              <a:t>And, Or, Is, Equals, Between, LessThan, LessThanEqual, After/Before, IsNull, IsNotNull, Like, NotLike, StartingWith, Containing, OrderBy, Not, In, True, False, IgnoreCase, Regex etc.</a:t>
+            </a:r>
+          </a:p>
+          <a:p>
+            <a:pPr lvl="1"/>
+            <a:endParaRPr lang="ro-RO" sz="2000" dirty="0" smtClean="0"/>
+          </a:p>
+          <a:p>
+            <a:r>
+              <a:rPr lang="ro-RO" sz="2800" dirty="0" smtClean="0"/>
+              <a:t>Return types</a:t>
+            </a:r>
+          </a:p>
+          <a:p>
+            <a:pPr lvl="1"/>
+            <a:r>
+              <a:rPr lang="ro-RO" sz="2000" dirty="0" smtClean="0"/>
+              <a:t>Void, Primitives, Wrapper types, T, Iterator&lt;T&gt;, Collection&gt;T&gt;</a:t>
+            </a:r>
+            <a:endParaRPr lang="ro-RO" sz="2000" dirty="0"/>
+          </a:p>
+        </p:txBody>
+      </p:sp>
+    </p:spTree>
+    <p:extLst>
+      <p:ext uri="{BB962C8B-B14F-4D97-AF65-F5344CB8AC3E}">
+        <p14:creationId xmlns:p14="http://schemas.microsoft.com/office/powerpoint/2010/main" val="3889699968"/>
+      </p:ext>
+    </p:extLst>
+  </p:cSld>
+  <p:clrMapOvr>
+    <a:masterClrMapping/>
+  </p:clrMapOvr>
+  <p:timing>
+    <p:tnLst>
+      <p:par>
+        <p:cTn id="1" dur="indefinite" restart="never" nodeType="tmRoot"/>
+      </p:par>
+    </p:tnLst>
+  </p:timing>
+</p:sld>
+</file>
+
+<file path=ppt/slides/slide18.xml><?xml version="1.0" encoding="utf-8"?>
+<p:sld xmlns:a="http://schemas.openxmlformats.org/drawingml/2006/main" xmlns:r="http://schemas.openxmlformats.org/officeDocument/2006/relationships" xmlns:p="http://schemas.openxmlformats.org/presentationml/2006/main">
+  <p:cSld>
+    <p:spTree>
+      <p:nvGrpSpPr>
+        <p:cNvPr id="1" name=""/>
+        <p:cNvGrpSpPr/>
+        <p:nvPr/>
+      </p:nvGrpSpPr>
+      <p:grpSpPr>
+        <a:xfrm>
+          <a:off x="0" y="0"/>
+          <a:ext cx="0" cy="0"/>
+          <a:chOff x="0" y="0"/>
+          <a:chExt cx="0" cy="0"/>
+        </a:xfrm>
+      </p:grpSpPr>
+      <p:sp>
+        <p:nvSpPr>
+          <p:cNvPr id="2" name="Title 1"/>
+          <p:cNvSpPr>
+            <a:spLocks noGrp="1"/>
+          </p:cNvSpPr>
+          <p:nvPr>
+            <p:ph type="title"/>
+          </p:nvPr>
+        </p:nvSpPr>
+        <p:spPr>
+          <a:xfrm>
+            <a:off x="677334" y="609600"/>
+            <a:ext cx="8596668" cy="993913"/>
+          </a:xfrm>
+        </p:spPr>
+        <p:txBody>
+          <a:bodyPr>
+            <a:normAutofit/>
+          </a:bodyPr>
+          <a:lstStyle/>
+          <a:p>
+            <a:r>
+              <a:rPr lang="ro-RO" sz="4800" dirty="0" smtClean="0"/>
+              <a:t>queryAnnotation();</a:t>
+            </a:r>
+            <a:endParaRPr lang="ro-RO" sz="4800" dirty="0"/>
+          </a:p>
+        </p:txBody>
+      </p:sp>
+      <p:sp>
+        <p:nvSpPr>
+          <p:cNvPr id="3" name="Content Placeholder 2"/>
+          <p:cNvSpPr>
+            <a:spLocks noGrp="1"/>
+          </p:cNvSpPr>
+          <p:nvPr>
+            <p:ph idx="1"/>
+          </p:nvPr>
+        </p:nvSpPr>
+        <p:spPr/>
+        <p:txBody>
+          <a:bodyPr>
+            <a:normAutofit/>
+          </a:bodyPr>
+          <a:lstStyle/>
+          <a:p>
+            <a:r>
+              <a:rPr lang="ro-RO" sz="2800" dirty="0" smtClean="0"/>
+              <a:t>@Query</a:t>
+            </a:r>
+          </a:p>
+          <a:p>
+            <a:endParaRPr lang="ro-RO" sz="2800" dirty="0" smtClean="0"/>
+          </a:p>
+          <a:p>
+            <a:pPr lvl="1"/>
+            <a:r>
+              <a:rPr lang="ro-RO" sz="2000" dirty="0" smtClean="0"/>
+              <a:t>Supports both, JPQL and SQL queries</a:t>
+            </a:r>
+          </a:p>
+          <a:p>
+            <a:pPr lvl="1"/>
+            <a:endParaRPr lang="ro-RO" sz="2000" dirty="0" smtClean="0"/>
+          </a:p>
+          <a:p>
+            <a:pPr lvl="1"/>
+            <a:r>
+              <a:rPr lang="ro-RO" sz="2000" dirty="0" smtClean="0"/>
+              <a:t>It overrides the query method behaviour</a:t>
+            </a:r>
+          </a:p>
+          <a:p>
+            <a:pPr lvl="1"/>
+            <a:endParaRPr lang="ro-RO" sz="2000" dirty="0" smtClean="0"/>
+          </a:p>
+          <a:p>
+            <a:pPr lvl="1"/>
+            <a:r>
+              <a:rPr lang="ro-RO" sz="2000" dirty="0" smtClean="0"/>
+              <a:t>There is no naming convention</a:t>
+            </a:r>
+          </a:p>
+          <a:p>
+            <a:pPr marL="457200" lvl="1" indent="0">
+              <a:buNone/>
+            </a:pPr>
+            <a:endParaRPr lang="ro-RO" sz="2000" dirty="0"/>
+          </a:p>
+        </p:txBody>
+      </p:sp>
+    </p:spTree>
+    <p:extLst>
+      <p:ext uri="{BB962C8B-B14F-4D97-AF65-F5344CB8AC3E}">
+        <p14:creationId xmlns:p14="http://schemas.microsoft.com/office/powerpoint/2010/main" val="2382041354"/>
+      </p:ext>
+    </p:extLst>
+  </p:cSld>
+  <p:clrMapOvr>
+    <a:masterClrMapping/>
+  </p:clrMapOvr>
+  <p:timing>
+    <p:tnLst>
+      <p:par>
+        <p:cTn id="1" dur="indefinite" restart="never" nodeType="tmRoot"/>
+      </p:par>
+    </p:tnLst>
+  </p:timing>
+</p:sld>
+</file>
+
+<file path=ppt/slides/slide19.xml><?xml version="1.0" encoding="utf-8"?>
+<p:sld xmlns:a="http://schemas.openxmlformats.org/drawingml/2006/main" xmlns:r="http://schemas.openxmlformats.org/officeDocument/2006/relationships" xmlns:p="http://schemas.openxmlformats.org/presentationml/2006/main">
+  <p:cSld>
+    <p:spTree>
+      <p:nvGrpSpPr>
+        <p:cNvPr id="1" name=""/>
+        <p:cNvGrpSpPr/>
+        <p:nvPr/>
+      </p:nvGrpSpPr>
+      <p:grpSpPr>
+        <a:xfrm>
+          <a:off x="0" y="0"/>
+          <a:ext cx="0" cy="0"/>
+          <a:chOff x="0" y="0"/>
+          <a:chExt cx="0" cy="0"/>
+        </a:xfrm>
+      </p:grpSpPr>
+      <p:sp>
+        <p:nvSpPr>
+          <p:cNvPr id="2" name="Title 1"/>
+          <p:cNvSpPr>
+            <a:spLocks noGrp="1"/>
+          </p:cNvSpPr>
+          <p:nvPr>
+            <p:ph type="title"/>
+          </p:nvPr>
+        </p:nvSpPr>
+        <p:spPr>
+          <a:xfrm>
+            <a:off x="677334" y="609600"/>
+            <a:ext cx="8596668" cy="993913"/>
+          </a:xfrm>
+        </p:spPr>
+        <p:txBody>
+          <a:bodyPr>
+            <a:normAutofit/>
+          </a:bodyPr>
+          <a:lstStyle/>
+          <a:p>
+            <a:r>
+              <a:rPr lang="ro-RO" sz="4800" dirty="0" smtClean="0"/>
+              <a:t>namedQuery();</a:t>
+            </a:r>
+            <a:endParaRPr lang="ro-RO" sz="4800" dirty="0"/>
+          </a:p>
+        </p:txBody>
+      </p:sp>
+      <p:sp>
+        <p:nvSpPr>
+          <p:cNvPr id="3" name="Content Placeholder 2"/>
+          <p:cNvSpPr>
+            <a:spLocks noGrp="1"/>
+          </p:cNvSpPr>
+          <p:nvPr>
+            <p:ph idx="1"/>
+          </p:nvPr>
+        </p:nvSpPr>
+        <p:spPr/>
+        <p:txBody>
+          <a:bodyPr>
+            <a:normAutofit fontScale="92500" lnSpcReduction="20000"/>
+          </a:bodyPr>
+          <a:lstStyle/>
+          <a:p>
+            <a:r>
+              <a:rPr lang="ro-RO" sz="2800" dirty="0" smtClean="0"/>
+              <a:t>Named Queries</a:t>
+            </a:r>
+          </a:p>
+          <a:p>
+            <a:endParaRPr lang="ro-RO" sz="2800" dirty="0" smtClean="0"/>
+          </a:p>
+          <a:p>
+            <a:pPr lvl="1"/>
+            <a:r>
+              <a:rPr lang="ro-RO" sz="2000" dirty="0" smtClean="0"/>
+              <a:t>Define them in properties files, annotation (@NamedQuery , @NamedNativeQuery) or orm.xml file</a:t>
+            </a:r>
+          </a:p>
+          <a:p>
+            <a:pPr lvl="1"/>
+            <a:endParaRPr lang="ro-RO" sz="2000" dirty="0" smtClean="0"/>
+          </a:p>
+          <a:p>
+            <a:pPr lvl="1"/>
+            <a:r>
+              <a:rPr lang="ro-RO" sz="2000" dirty="0" smtClean="0"/>
+              <a:t>CodeCamper.findByEmailNamed=„...” in a property file</a:t>
+            </a:r>
+          </a:p>
+          <a:p>
+            <a:pPr lvl="1"/>
+            <a:endParaRPr lang="ro-RO" sz="2000" dirty="0"/>
+          </a:p>
+          <a:p>
+            <a:pPr lvl="1"/>
+            <a:r>
+              <a:rPr lang="ro-RO" sz="2000" dirty="0" smtClean="0"/>
+              <a:t>&lt;named-query&gt; or &lt;named-native-query&gt; in orm.xml</a:t>
+            </a:r>
+          </a:p>
+          <a:p>
+            <a:pPr lvl="1"/>
+            <a:endParaRPr lang="ro-RO" sz="2000" dirty="0" smtClean="0"/>
+          </a:p>
+          <a:p>
+            <a:pPr lvl="1"/>
+            <a:r>
+              <a:rPr lang="ro-RO" sz="2000" dirty="0" smtClean="0"/>
+              <a:t>There is no naming convention</a:t>
+            </a:r>
+          </a:p>
+          <a:p>
+            <a:pPr marL="457200" lvl="1" indent="0">
+              <a:buNone/>
+            </a:pPr>
+            <a:endParaRPr lang="ro-RO" sz="2000" dirty="0"/>
+          </a:p>
+        </p:txBody>
+      </p:sp>
+    </p:spTree>
+    <p:extLst>
+      <p:ext uri="{BB962C8B-B14F-4D97-AF65-F5344CB8AC3E}">
+        <p14:creationId xmlns:p14="http://schemas.microsoft.com/office/powerpoint/2010/main" val="964625462"/>
+      </p:ext>
+    </p:extLst>
+  </p:cSld>
+  <p:clrMapOvr>
+    <a:masterClrMapping/>
+  </p:clrMapOvr>
+  <p:timing>
+    <p:tnLst>
+      <p:par>
+        <p:cTn id="1" dur="indefinite" restart="never" nodeType="tmRoot"/>
+      </p:par>
+    </p:tnLst>
+  </p:timing>
+</p:sld>
+</file>
+
+<file path=ppt/slides/slide2.xml><?xml version="1.0" encoding="utf-8"?>
+<p:sld xmlns:a="http://schemas.openxmlformats.org/drawingml/2006/main" xmlns:r="http://schemas.openxmlformats.org/officeDocument/2006/relationships" xmlns:p="http://schemas.openxmlformats.org/presentationml/2006/main" showMasterSp="0">
+  <p:cSld>
+    <p:spTree>
+      <p:nvGrpSpPr>
+        <p:cNvPr id="1" name=""/>
+        <p:cNvGrpSpPr/>
+        <p:nvPr/>
+      </p:nvGrpSpPr>
+      <p:grpSpPr>
+        <a:xfrm>
+          <a:off x="0" y="0"/>
+          <a:ext cx="0" cy="0"/>
+          <a:chOff x="0" y="0"/>
+          <a:chExt cx="0" cy="0"/>
+        </a:xfrm>
+      </p:grpSpPr>
+      <p:sp>
+        <p:nvSpPr>
+          <p:cNvPr id="4" name="Rounded Rectangle 3"/>
+          <p:cNvSpPr/>
+          <p:nvPr/>
+        </p:nvSpPr>
+        <p:spPr>
+          <a:xfrm>
+            <a:off x="1672992" y="453719"/>
+            <a:ext cx="8846016" cy="6192688"/>
+          </a:xfrm>
+          <a:prstGeom prst="roundRect">
+            <a:avLst>
+              <a:gd name="adj" fmla="val 9392"/>
+            </a:avLst>
+          </a:prstGeom>
+          <a:noFill/>
+        </p:spPr>
+        <p:style>
+          <a:lnRef idx="2">
+            <a:schemeClr val="accent3"/>
+          </a:lnRef>
+          <a:fillRef idx="1">
+            <a:schemeClr val="lt1"/>
+          </a:fillRef>
+          <a:effectRef idx="0">
+            <a:schemeClr val="accent3"/>
+          </a:effectRef>
+          <a:fontRef idx="minor">
+            <a:schemeClr val="dk1"/>
+          </a:fontRef>
+        </p:style>
+        <p:txBody>
+          <a:bodyPr rtlCol="0" anchor="ctr"/>
+          <a:lstStyle>
+            <a:defPPr>
+              <a:defRPr lang="en-US"/>
+            </a:defPPr>
+            <a:lvl1pPr marL="0" algn="l" defTabSz="914400" rtl="0" eaLnBrk="1" latinLnBrk="0" hangingPunct="1">
+              <a:defRPr sz="1800" kern="1200">
+                <a:solidFill>
+                  <a:schemeClr val="dk1"/>
+                </a:solidFill>
+                <a:latin typeface="+mn-lt"/>
+                <a:ea typeface="+mn-ea"/>
+                <a:cs typeface="+mn-cs"/>
+              </a:defRPr>
+            </a:lvl1pPr>
+            <a:lvl2pPr marL="457200" algn="l" defTabSz="914400" rtl="0" eaLnBrk="1" latinLnBrk="0" hangingPunct="1">
+              <a:defRPr sz="1800" kern="1200">
+                <a:solidFill>
+                  <a:schemeClr val="dk1"/>
+                </a:solidFill>
+                <a:latin typeface="+mn-lt"/>
+                <a:ea typeface="+mn-ea"/>
+                <a:cs typeface="+mn-cs"/>
+              </a:defRPr>
+            </a:lvl2pPr>
+            <a:lvl3pPr marL="914400" algn="l" defTabSz="914400" rtl="0" eaLnBrk="1" latinLnBrk="0" hangingPunct="1">
+              <a:defRPr sz="1800" kern="1200">
+                <a:solidFill>
+                  <a:schemeClr val="dk1"/>
+                </a:solidFill>
+                <a:latin typeface="+mn-lt"/>
+                <a:ea typeface="+mn-ea"/>
+                <a:cs typeface="+mn-cs"/>
+              </a:defRPr>
+            </a:lvl3pPr>
+            <a:lvl4pPr marL="1371600" algn="l" defTabSz="914400" rtl="0" eaLnBrk="1" latinLnBrk="0" hangingPunct="1">
+              <a:defRPr sz="1800" kern="1200">
+                <a:solidFill>
+                  <a:schemeClr val="dk1"/>
+                </a:solidFill>
+                <a:latin typeface="+mn-lt"/>
+                <a:ea typeface="+mn-ea"/>
+                <a:cs typeface="+mn-cs"/>
+              </a:defRPr>
+            </a:lvl4pPr>
+            <a:lvl5pPr marL="1828800" algn="l" defTabSz="914400" rtl="0" eaLnBrk="1" latinLnBrk="0" hangingPunct="1">
+              <a:defRPr sz="1800" kern="1200">
+                <a:solidFill>
+                  <a:schemeClr val="dk1"/>
+                </a:solidFill>
+                <a:latin typeface="+mn-lt"/>
+                <a:ea typeface="+mn-ea"/>
+                <a:cs typeface="+mn-cs"/>
+              </a:defRPr>
+            </a:lvl5pPr>
+            <a:lvl6pPr marL="2286000" algn="l" defTabSz="914400" rtl="0" eaLnBrk="1" latinLnBrk="0" hangingPunct="1">
+              <a:defRPr sz="1800" kern="1200">
+                <a:solidFill>
+                  <a:schemeClr val="dk1"/>
+                </a:solidFill>
+                <a:latin typeface="+mn-lt"/>
+                <a:ea typeface="+mn-ea"/>
+                <a:cs typeface="+mn-cs"/>
+              </a:defRPr>
+            </a:lvl6pPr>
+            <a:lvl7pPr marL="2743200" algn="l" defTabSz="914400" rtl="0" eaLnBrk="1" latinLnBrk="0" hangingPunct="1">
+              <a:defRPr sz="1800" kern="1200">
+                <a:solidFill>
+                  <a:schemeClr val="dk1"/>
+                </a:solidFill>
+                <a:latin typeface="+mn-lt"/>
+                <a:ea typeface="+mn-ea"/>
+                <a:cs typeface="+mn-cs"/>
+              </a:defRPr>
+            </a:lvl7pPr>
+            <a:lvl8pPr marL="3200400" algn="l" defTabSz="914400" rtl="0" eaLnBrk="1" latinLnBrk="0" hangingPunct="1">
+              <a:defRPr sz="1800" kern="1200">
+                <a:solidFill>
+                  <a:schemeClr val="dk1"/>
+                </a:solidFill>
+                <a:latin typeface="+mn-lt"/>
+                <a:ea typeface="+mn-ea"/>
+                <a:cs typeface="+mn-cs"/>
+              </a:defRPr>
+            </a:lvl8pPr>
+            <a:lvl9pPr marL="3657600" algn="l" defTabSz="914400" rtl="0" eaLnBrk="1" latinLnBrk="0" hangingPunct="1">
+              <a:defRPr sz="1800" kern="1200">
+                <a:solidFill>
+                  <a:schemeClr val="dk1"/>
+                </a:solidFill>
+                <a:latin typeface="+mn-lt"/>
+                <a:ea typeface="+mn-ea"/>
+                <a:cs typeface="+mn-cs"/>
+              </a:defRPr>
+            </a:lvl9pPr>
+          </a:lstStyle>
+          <a:p>
+            <a:pPr algn="ctr"/>
+            <a:endParaRPr lang="en-US" dirty="0"/>
+          </a:p>
+        </p:txBody>
+      </p:sp>
+      <p:pic>
+        <p:nvPicPr>
+          <p:cNvPr id="7" name="Picture 6"/>
+          <p:cNvPicPr>
+            <a:picLocks noChangeAspect="1"/>
+          </p:cNvPicPr>
+          <p:nvPr/>
+        </p:nvPicPr>
+        <p:blipFill>
+          <a:blip r:embed="rId3">
+            <a:clrChange>
+              <a:clrFrom>
+                <a:srgbClr val="FFFFFF"/>
+              </a:clrFrom>
+              <a:clrTo>
+                <a:srgbClr val="FFFFFF">
+                  <a:alpha val="0"/>
+                </a:srgbClr>
+              </a:clrTo>
+            </a:clrChange>
+          </a:blip>
+          <a:stretch>
+            <a:fillRect/>
+          </a:stretch>
+        </p:blipFill>
+        <p:spPr>
+          <a:xfrm>
+            <a:off x="1672992" y="-21670"/>
+            <a:ext cx="1860702" cy="475389"/>
+          </a:xfrm>
+          <a:prstGeom prst="rect">
+            <a:avLst/>
+          </a:prstGeom>
+        </p:spPr>
+      </p:pic>
+      <p:sp>
+        <p:nvSpPr>
+          <p:cNvPr id="8" name="TextBox 7"/>
+          <p:cNvSpPr txBox="1"/>
+          <p:nvPr/>
+        </p:nvSpPr>
+        <p:spPr>
+          <a:xfrm>
+            <a:off x="5516355" y="6238"/>
+            <a:ext cx="1151341" cy="400110"/>
+          </a:xfrm>
+          <a:prstGeom prst="rect">
+            <a:avLst/>
+          </a:prstGeom>
+          <a:noFill/>
+        </p:spPr>
+        <p:txBody>
+          <a:bodyPr wrap="none" rtlCol="0">
+            <a:spAutoFit/>
+          </a:bodyPr>
+          <a:lstStyle/>
+          <a:p>
+            <a:r>
+              <a:rPr lang="en-US" sz="2000" b="1" dirty="0">
+                <a:solidFill>
+                  <a:schemeClr val="bg1"/>
+                </a:solidFill>
+                <a:latin typeface="Calibri" panose="020F0502020204030204" pitchFamily="34" charset="0"/>
+              </a:rPr>
+              <a:t>Sponsors</a:t>
+            </a:r>
+            <a:endParaRPr lang="ro-RO" sz="2000" b="1" dirty="0">
+              <a:solidFill>
+                <a:schemeClr val="bg1"/>
+              </a:solidFill>
+              <a:latin typeface="Calibri" panose="020F0502020204030204" pitchFamily="34" charset="0"/>
+            </a:endParaRPr>
+          </a:p>
+        </p:txBody>
+      </p:sp>
+      <p:pic>
+        <p:nvPicPr>
+          <p:cNvPr id="5" name="Picture 4"/>
+          <p:cNvPicPr>
+            <a:picLocks noChangeAspect="1"/>
+          </p:cNvPicPr>
+          <p:nvPr/>
+        </p:nvPicPr>
+        <p:blipFill>
+          <a:blip r:embed="rId4" cstate="print">
+            <a:extLst>
+              <a:ext uri="{28A0092B-C50C-407E-A947-70E740481C1C}">
+                <a14:useLocalDpi xmlns:a14="http://schemas.microsoft.com/office/drawing/2010/main" val="0"/>
+              </a:ext>
+            </a:extLst>
+          </a:blip>
+          <a:stretch>
+            <a:fillRect/>
+          </a:stretch>
+        </p:blipFill>
+        <p:spPr>
+          <a:xfrm>
+            <a:off x="3552730" y="593265"/>
+            <a:ext cx="5348398" cy="6025556"/>
+          </a:xfrm>
+          <a:prstGeom prst="rect">
+            <a:avLst/>
+          </a:prstGeom>
+        </p:spPr>
+      </p:pic>
+    </p:spTree>
+    <p:extLst>
+      <p:ext uri="{BB962C8B-B14F-4D97-AF65-F5344CB8AC3E}">
+        <p14:creationId xmlns:p14="http://schemas.microsoft.com/office/powerpoint/2010/main" val="2478537928"/>
+      </p:ext>
+    </p:extLst>
+  </p:cSld>
+  <p:clrMapOvr>
+    <a:masterClrMapping/>
+  </p:clrMapOvr>
+  <p:timing>
+    <p:tnLst>
+      <p:par>
+        <p:cTn id="1" dur="indefinite" restart="never" nodeType="tmRoot"/>
+      </p:par>
+    </p:tnLst>
+  </p:timing>
+</p:sld>
+</file>
+
+<file path=ppt/slides/slide20.xml><?xml version="1.0" encoding="utf-8"?>
+<p:sld xmlns:a="http://schemas.openxmlformats.org/drawingml/2006/main" xmlns:r="http://schemas.openxmlformats.org/officeDocument/2006/relationships" xmlns:p="http://schemas.openxmlformats.org/presentationml/2006/main">
+  <p:cSld>
+    <p:spTree>
+      <p:nvGrpSpPr>
+        <p:cNvPr id="1" name=""/>
+        <p:cNvGrpSpPr/>
+        <p:nvPr/>
+      </p:nvGrpSpPr>
+      <p:grpSpPr>
+        <a:xfrm>
+          <a:off x="0" y="0"/>
+          <a:ext cx="0" cy="0"/>
+          <a:chOff x="0" y="0"/>
+          <a:chExt cx="0" cy="0"/>
+        </a:xfrm>
+      </p:grpSpPr>
+      <p:sp>
+        <p:nvSpPr>
+          <p:cNvPr id="2" name="Title 1"/>
+          <p:cNvSpPr>
+            <a:spLocks noGrp="1"/>
+          </p:cNvSpPr>
+          <p:nvPr>
+            <p:ph type="title"/>
+          </p:nvPr>
+        </p:nvSpPr>
+        <p:spPr>
+          <a:xfrm>
+            <a:off x="677334" y="609600"/>
+            <a:ext cx="8596668" cy="993913"/>
+          </a:xfrm>
+        </p:spPr>
+        <p:txBody>
+          <a:bodyPr>
+            <a:normAutofit/>
+          </a:bodyPr>
+          <a:lstStyle/>
+          <a:p>
+            <a:r>
+              <a:rPr lang="ro-RO" sz="4800" dirty="0" smtClean="0"/>
+              <a:t>sortAndPage();</a:t>
+            </a:r>
+            <a:endParaRPr lang="ro-RO" sz="4800" dirty="0"/>
+          </a:p>
+        </p:txBody>
+      </p:sp>
+      <p:sp>
+        <p:nvSpPr>
+          <p:cNvPr id="3" name="Content Placeholder 2"/>
+          <p:cNvSpPr>
+            <a:spLocks noGrp="1"/>
+          </p:cNvSpPr>
+          <p:nvPr>
+            <p:ph idx="1"/>
+          </p:nvPr>
+        </p:nvSpPr>
+        <p:spPr/>
+        <p:txBody>
+          <a:bodyPr>
+            <a:normAutofit lnSpcReduction="10000"/>
+          </a:bodyPr>
+          <a:lstStyle/>
+          <a:p>
+            <a:r>
+              <a:rPr lang="ro-RO" sz="2800" dirty="0" smtClean="0"/>
+              <a:t>Keyword: OrderBy</a:t>
+            </a:r>
+          </a:p>
+          <a:p>
+            <a:endParaRPr lang="ro-RO" sz="2000" dirty="0" smtClean="0"/>
+          </a:p>
+          <a:p>
+            <a:r>
+              <a:rPr lang="ro-RO" sz="2800" dirty="0" smtClean="0"/>
+              <a:t>For @Query you can use ORDER BY in the query string</a:t>
+            </a:r>
+          </a:p>
+          <a:p>
+            <a:endParaRPr lang="ro-RO" sz="2800" dirty="0" smtClean="0"/>
+          </a:p>
+          <a:p>
+            <a:r>
+              <a:rPr lang="ro-RO" sz="2800" dirty="0" smtClean="0"/>
+              <a:t>Sort Class</a:t>
+            </a:r>
+          </a:p>
+          <a:p>
+            <a:endParaRPr lang="ro-RO" sz="2800" dirty="0"/>
+          </a:p>
+          <a:p>
+            <a:r>
+              <a:rPr lang="ro-RO" sz="2800" dirty="0" smtClean="0"/>
+              <a:t>Extend PagingAndSortingRepository</a:t>
+            </a:r>
+          </a:p>
+          <a:p>
+            <a:endParaRPr lang="ro-RO" sz="2800" dirty="0" smtClean="0"/>
+          </a:p>
+        </p:txBody>
+      </p:sp>
+    </p:spTree>
+    <p:extLst>
+      <p:ext uri="{BB962C8B-B14F-4D97-AF65-F5344CB8AC3E}">
+        <p14:creationId xmlns:p14="http://schemas.microsoft.com/office/powerpoint/2010/main" val="3654468947"/>
+      </p:ext>
+    </p:extLst>
+  </p:cSld>
+  <p:clrMapOvr>
+    <a:masterClrMapping/>
+  </p:clrMapOvr>
+  <p:timing>
+    <p:tnLst>
+      <p:par>
+        <p:cTn id="1" dur="indefinite" restart="never" nodeType="tmRoot"/>
+      </p:par>
+    </p:tnLst>
+  </p:timing>
+</p:sld>
+</file>
+
+<file path=ppt/slides/slide21.xml><?xml version="1.0" encoding="utf-8"?>
+<p:sld xmlns:a="http://schemas.openxmlformats.org/drawingml/2006/main" xmlns:r="http://schemas.openxmlformats.org/officeDocument/2006/relationships" xmlns:p="http://schemas.openxmlformats.org/presentationml/2006/main">
+  <p:cSld>
+    <p:spTree>
+      <p:nvGrpSpPr>
+        <p:cNvPr id="1" name=""/>
+        <p:cNvGrpSpPr/>
+        <p:nvPr/>
+      </p:nvGrpSpPr>
+      <p:grpSpPr>
+        <a:xfrm>
+          <a:off x="0" y="0"/>
+          <a:ext cx="0" cy="0"/>
+          <a:chOff x="0" y="0"/>
+          <a:chExt cx="0" cy="0"/>
+        </a:xfrm>
+      </p:grpSpPr>
+      <p:sp>
+        <p:nvSpPr>
+          <p:cNvPr id="2" name="Title 1"/>
+          <p:cNvSpPr>
+            <a:spLocks noGrp="1"/>
+          </p:cNvSpPr>
+          <p:nvPr>
+            <p:ph type="title"/>
+          </p:nvPr>
+        </p:nvSpPr>
+        <p:spPr>
+          <a:xfrm>
+            <a:off x="677334" y="609600"/>
+            <a:ext cx="8596668" cy="993913"/>
+          </a:xfrm>
+        </p:spPr>
+        <p:txBody>
+          <a:bodyPr>
+            <a:normAutofit/>
+          </a:bodyPr>
+          <a:lstStyle/>
+          <a:p>
+            <a:r>
+              <a:rPr lang="ro-RO" sz="4800" dirty="0" smtClean="0"/>
+              <a:t>customRepo();</a:t>
+            </a:r>
+            <a:endParaRPr lang="ro-RO" sz="4800" dirty="0"/>
+          </a:p>
+        </p:txBody>
+      </p:sp>
+      <p:sp>
+        <p:nvSpPr>
+          <p:cNvPr id="3" name="Content Placeholder 2"/>
+          <p:cNvSpPr>
+            <a:spLocks noGrp="1"/>
+          </p:cNvSpPr>
+          <p:nvPr>
+            <p:ph idx="1"/>
+          </p:nvPr>
+        </p:nvSpPr>
+        <p:spPr/>
+        <p:txBody>
+          <a:bodyPr>
+            <a:normAutofit lnSpcReduction="10000"/>
+          </a:bodyPr>
+          <a:lstStyle/>
+          <a:p>
+            <a:r>
+              <a:rPr lang="ro-RO" sz="2800" dirty="0" smtClean="0"/>
+              <a:t>Create an interface CustomRepository</a:t>
+            </a:r>
+          </a:p>
+          <a:p>
+            <a:endParaRPr lang="ro-RO" sz="2800" dirty="0"/>
+          </a:p>
+          <a:p>
+            <a:r>
+              <a:rPr lang="ro-RO" sz="2800" dirty="0" smtClean="0"/>
+              <a:t>Implement the interface needed methods in CustomRepositoryImpl and annotate it with @Repository</a:t>
+            </a:r>
+          </a:p>
+          <a:p>
+            <a:endParaRPr lang="ro-RO" sz="2800" dirty="0"/>
+          </a:p>
+          <a:p>
+            <a:r>
+              <a:rPr lang="ro-RO" sz="2800" dirty="0" smtClean="0"/>
+              <a:t>In your main repository extend the CustomRepository</a:t>
+            </a:r>
+          </a:p>
+          <a:p>
+            <a:endParaRPr lang="ro-RO" sz="2800" dirty="0"/>
+          </a:p>
+          <a:p>
+            <a:endParaRPr lang="ro-RO" sz="2800" dirty="0" smtClean="0"/>
+          </a:p>
+        </p:txBody>
+      </p:sp>
+    </p:spTree>
+    <p:extLst>
+      <p:ext uri="{BB962C8B-B14F-4D97-AF65-F5344CB8AC3E}">
+        <p14:creationId xmlns:p14="http://schemas.microsoft.com/office/powerpoint/2010/main" val="3334901216"/>
+      </p:ext>
+    </p:extLst>
+  </p:cSld>
+  <p:clrMapOvr>
+    <a:masterClrMapping/>
+  </p:clrMapOvr>
+  <p:timing>
+    <p:tnLst>
+      <p:par>
+        <p:cTn id="1" dur="indefinite" restart="never" nodeType="tmRoot"/>
+      </p:par>
+    </p:tnLst>
+  </p:timing>
+</p:sld>
+</file>
+
+<file path=ppt/slides/slide22.xml><?xml version="1.0" encoding="utf-8"?>
+<p:sld xmlns:a="http://schemas.openxmlformats.org/drawingml/2006/main" xmlns:r="http://schemas.openxmlformats.org/officeDocument/2006/relationships" xmlns:p="http://schemas.openxmlformats.org/presentationml/2006/main">
+  <p:cSld>
+    <p:spTree>
+      <p:nvGrpSpPr>
+        <p:cNvPr id="1" name=""/>
+        <p:cNvGrpSpPr/>
+        <p:nvPr/>
+      </p:nvGrpSpPr>
+      <p:grpSpPr>
+        <a:xfrm>
+          <a:off x="0" y="0"/>
+          <a:ext cx="0" cy="0"/>
+          <a:chOff x="0" y="0"/>
+          <a:chExt cx="0" cy="0"/>
+        </a:xfrm>
+      </p:grpSpPr>
+      <p:sp>
+        <p:nvSpPr>
+          <p:cNvPr id="2" name="Title 1"/>
+          <p:cNvSpPr>
+            <a:spLocks noGrp="1"/>
+          </p:cNvSpPr>
+          <p:nvPr>
+            <p:ph type="title"/>
+          </p:nvPr>
+        </p:nvSpPr>
+        <p:spPr>
+          <a:xfrm>
+            <a:off x="677334" y="609600"/>
+            <a:ext cx="8596668" cy="858253"/>
+          </a:xfrm>
+        </p:spPr>
+        <p:txBody>
+          <a:bodyPr>
+            <a:normAutofit/>
+          </a:bodyPr>
+          <a:lstStyle/>
+          <a:p>
+            <a:r>
+              <a:rPr lang="ro-RO" sz="4800" dirty="0" smtClean="0"/>
+              <a:t>advanced();</a:t>
+            </a:r>
+            <a:endParaRPr lang="ro-RO" sz="4800" dirty="0"/>
+          </a:p>
+        </p:txBody>
+      </p:sp>
+      <p:sp>
+        <p:nvSpPr>
+          <p:cNvPr id="3" name="Content Placeholder 2"/>
+          <p:cNvSpPr>
+            <a:spLocks noGrp="1"/>
+          </p:cNvSpPr>
+          <p:nvPr>
+            <p:ph idx="1"/>
+          </p:nvPr>
+        </p:nvSpPr>
+        <p:spPr>
+          <a:xfrm>
+            <a:off x="677334" y="1625600"/>
+            <a:ext cx="8596668" cy="4933243"/>
+          </a:xfrm>
+        </p:spPr>
+        <p:txBody>
+          <a:bodyPr>
+            <a:normAutofit lnSpcReduction="10000"/>
+          </a:bodyPr>
+          <a:lstStyle/>
+          <a:p>
+            <a:r>
+              <a:rPr lang="ro-RO" sz="2800" dirty="0" smtClean="0"/>
+              <a:t>Supports also Criteria API in Custom repos</a:t>
+            </a:r>
+          </a:p>
+          <a:p>
+            <a:endParaRPr lang="ro-RO" sz="2800" dirty="0" smtClean="0"/>
+          </a:p>
+          <a:p>
+            <a:r>
+              <a:rPr lang="ro-RO" sz="2800" dirty="0" smtClean="0"/>
+              <a:t>Dynamic queries (Criteria API - the standard way in JPA)</a:t>
+            </a:r>
+          </a:p>
+          <a:p>
+            <a:endParaRPr lang="ro-RO" sz="2800" dirty="0"/>
+          </a:p>
+          <a:p>
+            <a:r>
+              <a:rPr lang="ro-RO" sz="2800" dirty="0" smtClean="0"/>
+              <a:t>Supports advanced quering with QueryDSL </a:t>
+            </a:r>
+          </a:p>
+          <a:p>
+            <a:pPr lvl="1"/>
+            <a:r>
+              <a:rPr lang="ro-RO" sz="2000" dirty="0"/>
+              <a:t>o</a:t>
+            </a:r>
+            <a:r>
+              <a:rPr lang="ro-RO" sz="2000" dirty="0" smtClean="0"/>
+              <a:t>fc instead of Criteria API </a:t>
+            </a:r>
+            <a:r>
+              <a:rPr lang="ro-RO" sz="2000" dirty="0" smtClean="0">
+                <a:sym typeface="Wingdings" panose="05000000000000000000" pitchFamily="2" charset="2"/>
+              </a:rPr>
+              <a:t></a:t>
+            </a:r>
+          </a:p>
+          <a:p>
+            <a:endParaRPr lang="ro-RO" sz="2200" dirty="0">
+              <a:sym typeface="Wingdings" panose="05000000000000000000" pitchFamily="2" charset="2"/>
+            </a:endParaRPr>
+          </a:p>
+          <a:p>
+            <a:r>
+              <a:rPr lang="ro-RO" sz="2800" dirty="0" smtClean="0"/>
+              <a:t>Caching is </a:t>
+            </a:r>
+            <a:r>
+              <a:rPr lang="ro-RO" sz="2800" smtClean="0"/>
+              <a:t>configurable as </a:t>
+            </a:r>
+            <a:r>
+              <a:rPr lang="ro-RO" sz="2800" dirty="0" smtClean="0"/>
+              <a:t>in </a:t>
+            </a:r>
+            <a:r>
+              <a:rPr lang="ro-RO" sz="2800" smtClean="0"/>
+              <a:t>any other Spring/Hibernate </a:t>
+            </a:r>
+            <a:r>
+              <a:rPr lang="ro-RO" sz="2800" dirty="0" smtClean="0"/>
+              <a:t>project</a:t>
+            </a:r>
+          </a:p>
+          <a:p>
+            <a:endParaRPr lang="ro-RO" sz="2800" dirty="0"/>
+          </a:p>
+          <a:p>
+            <a:endParaRPr lang="ro-RO" sz="2800" dirty="0" smtClean="0"/>
+          </a:p>
+          <a:p>
+            <a:endParaRPr lang="ro-RO" sz="2800" dirty="0"/>
+          </a:p>
+        </p:txBody>
+      </p:sp>
+    </p:spTree>
+    <p:extLst>
+      <p:ext uri="{BB962C8B-B14F-4D97-AF65-F5344CB8AC3E}">
+        <p14:creationId xmlns:p14="http://schemas.microsoft.com/office/powerpoint/2010/main" val="2048389799"/>
+      </p:ext>
+    </p:extLst>
+  </p:cSld>
+  <p:clrMapOvr>
+    <a:masterClrMapping/>
+  </p:clrMapOvr>
+  <p:timing>
+    <p:tnLst>
+      <p:par>
+        <p:cTn id="1" dur="indefinite" restart="never" nodeType="tmRoot"/>
+      </p:par>
+    </p:tnLst>
+  </p:timing>
+</p:sld>
+</file>
+
+<file path=ppt/slides/slide23.xml><?xml version="1.0" encoding="utf-8"?>
+<p:sld xmlns:a="http://schemas.openxmlformats.org/drawingml/2006/main" xmlns:r="http://schemas.openxmlformats.org/officeDocument/2006/relationships" xmlns:p="http://schemas.openxmlformats.org/presentationml/2006/main">
+  <p:cSld>
+    <p:spTree>
+      <p:nvGrpSpPr>
+        <p:cNvPr id="1" name=""/>
+        <p:cNvGrpSpPr/>
+        <p:nvPr/>
+      </p:nvGrpSpPr>
+      <p:grpSpPr>
+        <a:xfrm>
+          <a:off x="0" y="0"/>
+          <a:ext cx="0" cy="0"/>
+          <a:chOff x="0" y="0"/>
+          <a:chExt cx="0" cy="0"/>
+        </a:xfrm>
+      </p:grpSpPr>
+      <p:sp>
+        <p:nvSpPr>
+          <p:cNvPr id="2" name="Title 1"/>
+          <p:cNvSpPr>
+            <a:spLocks noGrp="1"/>
+          </p:cNvSpPr>
+          <p:nvPr>
+            <p:ph type="title"/>
+          </p:nvPr>
+        </p:nvSpPr>
+        <p:spPr>
+          <a:xfrm>
+            <a:off x="677334" y="609600"/>
+            <a:ext cx="8596668" cy="858253"/>
+          </a:xfrm>
+        </p:spPr>
+        <p:txBody>
+          <a:bodyPr>
+            <a:normAutofit/>
+          </a:bodyPr>
+          <a:lstStyle/>
+          <a:p>
+            <a:r>
+              <a:rPr lang="ro-RO" sz="4800" dirty="0"/>
+              <a:t>a</a:t>
+            </a:r>
+            <a:r>
+              <a:rPr lang="ro-RO" sz="4800" dirty="0" smtClean="0"/>
+              <a:t>udit();</a:t>
+            </a:r>
+            <a:endParaRPr lang="ro-RO" sz="4800" dirty="0"/>
+          </a:p>
+        </p:txBody>
+      </p:sp>
+      <p:sp>
+        <p:nvSpPr>
+          <p:cNvPr id="3" name="Content Placeholder 2"/>
+          <p:cNvSpPr>
+            <a:spLocks noGrp="1"/>
+          </p:cNvSpPr>
+          <p:nvPr>
+            <p:ph idx="1"/>
+          </p:nvPr>
+        </p:nvSpPr>
+        <p:spPr/>
+        <p:txBody>
+          <a:bodyPr>
+            <a:normAutofit/>
+          </a:bodyPr>
+          <a:lstStyle/>
+          <a:p>
+            <a:r>
+              <a:rPr lang="ro-RO" sz="2800" dirty="0" smtClean="0"/>
+              <a:t>@CreatedBy , @LastModifiedBy – who ?</a:t>
+            </a:r>
+          </a:p>
+          <a:p>
+            <a:endParaRPr lang="ro-RO" sz="2800" dirty="0" smtClean="0"/>
+          </a:p>
+          <a:p>
+            <a:r>
+              <a:rPr lang="ro-RO" sz="2800" dirty="0" smtClean="0"/>
+              <a:t>@CreatedDate, @LastModifiedDate – when ?</a:t>
+            </a:r>
+          </a:p>
+          <a:p>
+            <a:endParaRPr lang="ro-RO" sz="2800" dirty="0"/>
+          </a:p>
+          <a:p>
+            <a:r>
+              <a:rPr lang="ro-RO" sz="2800" dirty="0" smtClean="0"/>
+              <a:t>Spring Security integration</a:t>
+            </a:r>
+            <a:endParaRPr lang="ro-RO" sz="2800" dirty="0"/>
+          </a:p>
+        </p:txBody>
+      </p:sp>
+    </p:spTree>
+    <p:extLst>
+      <p:ext uri="{BB962C8B-B14F-4D97-AF65-F5344CB8AC3E}">
+        <p14:creationId xmlns:p14="http://schemas.microsoft.com/office/powerpoint/2010/main" val="1435931862"/>
+      </p:ext>
+    </p:extLst>
+  </p:cSld>
+  <p:clrMapOvr>
+    <a:masterClrMapping/>
+  </p:clrMapOvr>
+  <p:timing>
+    <p:tnLst>
+      <p:par>
+        <p:cTn id="1" dur="indefinite" restart="never" nodeType="tmRoot"/>
+      </p:par>
+    </p:tnLst>
+  </p:timing>
+</p:sld>
+</file>
+
+<file path=ppt/slides/slide24.xml><?xml version="1.0" encoding="utf-8"?>
+<p:sld xmlns:a="http://schemas.openxmlformats.org/drawingml/2006/main" xmlns:r="http://schemas.openxmlformats.org/officeDocument/2006/relationships" xmlns:p="http://schemas.openxmlformats.org/presentationml/2006/main">
+  <p:cSld>
+    <p:spTree>
+      <p:nvGrpSpPr>
+        <p:cNvPr id="1" name=""/>
+        <p:cNvGrpSpPr/>
+        <p:nvPr/>
+      </p:nvGrpSpPr>
+      <p:grpSpPr>
+        <a:xfrm>
+          <a:off x="0" y="0"/>
+          <a:ext cx="0" cy="0"/>
+          <a:chOff x="0" y="0"/>
+          <a:chExt cx="0" cy="0"/>
+        </a:xfrm>
+      </p:grpSpPr>
+      <p:sp>
+        <p:nvSpPr>
+          <p:cNvPr id="2" name="Title 1"/>
+          <p:cNvSpPr>
+            <a:spLocks noGrp="1"/>
+          </p:cNvSpPr>
+          <p:nvPr>
+            <p:ph type="title"/>
+          </p:nvPr>
+        </p:nvSpPr>
+        <p:spPr>
+          <a:xfrm>
+            <a:off x="677334" y="609600"/>
+            <a:ext cx="8596668" cy="993913"/>
+          </a:xfrm>
+        </p:spPr>
+        <p:txBody>
+          <a:bodyPr>
+            <a:normAutofit/>
+          </a:bodyPr>
+          <a:lstStyle/>
+          <a:p>
+            <a:r>
+              <a:rPr lang="ro-RO" sz="4800" dirty="0" smtClean="0"/>
+              <a:t>demo();</a:t>
+            </a:r>
+            <a:endParaRPr lang="ro-RO" sz="4800" dirty="0"/>
+          </a:p>
+        </p:txBody>
+      </p:sp>
+      <p:sp>
+        <p:nvSpPr>
+          <p:cNvPr id="3" name="Content Placeholder 2"/>
+          <p:cNvSpPr>
+            <a:spLocks noGrp="1"/>
+          </p:cNvSpPr>
+          <p:nvPr>
+            <p:ph idx="1"/>
+          </p:nvPr>
+        </p:nvSpPr>
+        <p:spPr/>
+        <p:txBody>
+          <a:bodyPr>
+            <a:normAutofit/>
+          </a:bodyPr>
+          <a:lstStyle/>
+          <a:p>
+            <a:pPr marL="0" indent="0">
+              <a:buNone/>
+            </a:pPr>
+            <a:r>
+              <a:rPr lang="ro-RO" sz="2800" dirty="0" smtClean="0">
+                <a:hlinkClick r:id="rId3"/>
+              </a:rPr>
+              <a:t>https</a:t>
+            </a:r>
+            <a:r>
+              <a:rPr lang="ro-RO" sz="2800" dirty="0">
+                <a:hlinkClick r:id="rId3"/>
+              </a:rPr>
+              <a:t>://github.com/cosminspn/cc-apr-2016</a:t>
+            </a:r>
+            <a:r>
+              <a:rPr lang="ro-RO" sz="2800" dirty="0" smtClean="0">
+                <a:hlinkClick r:id="rId3"/>
+              </a:rPr>
+              <a:t>/</a:t>
+            </a:r>
+            <a:endParaRPr lang="ro-RO" sz="2800" dirty="0" smtClean="0"/>
+          </a:p>
+          <a:p>
+            <a:pPr marL="0" indent="0">
+              <a:buNone/>
+            </a:pPr>
+            <a:endParaRPr lang="ro-RO" sz="2800" dirty="0">
+              <a:hlinkClick r:id="rId4"/>
+            </a:endParaRPr>
+          </a:p>
+          <a:p>
+            <a:pPr marL="0" indent="0">
+              <a:buNone/>
+            </a:pPr>
+            <a:r>
+              <a:rPr lang="ro-RO" sz="2800" dirty="0" smtClean="0">
+                <a:hlinkClick r:id="rId4"/>
+              </a:rPr>
+              <a:t>https</a:t>
+            </a:r>
+            <a:r>
+              <a:rPr lang="ro-RO" sz="2800" dirty="0">
+                <a:hlinkClick r:id="rId4"/>
+              </a:rPr>
+              <a:t>://</a:t>
+            </a:r>
+            <a:r>
+              <a:rPr lang="ro-RO" sz="2800" dirty="0" smtClean="0">
+                <a:hlinkClick r:id="rId4"/>
+              </a:rPr>
+              <a:t>github.com/cosminspn/cc-apr-2016/tree/master/source/spring-data-example</a:t>
+            </a:r>
+            <a:r>
+              <a:rPr lang="ro-RO" sz="2800" dirty="0" smtClean="0"/>
+              <a:t> </a:t>
+            </a:r>
+            <a:endParaRPr lang="ro-RO" sz="2800" dirty="0"/>
+          </a:p>
+          <a:p>
+            <a:endParaRPr lang="ro-RO" sz="2800" dirty="0" smtClean="0"/>
+          </a:p>
+        </p:txBody>
+      </p:sp>
+    </p:spTree>
+    <p:extLst>
+      <p:ext uri="{BB962C8B-B14F-4D97-AF65-F5344CB8AC3E}">
+        <p14:creationId xmlns:p14="http://schemas.microsoft.com/office/powerpoint/2010/main" val="3946167324"/>
+      </p:ext>
+    </p:extLst>
+  </p:cSld>
+  <p:clrMapOvr>
+    <a:masterClrMapping/>
+  </p:clrMapOvr>
+  <p:timing>
+    <p:tnLst>
+      <p:par>
+        <p:cTn id="1" dur="indefinite" restart="never" nodeType="tmRoot"/>
+      </p:par>
+    </p:tnLst>
+  </p:timing>
+</p:sld>
+</file>
+
+<file path=ppt/slides/slide25.xml><?xml version="1.0" encoding="utf-8"?>
+<p:sld xmlns:a="http://schemas.openxmlformats.org/drawingml/2006/main" xmlns:r="http://schemas.openxmlformats.org/officeDocument/2006/relationships" xmlns:p="http://schemas.openxmlformats.org/presentationml/2006/main">
+  <p:cSld>
+    <p:spTree>
+      <p:nvGrpSpPr>
+        <p:cNvPr id="1" name=""/>
+        <p:cNvGrpSpPr/>
+        <p:nvPr/>
+      </p:nvGrpSpPr>
+      <p:grpSpPr>
+        <a:xfrm>
+          <a:off x="0" y="0"/>
+          <a:ext cx="0" cy="0"/>
+          <a:chOff x="0" y="0"/>
+          <a:chExt cx="0" cy="0"/>
+        </a:xfrm>
+      </p:grpSpPr>
+      <p:sp>
+        <p:nvSpPr>
+          <p:cNvPr id="4" name="Title 3"/>
+          <p:cNvSpPr>
+            <a:spLocks noGrp="1"/>
+          </p:cNvSpPr>
+          <p:nvPr>
+            <p:ph type="title"/>
+          </p:nvPr>
+        </p:nvSpPr>
+        <p:spPr/>
+        <p:txBody>
+          <a:bodyPr>
+            <a:normAutofit/>
+          </a:bodyPr>
+          <a:lstStyle/>
+          <a:p>
+            <a:r>
+              <a:rPr lang="ro-RO" sz="4800" dirty="0" smtClean="0"/>
+              <a:t>removeFromTheProject();</a:t>
+            </a:r>
+            <a:endParaRPr lang="ro-RO" sz="4800" dirty="0"/>
+          </a:p>
+        </p:txBody>
+      </p:sp>
+      <p:sp>
+        <p:nvSpPr>
+          <p:cNvPr id="8" name="Content Placeholder 7"/>
+          <p:cNvSpPr>
+            <a:spLocks noGrp="1"/>
+          </p:cNvSpPr>
+          <p:nvPr>
+            <p:ph idx="1"/>
+          </p:nvPr>
+        </p:nvSpPr>
+        <p:spPr/>
+        <p:txBody>
+          <a:bodyPr>
+            <a:normAutofit lnSpcReduction="10000"/>
+          </a:bodyPr>
+          <a:lstStyle/>
+          <a:p>
+            <a:r>
+              <a:rPr lang="ro-RO" sz="2800" dirty="0" smtClean="0"/>
+              <a:t>When Spring Data does not bring value ?</a:t>
+            </a:r>
+          </a:p>
+          <a:p>
+            <a:endParaRPr lang="ro-RO" sz="2800" dirty="0" smtClean="0"/>
+          </a:p>
+          <a:p>
+            <a:pPr lvl="1"/>
+            <a:r>
+              <a:rPr lang="ro-RO" sz="2000" dirty="0" smtClean="0"/>
+              <a:t>A lot of JOIN queries</a:t>
+            </a:r>
+          </a:p>
+          <a:p>
+            <a:pPr lvl="1"/>
+            <a:endParaRPr lang="ro-RO" sz="2000" dirty="0"/>
+          </a:p>
+          <a:p>
+            <a:pPr lvl="1"/>
+            <a:r>
+              <a:rPr lang="ro-RO" sz="2000" dirty="0" smtClean="0"/>
+              <a:t>DB which do not use FKs</a:t>
+            </a:r>
+          </a:p>
+          <a:p>
+            <a:pPr lvl="1"/>
+            <a:endParaRPr lang="ro-RO" sz="2000" dirty="0" smtClean="0"/>
+          </a:p>
+          <a:p>
+            <a:pPr lvl="1"/>
+            <a:r>
+              <a:rPr lang="ro-RO" sz="2000" dirty="0" smtClean="0"/>
+              <a:t>When even the CRUD methods should be overriden</a:t>
+            </a:r>
+          </a:p>
+          <a:p>
+            <a:pPr lvl="1"/>
+            <a:endParaRPr lang="ro-RO" sz="2000" dirty="0"/>
+          </a:p>
+          <a:p>
+            <a:pPr lvl="1"/>
+            <a:r>
+              <a:rPr lang="ro-RO" sz="2000" dirty="0" smtClean="0"/>
+              <a:t>May be other situations ...</a:t>
+            </a:r>
+          </a:p>
+          <a:p>
+            <a:pPr lvl="1"/>
+            <a:endParaRPr lang="ro-RO" sz="2000" dirty="0" smtClean="0"/>
+          </a:p>
+          <a:p>
+            <a:pPr lvl="1"/>
+            <a:endParaRPr lang="ro-RO" dirty="0" smtClean="0"/>
+          </a:p>
+          <a:p>
+            <a:pPr lvl="1"/>
+            <a:endParaRPr lang="ro-RO" dirty="0" smtClean="0"/>
+          </a:p>
+        </p:txBody>
+      </p:sp>
+    </p:spTree>
+    <p:extLst>
+      <p:ext uri="{BB962C8B-B14F-4D97-AF65-F5344CB8AC3E}">
+        <p14:creationId xmlns:p14="http://schemas.microsoft.com/office/powerpoint/2010/main" val="1657448931"/>
+      </p:ext>
+    </p:extLst>
+  </p:cSld>
+  <p:clrMapOvr>
+    <a:masterClrMapping/>
+  </p:clrMapOvr>
+  <p:timing>
+    <p:tnLst>
+      <p:par>
+        <p:cTn id="1" dur="indefinite" restart="never" nodeType="tmRoot"/>
+      </p:par>
+    </p:tnLst>
+  </p:timing>
+</p:sld>
+</file>
+
+<file path=ppt/slides/slide26.xml><?xml version="1.0" encoding="utf-8"?>
+<p:sld xmlns:a="http://schemas.openxmlformats.org/drawingml/2006/main" xmlns:r="http://schemas.openxmlformats.org/officeDocument/2006/relationships" xmlns:p="http://schemas.openxmlformats.org/presentationml/2006/main">
+  <p:cSld>
+    <p:spTree>
+      <p:nvGrpSpPr>
+        <p:cNvPr id="1" name=""/>
+        <p:cNvGrpSpPr/>
+        <p:nvPr/>
+      </p:nvGrpSpPr>
+      <p:grpSpPr>
+        <a:xfrm>
+          <a:off x="0" y="0"/>
+          <a:ext cx="0" cy="0"/>
+          <a:chOff x="0" y="0"/>
+          <a:chExt cx="0" cy="0"/>
+        </a:xfrm>
+      </p:grpSpPr>
+      <p:sp>
+        <p:nvSpPr>
+          <p:cNvPr id="4" name="Title 3"/>
+          <p:cNvSpPr>
+            <a:spLocks noGrp="1"/>
+          </p:cNvSpPr>
+          <p:nvPr>
+            <p:ph type="title"/>
+          </p:nvPr>
+        </p:nvSpPr>
+        <p:spPr/>
+        <p:txBody>
+          <a:bodyPr>
+            <a:normAutofit/>
+          </a:bodyPr>
+          <a:lstStyle/>
+          <a:p>
+            <a:r>
+              <a:rPr lang="ro-RO" sz="4800" dirty="0" smtClean="0"/>
+              <a:t>hopeForTheBest();</a:t>
+            </a:r>
+            <a:endParaRPr lang="ro-RO" sz="4800" dirty="0"/>
+          </a:p>
+        </p:txBody>
+      </p:sp>
+      <p:sp>
+        <p:nvSpPr>
+          <p:cNvPr id="8" name="Content Placeholder 7"/>
+          <p:cNvSpPr>
+            <a:spLocks noGrp="1"/>
+          </p:cNvSpPr>
+          <p:nvPr>
+            <p:ph idx="1"/>
+          </p:nvPr>
+        </p:nvSpPr>
+        <p:spPr/>
+        <p:txBody>
+          <a:bodyPr/>
+          <a:lstStyle/>
+          <a:p>
+            <a:r>
+              <a:rPr lang="ro-RO" sz="2800" dirty="0" smtClean="0"/>
+              <a:t>Who heard about Spring Data ?</a:t>
+            </a:r>
+          </a:p>
+          <a:p>
+            <a:pPr lvl="1"/>
+            <a:r>
+              <a:rPr lang="ro-RO" sz="2000" dirty="0"/>
+              <a:t>x</a:t>
+            </a:r>
+            <a:r>
+              <a:rPr lang="ro-RO" sz="2000" dirty="0" smtClean="0"/>
+              <a:t> code campers</a:t>
+            </a:r>
+          </a:p>
+          <a:p>
+            <a:pPr lvl="1"/>
+            <a:endParaRPr lang="ro-RO" sz="2000" dirty="0" smtClean="0"/>
+          </a:p>
+          <a:p>
+            <a:r>
+              <a:rPr lang="ro-RO" sz="2800" dirty="0" smtClean="0"/>
+              <a:t>Who worked with Spring Data ?</a:t>
+            </a:r>
+          </a:p>
+          <a:p>
+            <a:pPr lvl="1"/>
+            <a:r>
+              <a:rPr lang="ro-RO" sz="2000" dirty="0"/>
+              <a:t>x</a:t>
+            </a:r>
+            <a:r>
+              <a:rPr lang="ro-RO" sz="2000" dirty="0" smtClean="0"/>
+              <a:t> code campers</a:t>
+            </a:r>
+            <a:endParaRPr lang="ro-RO" sz="2000" dirty="0"/>
+          </a:p>
+          <a:p>
+            <a:pPr lvl="1"/>
+            <a:endParaRPr lang="ro-RO" dirty="0" smtClean="0"/>
+          </a:p>
+          <a:p>
+            <a:pPr lvl="1"/>
+            <a:endParaRPr lang="ro-RO" dirty="0" smtClean="0"/>
+          </a:p>
+        </p:txBody>
+      </p:sp>
+    </p:spTree>
+    <p:extLst>
+      <p:ext uri="{BB962C8B-B14F-4D97-AF65-F5344CB8AC3E}">
+        <p14:creationId xmlns:p14="http://schemas.microsoft.com/office/powerpoint/2010/main" val="618556063"/>
+      </p:ext>
+    </p:extLst>
+  </p:cSld>
+  <p:clrMapOvr>
+    <a:masterClrMapping/>
+  </p:clrMapOvr>
+  <p:timing>
+    <p:tnLst>
+      <p:par>
+        <p:cTn id="1" dur="indefinite" restart="never" nodeType="tmRoot"/>
+      </p:par>
+    </p:tnLst>
+  </p:timing>
+</p:sld>
+</file>
+
+<file path=ppt/slides/slide27.xml><?xml version="1.0" encoding="utf-8"?>
+<p:sld xmlns:a="http://schemas.openxmlformats.org/drawingml/2006/main" xmlns:r="http://schemas.openxmlformats.org/officeDocument/2006/relationships" xmlns:p="http://schemas.openxmlformats.org/presentationml/2006/main">
+  <p:cSld>
+    <p:spTree>
+      <p:nvGrpSpPr>
+        <p:cNvPr id="1" name=""/>
+        <p:cNvGrpSpPr/>
+        <p:nvPr/>
+      </p:nvGrpSpPr>
+      <p:grpSpPr>
+        <a:xfrm>
+          <a:off x="0" y="0"/>
+          <a:ext cx="0" cy="0"/>
+          <a:chOff x="0" y="0"/>
+          <a:chExt cx="0" cy="0"/>
+        </a:xfrm>
+      </p:grpSpPr>
+      <p:sp>
+        <p:nvSpPr>
+          <p:cNvPr id="4" name="Title 3"/>
+          <p:cNvSpPr>
+            <a:spLocks noGrp="1"/>
+          </p:cNvSpPr>
+          <p:nvPr>
+            <p:ph type="title"/>
+          </p:nvPr>
+        </p:nvSpPr>
+        <p:spPr/>
+        <p:txBody>
+          <a:bodyPr>
+            <a:normAutofit/>
+          </a:bodyPr>
+          <a:lstStyle/>
+          <a:p>
+            <a:r>
+              <a:rPr lang="ro-RO" sz="4800" dirty="0" smtClean="0"/>
+              <a:t>thankYou();</a:t>
+            </a:r>
+            <a:endParaRPr lang="ro-RO" sz="4800" dirty="0"/>
+          </a:p>
+        </p:txBody>
+      </p:sp>
+      <p:sp>
+        <p:nvSpPr>
+          <p:cNvPr id="3" name="Content Placeholder 2"/>
+          <p:cNvSpPr>
+            <a:spLocks noGrp="1"/>
+          </p:cNvSpPr>
+          <p:nvPr>
+            <p:ph idx="1"/>
+          </p:nvPr>
+        </p:nvSpPr>
+        <p:spPr/>
+        <p:txBody>
+          <a:bodyPr>
+            <a:normAutofit/>
+          </a:bodyPr>
+          <a:lstStyle/>
+          <a:p>
+            <a:pPr marL="0" indent="0" algn="ctr">
+              <a:buNone/>
+            </a:pPr>
+            <a:r>
+              <a:rPr lang="ro-RO" sz="10000" dirty="0" smtClean="0"/>
+              <a:t>THANK YOU !</a:t>
+            </a:r>
+          </a:p>
+          <a:p>
+            <a:pPr marL="0" indent="0" algn="ctr">
+              <a:buNone/>
+            </a:pPr>
+            <a:r>
+              <a:rPr lang="ro-RO" sz="10000" dirty="0" smtClean="0"/>
+              <a:t>QUESTIONS ?</a:t>
+            </a:r>
+            <a:endParaRPr lang="ro-RO" sz="10000" dirty="0"/>
+          </a:p>
+        </p:txBody>
+      </p:sp>
+    </p:spTree>
+    <p:extLst>
+      <p:ext uri="{BB962C8B-B14F-4D97-AF65-F5344CB8AC3E}">
+        <p14:creationId xmlns:p14="http://schemas.microsoft.com/office/powerpoint/2010/main" val="2492166281"/>
+      </p:ext>
+    </p:extLst>
+  </p:cSld>
+  <p:clrMapOvr>
+    <a:masterClrMapping/>
+  </p:clrMapOvr>
+  <p:timing>
+    <p:tnLst>
+      <p:par>
+        <p:cTn id="1" dur="indefinite" restart="never" nodeType="tmRoot"/>
+      </p:par>
+    </p:tnLst>
+  </p:timing>
+</p:sld>
+</file>
+
+<file path=ppt/slides/slide28.xml><?xml version="1.0" encoding="utf-8"?>
+<p:sld xmlns:a="http://schemas.openxmlformats.org/drawingml/2006/main" xmlns:r="http://schemas.openxmlformats.org/officeDocument/2006/relationships" xmlns:p="http://schemas.openxmlformats.org/presentationml/2006/main" showMasterSp="0">
+  <p:cSld>
+    <p:spTree>
+      <p:nvGrpSpPr>
+        <p:cNvPr id="1" name=""/>
+        <p:cNvGrpSpPr/>
+        <p:nvPr/>
+      </p:nvGrpSpPr>
+      <p:grpSpPr>
+        <a:xfrm>
+          <a:off x="0" y="0"/>
+          <a:ext cx="0" cy="0"/>
+          <a:chOff x="0" y="0"/>
+          <a:chExt cx="0" cy="0"/>
+        </a:xfrm>
+      </p:grpSpPr>
+      <p:pic>
+        <p:nvPicPr>
+          <p:cNvPr id="4" name="Content Placeholder 3"/>
+          <p:cNvPicPr>
+            <a:picLocks noGrp="1" noChangeAspect="1"/>
+          </p:cNvPicPr>
+          <p:nvPr>
+            <p:ph idx="4294967295"/>
+          </p:nvPr>
+        </p:nvPicPr>
+        <p:blipFill>
+          <a:blip r:embed="rId2">
+            <a:extLst>
+              <a:ext uri="{28A0092B-C50C-407E-A947-70E740481C1C}">
+                <a14:useLocalDpi xmlns:a14="http://schemas.microsoft.com/office/drawing/2010/main" val="0"/>
+              </a:ext>
+            </a:extLst>
+          </a:blip>
+          <a:stretch>
+            <a:fillRect/>
+          </a:stretch>
+        </p:blipFill>
+        <p:spPr>
+          <a:xfrm>
+            <a:off x="3759200" y="1138238"/>
+            <a:ext cx="4816475" cy="4535487"/>
+          </a:xfrm>
+        </p:spPr>
+      </p:pic>
+    </p:spTree>
+    <p:extLst>
+      <p:ext uri="{BB962C8B-B14F-4D97-AF65-F5344CB8AC3E}">
+        <p14:creationId xmlns:p14="http://schemas.microsoft.com/office/powerpoint/2010/main" val="515478169"/>
+      </p:ext>
+    </p:extLst>
+  </p:cSld>
+  <p:clrMapOvr>
+    <a:masterClrMapping/>
+  </p:clrMapOvr>
+  <p:timing>
+    <p:tnLst>
+      <p:par>
+        <p:cTn id="1" dur="indefinite" restart="never" nodeType="tmRoot"/>
+      </p:par>
+    </p:tnLst>
+  </p:timing>
+</p:sld>
+</file>
+
+<file path=ppt/slides/slide29.xml><?xml version="1.0" encoding="utf-8"?>
+<p:sld xmlns:a="http://schemas.openxmlformats.org/drawingml/2006/main" xmlns:r="http://schemas.openxmlformats.org/officeDocument/2006/relationships" xmlns:p="http://schemas.openxmlformats.org/presentationml/2006/main">
+  <p:cSld>
+    <p:spTree>
+      <p:nvGrpSpPr>
+        <p:cNvPr id="1" name=""/>
+        <p:cNvGrpSpPr/>
+        <p:nvPr/>
+      </p:nvGrpSpPr>
+      <p:grpSpPr>
+        <a:xfrm>
+          <a:off x="0" y="0"/>
+          <a:ext cx="0" cy="0"/>
+          <a:chOff x="0" y="0"/>
+          <a:chExt cx="0" cy="0"/>
+        </a:xfrm>
+      </p:grpSpPr>
+      <p:pic>
+        <p:nvPicPr>
+          <p:cNvPr id="6" name="Picture 2" descr="http://t2.gstatic.com/images?q=tbn:ANd9GcQCrML1J9ChmE1l00tS7BeYX16QhkRF0XQ1d1VlCNzEK9VHl7eY"/>
+          <p:cNvPicPr>
+            <a:picLocks noChangeAspect="1" noChangeArrowheads="1"/>
+          </p:cNvPicPr>
+          <p:nvPr/>
+        </p:nvPicPr>
+        <p:blipFill>
+          <a:blip r:embed="rId3">
+            <a:extLst>
+              <a:ext uri="{28A0092B-C50C-407E-A947-70E740481C1C}">
+                <a14:useLocalDpi xmlns:a14="http://schemas.microsoft.com/office/drawing/2010/main" val="0"/>
+              </a:ext>
+            </a:extLst>
+          </a:blip>
+          <a:srcRect/>
+          <a:stretch>
+            <a:fillRect/>
+          </a:stretch>
+        </p:blipFill>
+        <p:spPr bwMode="auto">
+          <a:xfrm>
+            <a:off x="2567609" y="1124745"/>
+            <a:ext cx="1481747" cy="2226669"/>
+          </a:xfrm>
+          <a:prstGeom prst="rect">
+            <a:avLst/>
+          </a:prstGeom>
+          <a:noFill/>
+          <a:extLst>
+            <a:ext uri="{909E8E84-426E-40DD-AFC4-6F175D3DCCD1}">
+              <a14:hiddenFill xmlns:a14="http://schemas.microsoft.com/office/drawing/2010/main">
+                <a:solidFill>
+                  <a:srgbClr val="FFFFFF"/>
+                </a:solidFill>
+              </a14:hiddenFill>
+            </a:ext>
+          </a:extLst>
+        </p:spPr>
+      </p:pic>
+      <p:sp>
+        <p:nvSpPr>
+          <p:cNvPr id="7" name="Title 1"/>
+          <p:cNvSpPr txBox="1">
+            <a:spLocks/>
+          </p:cNvSpPr>
+          <p:nvPr/>
+        </p:nvSpPr>
+        <p:spPr>
+          <a:xfrm>
+            <a:off x="2438400" y="3679607"/>
+            <a:ext cx="7393138" cy="504056"/>
+          </a:xfrm>
+          <a:prstGeom prst="rect">
+            <a:avLst/>
+          </a:prstGeom>
+        </p:spPr>
+        <p:txBody>
+          <a:bodyPr vert="horz" lIns="91440" tIns="45720" rIns="91440" bIns="45720" rtlCol="0" anchor="b">
+            <a:normAutofit fontScale="77500" lnSpcReduction="20000"/>
+          </a:bodyPr>
+          <a:lstStyle>
+            <a:lvl1pPr algn="l" defTabSz="914400" rtl="0" eaLnBrk="1" latinLnBrk="0" hangingPunct="1">
+              <a:spcBef>
+                <a:spcPct val="0"/>
+              </a:spcBef>
+              <a:buNone/>
+              <a:defRPr sz="4800" b="0" kern="1200" baseline="0">
+                <a:solidFill>
+                  <a:schemeClr val="tx2"/>
+                </a:solidFill>
+                <a:latin typeface="Segoe UI Light" pitchFamily="34" charset="0"/>
+                <a:ea typeface="+mj-ea"/>
+                <a:cs typeface="+mj-cs"/>
+              </a:defRPr>
+            </a:lvl1pPr>
+            <a:lvl2pPr eaLnBrk="1" hangingPunct="1">
+              <a:defRPr>
+                <a:solidFill>
+                  <a:schemeClr val="tx2"/>
+                </a:solidFill>
+              </a:defRPr>
+            </a:lvl2pPr>
+            <a:lvl3pPr eaLnBrk="1" hangingPunct="1">
+              <a:defRPr>
+                <a:solidFill>
+                  <a:schemeClr val="tx2"/>
+                </a:solidFill>
+              </a:defRPr>
+            </a:lvl3pPr>
+            <a:lvl4pPr eaLnBrk="1" hangingPunct="1">
+              <a:defRPr>
+                <a:solidFill>
+                  <a:schemeClr val="tx2"/>
+                </a:solidFill>
+              </a:defRPr>
+            </a:lvl4pPr>
+            <a:lvl5pPr eaLnBrk="1" hangingPunct="1">
+              <a:defRPr>
+                <a:solidFill>
+                  <a:schemeClr val="tx2"/>
+                </a:solidFill>
+              </a:defRPr>
+            </a:lvl5pPr>
+            <a:lvl6pPr eaLnBrk="1" hangingPunct="1">
+              <a:defRPr>
+                <a:solidFill>
+                  <a:schemeClr val="tx2"/>
+                </a:solidFill>
+              </a:defRPr>
+            </a:lvl6pPr>
+            <a:lvl7pPr eaLnBrk="1" hangingPunct="1">
+              <a:defRPr>
+                <a:solidFill>
+                  <a:schemeClr val="tx2"/>
+                </a:solidFill>
+              </a:defRPr>
+            </a:lvl7pPr>
+            <a:lvl8pPr eaLnBrk="1" hangingPunct="1">
+              <a:defRPr>
+                <a:solidFill>
+                  <a:schemeClr val="tx2"/>
+                </a:solidFill>
+              </a:defRPr>
+            </a:lvl8pPr>
+            <a:lvl9pPr eaLnBrk="1" hangingPunct="1">
+              <a:defRPr>
+                <a:solidFill>
+                  <a:schemeClr val="tx2"/>
+                </a:solidFill>
+              </a:defRPr>
+            </a:lvl9pPr>
+          </a:lstStyle>
+          <a:p>
+            <a:r>
+              <a:rPr lang="en-US" sz="3600" b="1" dirty="0">
+                <a:solidFill>
+                  <a:srgbClr val="008E40"/>
+                </a:solidFill>
+              </a:rPr>
+              <a:t>Please fill the online evaluation form after </a:t>
+            </a:r>
+            <a:r>
+              <a:rPr lang="en-US" sz="3600" b="1" dirty="0" smtClean="0">
+                <a:solidFill>
+                  <a:srgbClr val="008E40"/>
+                </a:solidFill>
+              </a:rPr>
+              <a:t>event</a:t>
+            </a:r>
+            <a:r>
+              <a:rPr lang="ro-RO" sz="3600" b="1" dirty="0" smtClean="0">
+                <a:solidFill>
+                  <a:srgbClr val="008E40"/>
+                </a:solidFill>
+              </a:rPr>
+              <a:t> </a:t>
+            </a:r>
+            <a:endParaRPr lang="en-US" sz="4000" b="1" dirty="0">
+              <a:solidFill>
+                <a:srgbClr val="008E40"/>
+              </a:solidFill>
+            </a:endParaRPr>
+          </a:p>
+        </p:txBody>
+      </p:sp>
+    </p:spTree>
+    <p:extLst>
+      <p:ext uri="{BB962C8B-B14F-4D97-AF65-F5344CB8AC3E}">
+        <p14:creationId xmlns:p14="http://schemas.microsoft.com/office/powerpoint/2010/main" val="2160890334"/>
+      </p:ext>
+    </p:extLst>
+  </p:cSld>
+  <p:clrMapOvr>
+    <a:masterClrMapping/>
+  </p:clrMapOvr>
+  <p:timing>
+    <p:tnLst>
+      <p:par>
+        <p:cTn id="1" dur="indefinite" restart="never" nodeType="tmRoot"/>
+      </p:par>
+    </p:tnLst>
+  </p:timing>
+</p:sld>
+</file>
+
+<file path=ppt/slides/slide3.xml><?xml version="1.0" encoding="utf-8"?>
+<p:sld xmlns:a="http://schemas.openxmlformats.org/drawingml/2006/main" xmlns:r="http://schemas.openxmlformats.org/officeDocument/2006/relationships" xmlns:p="http://schemas.openxmlformats.org/presentationml/2006/main" showMasterSp="0">
+  <p:cSld>
+    <p:spTree>
+      <p:nvGrpSpPr>
+        <p:cNvPr id="1" name=""/>
+        <p:cNvGrpSpPr/>
+        <p:nvPr/>
+      </p:nvGrpSpPr>
+      <p:grpSpPr>
+        <a:xfrm>
+          <a:off x="0" y="0"/>
+          <a:ext cx="0" cy="0"/>
+          <a:chOff x="0" y="0"/>
+          <a:chExt cx="0" cy="0"/>
+        </a:xfrm>
+      </p:grpSpPr>
+      <p:pic>
+        <p:nvPicPr>
+          <p:cNvPr id="5" name="Picture 4"/>
+          <p:cNvPicPr>
+            <a:picLocks noChangeAspect="1"/>
+          </p:cNvPicPr>
+          <p:nvPr/>
+        </p:nvPicPr>
+        <p:blipFill>
+          <a:blip r:embed="rId3"/>
+          <a:stretch>
+            <a:fillRect/>
+          </a:stretch>
+        </p:blipFill>
+        <p:spPr>
+          <a:xfrm>
+            <a:off x="2999656" y="1268760"/>
+            <a:ext cx="6418050" cy="4453422"/>
+          </a:xfrm>
+          <a:prstGeom prst="rect">
+            <a:avLst/>
+          </a:prstGeom>
+        </p:spPr>
+      </p:pic>
+    </p:spTree>
+    <p:extLst>
+      <p:ext uri="{BB962C8B-B14F-4D97-AF65-F5344CB8AC3E}">
+        <p14:creationId xmlns:p14="http://schemas.microsoft.com/office/powerpoint/2010/main" val="968811176"/>
+      </p:ext>
+    </p:extLst>
+  </p:cSld>
+  <p:clrMapOvr>
+    <a:masterClrMapping/>
+  </p:clrMapOvr>
+  <p:timing>
+    <p:tnLst>
+      <p:par>
+        <p:cTn id="1" dur="indefinite" restart="never" nodeType="tmRoot"/>
+      </p:par>
+    </p:tnLst>
+  </p:timing>
+</p:sld>
+</file>
+
+<file path=ppt/slides/slide4.xml><?xml version="1.0" encoding="utf-8"?>
 <p:sld xmlns:a="http://schemas.openxmlformats.org/drawingml/2006/main" xmlns:r="http://schemas.openxmlformats.org/officeDocument/2006/relationships" xmlns:p="http://schemas.openxmlformats.org/presentationml/2006/main">
   <p:cSld>
     <p:spTree>
@@ -11662,2422 +15461,6 @@
 </p:sld>
 </file>
 
-<file path=ppt/slides/slide10.xml><?xml version="1.0" encoding="utf-8"?>
-<p:sld xmlns:a="http://schemas.openxmlformats.org/drawingml/2006/main" xmlns:r="http://schemas.openxmlformats.org/officeDocument/2006/relationships" xmlns:p="http://schemas.openxmlformats.org/presentationml/2006/main">
-  <p:cSld>
-    <p:spTree>
-      <p:nvGrpSpPr>
-        <p:cNvPr id="1" name=""/>
-        <p:cNvGrpSpPr/>
-        <p:nvPr/>
-      </p:nvGrpSpPr>
-      <p:grpSpPr>
-        <a:xfrm>
-          <a:off x="0" y="0"/>
-          <a:ext cx="0" cy="0"/>
-          <a:chOff x="0" y="0"/>
-          <a:chExt cx="0" cy="0"/>
-        </a:xfrm>
-      </p:grpSpPr>
-      <p:sp>
-        <p:nvSpPr>
-          <p:cNvPr id="2" name="Title 1"/>
-          <p:cNvSpPr>
-            <a:spLocks noGrp="1"/>
-          </p:cNvSpPr>
-          <p:nvPr>
-            <p:ph type="title"/>
-          </p:nvPr>
-        </p:nvSpPr>
-        <p:spPr>
-          <a:xfrm>
-            <a:off x="677334" y="609600"/>
-            <a:ext cx="8596668" cy="848139"/>
-          </a:xfrm>
-        </p:spPr>
-        <p:txBody>
-          <a:bodyPr>
-            <a:normAutofit/>
-          </a:bodyPr>
-          <a:lstStyle/>
-          <a:p>
-            <a:r>
-              <a:rPr lang="ro-RO" sz="4800" dirty="0"/>
-              <a:t>getRepository();</a:t>
-            </a:r>
-          </a:p>
-        </p:txBody>
-      </p:sp>
-      <p:sp>
-        <p:nvSpPr>
-          <p:cNvPr id="3" name="Content Placeholder 2"/>
-          <p:cNvSpPr>
-            <a:spLocks noGrp="1"/>
-          </p:cNvSpPr>
-          <p:nvPr>
-            <p:ph idx="1"/>
-          </p:nvPr>
-        </p:nvSpPr>
-        <p:spPr/>
-        <p:txBody>
-          <a:bodyPr/>
-          <a:lstStyle/>
-          <a:p>
-            <a:r>
-              <a:rPr lang="ro-RO" sz="2800" dirty="0" smtClean="0"/>
-              <a:t>Configuration ?</a:t>
-            </a:r>
-          </a:p>
-          <a:p>
-            <a:pPr marL="457200" lvl="1" indent="0">
-              <a:buNone/>
-            </a:pPr>
-            <a:endParaRPr lang="ro-RO" i="1" dirty="0" smtClean="0"/>
-          </a:p>
-          <a:p>
-            <a:pPr lvl="1"/>
-            <a:endParaRPr lang="ro-RO" dirty="0"/>
-          </a:p>
-        </p:txBody>
-      </p:sp>
-      <p:pic>
-        <p:nvPicPr>
-          <p:cNvPr id="5" name="Picture 4"/>
-          <p:cNvPicPr>
-            <a:picLocks noChangeAspect="1"/>
-          </p:cNvPicPr>
-          <p:nvPr/>
-        </p:nvPicPr>
-        <p:blipFill>
-          <a:blip r:embed="rId2">
-            <a:extLst>
-              <a:ext uri="{28A0092B-C50C-407E-A947-70E740481C1C}">
-                <a14:useLocalDpi xmlns:a14="http://schemas.microsoft.com/office/drawing/2010/main" val="0"/>
-              </a:ext>
-            </a:extLst>
-          </a:blip>
-          <a:stretch>
-            <a:fillRect/>
-          </a:stretch>
-        </p:blipFill>
-        <p:spPr>
-          <a:xfrm>
-            <a:off x="1264397" y="2996151"/>
-            <a:ext cx="5997586" cy="542179"/>
-          </a:xfrm>
-          <a:prstGeom prst="rect">
-            <a:avLst/>
-          </a:prstGeom>
-        </p:spPr>
-      </p:pic>
-      <p:pic>
-        <p:nvPicPr>
-          <p:cNvPr id="6" name="Picture 5"/>
-          <p:cNvPicPr>
-            <a:picLocks noChangeAspect="1"/>
-          </p:cNvPicPr>
-          <p:nvPr/>
-        </p:nvPicPr>
-        <p:blipFill>
-          <a:blip r:embed="rId3">
-            <a:extLst>
-              <a:ext uri="{28A0092B-C50C-407E-A947-70E740481C1C}">
-                <a14:useLocalDpi xmlns:a14="http://schemas.microsoft.com/office/drawing/2010/main" val="0"/>
-              </a:ext>
-            </a:extLst>
-          </a:blip>
-          <a:stretch>
-            <a:fillRect/>
-          </a:stretch>
-        </p:blipFill>
-        <p:spPr>
-          <a:xfrm>
-            <a:off x="1264396" y="4100975"/>
-            <a:ext cx="5997587" cy="421623"/>
-          </a:xfrm>
-          <a:prstGeom prst="rect">
-            <a:avLst/>
-          </a:prstGeom>
-        </p:spPr>
-      </p:pic>
-    </p:spTree>
-    <p:extLst>
-      <p:ext uri="{BB962C8B-B14F-4D97-AF65-F5344CB8AC3E}">
-        <p14:creationId xmlns:p14="http://schemas.microsoft.com/office/powerpoint/2010/main" val="1350484929"/>
-      </p:ext>
-    </p:extLst>
-  </p:cSld>
-  <p:clrMapOvr>
-    <a:masterClrMapping/>
-  </p:clrMapOvr>
-  <p:timing>
-    <p:tnLst>
-      <p:par>
-        <p:cTn id="1" dur="indefinite" restart="never" nodeType="tmRoot"/>
-      </p:par>
-    </p:tnLst>
-  </p:timing>
-</p:sld>
-</file>
-
-<file path=ppt/slides/slide11.xml><?xml version="1.0" encoding="utf-8"?>
-<p:sld xmlns:a="http://schemas.openxmlformats.org/drawingml/2006/main" xmlns:r="http://schemas.openxmlformats.org/officeDocument/2006/relationships" xmlns:p="http://schemas.openxmlformats.org/presentationml/2006/main">
-  <p:cSld>
-    <p:spTree>
-      <p:nvGrpSpPr>
-        <p:cNvPr id="1" name=""/>
-        <p:cNvGrpSpPr/>
-        <p:nvPr/>
-      </p:nvGrpSpPr>
-      <p:grpSpPr>
-        <a:xfrm>
-          <a:off x="0" y="0"/>
-          <a:ext cx="0" cy="0"/>
-          <a:chOff x="0" y="0"/>
-          <a:chExt cx="0" cy="0"/>
-        </a:xfrm>
-      </p:grpSpPr>
-      <p:sp>
-        <p:nvSpPr>
-          <p:cNvPr id="2" name="Title 1"/>
-          <p:cNvSpPr>
-            <a:spLocks noGrp="1"/>
-          </p:cNvSpPr>
-          <p:nvPr>
-            <p:ph type="title"/>
-          </p:nvPr>
-        </p:nvSpPr>
-        <p:spPr/>
-        <p:txBody>
-          <a:bodyPr>
-            <a:normAutofit/>
-          </a:bodyPr>
-          <a:lstStyle/>
-          <a:p>
-            <a:r>
-              <a:rPr lang="ro-RO" sz="4800" dirty="0"/>
-              <a:t>getRepository();</a:t>
-            </a:r>
-          </a:p>
-        </p:txBody>
-      </p:sp>
-      <p:pic>
-        <p:nvPicPr>
-          <p:cNvPr id="6" name="Content Placeholder 5"/>
-          <p:cNvPicPr>
-            <a:picLocks noGrp="1" noChangeAspect="1"/>
-          </p:cNvPicPr>
-          <p:nvPr>
-            <p:ph idx="1"/>
-          </p:nvPr>
-        </p:nvPicPr>
-        <p:blipFill>
-          <a:blip r:embed="rId2">
-            <a:extLst>
-              <a:ext uri="{28A0092B-C50C-407E-A947-70E740481C1C}">
-                <a14:useLocalDpi xmlns:a14="http://schemas.microsoft.com/office/drawing/2010/main" val="0"/>
-              </a:ext>
-            </a:extLst>
-          </a:blip>
-          <a:stretch>
-            <a:fillRect/>
-          </a:stretch>
-        </p:blipFill>
-        <p:spPr>
-          <a:xfrm>
-            <a:off x="677334" y="1930400"/>
-            <a:ext cx="8398428" cy="1077844"/>
-          </a:xfrm>
-        </p:spPr>
-      </p:pic>
-      <p:pic>
-        <p:nvPicPr>
-          <p:cNvPr id="7" name="Picture 6"/>
-          <p:cNvPicPr>
-            <a:picLocks noChangeAspect="1"/>
-          </p:cNvPicPr>
-          <p:nvPr/>
-        </p:nvPicPr>
-        <p:blipFill>
-          <a:blip r:embed="rId3">
-            <a:extLst>
-              <a:ext uri="{28A0092B-C50C-407E-A947-70E740481C1C}">
-                <a14:useLocalDpi xmlns:a14="http://schemas.microsoft.com/office/drawing/2010/main" val="0"/>
-              </a:ext>
-            </a:extLst>
-          </a:blip>
-          <a:stretch>
-            <a:fillRect/>
-          </a:stretch>
-        </p:blipFill>
-        <p:spPr>
-          <a:xfrm>
-            <a:off x="677334" y="3429496"/>
-            <a:ext cx="8398428" cy="1765355"/>
-          </a:xfrm>
-          <a:prstGeom prst="rect">
-            <a:avLst/>
-          </a:prstGeom>
-        </p:spPr>
-      </p:pic>
-    </p:spTree>
-    <p:extLst>
-      <p:ext uri="{BB962C8B-B14F-4D97-AF65-F5344CB8AC3E}">
-        <p14:creationId xmlns:p14="http://schemas.microsoft.com/office/powerpoint/2010/main" val="1841581089"/>
-      </p:ext>
-    </p:extLst>
-  </p:cSld>
-  <p:clrMapOvr>
-    <a:masterClrMapping/>
-  </p:clrMapOvr>
-  <p:timing>
-    <p:tnLst>
-      <p:par>
-        <p:cTn id="1" dur="indefinite" restart="never" nodeType="tmRoot"/>
-      </p:par>
-    </p:tnLst>
-  </p:timing>
-</p:sld>
-</file>
-
-<file path=ppt/slides/slide12.xml><?xml version="1.0" encoding="utf-8"?>
-<p:sld xmlns:a="http://schemas.openxmlformats.org/drawingml/2006/main" xmlns:r="http://schemas.openxmlformats.org/officeDocument/2006/relationships" xmlns:p="http://schemas.openxmlformats.org/presentationml/2006/main">
-  <p:cSld>
-    <p:spTree>
-      <p:nvGrpSpPr>
-        <p:cNvPr id="1" name=""/>
-        <p:cNvGrpSpPr/>
-        <p:nvPr/>
-      </p:nvGrpSpPr>
-      <p:grpSpPr>
-        <a:xfrm>
-          <a:off x="0" y="0"/>
-          <a:ext cx="0" cy="0"/>
-          <a:chOff x="0" y="0"/>
-          <a:chExt cx="0" cy="0"/>
-        </a:xfrm>
-      </p:grpSpPr>
-      <p:sp>
-        <p:nvSpPr>
-          <p:cNvPr id="2" name="Title 1"/>
-          <p:cNvSpPr>
-            <a:spLocks noGrp="1"/>
-          </p:cNvSpPr>
-          <p:nvPr>
-            <p:ph type="title"/>
-          </p:nvPr>
-        </p:nvSpPr>
-        <p:spPr/>
-        <p:txBody>
-          <a:bodyPr>
-            <a:normAutofit/>
-          </a:bodyPr>
-          <a:lstStyle/>
-          <a:p>
-            <a:r>
-              <a:rPr lang="ro-RO" sz="4800" dirty="0"/>
-              <a:t>getRepository();</a:t>
-            </a:r>
-          </a:p>
-        </p:txBody>
-      </p:sp>
-      <p:pic>
-        <p:nvPicPr>
-          <p:cNvPr id="4" name="Picture 3"/>
-          <p:cNvPicPr>
-            <a:picLocks noChangeAspect="1"/>
-          </p:cNvPicPr>
-          <p:nvPr/>
-        </p:nvPicPr>
-        <p:blipFill>
-          <a:blip r:embed="rId3">
-            <a:extLst>
-              <a:ext uri="{28A0092B-C50C-407E-A947-70E740481C1C}">
-                <a14:useLocalDpi xmlns:a14="http://schemas.microsoft.com/office/drawing/2010/main" val="0"/>
-              </a:ext>
-            </a:extLst>
-          </a:blip>
-          <a:stretch>
-            <a:fillRect/>
-          </a:stretch>
-        </p:blipFill>
-        <p:spPr>
-          <a:xfrm>
-            <a:off x="901559" y="1497102"/>
-            <a:ext cx="7871382" cy="5195246"/>
-          </a:xfrm>
-          <a:prstGeom prst="rect">
-            <a:avLst/>
-          </a:prstGeom>
-        </p:spPr>
-      </p:pic>
-    </p:spTree>
-    <p:extLst>
-      <p:ext uri="{BB962C8B-B14F-4D97-AF65-F5344CB8AC3E}">
-        <p14:creationId xmlns:p14="http://schemas.microsoft.com/office/powerpoint/2010/main" val="4268079551"/>
-      </p:ext>
-    </p:extLst>
-  </p:cSld>
-  <p:clrMapOvr>
-    <a:masterClrMapping/>
-  </p:clrMapOvr>
-  <p:timing>
-    <p:tnLst>
-      <p:par>
-        <p:cTn id="1" dur="indefinite" restart="never" nodeType="tmRoot"/>
-      </p:par>
-    </p:tnLst>
-  </p:timing>
-</p:sld>
-</file>
-
-<file path=ppt/slides/slide13.xml><?xml version="1.0" encoding="utf-8"?>
-<p:sld xmlns:a="http://schemas.openxmlformats.org/drawingml/2006/main" xmlns:r="http://schemas.openxmlformats.org/officeDocument/2006/relationships" xmlns:p="http://schemas.openxmlformats.org/presentationml/2006/main">
-  <p:cSld>
-    <p:spTree>
-      <p:nvGrpSpPr>
-        <p:cNvPr id="1" name=""/>
-        <p:cNvGrpSpPr/>
-        <p:nvPr/>
-      </p:nvGrpSpPr>
-      <p:grpSpPr>
-        <a:xfrm>
-          <a:off x="0" y="0"/>
-          <a:ext cx="0" cy="0"/>
-          <a:chOff x="0" y="0"/>
-          <a:chExt cx="0" cy="0"/>
-        </a:xfrm>
-      </p:grpSpPr>
-      <p:sp>
-        <p:nvSpPr>
-          <p:cNvPr id="2" name="Title 1"/>
-          <p:cNvSpPr>
-            <a:spLocks noGrp="1"/>
-          </p:cNvSpPr>
-          <p:nvPr>
-            <p:ph type="title"/>
-          </p:nvPr>
-        </p:nvSpPr>
-        <p:spPr>
-          <a:xfrm>
-            <a:off x="677334" y="609600"/>
-            <a:ext cx="8596668" cy="874643"/>
-          </a:xfrm>
-        </p:spPr>
-        <p:txBody>
-          <a:bodyPr>
-            <a:normAutofit/>
-          </a:bodyPr>
-          <a:lstStyle/>
-          <a:p>
-            <a:r>
-              <a:rPr lang="ro-RO" sz="4800" dirty="0" smtClean="0"/>
-              <a:t>findBySomething();</a:t>
-            </a:r>
-            <a:endParaRPr lang="ro-RO" sz="4800" dirty="0"/>
-          </a:p>
-        </p:txBody>
-      </p:sp>
-      <p:sp>
-        <p:nvSpPr>
-          <p:cNvPr id="3" name="Content Placeholder 2"/>
-          <p:cNvSpPr>
-            <a:spLocks noGrp="1"/>
-          </p:cNvSpPr>
-          <p:nvPr>
-            <p:ph idx="1"/>
-          </p:nvPr>
-        </p:nvSpPr>
-        <p:spPr/>
-        <p:txBody>
-          <a:bodyPr>
-            <a:normAutofit lnSpcReduction="10000"/>
-          </a:bodyPr>
-          <a:lstStyle/>
-          <a:p>
-            <a:r>
-              <a:rPr lang="ro-RO" sz="2800" dirty="0" smtClean="0"/>
-              <a:t>Query methods</a:t>
-            </a:r>
-          </a:p>
-          <a:p>
-            <a:endParaRPr lang="ro-RO" sz="2800" dirty="0" smtClean="0"/>
-          </a:p>
-          <a:p>
-            <a:pPr lvl="1"/>
-            <a:r>
-              <a:rPr lang="ro-RO" sz="2000" dirty="0" smtClean="0"/>
-              <a:t>findBy, getBy, queryBy, removeBy, deleteBy, countBy</a:t>
-            </a:r>
-          </a:p>
-          <a:p>
-            <a:pPr lvl="1"/>
-            <a:endParaRPr lang="ro-RO" sz="2000" dirty="0" smtClean="0"/>
-          </a:p>
-          <a:p>
-            <a:pPr lvl="1"/>
-            <a:r>
-              <a:rPr lang="ro-RO" sz="2000" dirty="0" smtClean="0"/>
-              <a:t>findDistinctBy, findFirst3, findTop3</a:t>
-            </a:r>
-          </a:p>
-          <a:p>
-            <a:pPr lvl="1"/>
-            <a:endParaRPr lang="ro-RO" sz="2000" dirty="0" smtClean="0"/>
-          </a:p>
-          <a:p>
-            <a:pPr lvl="1"/>
-            <a:r>
-              <a:rPr lang="ro-RO" sz="2000" dirty="0" smtClean="0"/>
-              <a:t>findByFirstNameAndLastNameOrderByAgeDesc</a:t>
-            </a:r>
-          </a:p>
-          <a:p>
-            <a:pPr lvl="1"/>
-            <a:endParaRPr lang="ro-RO" sz="2000" dirty="0" smtClean="0"/>
-          </a:p>
-          <a:p>
-            <a:pPr lvl="1"/>
-            <a:r>
-              <a:rPr lang="ro-RO" sz="2000" dirty="0" smtClean="0"/>
-              <a:t>findByDocumentDocumentDate, findByDocument_DocumentDate</a:t>
-            </a:r>
-          </a:p>
-          <a:p>
-            <a:pPr lvl="1"/>
-            <a:endParaRPr lang="ro-RO" sz="2600" dirty="0"/>
-          </a:p>
-        </p:txBody>
-      </p:sp>
-    </p:spTree>
-    <p:extLst>
-      <p:ext uri="{BB962C8B-B14F-4D97-AF65-F5344CB8AC3E}">
-        <p14:creationId xmlns:p14="http://schemas.microsoft.com/office/powerpoint/2010/main" val="3466551851"/>
-      </p:ext>
-    </p:extLst>
-  </p:cSld>
-  <p:clrMapOvr>
-    <a:masterClrMapping/>
-  </p:clrMapOvr>
-  <p:timing>
-    <p:tnLst>
-      <p:par>
-        <p:cTn id="1" dur="indefinite" restart="never" nodeType="tmRoot"/>
-      </p:par>
-    </p:tnLst>
-  </p:timing>
-</p:sld>
-</file>
-
-<file path=ppt/slides/slide14.xml><?xml version="1.0" encoding="utf-8"?>
-<p:sld xmlns:a="http://schemas.openxmlformats.org/drawingml/2006/main" xmlns:r="http://schemas.openxmlformats.org/officeDocument/2006/relationships" xmlns:p="http://schemas.openxmlformats.org/presentationml/2006/main">
-  <p:cSld>
-    <p:spTree>
-      <p:nvGrpSpPr>
-        <p:cNvPr id="1" name=""/>
-        <p:cNvGrpSpPr/>
-        <p:nvPr/>
-      </p:nvGrpSpPr>
-      <p:grpSpPr>
-        <a:xfrm>
-          <a:off x="0" y="0"/>
-          <a:ext cx="0" cy="0"/>
-          <a:chOff x="0" y="0"/>
-          <a:chExt cx="0" cy="0"/>
-        </a:xfrm>
-      </p:grpSpPr>
-      <p:sp>
-        <p:nvSpPr>
-          <p:cNvPr id="2" name="Title 1"/>
-          <p:cNvSpPr>
-            <a:spLocks noGrp="1"/>
-          </p:cNvSpPr>
-          <p:nvPr>
-            <p:ph type="title"/>
-          </p:nvPr>
-        </p:nvSpPr>
-        <p:spPr>
-          <a:xfrm>
-            <a:off x="677334" y="609600"/>
-            <a:ext cx="8596668" cy="874643"/>
-          </a:xfrm>
-        </p:spPr>
-        <p:txBody>
-          <a:bodyPr>
-            <a:normAutofit/>
-          </a:bodyPr>
-          <a:lstStyle/>
-          <a:p>
-            <a:r>
-              <a:rPr lang="ro-RO" sz="4800" dirty="0" smtClean="0"/>
-              <a:t>findBySomething();</a:t>
-            </a:r>
-            <a:endParaRPr lang="ro-RO" sz="4800" dirty="0"/>
-          </a:p>
-        </p:txBody>
-      </p:sp>
-      <p:sp>
-        <p:nvSpPr>
-          <p:cNvPr id="3" name="Content Placeholder 2"/>
-          <p:cNvSpPr>
-            <a:spLocks noGrp="1"/>
-          </p:cNvSpPr>
-          <p:nvPr>
-            <p:ph idx="1"/>
-          </p:nvPr>
-        </p:nvSpPr>
-        <p:spPr/>
-        <p:txBody>
-          <a:bodyPr>
-            <a:normAutofit/>
-          </a:bodyPr>
-          <a:lstStyle/>
-          <a:p>
-            <a:r>
-              <a:rPr lang="ro-RO" sz="2800" dirty="0" smtClean="0"/>
-              <a:t>Keywords</a:t>
-            </a:r>
-          </a:p>
-          <a:p>
-            <a:endParaRPr lang="ro-RO" sz="2800" dirty="0" smtClean="0"/>
-          </a:p>
-          <a:p>
-            <a:pPr lvl="1"/>
-            <a:r>
-              <a:rPr lang="ro-RO" sz="2000" dirty="0" smtClean="0"/>
-              <a:t>And, Or, Is, Equals, Between, LessThan, LessThanEqual, After/Before, IsNull, IsNotNull, Like, NotLike, StartingWith, Containing, OrderBy, Not, In, True, False, IgnoreCase, Regex etc.</a:t>
-            </a:r>
-          </a:p>
-          <a:p>
-            <a:r>
-              <a:rPr lang="ro-RO" sz="2800" dirty="0" smtClean="0"/>
-              <a:t>Return types</a:t>
-            </a:r>
-          </a:p>
-          <a:p>
-            <a:endParaRPr lang="ro-RO" sz="2800" dirty="0" smtClean="0"/>
-          </a:p>
-          <a:p>
-            <a:pPr lvl="1"/>
-            <a:r>
-              <a:rPr lang="ro-RO" sz="2000" dirty="0" smtClean="0"/>
-              <a:t>Void, Primitives, Wrapper types, T, Iterator&lt;T&gt;, Collection&gt;T&gt;</a:t>
-            </a:r>
-            <a:endParaRPr lang="ro-RO" sz="2000" dirty="0"/>
-          </a:p>
-        </p:txBody>
-      </p:sp>
-    </p:spTree>
-    <p:extLst>
-      <p:ext uri="{BB962C8B-B14F-4D97-AF65-F5344CB8AC3E}">
-        <p14:creationId xmlns:p14="http://schemas.microsoft.com/office/powerpoint/2010/main" val="3889699968"/>
-      </p:ext>
-    </p:extLst>
-  </p:cSld>
-  <p:clrMapOvr>
-    <a:masterClrMapping/>
-  </p:clrMapOvr>
-  <p:timing>
-    <p:tnLst>
-      <p:par>
-        <p:cTn id="1" dur="indefinite" restart="never" nodeType="tmRoot"/>
-      </p:par>
-    </p:tnLst>
-  </p:timing>
-</p:sld>
-</file>
-
-<file path=ppt/slides/slide15.xml><?xml version="1.0" encoding="utf-8"?>
-<p:sld xmlns:a="http://schemas.openxmlformats.org/drawingml/2006/main" xmlns:r="http://schemas.openxmlformats.org/officeDocument/2006/relationships" xmlns:p="http://schemas.openxmlformats.org/presentationml/2006/main">
-  <p:cSld>
-    <p:spTree>
-      <p:nvGrpSpPr>
-        <p:cNvPr id="1" name=""/>
-        <p:cNvGrpSpPr/>
-        <p:nvPr/>
-      </p:nvGrpSpPr>
-      <p:grpSpPr>
-        <a:xfrm>
-          <a:off x="0" y="0"/>
-          <a:ext cx="0" cy="0"/>
-          <a:chOff x="0" y="0"/>
-          <a:chExt cx="0" cy="0"/>
-        </a:xfrm>
-      </p:grpSpPr>
-      <p:sp>
-        <p:nvSpPr>
-          <p:cNvPr id="2" name="Title 1"/>
-          <p:cNvSpPr>
-            <a:spLocks noGrp="1"/>
-          </p:cNvSpPr>
-          <p:nvPr>
-            <p:ph type="title"/>
-          </p:nvPr>
-        </p:nvSpPr>
-        <p:spPr>
-          <a:xfrm>
-            <a:off x="677334" y="609600"/>
-            <a:ext cx="8596668" cy="874643"/>
-          </a:xfrm>
-        </p:spPr>
-        <p:txBody>
-          <a:bodyPr>
-            <a:normAutofit/>
-          </a:bodyPr>
-          <a:lstStyle/>
-          <a:p>
-            <a:r>
-              <a:rPr lang="ro-RO" sz="4800" dirty="0" smtClean="0"/>
-              <a:t>findBySomething();</a:t>
-            </a:r>
-            <a:endParaRPr lang="ro-RO" sz="4800" dirty="0"/>
-          </a:p>
-        </p:txBody>
-      </p:sp>
-      <p:sp>
-        <p:nvSpPr>
-          <p:cNvPr id="3" name="Content Placeholder 2"/>
-          <p:cNvSpPr>
-            <a:spLocks noGrp="1"/>
-          </p:cNvSpPr>
-          <p:nvPr>
-            <p:ph idx="1"/>
-          </p:nvPr>
-        </p:nvSpPr>
-        <p:spPr/>
-        <p:txBody>
-          <a:bodyPr>
-            <a:normAutofit lnSpcReduction="10000"/>
-          </a:bodyPr>
-          <a:lstStyle/>
-          <a:p>
-            <a:r>
-              <a:rPr lang="ro-RO" sz="2800" dirty="0" smtClean="0"/>
-              <a:t>Keywords</a:t>
-            </a:r>
-          </a:p>
-          <a:p>
-            <a:endParaRPr lang="ro-RO" sz="2800" dirty="0" smtClean="0"/>
-          </a:p>
-          <a:p>
-            <a:pPr lvl="1"/>
-            <a:r>
-              <a:rPr lang="ro-RO" sz="2000" dirty="0" smtClean="0"/>
-              <a:t>And, Or, Is, Equals, Between, LessThan, LessThanEqual, After/Before, IsNull, IsNotNull, Like, NotLike, StartingWith, Containing, OrderBy, Not, In, True, False, IgnoreCase, Regex etc.</a:t>
-            </a:r>
-          </a:p>
-          <a:p>
-            <a:r>
-              <a:rPr lang="ro-RO" sz="2800" dirty="0" smtClean="0"/>
-              <a:t>Return types</a:t>
-            </a:r>
-          </a:p>
-          <a:p>
-            <a:endParaRPr lang="ro-RO" sz="2800" dirty="0" smtClean="0"/>
-          </a:p>
-          <a:p>
-            <a:pPr lvl="1"/>
-            <a:r>
-              <a:rPr lang="ro-RO" sz="2000" dirty="0" smtClean="0"/>
-              <a:t>Void, Primitives, Wrapper types, T, Iterator&lt;T&gt;, Collection&gt;T&gt;, Stream&lt;T&gt;</a:t>
-            </a:r>
-            <a:endParaRPr lang="ro-RO" sz="2000" dirty="0"/>
-          </a:p>
-        </p:txBody>
-      </p:sp>
-    </p:spTree>
-    <p:extLst>
-      <p:ext uri="{BB962C8B-B14F-4D97-AF65-F5344CB8AC3E}">
-        <p14:creationId xmlns:p14="http://schemas.microsoft.com/office/powerpoint/2010/main" val="4022283028"/>
-      </p:ext>
-    </p:extLst>
-  </p:cSld>
-  <p:clrMapOvr>
-    <a:masterClrMapping/>
-  </p:clrMapOvr>
-  <p:timing>
-    <p:tnLst>
-      <p:par>
-        <p:cTn id="1" dur="indefinite" restart="never" nodeType="tmRoot"/>
-      </p:par>
-    </p:tnLst>
-  </p:timing>
-</p:sld>
-</file>
-
-<file path=ppt/slides/slide16.xml><?xml version="1.0" encoding="utf-8"?>
-<p:sld xmlns:a="http://schemas.openxmlformats.org/drawingml/2006/main" xmlns:r="http://schemas.openxmlformats.org/officeDocument/2006/relationships" xmlns:p="http://schemas.openxmlformats.org/presentationml/2006/main">
-  <p:cSld>
-    <p:spTree>
-      <p:nvGrpSpPr>
-        <p:cNvPr id="1" name=""/>
-        <p:cNvGrpSpPr/>
-        <p:nvPr/>
-      </p:nvGrpSpPr>
-      <p:grpSpPr>
-        <a:xfrm>
-          <a:off x="0" y="0"/>
-          <a:ext cx="0" cy="0"/>
-          <a:chOff x="0" y="0"/>
-          <a:chExt cx="0" cy="0"/>
-        </a:xfrm>
-      </p:grpSpPr>
-      <p:sp>
-        <p:nvSpPr>
-          <p:cNvPr id="2" name="Title 1"/>
-          <p:cNvSpPr>
-            <a:spLocks noGrp="1"/>
-          </p:cNvSpPr>
-          <p:nvPr>
-            <p:ph type="title"/>
-          </p:nvPr>
-        </p:nvSpPr>
-        <p:spPr>
-          <a:xfrm>
-            <a:off x="677334" y="609600"/>
-            <a:ext cx="8596668" cy="993913"/>
-          </a:xfrm>
-        </p:spPr>
-        <p:txBody>
-          <a:bodyPr>
-            <a:normAutofit/>
-          </a:bodyPr>
-          <a:lstStyle/>
-          <a:p>
-            <a:r>
-              <a:rPr lang="ro-RO" sz="4800" dirty="0" smtClean="0"/>
-              <a:t>queryAnnotation();</a:t>
-            </a:r>
-            <a:endParaRPr lang="ro-RO" sz="4800" dirty="0"/>
-          </a:p>
-        </p:txBody>
-      </p:sp>
-      <p:sp>
-        <p:nvSpPr>
-          <p:cNvPr id="3" name="Content Placeholder 2"/>
-          <p:cNvSpPr>
-            <a:spLocks noGrp="1"/>
-          </p:cNvSpPr>
-          <p:nvPr>
-            <p:ph idx="1"/>
-          </p:nvPr>
-        </p:nvSpPr>
-        <p:spPr/>
-        <p:txBody>
-          <a:bodyPr>
-            <a:normAutofit/>
-          </a:bodyPr>
-          <a:lstStyle/>
-          <a:p>
-            <a:r>
-              <a:rPr lang="ro-RO" sz="2800" dirty="0" smtClean="0"/>
-              <a:t>@Query</a:t>
-            </a:r>
-          </a:p>
-          <a:p>
-            <a:endParaRPr lang="ro-RO" sz="2800" dirty="0" smtClean="0"/>
-          </a:p>
-          <a:p>
-            <a:pPr lvl="1"/>
-            <a:r>
-              <a:rPr lang="ro-RO" sz="2000" dirty="0" smtClean="0"/>
-              <a:t>Supports both, JPQL and SQL queries</a:t>
-            </a:r>
-          </a:p>
-          <a:p>
-            <a:pPr lvl="1"/>
-            <a:endParaRPr lang="ro-RO" sz="2000" dirty="0" smtClean="0"/>
-          </a:p>
-          <a:p>
-            <a:pPr lvl="1"/>
-            <a:r>
-              <a:rPr lang="ro-RO" sz="2000" dirty="0" smtClean="0"/>
-              <a:t>It overrides the query method behaviour</a:t>
-            </a:r>
-          </a:p>
-          <a:p>
-            <a:pPr lvl="1"/>
-            <a:endParaRPr lang="ro-RO" sz="2000" dirty="0" smtClean="0"/>
-          </a:p>
-          <a:p>
-            <a:pPr lvl="1"/>
-            <a:r>
-              <a:rPr lang="ro-RO" sz="2000" dirty="0" smtClean="0"/>
-              <a:t>There is no naming convention</a:t>
-            </a:r>
-          </a:p>
-          <a:p>
-            <a:pPr marL="457200" lvl="1" indent="0">
-              <a:buNone/>
-            </a:pPr>
-            <a:endParaRPr lang="ro-RO" sz="2000" dirty="0"/>
-          </a:p>
-        </p:txBody>
-      </p:sp>
-    </p:spTree>
-    <p:extLst>
-      <p:ext uri="{BB962C8B-B14F-4D97-AF65-F5344CB8AC3E}">
-        <p14:creationId xmlns:p14="http://schemas.microsoft.com/office/powerpoint/2010/main" val="2382041354"/>
-      </p:ext>
-    </p:extLst>
-  </p:cSld>
-  <p:clrMapOvr>
-    <a:masterClrMapping/>
-  </p:clrMapOvr>
-  <p:timing>
-    <p:tnLst>
-      <p:par>
-        <p:cTn id="1" dur="indefinite" restart="never" nodeType="tmRoot"/>
-      </p:par>
-    </p:tnLst>
-  </p:timing>
-</p:sld>
-</file>
-
-<file path=ppt/slides/slide17.xml><?xml version="1.0" encoding="utf-8"?>
-<p:sld xmlns:a="http://schemas.openxmlformats.org/drawingml/2006/main" xmlns:r="http://schemas.openxmlformats.org/officeDocument/2006/relationships" xmlns:p="http://schemas.openxmlformats.org/presentationml/2006/main">
-  <p:cSld>
-    <p:spTree>
-      <p:nvGrpSpPr>
-        <p:cNvPr id="1" name=""/>
-        <p:cNvGrpSpPr/>
-        <p:nvPr/>
-      </p:nvGrpSpPr>
-      <p:grpSpPr>
-        <a:xfrm>
-          <a:off x="0" y="0"/>
-          <a:ext cx="0" cy="0"/>
-          <a:chOff x="0" y="0"/>
-          <a:chExt cx="0" cy="0"/>
-        </a:xfrm>
-      </p:grpSpPr>
-      <p:sp>
-        <p:nvSpPr>
-          <p:cNvPr id="2" name="Title 1"/>
-          <p:cNvSpPr>
-            <a:spLocks noGrp="1"/>
-          </p:cNvSpPr>
-          <p:nvPr>
-            <p:ph type="title"/>
-          </p:nvPr>
-        </p:nvSpPr>
-        <p:spPr>
-          <a:xfrm>
-            <a:off x="677334" y="609600"/>
-            <a:ext cx="8596668" cy="993913"/>
-          </a:xfrm>
-        </p:spPr>
-        <p:txBody>
-          <a:bodyPr>
-            <a:normAutofit/>
-          </a:bodyPr>
-          <a:lstStyle/>
-          <a:p>
-            <a:r>
-              <a:rPr lang="ro-RO" sz="4800" dirty="0" smtClean="0"/>
-              <a:t>namedQuery();</a:t>
-            </a:r>
-            <a:endParaRPr lang="ro-RO" sz="4800" dirty="0"/>
-          </a:p>
-        </p:txBody>
-      </p:sp>
-      <p:sp>
-        <p:nvSpPr>
-          <p:cNvPr id="3" name="Content Placeholder 2"/>
-          <p:cNvSpPr>
-            <a:spLocks noGrp="1"/>
-          </p:cNvSpPr>
-          <p:nvPr>
-            <p:ph idx="1"/>
-          </p:nvPr>
-        </p:nvSpPr>
-        <p:spPr/>
-        <p:txBody>
-          <a:bodyPr>
-            <a:normAutofit fontScale="92500" lnSpcReduction="20000"/>
-          </a:bodyPr>
-          <a:lstStyle/>
-          <a:p>
-            <a:r>
-              <a:rPr lang="ro-RO" sz="2800" dirty="0" smtClean="0"/>
-              <a:t>Named Queries</a:t>
-            </a:r>
-          </a:p>
-          <a:p>
-            <a:endParaRPr lang="ro-RO" sz="2800" dirty="0" smtClean="0"/>
-          </a:p>
-          <a:p>
-            <a:pPr lvl="1"/>
-            <a:r>
-              <a:rPr lang="ro-RO" sz="2000" dirty="0" smtClean="0"/>
-              <a:t>Define them in properties files, annotation (@NamedQuery , @NamedNativeQuery) or orm.xml file</a:t>
-            </a:r>
-          </a:p>
-          <a:p>
-            <a:pPr lvl="1"/>
-            <a:endParaRPr lang="ro-RO" sz="2000" dirty="0" smtClean="0"/>
-          </a:p>
-          <a:p>
-            <a:pPr lvl="1"/>
-            <a:r>
-              <a:rPr lang="ro-RO" sz="2000" dirty="0" smtClean="0"/>
-              <a:t>CodeCamper.findByEmailNamed=„...” in a property file</a:t>
-            </a:r>
-          </a:p>
-          <a:p>
-            <a:pPr lvl="1"/>
-            <a:endParaRPr lang="ro-RO" sz="2000" dirty="0"/>
-          </a:p>
-          <a:p>
-            <a:pPr lvl="1"/>
-            <a:r>
-              <a:rPr lang="ro-RO" sz="2000" dirty="0" smtClean="0"/>
-              <a:t>&lt;named-query&gt; or &lt;named-native-query&gt; in orm.xml</a:t>
-            </a:r>
-          </a:p>
-          <a:p>
-            <a:pPr lvl="1"/>
-            <a:endParaRPr lang="ro-RO" sz="2000" dirty="0" smtClean="0"/>
-          </a:p>
-          <a:p>
-            <a:pPr lvl="1"/>
-            <a:r>
-              <a:rPr lang="ro-RO" sz="2000" dirty="0" smtClean="0"/>
-              <a:t>There is no naming convention</a:t>
-            </a:r>
-          </a:p>
-          <a:p>
-            <a:pPr marL="457200" lvl="1" indent="0">
-              <a:buNone/>
-            </a:pPr>
-            <a:endParaRPr lang="ro-RO" sz="2000" dirty="0"/>
-          </a:p>
-        </p:txBody>
-      </p:sp>
-    </p:spTree>
-    <p:extLst>
-      <p:ext uri="{BB962C8B-B14F-4D97-AF65-F5344CB8AC3E}">
-        <p14:creationId xmlns:p14="http://schemas.microsoft.com/office/powerpoint/2010/main" val="964625462"/>
-      </p:ext>
-    </p:extLst>
-  </p:cSld>
-  <p:clrMapOvr>
-    <a:masterClrMapping/>
-  </p:clrMapOvr>
-  <p:timing>
-    <p:tnLst>
-      <p:par>
-        <p:cTn id="1" dur="indefinite" restart="never" nodeType="tmRoot"/>
-      </p:par>
-    </p:tnLst>
-  </p:timing>
-</p:sld>
-</file>
-
-<file path=ppt/slides/slide18.xml><?xml version="1.0" encoding="utf-8"?>
-<p:sld xmlns:a="http://schemas.openxmlformats.org/drawingml/2006/main" xmlns:r="http://schemas.openxmlformats.org/officeDocument/2006/relationships" xmlns:p="http://schemas.openxmlformats.org/presentationml/2006/main">
-  <p:cSld>
-    <p:spTree>
-      <p:nvGrpSpPr>
-        <p:cNvPr id="1" name=""/>
-        <p:cNvGrpSpPr/>
-        <p:nvPr/>
-      </p:nvGrpSpPr>
-      <p:grpSpPr>
-        <a:xfrm>
-          <a:off x="0" y="0"/>
-          <a:ext cx="0" cy="0"/>
-          <a:chOff x="0" y="0"/>
-          <a:chExt cx="0" cy="0"/>
-        </a:xfrm>
-      </p:grpSpPr>
-      <p:sp>
-        <p:nvSpPr>
-          <p:cNvPr id="2" name="Title 1"/>
-          <p:cNvSpPr>
-            <a:spLocks noGrp="1"/>
-          </p:cNvSpPr>
-          <p:nvPr>
-            <p:ph type="title"/>
-          </p:nvPr>
-        </p:nvSpPr>
-        <p:spPr>
-          <a:xfrm>
-            <a:off x="677334" y="609600"/>
-            <a:ext cx="8596668" cy="993913"/>
-          </a:xfrm>
-        </p:spPr>
-        <p:txBody>
-          <a:bodyPr>
-            <a:normAutofit/>
-          </a:bodyPr>
-          <a:lstStyle/>
-          <a:p>
-            <a:r>
-              <a:rPr lang="ro-RO" sz="4800" dirty="0" smtClean="0"/>
-              <a:t>sortAndPage();</a:t>
-            </a:r>
-            <a:endParaRPr lang="ro-RO" sz="4800" dirty="0"/>
-          </a:p>
-        </p:txBody>
-      </p:sp>
-      <p:sp>
-        <p:nvSpPr>
-          <p:cNvPr id="3" name="Content Placeholder 2"/>
-          <p:cNvSpPr>
-            <a:spLocks noGrp="1"/>
-          </p:cNvSpPr>
-          <p:nvPr>
-            <p:ph idx="1"/>
-          </p:nvPr>
-        </p:nvSpPr>
-        <p:spPr/>
-        <p:txBody>
-          <a:bodyPr>
-            <a:normAutofit lnSpcReduction="10000"/>
-          </a:bodyPr>
-          <a:lstStyle/>
-          <a:p>
-            <a:r>
-              <a:rPr lang="ro-RO" sz="2800" dirty="0" smtClean="0"/>
-              <a:t>Keyword: OrderBy</a:t>
-            </a:r>
-          </a:p>
-          <a:p>
-            <a:endParaRPr lang="ro-RO" sz="2000" dirty="0" smtClean="0"/>
-          </a:p>
-          <a:p>
-            <a:r>
-              <a:rPr lang="ro-RO" sz="2800" dirty="0" smtClean="0"/>
-              <a:t>For @Query you can use ORDER BY in the query string</a:t>
-            </a:r>
-          </a:p>
-          <a:p>
-            <a:endParaRPr lang="ro-RO" sz="2800" dirty="0" smtClean="0"/>
-          </a:p>
-          <a:p>
-            <a:r>
-              <a:rPr lang="ro-RO" sz="2800" dirty="0" smtClean="0"/>
-              <a:t>Sort Class</a:t>
-            </a:r>
-          </a:p>
-          <a:p>
-            <a:endParaRPr lang="ro-RO" sz="2800" dirty="0"/>
-          </a:p>
-          <a:p>
-            <a:r>
-              <a:rPr lang="ro-RO" sz="2800" dirty="0" smtClean="0"/>
-              <a:t>Extend PagingAndSortingRepository</a:t>
-            </a:r>
-          </a:p>
-          <a:p>
-            <a:endParaRPr lang="ro-RO" sz="2800" dirty="0" smtClean="0"/>
-          </a:p>
-        </p:txBody>
-      </p:sp>
-    </p:spTree>
-    <p:extLst>
-      <p:ext uri="{BB962C8B-B14F-4D97-AF65-F5344CB8AC3E}">
-        <p14:creationId xmlns:p14="http://schemas.microsoft.com/office/powerpoint/2010/main" val="3654468947"/>
-      </p:ext>
-    </p:extLst>
-  </p:cSld>
-  <p:clrMapOvr>
-    <a:masterClrMapping/>
-  </p:clrMapOvr>
-  <p:timing>
-    <p:tnLst>
-      <p:par>
-        <p:cTn id="1" dur="indefinite" restart="never" nodeType="tmRoot"/>
-      </p:par>
-    </p:tnLst>
-  </p:timing>
-</p:sld>
-</file>
-
-<file path=ppt/slides/slide19.xml><?xml version="1.0" encoding="utf-8"?>
-<p:sld xmlns:a="http://schemas.openxmlformats.org/drawingml/2006/main" xmlns:r="http://schemas.openxmlformats.org/officeDocument/2006/relationships" xmlns:p="http://schemas.openxmlformats.org/presentationml/2006/main">
-  <p:cSld>
-    <p:spTree>
-      <p:nvGrpSpPr>
-        <p:cNvPr id="1" name=""/>
-        <p:cNvGrpSpPr/>
-        <p:nvPr/>
-      </p:nvGrpSpPr>
-      <p:grpSpPr>
-        <a:xfrm>
-          <a:off x="0" y="0"/>
-          <a:ext cx="0" cy="0"/>
-          <a:chOff x="0" y="0"/>
-          <a:chExt cx="0" cy="0"/>
-        </a:xfrm>
-      </p:grpSpPr>
-      <p:sp>
-        <p:nvSpPr>
-          <p:cNvPr id="2" name="Title 1"/>
-          <p:cNvSpPr>
-            <a:spLocks noGrp="1"/>
-          </p:cNvSpPr>
-          <p:nvPr>
-            <p:ph type="title"/>
-          </p:nvPr>
-        </p:nvSpPr>
-        <p:spPr>
-          <a:xfrm>
-            <a:off x="677334" y="609600"/>
-            <a:ext cx="8596668" cy="993913"/>
-          </a:xfrm>
-        </p:spPr>
-        <p:txBody>
-          <a:bodyPr>
-            <a:normAutofit/>
-          </a:bodyPr>
-          <a:lstStyle/>
-          <a:p>
-            <a:r>
-              <a:rPr lang="ro-RO" sz="4800" dirty="0" smtClean="0"/>
-              <a:t>customRepo();</a:t>
-            </a:r>
-            <a:endParaRPr lang="ro-RO" sz="4800" dirty="0"/>
-          </a:p>
-        </p:txBody>
-      </p:sp>
-      <p:sp>
-        <p:nvSpPr>
-          <p:cNvPr id="3" name="Content Placeholder 2"/>
-          <p:cNvSpPr>
-            <a:spLocks noGrp="1"/>
-          </p:cNvSpPr>
-          <p:nvPr>
-            <p:ph idx="1"/>
-          </p:nvPr>
-        </p:nvSpPr>
-        <p:spPr/>
-        <p:txBody>
-          <a:bodyPr>
-            <a:normAutofit lnSpcReduction="10000"/>
-          </a:bodyPr>
-          <a:lstStyle/>
-          <a:p>
-            <a:r>
-              <a:rPr lang="ro-RO" sz="2800" dirty="0" smtClean="0"/>
-              <a:t>Create an interface CustomRepository</a:t>
-            </a:r>
-          </a:p>
-          <a:p>
-            <a:endParaRPr lang="ro-RO" sz="2800" dirty="0"/>
-          </a:p>
-          <a:p>
-            <a:r>
-              <a:rPr lang="ro-RO" sz="2800" dirty="0" smtClean="0"/>
-              <a:t>Implement the interface needed methods in CustomRepositoryImpl and annotate it with @Repository</a:t>
-            </a:r>
-          </a:p>
-          <a:p>
-            <a:endParaRPr lang="ro-RO" sz="2800" dirty="0"/>
-          </a:p>
-          <a:p>
-            <a:r>
-              <a:rPr lang="ro-RO" sz="2800" dirty="0" smtClean="0"/>
-              <a:t>In your main repository extend the CustomRepository</a:t>
-            </a:r>
-          </a:p>
-          <a:p>
-            <a:endParaRPr lang="ro-RO" sz="2800" dirty="0"/>
-          </a:p>
-          <a:p>
-            <a:endParaRPr lang="ro-RO" sz="2800" dirty="0" smtClean="0"/>
-          </a:p>
-        </p:txBody>
-      </p:sp>
-    </p:spTree>
-    <p:extLst>
-      <p:ext uri="{BB962C8B-B14F-4D97-AF65-F5344CB8AC3E}">
-        <p14:creationId xmlns:p14="http://schemas.microsoft.com/office/powerpoint/2010/main" val="3334901216"/>
-      </p:ext>
-    </p:extLst>
-  </p:cSld>
-  <p:clrMapOvr>
-    <a:masterClrMapping/>
-  </p:clrMapOvr>
-  <p:timing>
-    <p:tnLst>
-      <p:par>
-        <p:cTn id="1" dur="indefinite" restart="never" nodeType="tmRoot"/>
-      </p:par>
-    </p:tnLst>
-  </p:timing>
-</p:sld>
-</file>
-
-<file path=ppt/slides/slide2.xml><?xml version="1.0" encoding="utf-8"?>
-<p:sld xmlns:a="http://schemas.openxmlformats.org/drawingml/2006/main" xmlns:r="http://schemas.openxmlformats.org/officeDocument/2006/relationships" xmlns:p="http://schemas.openxmlformats.org/presentationml/2006/main">
-  <p:cSld>
-    <p:spTree>
-      <p:nvGrpSpPr>
-        <p:cNvPr id="1" name=""/>
-        <p:cNvGrpSpPr/>
-        <p:nvPr/>
-      </p:nvGrpSpPr>
-      <p:grpSpPr>
-        <a:xfrm>
-          <a:off x="0" y="0"/>
-          <a:ext cx="0" cy="0"/>
-          <a:chOff x="0" y="0"/>
-          <a:chExt cx="0" cy="0"/>
-        </a:xfrm>
-      </p:grpSpPr>
-      <p:sp>
-        <p:nvSpPr>
-          <p:cNvPr id="4" name="Title 3"/>
-          <p:cNvSpPr>
-            <a:spLocks noGrp="1"/>
-          </p:cNvSpPr>
-          <p:nvPr>
-            <p:ph type="title"/>
-          </p:nvPr>
-        </p:nvSpPr>
-        <p:spPr/>
-        <p:txBody>
-          <a:bodyPr>
-            <a:normAutofit/>
-          </a:bodyPr>
-          <a:lstStyle/>
-          <a:p>
-            <a:r>
-              <a:rPr lang="ro-RO" sz="4800" dirty="0" smtClean="0"/>
-              <a:t>meetAudience();</a:t>
-            </a:r>
-            <a:endParaRPr lang="ro-RO" sz="4800" dirty="0"/>
-          </a:p>
-        </p:txBody>
-      </p:sp>
-      <p:sp>
-        <p:nvSpPr>
-          <p:cNvPr id="8" name="Content Placeholder 7"/>
-          <p:cNvSpPr>
-            <a:spLocks noGrp="1"/>
-          </p:cNvSpPr>
-          <p:nvPr>
-            <p:ph idx="1"/>
-          </p:nvPr>
-        </p:nvSpPr>
-        <p:spPr/>
-        <p:txBody>
-          <a:bodyPr/>
-          <a:lstStyle/>
-          <a:p>
-            <a:r>
-              <a:rPr lang="ro-RO" sz="2800" dirty="0" smtClean="0"/>
-              <a:t>What brings you here ?</a:t>
-            </a:r>
-          </a:p>
-          <a:p>
-            <a:endParaRPr lang="ro-RO" sz="2800" dirty="0" smtClean="0"/>
-          </a:p>
-          <a:p>
-            <a:r>
-              <a:rPr lang="ro-RO" sz="2800" dirty="0" smtClean="0"/>
-              <a:t>Who heard about Spring Data ?</a:t>
-            </a:r>
-          </a:p>
-          <a:p>
-            <a:pPr lvl="1"/>
-            <a:r>
-              <a:rPr lang="ro-RO" sz="2000" dirty="0"/>
-              <a:t>x</a:t>
-            </a:r>
-            <a:r>
-              <a:rPr lang="ro-RO" sz="2000" dirty="0" smtClean="0"/>
-              <a:t> code campers</a:t>
-            </a:r>
-          </a:p>
-          <a:p>
-            <a:pPr lvl="1"/>
-            <a:endParaRPr lang="ro-RO" sz="2000" dirty="0" smtClean="0"/>
-          </a:p>
-          <a:p>
-            <a:r>
-              <a:rPr lang="ro-RO" sz="2800" dirty="0" smtClean="0"/>
-              <a:t>Who worked with Spring Data ?</a:t>
-            </a:r>
-          </a:p>
-          <a:p>
-            <a:pPr lvl="1"/>
-            <a:r>
-              <a:rPr lang="ro-RO" sz="2000" dirty="0"/>
-              <a:t>x</a:t>
-            </a:r>
-            <a:r>
-              <a:rPr lang="ro-RO" sz="2000" dirty="0" smtClean="0"/>
-              <a:t> code campers</a:t>
-            </a:r>
-            <a:endParaRPr lang="ro-RO" sz="2000" dirty="0"/>
-          </a:p>
-          <a:p>
-            <a:pPr lvl="1"/>
-            <a:endParaRPr lang="ro-RO" dirty="0" smtClean="0"/>
-          </a:p>
-          <a:p>
-            <a:pPr lvl="1"/>
-            <a:endParaRPr lang="ro-RO" dirty="0" smtClean="0"/>
-          </a:p>
-        </p:txBody>
-      </p:sp>
-    </p:spTree>
-    <p:extLst>
-      <p:ext uri="{BB962C8B-B14F-4D97-AF65-F5344CB8AC3E}">
-        <p14:creationId xmlns:p14="http://schemas.microsoft.com/office/powerpoint/2010/main" val="3088108594"/>
-      </p:ext>
-    </p:extLst>
-  </p:cSld>
-  <p:clrMapOvr>
-    <a:masterClrMapping/>
-  </p:clrMapOvr>
-  <p:timing>
-    <p:tnLst>
-      <p:par>
-        <p:cTn id="1" dur="indefinite" restart="never" nodeType="tmRoot"/>
-      </p:par>
-    </p:tnLst>
-  </p:timing>
-</p:sld>
-</file>
-
-<file path=ppt/slides/slide20.xml><?xml version="1.0" encoding="utf-8"?>
-<p:sld xmlns:a="http://schemas.openxmlformats.org/drawingml/2006/main" xmlns:r="http://schemas.openxmlformats.org/officeDocument/2006/relationships" xmlns:p="http://schemas.openxmlformats.org/presentationml/2006/main">
-  <p:cSld>
-    <p:spTree>
-      <p:nvGrpSpPr>
-        <p:cNvPr id="1" name=""/>
-        <p:cNvGrpSpPr/>
-        <p:nvPr/>
-      </p:nvGrpSpPr>
-      <p:grpSpPr>
-        <a:xfrm>
-          <a:off x="0" y="0"/>
-          <a:ext cx="0" cy="0"/>
-          <a:chOff x="0" y="0"/>
-          <a:chExt cx="0" cy="0"/>
-        </a:xfrm>
-      </p:grpSpPr>
-      <p:sp>
-        <p:nvSpPr>
-          <p:cNvPr id="2" name="Title 1"/>
-          <p:cNvSpPr>
-            <a:spLocks noGrp="1"/>
-          </p:cNvSpPr>
-          <p:nvPr>
-            <p:ph type="title"/>
-          </p:nvPr>
-        </p:nvSpPr>
-        <p:spPr>
-          <a:xfrm>
-            <a:off x="677334" y="609600"/>
-            <a:ext cx="8596668" cy="858253"/>
-          </a:xfrm>
-        </p:spPr>
-        <p:txBody>
-          <a:bodyPr>
-            <a:normAutofit/>
-          </a:bodyPr>
-          <a:lstStyle/>
-          <a:p>
-            <a:r>
-              <a:rPr lang="ro-RO" sz="4800" dirty="0" smtClean="0"/>
-              <a:t>advanced();</a:t>
-            </a:r>
-            <a:endParaRPr lang="ro-RO" sz="4800" dirty="0"/>
-          </a:p>
-        </p:txBody>
-      </p:sp>
-      <p:sp>
-        <p:nvSpPr>
-          <p:cNvPr id="3" name="Content Placeholder 2"/>
-          <p:cNvSpPr>
-            <a:spLocks noGrp="1"/>
-          </p:cNvSpPr>
-          <p:nvPr>
-            <p:ph idx="1"/>
-          </p:nvPr>
-        </p:nvSpPr>
-        <p:spPr>
-          <a:xfrm>
-            <a:off x="677334" y="1625600"/>
-            <a:ext cx="8596668" cy="4933243"/>
-          </a:xfrm>
-        </p:spPr>
-        <p:txBody>
-          <a:bodyPr>
-            <a:normAutofit lnSpcReduction="10000"/>
-          </a:bodyPr>
-          <a:lstStyle/>
-          <a:p>
-            <a:r>
-              <a:rPr lang="ro-RO" sz="2800" dirty="0" smtClean="0"/>
-              <a:t>Supports also Criteria API in Custom repos</a:t>
-            </a:r>
-          </a:p>
-          <a:p>
-            <a:endParaRPr lang="ro-RO" sz="2800" dirty="0" smtClean="0"/>
-          </a:p>
-          <a:p>
-            <a:r>
-              <a:rPr lang="ro-RO" sz="2800" dirty="0" smtClean="0"/>
-              <a:t>Dynamic queries (Criteria API - the standard way in JPA)</a:t>
-            </a:r>
-          </a:p>
-          <a:p>
-            <a:endParaRPr lang="ro-RO" sz="2800" dirty="0"/>
-          </a:p>
-          <a:p>
-            <a:r>
-              <a:rPr lang="ro-RO" sz="2800" dirty="0" smtClean="0"/>
-              <a:t>Supports advanced quering with QueryDSL </a:t>
-            </a:r>
-          </a:p>
-          <a:p>
-            <a:pPr lvl="1"/>
-            <a:r>
-              <a:rPr lang="ro-RO" sz="2000" dirty="0"/>
-              <a:t>o</a:t>
-            </a:r>
-            <a:r>
-              <a:rPr lang="ro-RO" sz="2000" dirty="0" smtClean="0"/>
-              <a:t>fc instead of Criteria API </a:t>
-            </a:r>
-            <a:r>
-              <a:rPr lang="ro-RO" sz="2000" dirty="0" smtClean="0">
-                <a:sym typeface="Wingdings" panose="05000000000000000000" pitchFamily="2" charset="2"/>
-              </a:rPr>
-              <a:t></a:t>
-            </a:r>
-          </a:p>
-          <a:p>
-            <a:endParaRPr lang="ro-RO" sz="2200" dirty="0">
-              <a:sym typeface="Wingdings" panose="05000000000000000000" pitchFamily="2" charset="2"/>
-            </a:endParaRPr>
-          </a:p>
-          <a:p>
-            <a:r>
-              <a:rPr lang="ro-RO" sz="2800" dirty="0" smtClean="0"/>
-              <a:t>Caching is </a:t>
-            </a:r>
-            <a:r>
-              <a:rPr lang="ro-RO" sz="2800" smtClean="0"/>
-              <a:t>configurable as </a:t>
-            </a:r>
-            <a:r>
-              <a:rPr lang="ro-RO" sz="2800" dirty="0" smtClean="0"/>
-              <a:t>in </a:t>
-            </a:r>
-            <a:r>
-              <a:rPr lang="ro-RO" sz="2800" smtClean="0"/>
-              <a:t>any other Spring/Hibernate </a:t>
-            </a:r>
-            <a:r>
-              <a:rPr lang="ro-RO" sz="2800" dirty="0" smtClean="0"/>
-              <a:t>project</a:t>
-            </a:r>
-          </a:p>
-          <a:p>
-            <a:endParaRPr lang="ro-RO" sz="2800" dirty="0"/>
-          </a:p>
-          <a:p>
-            <a:endParaRPr lang="ro-RO" sz="2800" dirty="0" smtClean="0"/>
-          </a:p>
-          <a:p>
-            <a:endParaRPr lang="ro-RO" sz="2800" dirty="0"/>
-          </a:p>
-        </p:txBody>
-      </p:sp>
-    </p:spTree>
-    <p:extLst>
-      <p:ext uri="{BB962C8B-B14F-4D97-AF65-F5344CB8AC3E}">
-        <p14:creationId xmlns:p14="http://schemas.microsoft.com/office/powerpoint/2010/main" val="2048389799"/>
-      </p:ext>
-    </p:extLst>
-  </p:cSld>
-  <p:clrMapOvr>
-    <a:masterClrMapping/>
-  </p:clrMapOvr>
-  <p:timing>
-    <p:tnLst>
-      <p:par>
-        <p:cTn id="1" dur="indefinite" restart="never" nodeType="tmRoot"/>
-      </p:par>
-    </p:tnLst>
-  </p:timing>
-</p:sld>
-</file>
-
-<file path=ppt/slides/slide21.xml><?xml version="1.0" encoding="utf-8"?>
-<p:sld xmlns:a="http://schemas.openxmlformats.org/drawingml/2006/main" xmlns:r="http://schemas.openxmlformats.org/officeDocument/2006/relationships" xmlns:p="http://schemas.openxmlformats.org/presentationml/2006/main">
-  <p:cSld>
-    <p:spTree>
-      <p:nvGrpSpPr>
-        <p:cNvPr id="1" name=""/>
-        <p:cNvGrpSpPr/>
-        <p:nvPr/>
-      </p:nvGrpSpPr>
-      <p:grpSpPr>
-        <a:xfrm>
-          <a:off x="0" y="0"/>
-          <a:ext cx="0" cy="0"/>
-          <a:chOff x="0" y="0"/>
-          <a:chExt cx="0" cy="0"/>
-        </a:xfrm>
-      </p:grpSpPr>
-      <p:sp>
-        <p:nvSpPr>
-          <p:cNvPr id="2" name="Title 1"/>
-          <p:cNvSpPr>
-            <a:spLocks noGrp="1"/>
-          </p:cNvSpPr>
-          <p:nvPr>
-            <p:ph type="title"/>
-          </p:nvPr>
-        </p:nvSpPr>
-        <p:spPr>
-          <a:xfrm>
-            <a:off x="677334" y="609600"/>
-            <a:ext cx="8596668" cy="858253"/>
-          </a:xfrm>
-        </p:spPr>
-        <p:txBody>
-          <a:bodyPr>
-            <a:normAutofit/>
-          </a:bodyPr>
-          <a:lstStyle/>
-          <a:p>
-            <a:r>
-              <a:rPr lang="ro-RO" sz="4800" dirty="0"/>
-              <a:t>a</a:t>
-            </a:r>
-            <a:r>
-              <a:rPr lang="ro-RO" sz="4800" dirty="0" smtClean="0"/>
-              <a:t>udit();</a:t>
-            </a:r>
-            <a:endParaRPr lang="ro-RO" sz="4800" dirty="0"/>
-          </a:p>
-        </p:txBody>
-      </p:sp>
-      <p:sp>
-        <p:nvSpPr>
-          <p:cNvPr id="3" name="Content Placeholder 2"/>
-          <p:cNvSpPr>
-            <a:spLocks noGrp="1"/>
-          </p:cNvSpPr>
-          <p:nvPr>
-            <p:ph idx="1"/>
-          </p:nvPr>
-        </p:nvSpPr>
-        <p:spPr/>
-        <p:txBody>
-          <a:bodyPr>
-            <a:normAutofit/>
-          </a:bodyPr>
-          <a:lstStyle/>
-          <a:p>
-            <a:r>
-              <a:rPr lang="ro-RO" sz="2800" dirty="0" smtClean="0"/>
-              <a:t>@CreatedBy , @LastModifiedBy – who ?</a:t>
-            </a:r>
-          </a:p>
-          <a:p>
-            <a:endParaRPr lang="ro-RO" sz="2800" dirty="0" smtClean="0"/>
-          </a:p>
-          <a:p>
-            <a:r>
-              <a:rPr lang="ro-RO" sz="2800" dirty="0" smtClean="0"/>
-              <a:t>@CreatedDate, @LastModifiedDate – when ?</a:t>
-            </a:r>
-          </a:p>
-          <a:p>
-            <a:endParaRPr lang="ro-RO" sz="2800" dirty="0"/>
-          </a:p>
-          <a:p>
-            <a:r>
-              <a:rPr lang="ro-RO" sz="2800" dirty="0" smtClean="0"/>
-              <a:t>Spring Security integration</a:t>
-            </a:r>
-            <a:endParaRPr lang="ro-RO" sz="2800" dirty="0"/>
-          </a:p>
-        </p:txBody>
-      </p:sp>
-    </p:spTree>
-    <p:extLst>
-      <p:ext uri="{BB962C8B-B14F-4D97-AF65-F5344CB8AC3E}">
-        <p14:creationId xmlns:p14="http://schemas.microsoft.com/office/powerpoint/2010/main" val="1435931862"/>
-      </p:ext>
-    </p:extLst>
-  </p:cSld>
-  <p:clrMapOvr>
-    <a:masterClrMapping/>
-  </p:clrMapOvr>
-  <p:timing>
-    <p:tnLst>
-      <p:par>
-        <p:cTn id="1" dur="indefinite" restart="never" nodeType="tmRoot"/>
-      </p:par>
-    </p:tnLst>
-  </p:timing>
-</p:sld>
-</file>
-
-<file path=ppt/slides/slide22.xml><?xml version="1.0" encoding="utf-8"?>
-<p:sld xmlns:a="http://schemas.openxmlformats.org/drawingml/2006/main" xmlns:r="http://schemas.openxmlformats.org/officeDocument/2006/relationships" xmlns:p="http://schemas.openxmlformats.org/presentationml/2006/main">
-  <p:cSld>
-    <p:spTree>
-      <p:nvGrpSpPr>
-        <p:cNvPr id="1" name=""/>
-        <p:cNvGrpSpPr/>
-        <p:nvPr/>
-      </p:nvGrpSpPr>
-      <p:grpSpPr>
-        <a:xfrm>
-          <a:off x="0" y="0"/>
-          <a:ext cx="0" cy="0"/>
-          <a:chOff x="0" y="0"/>
-          <a:chExt cx="0" cy="0"/>
-        </a:xfrm>
-      </p:grpSpPr>
-      <p:sp>
-        <p:nvSpPr>
-          <p:cNvPr id="2" name="Title 1"/>
-          <p:cNvSpPr>
-            <a:spLocks noGrp="1"/>
-          </p:cNvSpPr>
-          <p:nvPr>
-            <p:ph type="title"/>
-          </p:nvPr>
-        </p:nvSpPr>
-        <p:spPr>
-          <a:xfrm>
-            <a:off x="677334" y="609600"/>
-            <a:ext cx="8596668" cy="993913"/>
-          </a:xfrm>
-        </p:spPr>
-        <p:txBody>
-          <a:bodyPr>
-            <a:normAutofit/>
-          </a:bodyPr>
-          <a:lstStyle/>
-          <a:p>
-            <a:r>
-              <a:rPr lang="ro-RO" sz="4800" dirty="0" smtClean="0"/>
-              <a:t>demo();</a:t>
-            </a:r>
-            <a:endParaRPr lang="ro-RO" sz="4800" dirty="0"/>
-          </a:p>
-        </p:txBody>
-      </p:sp>
-      <p:sp>
-        <p:nvSpPr>
-          <p:cNvPr id="3" name="Content Placeholder 2"/>
-          <p:cNvSpPr>
-            <a:spLocks noGrp="1"/>
-          </p:cNvSpPr>
-          <p:nvPr>
-            <p:ph idx="1"/>
-          </p:nvPr>
-        </p:nvSpPr>
-        <p:spPr/>
-        <p:txBody>
-          <a:bodyPr>
-            <a:normAutofit/>
-          </a:bodyPr>
-          <a:lstStyle/>
-          <a:p>
-            <a:pPr marL="0" indent="0">
-              <a:buNone/>
-            </a:pPr>
-            <a:r>
-              <a:rPr lang="ro-RO" sz="2800" dirty="0" smtClean="0">
-                <a:hlinkClick r:id="rId3"/>
-              </a:rPr>
-              <a:t>https</a:t>
-            </a:r>
-            <a:r>
-              <a:rPr lang="ro-RO" sz="2800" dirty="0">
-                <a:hlinkClick r:id="rId3"/>
-              </a:rPr>
-              <a:t>://github.com/cosminspn/cc-apr-2016</a:t>
-            </a:r>
-            <a:r>
-              <a:rPr lang="ro-RO" sz="2800" dirty="0" smtClean="0">
-                <a:hlinkClick r:id="rId3"/>
-              </a:rPr>
-              <a:t>/</a:t>
-            </a:r>
-            <a:endParaRPr lang="ro-RO" sz="2800" dirty="0" smtClean="0"/>
-          </a:p>
-          <a:p>
-            <a:pPr marL="0" indent="0">
-              <a:buNone/>
-            </a:pPr>
-            <a:endParaRPr lang="ro-RO" sz="2800" dirty="0">
-              <a:hlinkClick r:id="rId4"/>
-            </a:endParaRPr>
-          </a:p>
-          <a:p>
-            <a:pPr marL="0" indent="0">
-              <a:buNone/>
-            </a:pPr>
-            <a:r>
-              <a:rPr lang="ro-RO" sz="2800" dirty="0" smtClean="0">
-                <a:hlinkClick r:id="rId4"/>
-              </a:rPr>
-              <a:t>https</a:t>
-            </a:r>
-            <a:r>
-              <a:rPr lang="ro-RO" sz="2800" dirty="0">
-                <a:hlinkClick r:id="rId4"/>
-              </a:rPr>
-              <a:t>://</a:t>
-            </a:r>
-            <a:r>
-              <a:rPr lang="ro-RO" sz="2800" dirty="0" smtClean="0">
-                <a:hlinkClick r:id="rId4"/>
-              </a:rPr>
-              <a:t>github.com/cosminspn/cc-apr-2016/tree/master/source/spring-data-example</a:t>
-            </a:r>
-            <a:r>
-              <a:rPr lang="ro-RO" sz="2800" dirty="0" smtClean="0"/>
-              <a:t> </a:t>
-            </a:r>
-            <a:endParaRPr lang="ro-RO" sz="2800" dirty="0"/>
-          </a:p>
-          <a:p>
-            <a:endParaRPr lang="ro-RO" sz="2800" dirty="0" smtClean="0"/>
-          </a:p>
-        </p:txBody>
-      </p:sp>
-    </p:spTree>
-    <p:extLst>
-      <p:ext uri="{BB962C8B-B14F-4D97-AF65-F5344CB8AC3E}">
-        <p14:creationId xmlns:p14="http://schemas.microsoft.com/office/powerpoint/2010/main" val="3946167324"/>
-      </p:ext>
-    </p:extLst>
-  </p:cSld>
-  <p:clrMapOvr>
-    <a:masterClrMapping/>
-  </p:clrMapOvr>
-  <p:timing>
-    <p:tnLst>
-      <p:par>
-        <p:cTn id="1" dur="indefinite" restart="never" nodeType="tmRoot"/>
-      </p:par>
-    </p:tnLst>
-  </p:timing>
-</p:sld>
-</file>
-
-<file path=ppt/slides/slide23.xml><?xml version="1.0" encoding="utf-8"?>
-<p:sld xmlns:a="http://schemas.openxmlformats.org/drawingml/2006/main" xmlns:r="http://schemas.openxmlformats.org/officeDocument/2006/relationships" xmlns:p="http://schemas.openxmlformats.org/presentationml/2006/main">
-  <p:cSld>
-    <p:spTree>
-      <p:nvGrpSpPr>
-        <p:cNvPr id="1" name=""/>
-        <p:cNvGrpSpPr/>
-        <p:nvPr/>
-      </p:nvGrpSpPr>
-      <p:grpSpPr>
-        <a:xfrm>
-          <a:off x="0" y="0"/>
-          <a:ext cx="0" cy="0"/>
-          <a:chOff x="0" y="0"/>
-          <a:chExt cx="0" cy="0"/>
-        </a:xfrm>
-      </p:grpSpPr>
-      <p:sp>
-        <p:nvSpPr>
-          <p:cNvPr id="4" name="Title 3"/>
-          <p:cNvSpPr>
-            <a:spLocks noGrp="1"/>
-          </p:cNvSpPr>
-          <p:nvPr>
-            <p:ph type="title"/>
-          </p:nvPr>
-        </p:nvSpPr>
-        <p:spPr/>
-        <p:txBody>
-          <a:bodyPr>
-            <a:normAutofit/>
-          </a:bodyPr>
-          <a:lstStyle/>
-          <a:p>
-            <a:r>
-              <a:rPr lang="ro-RO" sz="4800" dirty="0" smtClean="0"/>
-              <a:t>removeFromTheProject();</a:t>
-            </a:r>
-            <a:endParaRPr lang="ro-RO" sz="4800" dirty="0"/>
-          </a:p>
-        </p:txBody>
-      </p:sp>
-      <p:sp>
-        <p:nvSpPr>
-          <p:cNvPr id="8" name="Content Placeholder 7"/>
-          <p:cNvSpPr>
-            <a:spLocks noGrp="1"/>
-          </p:cNvSpPr>
-          <p:nvPr>
-            <p:ph idx="1"/>
-          </p:nvPr>
-        </p:nvSpPr>
-        <p:spPr/>
-        <p:txBody>
-          <a:bodyPr>
-            <a:normAutofit lnSpcReduction="10000"/>
-          </a:bodyPr>
-          <a:lstStyle/>
-          <a:p>
-            <a:r>
-              <a:rPr lang="ro-RO" sz="2800" dirty="0" smtClean="0"/>
-              <a:t>When Spring Data does not bring value ?</a:t>
-            </a:r>
-          </a:p>
-          <a:p>
-            <a:endParaRPr lang="ro-RO" sz="2800" dirty="0" smtClean="0"/>
-          </a:p>
-          <a:p>
-            <a:pPr lvl="1"/>
-            <a:r>
-              <a:rPr lang="ro-RO" sz="2000" dirty="0" smtClean="0"/>
-              <a:t>A lot of JOIN queries</a:t>
-            </a:r>
-          </a:p>
-          <a:p>
-            <a:pPr lvl="1"/>
-            <a:endParaRPr lang="ro-RO" sz="2000" dirty="0"/>
-          </a:p>
-          <a:p>
-            <a:pPr lvl="1"/>
-            <a:r>
-              <a:rPr lang="ro-RO" sz="2000" dirty="0" smtClean="0"/>
-              <a:t>DB which do not use FKs</a:t>
-            </a:r>
-          </a:p>
-          <a:p>
-            <a:pPr lvl="1"/>
-            <a:endParaRPr lang="ro-RO" sz="2000" dirty="0" smtClean="0"/>
-          </a:p>
-          <a:p>
-            <a:pPr lvl="1"/>
-            <a:r>
-              <a:rPr lang="ro-RO" sz="2000" dirty="0" smtClean="0"/>
-              <a:t>When even the CRUD methods should be overriden</a:t>
-            </a:r>
-          </a:p>
-          <a:p>
-            <a:pPr lvl="1"/>
-            <a:endParaRPr lang="ro-RO" sz="2000" dirty="0"/>
-          </a:p>
-          <a:p>
-            <a:pPr lvl="1"/>
-            <a:r>
-              <a:rPr lang="ro-RO" sz="2000" dirty="0" smtClean="0"/>
-              <a:t>May be other situations ...</a:t>
-            </a:r>
-          </a:p>
-          <a:p>
-            <a:pPr lvl="1"/>
-            <a:endParaRPr lang="ro-RO" sz="2000" dirty="0" smtClean="0"/>
-          </a:p>
-          <a:p>
-            <a:pPr lvl="1"/>
-            <a:endParaRPr lang="ro-RO" dirty="0" smtClean="0"/>
-          </a:p>
-          <a:p>
-            <a:pPr lvl="1"/>
-            <a:endParaRPr lang="ro-RO" dirty="0" smtClean="0"/>
-          </a:p>
-        </p:txBody>
-      </p:sp>
-    </p:spTree>
-    <p:extLst>
-      <p:ext uri="{BB962C8B-B14F-4D97-AF65-F5344CB8AC3E}">
-        <p14:creationId xmlns:p14="http://schemas.microsoft.com/office/powerpoint/2010/main" val="1657448931"/>
-      </p:ext>
-    </p:extLst>
-  </p:cSld>
-  <p:clrMapOvr>
-    <a:masterClrMapping/>
-  </p:clrMapOvr>
-  <p:timing>
-    <p:tnLst>
-      <p:par>
-        <p:cTn id="1" dur="indefinite" restart="never" nodeType="tmRoot"/>
-      </p:par>
-    </p:tnLst>
-  </p:timing>
-</p:sld>
-</file>
-
-<file path=ppt/slides/slide24.xml><?xml version="1.0" encoding="utf-8"?>
-<p:sld xmlns:a="http://schemas.openxmlformats.org/drawingml/2006/main" xmlns:r="http://schemas.openxmlformats.org/officeDocument/2006/relationships" xmlns:p="http://schemas.openxmlformats.org/presentationml/2006/main">
-  <p:cSld>
-    <p:spTree>
-      <p:nvGrpSpPr>
-        <p:cNvPr id="1" name=""/>
-        <p:cNvGrpSpPr/>
-        <p:nvPr/>
-      </p:nvGrpSpPr>
-      <p:grpSpPr>
-        <a:xfrm>
-          <a:off x="0" y="0"/>
-          <a:ext cx="0" cy="0"/>
-          <a:chOff x="0" y="0"/>
-          <a:chExt cx="0" cy="0"/>
-        </a:xfrm>
-      </p:grpSpPr>
-      <p:sp>
-        <p:nvSpPr>
-          <p:cNvPr id="4" name="Title 3"/>
-          <p:cNvSpPr>
-            <a:spLocks noGrp="1"/>
-          </p:cNvSpPr>
-          <p:nvPr>
-            <p:ph type="title"/>
-          </p:nvPr>
-        </p:nvSpPr>
-        <p:spPr/>
-        <p:txBody>
-          <a:bodyPr>
-            <a:normAutofit/>
-          </a:bodyPr>
-          <a:lstStyle/>
-          <a:p>
-            <a:r>
-              <a:rPr lang="ro-RO" sz="4800" dirty="0" smtClean="0"/>
-              <a:t>hopeForTheBest();</a:t>
-            </a:r>
-            <a:endParaRPr lang="ro-RO" sz="4800" dirty="0"/>
-          </a:p>
-        </p:txBody>
-      </p:sp>
-      <p:sp>
-        <p:nvSpPr>
-          <p:cNvPr id="8" name="Content Placeholder 7"/>
-          <p:cNvSpPr>
-            <a:spLocks noGrp="1"/>
-          </p:cNvSpPr>
-          <p:nvPr>
-            <p:ph idx="1"/>
-          </p:nvPr>
-        </p:nvSpPr>
-        <p:spPr/>
-        <p:txBody>
-          <a:bodyPr/>
-          <a:lstStyle/>
-          <a:p>
-            <a:r>
-              <a:rPr lang="ro-RO" sz="2800" dirty="0" smtClean="0"/>
-              <a:t>Who heard about Spring Data ?</a:t>
-            </a:r>
-          </a:p>
-          <a:p>
-            <a:pPr lvl="1"/>
-            <a:r>
-              <a:rPr lang="ro-RO" sz="2000" dirty="0"/>
-              <a:t>x</a:t>
-            </a:r>
-            <a:r>
-              <a:rPr lang="ro-RO" sz="2000" dirty="0" smtClean="0"/>
-              <a:t> code campers</a:t>
-            </a:r>
-          </a:p>
-          <a:p>
-            <a:pPr lvl="1"/>
-            <a:endParaRPr lang="ro-RO" sz="2000" dirty="0" smtClean="0"/>
-          </a:p>
-          <a:p>
-            <a:r>
-              <a:rPr lang="ro-RO" sz="2800" dirty="0" smtClean="0"/>
-              <a:t>Who worked with Spring Data ?</a:t>
-            </a:r>
-          </a:p>
-          <a:p>
-            <a:pPr lvl="1"/>
-            <a:r>
-              <a:rPr lang="ro-RO" sz="2000" dirty="0"/>
-              <a:t>x</a:t>
-            </a:r>
-            <a:r>
-              <a:rPr lang="ro-RO" sz="2000" dirty="0" smtClean="0"/>
-              <a:t> code campers</a:t>
-            </a:r>
-            <a:endParaRPr lang="ro-RO" sz="2000" dirty="0"/>
-          </a:p>
-          <a:p>
-            <a:pPr lvl="1"/>
-            <a:endParaRPr lang="ro-RO" dirty="0" smtClean="0"/>
-          </a:p>
-          <a:p>
-            <a:pPr lvl="1"/>
-            <a:endParaRPr lang="ro-RO" dirty="0" smtClean="0"/>
-          </a:p>
-        </p:txBody>
-      </p:sp>
-    </p:spTree>
-    <p:extLst>
-      <p:ext uri="{BB962C8B-B14F-4D97-AF65-F5344CB8AC3E}">
-        <p14:creationId xmlns:p14="http://schemas.microsoft.com/office/powerpoint/2010/main" val="618556063"/>
-      </p:ext>
-    </p:extLst>
-  </p:cSld>
-  <p:clrMapOvr>
-    <a:masterClrMapping/>
-  </p:clrMapOvr>
-  <p:timing>
-    <p:tnLst>
-      <p:par>
-        <p:cTn id="1" dur="indefinite" restart="never" nodeType="tmRoot"/>
-      </p:par>
-    </p:tnLst>
-  </p:timing>
-</p:sld>
-</file>
-
-<file path=ppt/slides/slide25.xml><?xml version="1.0" encoding="utf-8"?>
-<p:sld xmlns:a="http://schemas.openxmlformats.org/drawingml/2006/main" xmlns:r="http://schemas.openxmlformats.org/officeDocument/2006/relationships" xmlns:p="http://schemas.openxmlformats.org/presentationml/2006/main">
-  <p:cSld>
-    <p:spTree>
-      <p:nvGrpSpPr>
-        <p:cNvPr id="1" name=""/>
-        <p:cNvGrpSpPr/>
-        <p:nvPr/>
-      </p:nvGrpSpPr>
-      <p:grpSpPr>
-        <a:xfrm>
-          <a:off x="0" y="0"/>
-          <a:ext cx="0" cy="0"/>
-          <a:chOff x="0" y="0"/>
-          <a:chExt cx="0" cy="0"/>
-        </a:xfrm>
-      </p:grpSpPr>
-      <p:sp>
-        <p:nvSpPr>
-          <p:cNvPr id="4" name="Title 3"/>
-          <p:cNvSpPr>
-            <a:spLocks noGrp="1"/>
-          </p:cNvSpPr>
-          <p:nvPr>
-            <p:ph type="title"/>
-          </p:nvPr>
-        </p:nvSpPr>
-        <p:spPr/>
-        <p:txBody>
-          <a:bodyPr>
-            <a:normAutofit/>
-          </a:bodyPr>
-          <a:lstStyle/>
-          <a:p>
-            <a:r>
-              <a:rPr lang="ro-RO" sz="4800" dirty="0" smtClean="0"/>
-              <a:t>thankYou();</a:t>
-            </a:r>
-            <a:endParaRPr lang="ro-RO" sz="4800" dirty="0"/>
-          </a:p>
-        </p:txBody>
-      </p:sp>
-      <p:sp>
-        <p:nvSpPr>
-          <p:cNvPr id="3" name="Content Placeholder 2"/>
-          <p:cNvSpPr>
-            <a:spLocks noGrp="1"/>
-          </p:cNvSpPr>
-          <p:nvPr>
-            <p:ph idx="1"/>
-          </p:nvPr>
-        </p:nvSpPr>
-        <p:spPr/>
-        <p:txBody>
-          <a:bodyPr>
-            <a:normAutofit/>
-          </a:bodyPr>
-          <a:lstStyle/>
-          <a:p>
-            <a:pPr marL="0" indent="0" algn="ctr">
-              <a:buNone/>
-            </a:pPr>
-            <a:r>
-              <a:rPr lang="ro-RO" sz="10000" dirty="0" smtClean="0"/>
-              <a:t>THANK YOU !</a:t>
-            </a:r>
-          </a:p>
-          <a:p>
-            <a:pPr marL="0" indent="0" algn="ctr">
-              <a:buNone/>
-            </a:pPr>
-            <a:r>
-              <a:rPr lang="ro-RO" sz="10000" dirty="0" smtClean="0"/>
-              <a:t>QUESTIONS ?</a:t>
-            </a:r>
-            <a:endParaRPr lang="ro-RO" sz="10000" dirty="0"/>
-          </a:p>
-        </p:txBody>
-      </p:sp>
-    </p:spTree>
-    <p:extLst>
-      <p:ext uri="{BB962C8B-B14F-4D97-AF65-F5344CB8AC3E}">
-        <p14:creationId xmlns:p14="http://schemas.microsoft.com/office/powerpoint/2010/main" val="2492166281"/>
-      </p:ext>
-    </p:extLst>
-  </p:cSld>
-  <p:clrMapOvr>
-    <a:masterClrMapping/>
-  </p:clrMapOvr>
-  <p:timing>
-    <p:tnLst>
-      <p:par>
-        <p:cTn id="1" dur="indefinite" restart="never" nodeType="tmRoot"/>
-      </p:par>
-    </p:tnLst>
-  </p:timing>
-</p:sld>
-</file>
-
-<file path=ppt/slides/slide3.xml><?xml version="1.0" encoding="utf-8"?>
-<p:sld xmlns:a="http://schemas.openxmlformats.org/drawingml/2006/main" xmlns:r="http://schemas.openxmlformats.org/officeDocument/2006/relationships" xmlns:p="http://schemas.openxmlformats.org/presentationml/2006/main">
-  <p:cSld>
-    <p:spTree>
-      <p:nvGrpSpPr>
-        <p:cNvPr id="1" name=""/>
-        <p:cNvGrpSpPr/>
-        <p:nvPr/>
-      </p:nvGrpSpPr>
-      <p:grpSpPr>
-        <a:xfrm>
-          <a:off x="0" y="0"/>
-          <a:ext cx="0" cy="0"/>
-          <a:chOff x="0" y="0"/>
-          <a:chExt cx="0" cy="0"/>
-        </a:xfrm>
-      </p:grpSpPr>
-      <p:sp>
-        <p:nvSpPr>
-          <p:cNvPr id="2" name="Title 1"/>
-          <p:cNvSpPr>
-            <a:spLocks noGrp="1"/>
-          </p:cNvSpPr>
-          <p:nvPr>
-            <p:ph type="title"/>
-          </p:nvPr>
-        </p:nvSpPr>
-        <p:spPr/>
-        <p:txBody>
-          <a:bodyPr>
-            <a:normAutofit/>
-          </a:bodyPr>
-          <a:lstStyle/>
-          <a:p>
-            <a:r>
-              <a:rPr lang="ro-RO" sz="4800" dirty="0"/>
-              <a:t>w</a:t>
-            </a:r>
-            <a:r>
-              <a:rPr lang="ro-RO" sz="4800" dirty="0" smtClean="0"/>
-              <a:t>hy();</a:t>
-            </a:r>
-            <a:endParaRPr lang="ro-RO" sz="4800" dirty="0"/>
-          </a:p>
-        </p:txBody>
-      </p:sp>
-      <p:graphicFrame>
-        <p:nvGraphicFramePr>
-          <p:cNvPr id="4" name="Content Placeholder 3"/>
-          <p:cNvGraphicFramePr>
-            <a:graphicFrameLocks noGrp="1"/>
-          </p:cNvGraphicFramePr>
-          <p:nvPr>
-            <p:ph idx="1"/>
-            <p:extLst>
-              <p:ext uri="{D42A27DB-BD31-4B8C-83A1-F6EECF244321}">
-                <p14:modId xmlns:p14="http://schemas.microsoft.com/office/powerpoint/2010/main" val="1432363449"/>
-              </p:ext>
-            </p:extLst>
-          </p:nvPr>
-        </p:nvGraphicFramePr>
-        <p:xfrm>
-          <a:off x="477079" y="2160589"/>
-          <a:ext cx="6533322" cy="3880773"/>
-        </p:xfrm>
-        <a:graphic>
-          <a:graphicData uri="http://schemas.openxmlformats.org/drawingml/2006/diagram">
-            <dgm:relIds xmlns:dgm="http://schemas.openxmlformats.org/drawingml/2006/diagram" xmlns:r="http://schemas.openxmlformats.org/officeDocument/2006/relationships" r:dm="rId3" r:lo="rId4" r:qs="rId5" r:cs="rId6"/>
-          </a:graphicData>
-        </a:graphic>
-      </p:graphicFrame>
-      <p:sp>
-        <p:nvSpPr>
-          <p:cNvPr id="5" name="Rounded Rectangle 4"/>
-          <p:cNvSpPr/>
-          <p:nvPr/>
-        </p:nvSpPr>
-        <p:spPr>
-          <a:xfrm>
-            <a:off x="7195929" y="3385071"/>
-            <a:ext cx="2078073" cy="1431808"/>
-          </a:xfrm>
-          <a:prstGeom prst="roundRect">
-            <a:avLst/>
-          </a:prstGeom>
-        </p:spPr>
-        <p:style>
-          <a:lnRef idx="2">
-            <a:schemeClr val="accent1">
-              <a:shade val="50000"/>
-            </a:schemeClr>
-          </a:lnRef>
-          <a:fillRef idx="1">
-            <a:schemeClr val="accent1"/>
-          </a:fillRef>
-          <a:effectRef idx="0">
-            <a:schemeClr val="accent1"/>
-          </a:effectRef>
-          <a:fontRef idx="minor">
-            <a:schemeClr val="lt1"/>
-          </a:fontRef>
-        </p:style>
-        <p:txBody>
-          <a:bodyPr rtlCol="0" anchor="ctr"/>
-          <a:lstStyle/>
-          <a:p>
-            <a:pPr algn="ctr"/>
-            <a:r>
-              <a:rPr lang="ro-RO" sz="2400" dirty="0" smtClean="0"/>
-              <a:t>Boilerplate</a:t>
-            </a:r>
-            <a:endParaRPr lang="ro-RO" sz="2400" dirty="0"/>
-          </a:p>
-        </p:txBody>
-      </p:sp>
-    </p:spTree>
-    <p:extLst>
-      <p:ext uri="{BB962C8B-B14F-4D97-AF65-F5344CB8AC3E}">
-        <p14:creationId xmlns:p14="http://schemas.microsoft.com/office/powerpoint/2010/main" val="1328328659"/>
-      </p:ext>
-    </p:extLst>
-  </p:cSld>
-  <p:clrMapOvr>
-    <a:masterClrMapping/>
-  </p:clrMapOvr>
-  <p:timing>
-    <p:tnLst>
-      <p:par>
-        <p:cTn id="1" dur="indefinite" restart="never" nodeType="tmRoot"/>
-      </p:par>
-    </p:tnLst>
-  </p:timing>
-</p:sld>
-</file>
-
-<file path=ppt/slides/slide4.xml><?xml version="1.0" encoding="utf-8"?>
-<p:sld xmlns:a="http://schemas.openxmlformats.org/drawingml/2006/main" xmlns:r="http://schemas.openxmlformats.org/officeDocument/2006/relationships" xmlns:p="http://schemas.openxmlformats.org/presentationml/2006/main">
-  <p:cSld>
-    <p:spTree>
-      <p:nvGrpSpPr>
-        <p:cNvPr id="1" name=""/>
-        <p:cNvGrpSpPr/>
-        <p:nvPr/>
-      </p:nvGrpSpPr>
-      <p:grpSpPr>
-        <a:xfrm>
-          <a:off x="0" y="0"/>
-          <a:ext cx="0" cy="0"/>
-          <a:chOff x="0" y="0"/>
-          <a:chExt cx="0" cy="0"/>
-        </a:xfrm>
-      </p:grpSpPr>
-      <p:sp>
-        <p:nvSpPr>
-          <p:cNvPr id="2" name="Title 1"/>
-          <p:cNvSpPr>
-            <a:spLocks noGrp="1"/>
-          </p:cNvSpPr>
-          <p:nvPr>
-            <p:ph type="title"/>
-          </p:nvPr>
-        </p:nvSpPr>
-        <p:spPr/>
-        <p:txBody>
-          <a:bodyPr>
-            <a:normAutofit/>
-          </a:bodyPr>
-          <a:lstStyle/>
-          <a:p>
-            <a:r>
-              <a:rPr lang="ro-RO" sz="4800" dirty="0" smtClean="0"/>
-              <a:t>searchSolution();</a:t>
-            </a:r>
-            <a:endParaRPr lang="ro-RO" sz="4800" dirty="0"/>
-          </a:p>
-        </p:txBody>
-      </p:sp>
-      <p:sp>
-        <p:nvSpPr>
-          <p:cNvPr id="3" name="Content Placeholder 2"/>
-          <p:cNvSpPr>
-            <a:spLocks noGrp="1"/>
-          </p:cNvSpPr>
-          <p:nvPr>
-            <p:ph idx="1"/>
-          </p:nvPr>
-        </p:nvSpPr>
-        <p:spPr/>
-        <p:txBody>
-          <a:bodyPr>
-            <a:normAutofit/>
-          </a:bodyPr>
-          <a:lstStyle/>
-          <a:p>
-            <a:r>
-              <a:rPr lang="ro-RO" sz="2800" dirty="0" smtClean="0"/>
-              <a:t>Spring Data JPA ofc</a:t>
-            </a:r>
-          </a:p>
-          <a:p>
-            <a:endParaRPr lang="ro-RO" sz="2800" dirty="0" smtClean="0"/>
-          </a:p>
-          <a:p>
-            <a:r>
-              <a:rPr lang="ro-RO" sz="2800" dirty="0" smtClean="0"/>
-              <a:t>Easier way to develop apps using RDB or newer technologies</a:t>
-            </a:r>
-          </a:p>
-          <a:p>
-            <a:endParaRPr lang="ro-RO" sz="2800" dirty="0" smtClean="0"/>
-          </a:p>
-          <a:p>
-            <a:r>
-              <a:rPr lang="ro-RO" sz="2800" dirty="0" smtClean="0"/>
-              <a:t>JPA, MongoDB, Redis, Solr, REST, Cassandra, ElasticSearch and many others</a:t>
-            </a:r>
-            <a:endParaRPr lang="ro-RO" sz="2800" dirty="0"/>
-          </a:p>
-        </p:txBody>
-      </p:sp>
-    </p:spTree>
-    <p:extLst>
-      <p:ext uri="{BB962C8B-B14F-4D97-AF65-F5344CB8AC3E}">
-        <p14:creationId xmlns:p14="http://schemas.microsoft.com/office/powerpoint/2010/main" val="3019536520"/>
-      </p:ext>
-    </p:extLst>
-  </p:cSld>
-  <p:clrMapOvr>
-    <a:masterClrMapping/>
-  </p:clrMapOvr>
-  <p:timing>
-    <p:tnLst>
-      <p:par>
-        <p:cTn id="1" dur="indefinite" restart="never" nodeType="tmRoot"/>
-      </p:par>
-    </p:tnLst>
-  </p:timing>
-</p:sld>
-</file>
-
 <file path=ppt/slides/slide5.xml><?xml version="1.0" encoding="utf-8"?>
 <p:sld xmlns:a="http://schemas.openxmlformats.org/drawingml/2006/main" xmlns:r="http://schemas.openxmlformats.org/officeDocument/2006/relationships" xmlns:p="http://schemas.openxmlformats.org/presentationml/2006/main">
   <p:cSld>
@@ -14097,7 +15480,7 @@
       </p:grpSpPr>
       <p:sp>
         <p:nvSpPr>
-          <p:cNvPr id="2" name="Title 1"/>
+          <p:cNvPr id="4" name="Title 3"/>
           <p:cNvSpPr>
             <a:spLocks noGrp="1"/>
           </p:cNvSpPr>
@@ -14114,7 +15497,7 @@
           <a:p>
             <a:r>
               <a:rPr lang="ro-RO" sz="4800" dirty="0" smtClean="0"/>
-              <a:t>printCurrentWay();</a:t>
+              <a:t>meetAudience();</a:t>
             </a:r>
             <a:endParaRPr lang="ro-RO" sz="4800" dirty="0"/>
           </a:p>
@@ -14122,7 +15505,7 @@
       </p:sp>
       <p:sp>
         <p:nvSpPr>
-          <p:cNvPr id="3" name="Content Placeholder 2"/>
+          <p:cNvPr id="8" name="Content Placeholder 7"/>
           <p:cNvSpPr>
             <a:spLocks noGrp="1"/>
           </p:cNvSpPr>
@@ -14137,7 +15520,7 @@
           <a:p>
             <a:r>
               <a:rPr lang="ro-RO" sz="2800" dirty="0" smtClean="0"/>
-              <a:t>Persistence mechanism from EJB</a:t>
+              <a:t>What brings you here ?</a:t>
             </a:r>
           </a:p>
           <a:p>
@@ -14146,36 +15529,56 @@
           <a:p>
             <a:r>
               <a:rPr lang="ro-RO" sz="2800" dirty="0" smtClean="0"/>
-              <a:t>JDBC API</a:t>
-            </a:r>
-          </a:p>
-          <a:p>
-            <a:endParaRPr lang="ro-RO" sz="2800" dirty="0" smtClean="0"/>
+              <a:t>Who heard about Spring Data ?</a:t>
+            </a:r>
+          </a:p>
+          <a:p>
+            <a:pPr lvl="1"/>
+            <a:r>
+              <a:rPr lang="ro-RO" sz="2000" dirty="0"/>
+              <a:t>x</a:t>
+            </a:r>
+            <a:r>
+              <a:rPr lang="ro-RO" sz="2000" dirty="0" smtClean="0"/>
+              <a:t> code campers</a:t>
+            </a:r>
+          </a:p>
+          <a:p>
+            <a:pPr lvl="1"/>
+            <a:endParaRPr lang="ro-RO" sz="2000" dirty="0" smtClean="0"/>
           </a:p>
           <a:p>
             <a:r>
               <a:rPr lang="ro-RO" sz="2800" dirty="0" smtClean="0"/>
-              <a:t>ORM – Hibernate</a:t>
-            </a:r>
-          </a:p>
-          <a:p>
-            <a:endParaRPr lang="ro-RO" sz="2800" dirty="0" smtClean="0"/>
-          </a:p>
-          <a:p>
-            <a:r>
-              <a:rPr lang="ro-RO" sz="2800" dirty="0" smtClean="0"/>
-              <a:t>JPA</a:t>
-            </a:r>
-          </a:p>
-          <a:p>
-            <a:endParaRPr lang="ro-RO" dirty="0"/>
+              <a:t>Who worked with Spring Data ?</a:t>
+            </a:r>
+          </a:p>
+          <a:p>
+            <a:pPr lvl="1"/>
+            <a:r>
+              <a:rPr lang="ro-RO" sz="2000" dirty="0"/>
+              <a:t>x</a:t>
+            </a:r>
+            <a:r>
+              <a:rPr lang="ro-RO" sz="2000" dirty="0" smtClean="0"/>
+              <a:t> code campers</a:t>
+            </a:r>
+            <a:endParaRPr lang="ro-RO" sz="2000" dirty="0"/>
+          </a:p>
+          <a:p>
+            <a:pPr lvl="1"/>
+            <a:endParaRPr lang="ro-RO" dirty="0" smtClean="0"/>
+          </a:p>
+          <a:p>
+            <a:pPr lvl="1"/>
+            <a:endParaRPr lang="ro-RO" dirty="0" smtClean="0"/>
           </a:p>
         </p:txBody>
       </p:sp>
     </p:spTree>
     <p:extLst>
       <p:ext uri="{BB962C8B-B14F-4D97-AF65-F5344CB8AC3E}">
-        <p14:creationId xmlns:p14="http://schemas.microsoft.com/office/powerpoint/2010/main" val="3096038964"/>
+        <p14:creationId xmlns:p14="http://schemas.microsoft.com/office/powerpoint/2010/main" val="3088108594"/>
       </p:ext>
     </p:extLst>
   </p:cSld>
@@ -14227,75 +15630,90 @@
           <a:lstStyle/>
           <a:p>
             <a:r>
+              <a:rPr lang="ro-RO" sz="4800" dirty="0"/>
+              <a:t>w</a:t>
+            </a:r>
+            <a:r>
               <a:rPr lang="ro-RO" sz="4800" dirty="0" smtClean="0"/>
-              <a:t>printNextWay();</a:t>
+              <a:t>hy();</a:t>
             </a:r>
             <a:endParaRPr lang="ro-RO" sz="4800" dirty="0"/>
           </a:p>
         </p:txBody>
       </p:sp>
-      <p:sp>
-        <p:nvSpPr>
-          <p:cNvPr id="3" name="Content Placeholder 2"/>
-          <p:cNvSpPr>
-            <a:spLocks noGrp="1"/>
-          </p:cNvSpPr>
+      <p:graphicFrame>
+        <p:nvGraphicFramePr>
+          <p:cNvPr id="4" name="Content Placeholder 3"/>
+          <p:cNvGraphicFramePr>
+            <a:graphicFrameLocks noGrp="1"/>
+          </p:cNvGraphicFramePr>
           <p:nvPr>
             <p:ph idx="1"/>
-          </p:nvPr>
-        </p:nvSpPr>
-        <p:spPr/>
-        <p:txBody>
-          <a:bodyPr/>
-          <a:lstStyle/>
-          <a:p>
-            <a:r>
-              <a:rPr lang="ro-RO" sz="2800" dirty="0" smtClean="0"/>
-              <a:t>Spring Framework</a:t>
-            </a:r>
-          </a:p>
-          <a:p>
-            <a:endParaRPr lang="ro-RO" sz="2800" dirty="0" smtClean="0"/>
-          </a:p>
-          <a:p>
-            <a:pPr lvl="1"/>
-            <a:r>
-              <a:rPr lang="ro-RO" sz="2000" dirty="0" smtClean="0"/>
-              <a:t>Provides sophisticated support for traditional data access techs</a:t>
-            </a:r>
-          </a:p>
-          <a:p>
-            <a:pPr lvl="1"/>
-            <a:endParaRPr lang="ro-RO" sz="2000" dirty="0" smtClean="0"/>
-          </a:p>
-          <a:p>
-            <a:pPr lvl="1"/>
-            <a:r>
-              <a:rPr lang="ro-RO" sz="2000" dirty="0" smtClean="0"/>
-              <a:t>Simplified infrastructure setup and exception translation</a:t>
-            </a:r>
-          </a:p>
-          <a:p>
-            <a:pPr lvl="1"/>
-            <a:endParaRPr lang="ro-RO" sz="2000" dirty="0"/>
-          </a:p>
-          <a:p>
-            <a:pPr lvl="1"/>
-            <a:r>
-              <a:rPr lang="ro-RO" sz="2000" dirty="0" smtClean="0"/>
-              <a:t>The transactional mechanism</a:t>
-            </a:r>
-          </a:p>
-          <a:p>
-            <a:pPr lvl="1"/>
-            <a:endParaRPr lang="ro-RO" dirty="0"/>
+            <p:extLst>
+              <p:ext uri="{D42A27DB-BD31-4B8C-83A1-F6EECF244321}">
+                <p14:modId xmlns:p14="http://schemas.microsoft.com/office/powerpoint/2010/main" val="1432363449"/>
+              </p:ext>
+            </p:extLst>
+          </p:nvPr>
+        </p:nvGraphicFramePr>
+        <p:xfrm>
+          <a:off x="477079" y="2160589"/>
+          <a:ext cx="6533322" cy="3880773"/>
+        </p:xfrm>
+        <a:graphic>
+          <a:graphicData uri="http://schemas.openxmlformats.org/drawingml/2006/diagram">
+            <dgm:relIds xmlns:dgm="http://schemas.openxmlformats.org/drawingml/2006/diagram" xmlns:r="http://schemas.openxmlformats.org/officeDocument/2006/relationships" r:dm="rId3" r:lo="rId4" r:qs="rId5" r:cs="rId6"/>
+          </a:graphicData>
+        </a:graphic>
+      </p:graphicFrame>
+      <p:sp>
+        <p:nvSpPr>
+          <p:cNvPr id="5" name="Rounded Rectangle 4"/>
+          <p:cNvSpPr/>
+          <p:nvPr/>
+        </p:nvSpPr>
+        <p:spPr>
+          <a:xfrm>
+            <a:off x="7195929" y="3385071"/>
+            <a:ext cx="2078073" cy="1431808"/>
+          </a:xfrm>
+          <a:prstGeom prst="roundRect">
+            <a:avLst/>
+          </a:prstGeom>
+        </p:spPr>
+        <p:style>
+          <a:lnRef idx="2">
+            <a:schemeClr val="accent1">
+              <a:shade val="50000"/>
+            </a:schemeClr>
+          </a:lnRef>
+          <a:fillRef idx="1">
+            <a:schemeClr val="accent1"/>
+          </a:fillRef>
+          <a:effectRef idx="0">
+            <a:schemeClr val="accent1"/>
+          </a:effectRef>
+          <a:fontRef idx="minor">
+            <a:schemeClr val="lt1"/>
+          </a:fontRef>
+        </p:style>
+        <p:txBody>
+          <a:bodyPr rtlCol="0" anchor="ctr"/>
+          <a:lstStyle/>
+          <a:p>
+            <a:pPr algn="ctr"/>
+            <a:r>
+              <a:rPr lang="ro-RO" sz="2400" dirty="0" smtClean="0"/>
+              <a:t>Boilerplate</a:t>
+            </a:r>
+            <a:endParaRPr lang="ro-RO" sz="2400" dirty="0"/>
           </a:p>
         </p:txBody>
       </p:sp>
     </p:spTree>
     <p:extLst>
       <p:ext uri="{BB962C8B-B14F-4D97-AF65-F5344CB8AC3E}">
-        <p14:creationId xmlns:p14="http://schemas.microsoft.com/office/powerpoint/2010/main" val="469248954"/>
+        <p14:creationId xmlns:p14="http://schemas.microsoft.com/office/powerpoint/2010/main" val="1328328659"/>
       </p:ext>
     </p:extLst>
   </p:cSld>
@@ -14348,7 +15766,7 @@
           <a:p>
             <a:r>
               <a:rPr lang="ro-RO" sz="4800" dirty="0" smtClean="0"/>
-              <a:t>printNextWay();</a:t>
+              <a:t>searchSolution();</a:t>
             </a:r>
             <a:endParaRPr lang="ro-RO" sz="4800" dirty="0"/>
           </a:p>
@@ -14366,56 +15784,41 @@
         </p:nvSpPr>
         <p:spPr/>
         <p:txBody>
-          <a:bodyPr/>
+          <a:bodyPr>
+            <a:normAutofit/>
+          </a:bodyPr>
           <a:lstStyle/>
           <a:p>
             <a:r>
               <a:rPr lang="ro-RO" sz="2800" dirty="0" smtClean="0"/>
-              <a:t>Spring Data</a:t>
+              <a:t>Spring Data JPA ofc</a:t>
             </a:r>
           </a:p>
           <a:p>
             <a:endParaRPr lang="ro-RO" sz="2800" dirty="0" smtClean="0"/>
           </a:p>
           <a:p>
-            <a:pPr lvl="1"/>
-            <a:r>
-              <a:rPr lang="ro-RO" sz="2000" dirty="0" smtClean="0"/>
-              <a:t>First release @ SpringOne 2010</a:t>
-            </a:r>
-          </a:p>
-          <a:p>
-            <a:pPr lvl="1"/>
-            <a:endParaRPr lang="ro-RO" sz="2000" dirty="0" smtClean="0"/>
-          </a:p>
-          <a:p>
-            <a:pPr lvl="1"/>
-            <a:r>
-              <a:rPr lang="ro-RO" sz="2000" dirty="0" smtClean="0"/>
-              <a:t>Provides a simple and consistent approach for working with data persistence</a:t>
-            </a:r>
-          </a:p>
-          <a:p>
-            <a:pPr lvl="1"/>
-            <a:endParaRPr lang="ro-RO" sz="2000" dirty="0" smtClean="0"/>
-          </a:p>
-          <a:p>
-            <a:pPr lvl="1"/>
-            <a:r>
-              <a:rPr lang="ro-RO" sz="2000" dirty="0" smtClean="0"/>
-              <a:t>Reduces the necessary effort for having the persistence layer in place</a:t>
-            </a:r>
-          </a:p>
-          <a:p>
-            <a:pPr lvl="1"/>
-            <a:endParaRPr lang="ro-RO" dirty="0"/>
+            <a:r>
+              <a:rPr lang="ro-RO" sz="2800" dirty="0" smtClean="0"/>
+              <a:t>Easier way to develop apps using RDB or newer technologies</a:t>
+            </a:r>
+          </a:p>
+          <a:p>
+            <a:endParaRPr lang="ro-RO" sz="2800" dirty="0" smtClean="0"/>
+          </a:p>
+          <a:p>
+            <a:r>
+              <a:rPr lang="ro-RO" sz="2800" dirty="0" smtClean="0"/>
+              <a:t>JPA, MongoDB, Redis, Solr, REST, Cassandra, ElasticSearch and many others</a:t>
+            </a:r>
+            <a:endParaRPr lang="ro-RO" sz="2800" dirty="0"/>
           </a:p>
         </p:txBody>
       </p:sp>
     </p:spTree>
     <p:extLst>
       <p:ext uri="{BB962C8B-B14F-4D97-AF65-F5344CB8AC3E}">
-        <p14:creationId xmlns:p14="http://schemas.microsoft.com/office/powerpoint/2010/main" val="2517364754"/>
+        <p14:creationId xmlns:p14="http://schemas.microsoft.com/office/powerpoint/2010/main" val="3019536520"/>
       </p:ext>
     </p:extLst>
   </p:cSld>
@@ -14468,7 +15871,7 @@
           <a:p>
             <a:r>
               <a:rPr lang="ro-RO" sz="4800" dirty="0" smtClean="0"/>
-              <a:t>getRepository();</a:t>
+              <a:t>printCurrentWay();</a:t>
             </a:r>
             <a:endParaRPr lang="ro-RO" sz="4800" dirty="0"/>
           </a:p>
@@ -14489,57 +15892,37 @@
           <a:bodyPr/>
           <a:lstStyle/>
           <a:p>
-            <a:pPr marL="342900" lvl="1" indent="-342900"/>
-            <a:r>
-              <a:rPr lang="ro-RO" sz="2800" i="1" dirty="0"/>
-              <a:t>The goal of Spring Data repository abstraction is to significantly reduce the amount of boilerplate code required to implement data access layers for various persistence stores</a:t>
-            </a:r>
-            <a:r>
-              <a:rPr lang="ro-RO" sz="2800" i="1" dirty="0" smtClean="0"/>
-              <a:t>.</a:t>
-            </a:r>
             <a:r>
               <a:rPr lang="ro-RO" sz="2800" dirty="0" smtClean="0"/>
-              <a:t> </a:t>
-            </a:r>
-          </a:p>
-          <a:p>
-            <a:pPr marL="0" lvl="1" indent="0">
-              <a:buNone/>
-            </a:pPr>
+              <a:t>Persistence mechanism from EJB</a:t>
+            </a:r>
+          </a:p>
+          <a:p>
+            <a:endParaRPr lang="ro-RO" sz="2800" dirty="0" smtClean="0"/>
+          </a:p>
+          <a:p>
             <a:r>
               <a:rPr lang="ro-RO" sz="2800" dirty="0" smtClean="0"/>
-              <a:t>			– </a:t>
-            </a:r>
-            <a:r>
-              <a:rPr lang="ro-RO" sz="2000" dirty="0"/>
-              <a:t>This is what Spring officialy says</a:t>
-            </a:r>
-            <a:r>
-              <a:rPr lang="ro-RO" sz="2000" dirty="0" smtClean="0"/>
-              <a:t>.</a:t>
-            </a:r>
+              <a:t>JDBC API</a:t>
+            </a:r>
+          </a:p>
+          <a:p>
             <a:endParaRPr lang="ro-RO" sz="2800" dirty="0" smtClean="0"/>
           </a:p>
           <a:p>
-            <a:pPr marL="342900" lvl="1" indent="-342900"/>
             <a:r>
               <a:rPr lang="ro-RO" sz="2800" dirty="0" smtClean="0"/>
-              <a:t>The central interface for repository abstraction is ... Repository </a:t>
-            </a:r>
-            <a:r>
-              <a:rPr lang="ro-RO" sz="2800" dirty="0" smtClean="0">
-                <a:sym typeface="Wingdings" panose="05000000000000000000" pitchFamily="2" charset="2"/>
-              </a:rPr>
-              <a:t></a:t>
-            </a:r>
+              <a:t>ORM – Hibernate</a:t>
+            </a:r>
+          </a:p>
+          <a:p>
             <a:endParaRPr lang="ro-RO" sz="2800" dirty="0" smtClean="0"/>
           </a:p>
           <a:p>
-            <a:pPr marL="1771650" lvl="5" indent="0">
-              <a:buNone/>
-            </a:pPr>
-            <a:endParaRPr lang="ro-RO" sz="2800" dirty="0"/>
+            <a:r>
+              <a:rPr lang="ro-RO" sz="2800" dirty="0" smtClean="0"/>
+              <a:t>JPA</a:t>
+            </a:r>
           </a:p>
           <a:p>
             <a:endParaRPr lang="ro-RO" dirty="0"/>
@@ -14549,7 +15932,7 @@
     </p:spTree>
     <p:extLst>
       <p:ext uri="{BB962C8B-B14F-4D97-AF65-F5344CB8AC3E}">
-        <p14:creationId xmlns:p14="http://schemas.microsoft.com/office/powerpoint/2010/main" val="2899752403"/>
+        <p14:creationId xmlns:p14="http://schemas.microsoft.com/office/powerpoint/2010/main" val="3096038964"/>
       </p:ext>
     </p:extLst>
   </p:cSld>
@@ -14602,7 +15985,7 @@
           <a:p>
             <a:r>
               <a:rPr lang="ro-RO" sz="4800" dirty="0" smtClean="0"/>
-              <a:t>getRepository();</a:t>
+              <a:t>printNextWay();</a:t>
             </a:r>
             <a:endParaRPr lang="ro-RO" sz="4800" dirty="0"/>
           </a:p>
@@ -14623,50 +16006,53 @@
           <a:bodyPr/>
           <a:lstStyle/>
           <a:p>
-            <a:pPr marL="1771650" lvl="5" indent="0">
-              <a:buNone/>
-            </a:pPr>
-            <a:endParaRPr lang="ro-RO" sz="2800" dirty="0"/>
-          </a:p>
-          <a:p>
+            <a:r>
+              <a:rPr lang="ro-RO" sz="2800" dirty="0" smtClean="0"/>
+              <a:t>Spring Framework</a:t>
+            </a:r>
+          </a:p>
+          <a:p>
+            <a:endParaRPr lang="ro-RO" sz="2800" dirty="0" smtClean="0"/>
+          </a:p>
+          <a:p>
+            <a:pPr lvl="1"/>
+            <a:r>
+              <a:rPr lang="ro-RO" sz="2000" dirty="0" smtClean="0"/>
+              <a:t>Provides sophisticated support for traditional data access techs</a:t>
+            </a:r>
+          </a:p>
+          <a:p>
+            <a:pPr lvl="1"/>
+            <a:endParaRPr lang="ro-RO" sz="2000" dirty="0" smtClean="0"/>
+          </a:p>
+          <a:p>
+            <a:pPr lvl="1"/>
+            <a:r>
+              <a:rPr lang="ro-RO" sz="2000" dirty="0" smtClean="0"/>
+              <a:t>Simplified infrastructure setup and exception translation</a:t>
+            </a:r>
+          </a:p>
+          <a:p>
+            <a:pPr lvl="1"/>
+            <a:endParaRPr lang="ro-RO" sz="2000" dirty="0"/>
+          </a:p>
+          <a:p>
+            <a:pPr lvl="1"/>
+            <a:r>
+              <a:rPr lang="ro-RO" sz="2000" dirty="0" smtClean="0"/>
+              <a:t>The transactional mechanism</a:t>
+            </a:r>
+          </a:p>
+          <a:p>
+            <a:pPr lvl="1"/>
             <a:endParaRPr lang="ro-RO" dirty="0"/>
           </a:p>
         </p:txBody>
       </p:sp>
-      <p:pic>
-        <p:nvPicPr>
-          <p:cNvPr id="5" name="Picture 4"/>
-          <p:cNvPicPr>
-            <a:picLocks noChangeAspect="1"/>
-          </p:cNvPicPr>
-          <p:nvPr/>
-        </p:nvPicPr>
-        <p:blipFill>
-          <a:blip r:embed="rId3">
-            <a:extLst>
-              <a:ext uri="{28A0092B-C50C-407E-A947-70E740481C1C}">
-                <a14:useLocalDpi xmlns:a14="http://schemas.microsoft.com/office/drawing/2010/main" val="0"/>
-              </a:ext>
-            </a:extLst>
-          </a:blip>
-          <a:stretch>
-            <a:fillRect/>
-          </a:stretch>
-        </p:blipFill>
-        <p:spPr>
-          <a:xfrm>
-            <a:off x="677334" y="2690676"/>
-            <a:ext cx="8968149" cy="2239133"/>
-          </a:xfrm>
-          <a:prstGeom prst="rect">
-            <a:avLst/>
-          </a:prstGeom>
-        </p:spPr>
-      </p:pic>
     </p:spTree>
     <p:extLst>
       <p:ext uri="{BB962C8B-B14F-4D97-AF65-F5344CB8AC3E}">
-        <p14:creationId xmlns:p14="http://schemas.microsoft.com/office/powerpoint/2010/main" val="3571020140"/>
+        <p14:creationId xmlns:p14="http://schemas.microsoft.com/office/powerpoint/2010/main" val="469248954"/>
       </p:ext>
     </p:extLst>
   </p:cSld>
